--- a/Class 6.pptx
+++ b/Class 6.pptx
@@ -5,7 +5,7 @@
     <p:sldMasterId id="2147483672" r:id="rId1"/>
   </p:sldMasterIdLst>
   <p:notesMasterIdLst>
-    <p:notesMasterId r:id="rId18"/>
+    <p:notesMasterId r:id="rId22"/>
   </p:notesMasterIdLst>
   <p:sldIdLst>
     <p:sldId id="256" r:id="rId2"/>
@@ -24,6 +24,10 @@
     <p:sldId id="360" r:id="rId15"/>
     <p:sldId id="362" r:id="rId16"/>
     <p:sldId id="361" r:id="rId17"/>
+    <p:sldId id="328" r:id="rId18"/>
+    <p:sldId id="332" r:id="rId19"/>
+    <p:sldId id="333" r:id="rId20"/>
+    <p:sldId id="334" r:id="rId21"/>
   </p:sldIdLst>
   <p:sldSz cx="12192000" cy="6858000"/>
   <p:notesSz cx="6858000" cy="9144000"/>
@@ -6120,6 +6124,533 @@
 </p:sld>
 </file>
 
+<file path=ppt/slides/slide17.xml><?xml version="1.0" encoding="utf-8"?>
+<p:sld xmlns:a="http://schemas.openxmlformats.org/drawingml/2006/main" xmlns:r="http://schemas.openxmlformats.org/officeDocument/2006/relationships" xmlns:p="http://schemas.openxmlformats.org/presentationml/2006/main">
+  <p:cSld>
+    <p:spTree>
+      <p:nvGrpSpPr>
+        <p:cNvPr id="1" name=""/>
+        <p:cNvGrpSpPr/>
+        <p:nvPr/>
+      </p:nvGrpSpPr>
+      <p:grpSpPr>
+        <a:xfrm>
+          <a:off x="0" y="0"/>
+          <a:ext cx="0" cy="0"/>
+          <a:chOff x="0" y="0"/>
+          <a:chExt cx="0" cy="0"/>
+        </a:xfrm>
+      </p:grpSpPr>
+      <p:sp>
+        <p:nvSpPr>
+          <p:cNvPr id="2" name="Title 1"/>
+          <p:cNvSpPr>
+            <a:spLocks noGrp="1"/>
+          </p:cNvSpPr>
+          <p:nvPr>
+            <p:ph type="ctrTitle"/>
+          </p:nvPr>
+        </p:nvSpPr>
+        <p:spPr/>
+        <p:txBody>
+          <a:bodyPr/>
+          <a:lstStyle/>
+          <a:p>
+            <a:r>
+              <a:rPr lang="en-US" dirty="0"/>
+              <a:t>Shiny Apps.io</a:t>
+            </a:r>
+          </a:p>
+        </p:txBody>
+      </p:sp>
+      <p:sp>
+        <p:nvSpPr>
+          <p:cNvPr id="3" name="Subtitle 2"/>
+          <p:cNvSpPr>
+            <a:spLocks noGrp="1"/>
+          </p:cNvSpPr>
+          <p:nvPr>
+            <p:ph type="subTitle" idx="1"/>
+          </p:nvPr>
+        </p:nvSpPr>
+        <p:spPr/>
+        <p:txBody>
+          <a:bodyPr>
+            <a:normAutofit/>
+          </a:bodyPr>
+          <a:lstStyle/>
+          <a:p>
+            <a:r>
+              <a:rPr lang="en-US" dirty="0">
+                <a:hlinkClick r:id="rId2"/>
+              </a:rPr>
+              <a:t>http://www.shinyapps.io/</a:t>
+            </a:r>
+            <a:endParaRPr lang="en-US" dirty="0"/>
+          </a:p>
+          <a:p>
+            <a:r>
+              <a:rPr lang="en-US" dirty="0"/>
+              <a:t>Section 6</a:t>
+            </a:r>
+          </a:p>
+        </p:txBody>
+      </p:sp>
+    </p:spTree>
+    <p:extLst>
+      <p:ext uri="{BB962C8B-B14F-4D97-AF65-F5344CB8AC3E}">
+        <p14:creationId xmlns:p14="http://schemas.microsoft.com/office/powerpoint/2010/main" val="924469298"/>
+      </p:ext>
+    </p:extLst>
+  </p:cSld>
+  <p:clrMapOvr>
+    <a:masterClrMapping/>
+  </p:clrMapOvr>
+</p:sld>
+</file>
+
+<file path=ppt/slides/slide18.xml><?xml version="1.0" encoding="utf-8"?>
+<p:sld xmlns:a="http://schemas.openxmlformats.org/drawingml/2006/main" xmlns:r="http://schemas.openxmlformats.org/officeDocument/2006/relationships" xmlns:p="http://schemas.openxmlformats.org/presentationml/2006/main">
+  <p:cSld>
+    <p:spTree>
+      <p:nvGrpSpPr>
+        <p:cNvPr id="1" name=""/>
+        <p:cNvGrpSpPr/>
+        <p:nvPr/>
+      </p:nvGrpSpPr>
+      <p:grpSpPr>
+        <a:xfrm>
+          <a:off x="0" y="0"/>
+          <a:ext cx="0" cy="0"/>
+          <a:chOff x="0" y="0"/>
+          <a:chExt cx="0" cy="0"/>
+        </a:xfrm>
+      </p:grpSpPr>
+      <p:sp>
+        <p:nvSpPr>
+          <p:cNvPr id="2" name="Title 1"/>
+          <p:cNvSpPr>
+            <a:spLocks noGrp="1"/>
+          </p:cNvSpPr>
+          <p:nvPr>
+            <p:ph type="title"/>
+          </p:nvPr>
+        </p:nvSpPr>
+        <p:spPr/>
+        <p:txBody>
+          <a:bodyPr/>
+          <a:lstStyle/>
+          <a:p>
+            <a:r>
+              <a:rPr lang="en-US" dirty="0"/>
+              <a:t>Register a free Account</a:t>
+            </a:r>
+          </a:p>
+        </p:txBody>
+      </p:sp>
+      <p:pic>
+        <p:nvPicPr>
+          <p:cNvPr id="4" name="Content Placeholder 3"/>
+          <p:cNvPicPr>
+            <a:picLocks noGrp="1" noChangeAspect="1"/>
+          </p:cNvPicPr>
+          <p:nvPr>
+            <p:ph idx="1"/>
+          </p:nvPr>
+        </p:nvPicPr>
+        <p:blipFill>
+          <a:blip r:embed="rId2"/>
+          <a:stretch>
+            <a:fillRect/>
+          </a:stretch>
+        </p:blipFill>
+        <p:spPr>
+          <a:xfrm>
+            <a:off x="1371600" y="1567543"/>
+            <a:ext cx="8334894" cy="3581400"/>
+          </a:xfrm>
+          <a:prstGeom prst="rect">
+            <a:avLst/>
+          </a:prstGeom>
+        </p:spPr>
+      </p:pic>
+      <p:pic>
+        <p:nvPicPr>
+          <p:cNvPr id="5" name="Picture 4"/>
+          <p:cNvPicPr>
+            <a:picLocks noChangeAspect="1"/>
+          </p:cNvPicPr>
+          <p:nvPr/>
+        </p:nvPicPr>
+        <p:blipFill>
+          <a:blip r:embed="rId3"/>
+          <a:stretch>
+            <a:fillRect/>
+          </a:stretch>
+        </p:blipFill>
+        <p:spPr>
+          <a:xfrm>
+            <a:off x="4532539" y="4747532"/>
+            <a:ext cx="6686550" cy="1657350"/>
+          </a:xfrm>
+          <a:prstGeom prst="rect">
+            <a:avLst/>
+          </a:prstGeom>
+        </p:spPr>
+      </p:pic>
+    </p:spTree>
+    <p:extLst>
+      <p:ext uri="{BB962C8B-B14F-4D97-AF65-F5344CB8AC3E}">
+        <p14:creationId xmlns:p14="http://schemas.microsoft.com/office/powerpoint/2010/main" val="2432154410"/>
+      </p:ext>
+    </p:extLst>
+  </p:cSld>
+  <p:clrMapOvr>
+    <a:masterClrMapping/>
+  </p:clrMapOvr>
+  <p:timing>
+    <p:tnLst>
+      <p:par>
+        <p:cTn id="1" dur="indefinite" restart="never" nodeType="tmRoot">
+          <p:childTnLst>
+            <p:seq concurrent="1" nextAc="seek">
+              <p:cTn id="2" dur="indefinite" nodeType="mainSeq">
+                <p:childTnLst>
+                  <p:par>
+                    <p:cTn id="3" fill="hold">
+                      <p:stCondLst>
+                        <p:cond delay="indefinite"/>
+                      </p:stCondLst>
+                      <p:childTnLst>
+                        <p:par>
+                          <p:cTn id="4" fill="hold">
+                            <p:stCondLst>
+                              <p:cond delay="0"/>
+                            </p:stCondLst>
+                            <p:childTnLst>
+                              <p:par>
+                                <p:cTn id="5" presetID="1" presetClass="entr" presetSubtype="0" fill="hold" nodeType="clickEffect">
+                                  <p:stCondLst>
+                                    <p:cond delay="0"/>
+                                  </p:stCondLst>
+                                  <p:childTnLst>
+                                    <p:set>
+                                      <p:cBhvr>
+                                        <p:cTn id="6" dur="1" fill="hold">
+                                          <p:stCondLst>
+                                            <p:cond delay="0"/>
+                                          </p:stCondLst>
+                                        </p:cTn>
+                                        <p:tgtEl>
+                                          <p:spTgt spid="4"/>
+                                        </p:tgtEl>
+                                        <p:attrNameLst>
+                                          <p:attrName>style.visibility</p:attrName>
+                                        </p:attrNameLst>
+                                      </p:cBhvr>
+                                      <p:to>
+                                        <p:strVal val="visible"/>
+                                      </p:to>
+                                    </p:set>
+                                  </p:childTnLst>
+                                </p:cTn>
+                              </p:par>
+                            </p:childTnLst>
+                          </p:cTn>
+                        </p:par>
+                      </p:childTnLst>
+                    </p:cTn>
+                  </p:par>
+                  <p:par>
+                    <p:cTn id="7" fill="hold">
+                      <p:stCondLst>
+                        <p:cond delay="indefinite"/>
+                      </p:stCondLst>
+                      <p:childTnLst>
+                        <p:par>
+                          <p:cTn id="8" fill="hold">
+                            <p:stCondLst>
+                              <p:cond delay="0"/>
+                            </p:stCondLst>
+                            <p:childTnLst>
+                              <p:par>
+                                <p:cTn id="9" presetID="1" presetClass="entr" presetSubtype="0" fill="hold" nodeType="clickEffect">
+                                  <p:stCondLst>
+                                    <p:cond delay="0"/>
+                                  </p:stCondLst>
+                                  <p:childTnLst>
+                                    <p:set>
+                                      <p:cBhvr>
+                                        <p:cTn id="10" dur="1" fill="hold">
+                                          <p:stCondLst>
+                                            <p:cond delay="0"/>
+                                          </p:stCondLst>
+                                        </p:cTn>
+                                        <p:tgtEl>
+                                          <p:spTgt spid="5"/>
+                                        </p:tgtEl>
+                                        <p:attrNameLst>
+                                          <p:attrName>style.visibility</p:attrName>
+                                        </p:attrNameLst>
+                                      </p:cBhvr>
+                                      <p:to>
+                                        <p:strVal val="visible"/>
+                                      </p:to>
+                                    </p:set>
+                                  </p:childTnLst>
+                                </p:cTn>
+                              </p:par>
+                            </p:childTnLst>
+                          </p:cTn>
+                        </p:par>
+                      </p:childTnLst>
+                    </p:cTn>
+                  </p:par>
+                </p:childTnLst>
+              </p:cTn>
+              <p:prevCondLst>
+                <p:cond evt="onPrev" delay="0">
+                  <p:tgtEl>
+                    <p:sldTgt/>
+                  </p:tgtEl>
+                </p:cond>
+              </p:prevCondLst>
+              <p:nextCondLst>
+                <p:cond evt="onNext" delay="0">
+                  <p:tgtEl>
+                    <p:sldTgt/>
+                  </p:tgtEl>
+                </p:cond>
+              </p:nextCondLst>
+            </p:seq>
+          </p:childTnLst>
+        </p:cTn>
+      </p:par>
+    </p:tnLst>
+  </p:timing>
+</p:sld>
+</file>
+
+<file path=ppt/slides/slide19.xml><?xml version="1.0" encoding="utf-8"?>
+<p:sld xmlns:a="http://schemas.openxmlformats.org/drawingml/2006/main" xmlns:r="http://schemas.openxmlformats.org/officeDocument/2006/relationships" xmlns:p="http://schemas.openxmlformats.org/presentationml/2006/main">
+  <p:cSld>
+    <p:spTree>
+      <p:nvGrpSpPr>
+        <p:cNvPr id="1" name=""/>
+        <p:cNvGrpSpPr/>
+        <p:nvPr/>
+      </p:nvGrpSpPr>
+      <p:grpSpPr>
+        <a:xfrm>
+          <a:off x="0" y="0"/>
+          <a:ext cx="0" cy="0"/>
+          <a:chOff x="0" y="0"/>
+          <a:chExt cx="0" cy="0"/>
+        </a:xfrm>
+      </p:grpSpPr>
+      <p:sp>
+        <p:nvSpPr>
+          <p:cNvPr id="2" name="Title 1"/>
+          <p:cNvSpPr>
+            <a:spLocks noGrp="1"/>
+          </p:cNvSpPr>
+          <p:nvPr>
+            <p:ph type="title"/>
+          </p:nvPr>
+        </p:nvSpPr>
+        <p:spPr/>
+        <p:txBody>
+          <a:bodyPr/>
+          <a:lstStyle/>
+          <a:p>
+            <a:r>
+              <a:rPr lang="en-US" dirty="0"/>
+              <a:t>Connect your account</a:t>
+            </a:r>
+          </a:p>
+        </p:txBody>
+      </p:sp>
+      <p:pic>
+        <p:nvPicPr>
+          <p:cNvPr id="6" name="Picture 5"/>
+          <p:cNvPicPr>
+            <a:picLocks noChangeAspect="1"/>
+          </p:cNvPicPr>
+          <p:nvPr/>
+        </p:nvPicPr>
+        <p:blipFill>
+          <a:blip r:embed="rId2"/>
+          <a:stretch>
+            <a:fillRect/>
+          </a:stretch>
+        </p:blipFill>
+        <p:spPr>
+          <a:xfrm>
+            <a:off x="1120672" y="1616528"/>
+            <a:ext cx="5051528" cy="4976132"/>
+          </a:xfrm>
+          <a:prstGeom prst="rect">
+            <a:avLst/>
+          </a:prstGeom>
+        </p:spPr>
+      </p:pic>
+      <p:pic>
+        <p:nvPicPr>
+          <p:cNvPr id="7" name="Picture 6"/>
+          <p:cNvPicPr>
+            <a:picLocks noChangeAspect="1"/>
+          </p:cNvPicPr>
+          <p:nvPr/>
+        </p:nvPicPr>
+        <p:blipFill>
+          <a:blip r:embed="rId3"/>
+          <a:stretch>
+            <a:fillRect/>
+          </a:stretch>
+        </p:blipFill>
+        <p:spPr>
+          <a:xfrm>
+            <a:off x="6270791" y="1616528"/>
+            <a:ext cx="5062674" cy="4976132"/>
+          </a:xfrm>
+          <a:prstGeom prst="rect">
+            <a:avLst/>
+          </a:prstGeom>
+        </p:spPr>
+      </p:pic>
+    </p:spTree>
+    <p:extLst>
+      <p:ext uri="{BB962C8B-B14F-4D97-AF65-F5344CB8AC3E}">
+        <p14:creationId xmlns:p14="http://schemas.microsoft.com/office/powerpoint/2010/main" val="2489621477"/>
+      </p:ext>
+    </p:extLst>
+  </p:cSld>
+  <p:clrMapOvr>
+    <a:masterClrMapping/>
+  </p:clrMapOvr>
+  <p:timing>
+    <p:tnLst>
+      <p:par>
+        <p:cTn id="1" dur="indefinite" restart="never" nodeType="tmRoot">
+          <p:childTnLst>
+            <p:seq concurrent="1" nextAc="seek">
+              <p:cTn id="2" dur="indefinite" nodeType="mainSeq">
+                <p:childTnLst>
+                  <p:par>
+                    <p:cTn id="3" fill="hold">
+                      <p:stCondLst>
+                        <p:cond delay="indefinite"/>
+                      </p:stCondLst>
+                      <p:childTnLst>
+                        <p:par>
+                          <p:cTn id="4" fill="hold">
+                            <p:stCondLst>
+                              <p:cond delay="0"/>
+                            </p:stCondLst>
+                            <p:childTnLst>
+                              <p:par>
+                                <p:cTn id="5" presetID="1" presetClass="entr" presetSubtype="0" fill="hold" nodeType="clickEffect">
+                                  <p:stCondLst>
+                                    <p:cond delay="0"/>
+                                  </p:stCondLst>
+                                  <p:childTnLst>
+                                    <p:set>
+                                      <p:cBhvr>
+                                        <p:cTn id="6" dur="1" fill="hold">
+                                          <p:stCondLst>
+                                            <p:cond delay="0"/>
+                                          </p:stCondLst>
+                                        </p:cTn>
+                                        <p:tgtEl>
+                                          <p:spTgt spid="6"/>
+                                        </p:tgtEl>
+                                        <p:attrNameLst>
+                                          <p:attrName>style.visibility</p:attrName>
+                                        </p:attrNameLst>
+                                      </p:cBhvr>
+                                      <p:to>
+                                        <p:strVal val="visible"/>
+                                      </p:to>
+                                    </p:set>
+                                  </p:childTnLst>
+                                </p:cTn>
+                              </p:par>
+                            </p:childTnLst>
+                          </p:cTn>
+                        </p:par>
+                      </p:childTnLst>
+                    </p:cTn>
+                  </p:par>
+                  <p:par>
+                    <p:cTn id="7" fill="hold">
+                      <p:stCondLst>
+                        <p:cond delay="indefinite"/>
+                      </p:stCondLst>
+                      <p:childTnLst>
+                        <p:par>
+                          <p:cTn id="8" fill="hold">
+                            <p:stCondLst>
+                              <p:cond delay="0"/>
+                            </p:stCondLst>
+                            <p:childTnLst>
+                              <p:par>
+                                <p:cTn id="9" presetID="1" presetClass="entr" presetSubtype="0" fill="hold" nodeType="clickEffect">
+                                  <p:stCondLst>
+                                    <p:cond delay="0"/>
+                                  </p:stCondLst>
+                                  <p:childTnLst>
+                                    <p:set>
+                                      <p:cBhvr>
+                                        <p:cTn id="10" dur="1" fill="hold">
+                                          <p:stCondLst>
+                                            <p:cond delay="0"/>
+                                          </p:stCondLst>
+                                        </p:cTn>
+                                        <p:tgtEl>
+                                          <p:spTgt spid="7"/>
+                                        </p:tgtEl>
+                                        <p:attrNameLst>
+                                          <p:attrName>style.visibility</p:attrName>
+                                        </p:attrNameLst>
+                                      </p:cBhvr>
+                                      <p:to>
+                                        <p:strVal val="visible"/>
+                                      </p:to>
+                                    </p:set>
+                                  </p:childTnLst>
+                                </p:cTn>
+                              </p:par>
+                            </p:childTnLst>
+                          </p:cTn>
+                        </p:par>
+                      </p:childTnLst>
+                    </p:cTn>
+                  </p:par>
+                </p:childTnLst>
+              </p:cTn>
+              <p:prevCondLst>
+                <p:cond evt="onPrev" delay="0">
+                  <p:tgtEl>
+                    <p:sldTgt/>
+                  </p:tgtEl>
+                </p:cond>
+              </p:prevCondLst>
+              <p:nextCondLst>
+                <p:cond evt="onNext" delay="0">
+                  <p:tgtEl>
+                    <p:sldTgt/>
+                  </p:tgtEl>
+                </p:cond>
+              </p:nextCondLst>
+            </p:seq>
+          </p:childTnLst>
+        </p:cTn>
+      </p:par>
+    </p:tnLst>
+  </p:timing>
+</p:sld>
+</file>
+
 <file path=ppt/slides/slide2.xml><?xml version="1.0" encoding="utf-8"?>
 <p:sld xmlns:a="http://schemas.openxmlformats.org/drawingml/2006/main" xmlns:r="http://schemas.openxmlformats.org/officeDocument/2006/relationships" xmlns:p="http://schemas.openxmlformats.org/presentationml/2006/main">
   <p:cSld>
@@ -6221,6 +6752,133 @@
     <p:extLst>
       <p:ext uri="{BB962C8B-B14F-4D97-AF65-F5344CB8AC3E}">
         <p14:creationId xmlns:p14="http://schemas.microsoft.com/office/powerpoint/2010/main" val="2153960195"/>
+      </p:ext>
+    </p:extLst>
+  </p:cSld>
+  <p:clrMapOvr>
+    <a:masterClrMapping/>
+  </p:clrMapOvr>
+</p:sld>
+</file>
+
+<file path=ppt/slides/slide20.xml><?xml version="1.0" encoding="utf-8"?>
+<p:sld xmlns:a="http://schemas.openxmlformats.org/drawingml/2006/main" xmlns:r="http://schemas.openxmlformats.org/officeDocument/2006/relationships" xmlns:p="http://schemas.openxmlformats.org/presentationml/2006/main">
+  <p:cSld>
+    <p:spTree>
+      <p:nvGrpSpPr>
+        <p:cNvPr id="1" name=""/>
+        <p:cNvGrpSpPr/>
+        <p:nvPr/>
+      </p:nvGrpSpPr>
+      <p:grpSpPr>
+        <a:xfrm>
+          <a:off x="0" y="0"/>
+          <a:ext cx="0" cy="0"/>
+          <a:chOff x="0" y="0"/>
+          <a:chExt cx="0" cy="0"/>
+        </a:xfrm>
+      </p:grpSpPr>
+      <p:sp>
+        <p:nvSpPr>
+          <p:cNvPr id="2" name="Title 1"/>
+          <p:cNvSpPr>
+            <a:spLocks noGrp="1"/>
+          </p:cNvSpPr>
+          <p:nvPr>
+            <p:ph type="title"/>
+          </p:nvPr>
+        </p:nvSpPr>
+        <p:spPr/>
+        <p:txBody>
+          <a:bodyPr/>
+          <a:lstStyle/>
+          <a:p>
+            <a:r>
+              <a:rPr lang="en-US" dirty="0"/>
+              <a:t>Publish one of todays apps!</a:t>
+            </a:r>
+          </a:p>
+        </p:txBody>
+      </p:sp>
+      <p:pic>
+        <p:nvPicPr>
+          <p:cNvPr id="6" name="Picture 5">
+            <a:extLst>
+              <a:ext uri="{FF2B5EF4-FFF2-40B4-BE49-F238E27FC236}">
+                <a16:creationId xmlns:a16="http://schemas.microsoft.com/office/drawing/2014/main" id="{8CD67C2C-4663-8A4C-A898-9DBB54A8D6CD}"/>
+              </a:ext>
+            </a:extLst>
+          </p:cNvPr>
+          <p:cNvPicPr>
+            <a:picLocks noChangeAspect="1"/>
+          </p:cNvPicPr>
+          <p:nvPr/>
+        </p:nvPicPr>
+        <p:blipFill>
+          <a:blip r:embed="rId2"/>
+          <a:stretch>
+            <a:fillRect/>
+          </a:stretch>
+        </p:blipFill>
+        <p:spPr>
+          <a:xfrm>
+            <a:off x="4125441" y="2419006"/>
+            <a:ext cx="3255940" cy="2733761"/>
+          </a:xfrm>
+          <a:prstGeom prst="rect">
+            <a:avLst/>
+          </a:prstGeom>
+        </p:spPr>
+      </p:pic>
+      <p:sp>
+        <p:nvSpPr>
+          <p:cNvPr id="3" name="Oval 2">
+            <a:extLst>
+              <a:ext uri="{FF2B5EF4-FFF2-40B4-BE49-F238E27FC236}">
+                <a16:creationId xmlns:a16="http://schemas.microsoft.com/office/drawing/2014/main" id="{BE01A743-3B8D-944C-A040-5503BB7557E1}"/>
+              </a:ext>
+            </a:extLst>
+          </p:cNvPr>
+          <p:cNvSpPr/>
+          <p:nvPr/>
+        </p:nvSpPr>
+        <p:spPr>
+          <a:xfrm>
+            <a:off x="4528751" y="3223653"/>
+            <a:ext cx="1643449" cy="1124465"/>
+          </a:xfrm>
+          <a:prstGeom prst="ellipse">
+            <a:avLst/>
+          </a:prstGeom>
+          <a:noFill/>
+        </p:spPr>
+        <p:style>
+          <a:lnRef idx="2">
+            <a:schemeClr val="accent6"/>
+          </a:lnRef>
+          <a:fillRef idx="1">
+            <a:schemeClr val="lt1"/>
+          </a:fillRef>
+          <a:effectRef idx="0">
+            <a:schemeClr val="accent6"/>
+          </a:effectRef>
+          <a:fontRef idx="minor">
+            <a:schemeClr val="dk1"/>
+          </a:fontRef>
+        </p:style>
+        <p:txBody>
+          <a:bodyPr rtlCol="0" anchor="ctr"/>
+          <a:lstStyle/>
+          <a:p>
+            <a:pPr algn="ctr"/>
+            <a:endParaRPr lang="en-US"/>
+          </a:p>
+        </p:txBody>
+      </p:sp>
+    </p:spTree>
+    <p:extLst>
+      <p:ext uri="{BB962C8B-B14F-4D97-AF65-F5344CB8AC3E}">
+        <p14:creationId xmlns:p14="http://schemas.microsoft.com/office/powerpoint/2010/main" val="3657042237"/>
       </p:ext>
     </p:extLst>
   </p:cSld>

--- a/Class 6.pptx
+++ b/Class 6.pptx
@@ -5,29 +5,30 @@
     <p:sldMasterId id="2147483672" r:id="rId1"/>
   </p:sldMasterIdLst>
   <p:notesMasterIdLst>
-    <p:notesMasterId r:id="rId22"/>
+    <p:notesMasterId r:id="rId23"/>
   </p:notesMasterIdLst>
   <p:sldIdLst>
     <p:sldId id="256" r:id="rId2"/>
     <p:sldId id="373" r:id="rId3"/>
-    <p:sldId id="374" r:id="rId4"/>
-    <p:sldId id="370" r:id="rId5"/>
-    <p:sldId id="257" r:id="rId6"/>
-    <p:sldId id="260" r:id="rId7"/>
-    <p:sldId id="258" r:id="rId8"/>
-    <p:sldId id="259" r:id="rId9"/>
-    <p:sldId id="261" r:id="rId10"/>
-    <p:sldId id="263" r:id="rId11"/>
-    <p:sldId id="264" r:id="rId12"/>
-    <p:sldId id="262" r:id="rId13"/>
-    <p:sldId id="369" r:id="rId14"/>
-    <p:sldId id="360" r:id="rId15"/>
-    <p:sldId id="362" r:id="rId16"/>
-    <p:sldId id="361" r:id="rId17"/>
-    <p:sldId id="328" r:id="rId18"/>
-    <p:sldId id="332" r:id="rId19"/>
-    <p:sldId id="333" r:id="rId20"/>
-    <p:sldId id="334" r:id="rId21"/>
+    <p:sldId id="370" r:id="rId4"/>
+    <p:sldId id="257" r:id="rId5"/>
+    <p:sldId id="260" r:id="rId6"/>
+    <p:sldId id="258" r:id="rId7"/>
+    <p:sldId id="259" r:id="rId8"/>
+    <p:sldId id="261" r:id="rId9"/>
+    <p:sldId id="263" r:id="rId10"/>
+    <p:sldId id="264" r:id="rId11"/>
+    <p:sldId id="262" r:id="rId12"/>
+    <p:sldId id="369" r:id="rId13"/>
+    <p:sldId id="360" r:id="rId14"/>
+    <p:sldId id="362" r:id="rId15"/>
+    <p:sldId id="361" r:id="rId16"/>
+    <p:sldId id="328" r:id="rId17"/>
+    <p:sldId id="332" r:id="rId18"/>
+    <p:sldId id="333" r:id="rId19"/>
+    <p:sldId id="334" r:id="rId20"/>
+    <p:sldId id="375" r:id="rId21"/>
+    <p:sldId id="376" r:id="rId22"/>
   </p:sldIdLst>
   <p:sldSz cx="12192000" cy="6858000"/>
   <p:notesSz cx="6858000" cy="9144000"/>
@@ -216,7 +217,7 @@
           <a:p>
             <a:fld id="{91553857-FF24-F64E-8D31-96B246FE7FC7}" type="datetimeFigureOut">
               <a:rPr lang="en-US" smtClean="0"/>
-              <a:t>9/10/18</a:t>
+              <a:t>9/13/18</a:t>
             </a:fld>
             <a:endParaRPr lang="en-US"/>
           </a:p>
@@ -652,7 +653,7 @@
           <a:p>
             <a:fld id="{C42C6571-5E6A-784B-B936-D3B05221CD33}" type="datetimeFigureOut">
               <a:rPr lang="en-US" smtClean="0"/>
-              <a:t>9/10/18</a:t>
+              <a:t>9/13/18</a:t>
             </a:fld>
             <a:endParaRPr lang="en-US"/>
           </a:p>
@@ -977,7 +978,7 @@
           <a:p>
             <a:fld id="{C42C6571-5E6A-784B-B936-D3B05221CD33}" type="datetimeFigureOut">
               <a:rPr lang="en-US" smtClean="0"/>
-              <a:t>9/10/18</a:t>
+              <a:t>9/13/18</a:t>
             </a:fld>
             <a:endParaRPr lang="en-US"/>
           </a:p>
@@ -1152,7 +1153,7 @@
           <a:p>
             <a:fld id="{C42C6571-5E6A-784B-B936-D3B05221CD33}" type="datetimeFigureOut">
               <a:rPr lang="en-US" smtClean="0"/>
-              <a:t>9/10/18</a:t>
+              <a:t>9/13/18</a:t>
             </a:fld>
             <a:endParaRPr lang="en-US"/>
           </a:p>
@@ -1321,7 +1322,7 @@
           <a:p>
             <a:fld id="{C42C6571-5E6A-784B-B936-D3B05221CD33}" type="datetimeFigureOut">
               <a:rPr lang="en-US" smtClean="0"/>
-              <a:t>9/10/18</a:t>
+              <a:t>9/13/18</a:t>
             </a:fld>
             <a:endParaRPr lang="en-US"/>
           </a:p>
@@ -1593,7 +1594,7 @@
           <a:p>
             <a:fld id="{C42C6571-5E6A-784B-B936-D3B05221CD33}" type="datetimeFigureOut">
               <a:rPr lang="en-US" smtClean="0"/>
-              <a:t>9/10/18</a:t>
+              <a:t>9/13/18</a:t>
             </a:fld>
             <a:endParaRPr lang="en-US"/>
           </a:p>
@@ -1982,7 +1983,7 @@
           <a:p>
             <a:fld id="{C42C6571-5E6A-784B-B936-D3B05221CD33}" type="datetimeFigureOut">
               <a:rPr lang="en-US" smtClean="0"/>
-              <a:t>9/10/18</a:t>
+              <a:t>9/13/18</a:t>
             </a:fld>
             <a:endParaRPr lang="en-US"/>
           </a:p>
@@ -2454,7 +2455,7 @@
           <a:p>
             <a:fld id="{C42C6571-5E6A-784B-B936-D3B05221CD33}" type="datetimeFigureOut">
               <a:rPr lang="en-US" smtClean="0"/>
-              <a:t>9/10/18</a:t>
+              <a:t>9/13/18</a:t>
             </a:fld>
             <a:endParaRPr lang="en-US"/>
           </a:p>
@@ -2567,7 +2568,7 @@
           <a:p>
             <a:fld id="{C42C6571-5E6A-784B-B936-D3B05221CD33}" type="datetimeFigureOut">
               <a:rPr lang="en-US" smtClean="0"/>
-              <a:t>9/10/18</a:t>
+              <a:t>9/13/18</a:t>
             </a:fld>
             <a:endParaRPr lang="en-US"/>
           </a:p>
@@ -2657,7 +2658,7 @@
           <a:p>
             <a:fld id="{C42C6571-5E6A-784B-B936-D3B05221CD33}" type="datetimeFigureOut">
               <a:rPr lang="en-US" smtClean="0"/>
-              <a:t>9/10/18</a:t>
+              <a:t>9/13/18</a:t>
             </a:fld>
             <a:endParaRPr lang="en-US"/>
           </a:p>
@@ -2998,7 +2999,7 @@
           <a:p>
             <a:fld id="{C42C6571-5E6A-784B-B936-D3B05221CD33}" type="datetimeFigureOut">
               <a:rPr lang="en-US" smtClean="0"/>
-              <a:t>9/10/18</a:t>
+              <a:t>9/13/18</a:t>
             </a:fld>
             <a:endParaRPr lang="en-US"/>
           </a:p>
@@ -3381,7 +3382,7 @@
           <a:p>
             <a:fld id="{C42C6571-5E6A-784B-B936-D3B05221CD33}" type="datetimeFigureOut">
               <a:rPr lang="en-US" smtClean="0"/>
-              <a:t>9/10/18</a:t>
+              <a:t>9/13/18</a:t>
             </a:fld>
             <a:endParaRPr lang="en-US"/>
           </a:p>
@@ -3654,7 +3655,7 @@
           <a:p>
             <a:fld id="{C42C6571-5E6A-784B-B936-D3B05221CD33}" type="datetimeFigureOut">
               <a:rPr lang="en-US" smtClean="0"/>
-              <a:t>9/10/18</a:t>
+              <a:t>9/13/18</a:t>
             </a:fld>
             <a:endParaRPr lang="en-US"/>
           </a:p>
@@ -4226,6 +4227,4315 @@
 <file path=ppt/slides/slide10.xml><?xml version="1.0" encoding="utf-8"?>
 <p:sld xmlns:a="http://schemas.openxmlformats.org/drawingml/2006/main" xmlns:r="http://schemas.openxmlformats.org/officeDocument/2006/relationships" xmlns:p="http://schemas.openxmlformats.org/presentationml/2006/main">
   <p:cSld>
+    <p:bg>
+      <p:bgPr>
+        <a:solidFill>
+          <a:schemeClr val="bg2"/>
+        </a:solidFill>
+        <a:effectLst/>
+      </p:bgPr>
+    </p:bg>
+    <p:spTree>
+      <p:nvGrpSpPr>
+        <p:cNvPr id="1" name=""/>
+        <p:cNvGrpSpPr/>
+        <p:nvPr/>
+      </p:nvGrpSpPr>
+      <p:grpSpPr>
+        <a:xfrm>
+          <a:off x="0" y="0"/>
+          <a:ext cx="0" cy="0"/>
+          <a:chOff x="0" y="0"/>
+          <a:chExt cx="0" cy="0"/>
+        </a:xfrm>
+      </p:grpSpPr>
+      <p:sp>
+        <p:nvSpPr>
+          <p:cNvPr id="9" name="Rectangle 8"/>
+          <p:cNvSpPr>
+            <a:spLocks noGrp="1" noRot="1" noChangeAspect="1" noMove="1" noResize="1" noEditPoints="1" noAdjustHandles="1" noChangeArrowheads="1" noChangeShapeType="1" noTextEdit="1"/>
+          </p:cNvSpPr>
+          <p:nvPr>
+            <p:extLst>
+              <p:ext uri="{386F3935-93C4-4BCD-93E2-E3B085C9AB24}">
+                <p16:designElem xmlns:p16="http://schemas.microsoft.com/office/powerpoint/2015/main" val="1"/>
+              </p:ext>
+            </p:extLst>
+          </p:nvPr>
+        </p:nvSpPr>
+        <p:spPr bwMode="white">
+          <a:xfrm>
+            <a:off x="0" y="0"/>
+            <a:ext cx="12192000" cy="6858000"/>
+          </a:xfrm>
+          <a:prstGeom prst="rect">
+            <a:avLst/>
+          </a:prstGeom>
+          <a:solidFill>
+            <a:schemeClr val="bg2"/>
+          </a:solidFill>
+          <a:effectLst/>
+        </p:spPr>
+      </p:sp>
+      <p:grpSp>
+        <p:nvGrpSpPr>
+          <p:cNvPr id="11" name="Group 10"/>
+          <p:cNvGrpSpPr>
+            <a:grpSpLocks noGrp="1" noUngrp="1" noRot="1" noChangeAspect="1" noMove="1" noResize="1"/>
+          </p:cNvGrpSpPr>
+          <p:nvPr>
+            <p:extLst>
+              <p:ext uri="{386F3935-93C4-4BCD-93E2-E3B085C9AB24}">
+                <p16:designElem xmlns:p16="http://schemas.microsoft.com/office/powerpoint/2015/main" val="1"/>
+              </p:ext>
+            </p:extLst>
+          </p:nvPr>
+        </p:nvGrpSpPr>
+        <p:grpSpPr>
+          <a:xfrm>
+            <a:off x="752858" y="744469"/>
+            <a:ext cx="10674117" cy="5349671"/>
+            <a:chOff x="752858" y="744469"/>
+            <a:chExt cx="10674117" cy="5349671"/>
+          </a:xfrm>
+        </p:grpSpPr>
+        <p:sp>
+          <p:nvSpPr>
+            <p:cNvPr id="12" name="Freeform 6"/>
+            <p:cNvSpPr/>
+            <p:nvPr>
+              <p:extLst>
+                <p:ext uri="{386F3935-93C4-4BCD-93E2-E3B085C9AB24}">
+                  <p16:designElem xmlns:p16="http://schemas.microsoft.com/office/powerpoint/2015/main" val="1"/>
+                </p:ext>
+              </p:extLst>
+            </p:nvPr>
+          </p:nvSpPr>
+          <p:spPr bwMode="auto">
+            <a:xfrm>
+              <a:off x="8151962" y="1685652"/>
+              <a:ext cx="3275013" cy="4408488"/>
+            </a:xfrm>
+            <a:custGeom>
+              <a:avLst/>
+              <a:gdLst/>
+              <a:ahLst/>
+              <a:cxnLst/>
+              <a:rect l="l" t="t" r="r" b="b"/>
+              <a:pathLst>
+                <a:path w="10000" h="10000">
+                  <a:moveTo>
+                    <a:pt x="8761" y="0"/>
+                  </a:moveTo>
+                  <a:lnTo>
+                    <a:pt x="10000" y="0"/>
+                  </a:lnTo>
+                  <a:lnTo>
+                    <a:pt x="10000" y="10000"/>
+                  </a:lnTo>
+                  <a:lnTo>
+                    <a:pt x="0" y="10000"/>
+                  </a:lnTo>
+                  <a:lnTo>
+                    <a:pt x="0" y="9126"/>
+                  </a:lnTo>
+                  <a:lnTo>
+                    <a:pt x="8761" y="9127"/>
+                  </a:lnTo>
+                  <a:lnTo>
+                    <a:pt x="8761" y="0"/>
+                  </a:lnTo>
+                  <a:close/>
+                </a:path>
+              </a:pathLst>
+            </a:custGeom>
+            <a:solidFill>
+              <a:schemeClr val="tx2"/>
+            </a:solidFill>
+            <a:ln w="0">
+              <a:noFill/>
+              <a:prstDash val="solid"/>
+              <a:round/>
+              <a:headEnd/>
+              <a:tailEnd/>
+            </a:ln>
+          </p:spPr>
+        </p:sp>
+        <p:sp>
+          <p:nvSpPr>
+            <p:cNvPr id="13" name="Freeform 6"/>
+            <p:cNvSpPr/>
+            <p:nvPr>
+              <p:extLst>
+                <p:ext uri="{386F3935-93C4-4BCD-93E2-E3B085C9AB24}">
+                  <p16:designElem xmlns:p16="http://schemas.microsoft.com/office/powerpoint/2015/main" val="1"/>
+                </p:ext>
+              </p:extLst>
+            </p:nvPr>
+          </p:nvSpPr>
+          <p:spPr bwMode="auto">
+            <a:xfrm flipH="1" flipV="1">
+              <a:off x="752858" y="744469"/>
+              <a:ext cx="3275668" cy="4408488"/>
+            </a:xfrm>
+            <a:custGeom>
+              <a:avLst/>
+              <a:gdLst/>
+              <a:ahLst/>
+              <a:cxnLst/>
+              <a:rect l="l" t="t" r="r" b="b"/>
+              <a:pathLst>
+                <a:path w="10002" h="10000">
+                  <a:moveTo>
+                    <a:pt x="8763" y="0"/>
+                  </a:moveTo>
+                  <a:lnTo>
+                    <a:pt x="10002" y="0"/>
+                  </a:lnTo>
+                  <a:lnTo>
+                    <a:pt x="10002" y="10000"/>
+                  </a:lnTo>
+                  <a:lnTo>
+                    <a:pt x="2" y="10000"/>
+                  </a:lnTo>
+                  <a:cubicBezTo>
+                    <a:pt x="-2" y="9698"/>
+                    <a:pt x="4" y="9427"/>
+                    <a:pt x="0" y="9125"/>
+                  </a:cubicBezTo>
+                  <a:lnTo>
+                    <a:pt x="8763" y="9128"/>
+                  </a:lnTo>
+                  <a:lnTo>
+                    <a:pt x="8763" y="0"/>
+                  </a:lnTo>
+                  <a:close/>
+                </a:path>
+              </a:pathLst>
+            </a:custGeom>
+            <a:solidFill>
+              <a:schemeClr val="tx2"/>
+            </a:solidFill>
+            <a:ln w="0">
+              <a:noFill/>
+              <a:prstDash val="solid"/>
+              <a:round/>
+              <a:headEnd/>
+              <a:tailEnd/>
+            </a:ln>
+          </p:spPr>
+        </p:sp>
+      </p:grpSp>
+      <p:sp useBgFill="1">
+        <p:nvSpPr>
+          <p:cNvPr id="15" name="Rectangle 14"/>
+          <p:cNvSpPr>
+            <a:spLocks noGrp="1" noRot="1" noChangeAspect="1" noMove="1" noResize="1" noEditPoints="1" noAdjustHandles="1" noChangeArrowheads="1" noChangeShapeType="1" noTextEdit="1"/>
+          </p:cNvSpPr>
+          <p:nvPr>
+            <p:extLst>
+              <p:ext uri="{386F3935-93C4-4BCD-93E2-E3B085C9AB24}">
+                <p16:designElem xmlns:p16="http://schemas.microsoft.com/office/powerpoint/2015/main" val="1"/>
+              </p:ext>
+            </p:extLst>
+          </p:nvPr>
+        </p:nvSpPr>
+        <p:spPr>
+          <a:xfrm>
+            <a:off x="0" y="0"/>
+            <a:ext cx="12192000" cy="6858000"/>
+          </a:xfrm>
+          <a:prstGeom prst="rect">
+            <a:avLst/>
+          </a:prstGeom>
+          <a:ln>
+            <a:noFill/>
+          </a:ln>
+        </p:spPr>
+        <p:style>
+          <a:lnRef idx="2">
+            <a:schemeClr val="accent1">
+              <a:shade val="50000"/>
+            </a:schemeClr>
+          </a:lnRef>
+          <a:fillRef idx="1001">
+            <a:schemeClr val="lt2"/>
+          </a:fillRef>
+          <a:effectRef idx="0">
+            <a:schemeClr val="accent1"/>
+          </a:effectRef>
+          <a:fontRef idx="minor">
+            <a:schemeClr val="lt1"/>
+          </a:fontRef>
+        </p:style>
+        <p:txBody>
+          <a:bodyPr rtlCol="0" anchor="ctr"/>
+          <a:lstStyle/>
+          <a:p>
+            <a:pPr algn="ctr"/>
+            <a:endParaRPr lang="en-US"/>
+          </a:p>
+        </p:txBody>
+      </p:sp>
+      <p:sp>
+        <p:nvSpPr>
+          <p:cNvPr id="17" name="Freeform 6"/>
+          <p:cNvSpPr>
+            <a:spLocks noGrp="1" noRot="1" noChangeAspect="1" noMove="1" noResize="1" noEditPoints="1" noAdjustHandles="1" noChangeArrowheads="1" noChangeShapeType="1" noTextEdit="1"/>
+          </p:cNvSpPr>
+          <p:nvPr>
+            <p:extLst>
+              <p:ext uri="{386F3935-93C4-4BCD-93E2-E3B085C9AB24}">
+                <p16:designElem xmlns:p16="http://schemas.microsoft.com/office/powerpoint/2015/main" val="1"/>
+              </p:ext>
+            </p:extLst>
+          </p:nvPr>
+        </p:nvSpPr>
+        <p:spPr bwMode="auto">
+          <a:xfrm>
+            <a:off x="4494670" y="2016617"/>
+            <a:ext cx="3275013" cy="4408488"/>
+          </a:xfrm>
+          <a:custGeom>
+            <a:avLst/>
+            <a:gdLst/>
+            <a:ahLst/>
+            <a:cxnLst/>
+            <a:rect l="l" t="t" r="r" b="b"/>
+            <a:pathLst>
+              <a:path w="10000" h="10000">
+                <a:moveTo>
+                  <a:pt x="8761" y="0"/>
+                </a:moveTo>
+                <a:lnTo>
+                  <a:pt x="10000" y="0"/>
+                </a:lnTo>
+                <a:lnTo>
+                  <a:pt x="10000" y="10000"/>
+                </a:lnTo>
+                <a:lnTo>
+                  <a:pt x="0" y="10000"/>
+                </a:lnTo>
+                <a:lnTo>
+                  <a:pt x="0" y="9126"/>
+                </a:lnTo>
+                <a:lnTo>
+                  <a:pt x="8761" y="9127"/>
+                </a:lnTo>
+                <a:lnTo>
+                  <a:pt x="8761" y="0"/>
+                </a:lnTo>
+                <a:close/>
+              </a:path>
+            </a:pathLst>
+          </a:custGeom>
+          <a:solidFill>
+            <a:schemeClr val="tx2"/>
+          </a:solidFill>
+          <a:ln w="0">
+            <a:noFill/>
+            <a:prstDash val="solid"/>
+            <a:round/>
+            <a:headEnd/>
+            <a:tailEnd/>
+          </a:ln>
+        </p:spPr>
+      </p:sp>
+      <p:sp>
+        <p:nvSpPr>
+          <p:cNvPr id="19" name="Freeform 6"/>
+          <p:cNvSpPr>
+            <a:spLocks noGrp="1" noRot="1" noChangeAspect="1" noMove="1" noResize="1" noEditPoints="1" noAdjustHandles="1" noChangeArrowheads="1" noChangeShapeType="1" noTextEdit="1"/>
+          </p:cNvSpPr>
+          <p:nvPr>
+            <p:extLst>
+              <p:ext uri="{386F3935-93C4-4BCD-93E2-E3B085C9AB24}">
+                <p16:designElem xmlns:p16="http://schemas.microsoft.com/office/powerpoint/2015/main" val="1"/>
+              </p:ext>
+            </p:extLst>
+          </p:nvPr>
+        </p:nvSpPr>
+        <p:spPr bwMode="auto">
+          <a:xfrm flipH="1" flipV="1">
+            <a:off x="649163" y="634028"/>
+            <a:ext cx="3275668" cy="4408488"/>
+          </a:xfrm>
+          <a:custGeom>
+            <a:avLst/>
+            <a:gdLst/>
+            <a:ahLst/>
+            <a:cxnLst/>
+            <a:rect l="l" t="t" r="r" b="b"/>
+            <a:pathLst>
+              <a:path w="10002" h="10000">
+                <a:moveTo>
+                  <a:pt x="8763" y="0"/>
+                </a:moveTo>
+                <a:lnTo>
+                  <a:pt x="10002" y="0"/>
+                </a:lnTo>
+                <a:lnTo>
+                  <a:pt x="10002" y="10000"/>
+                </a:lnTo>
+                <a:lnTo>
+                  <a:pt x="2" y="10000"/>
+                </a:lnTo>
+                <a:cubicBezTo>
+                  <a:pt x="-2" y="9698"/>
+                  <a:pt x="4" y="9427"/>
+                  <a:pt x="0" y="9125"/>
+                </a:cubicBezTo>
+                <a:lnTo>
+                  <a:pt x="8763" y="9128"/>
+                </a:lnTo>
+                <a:lnTo>
+                  <a:pt x="8763" y="0"/>
+                </a:lnTo>
+                <a:close/>
+              </a:path>
+            </a:pathLst>
+          </a:custGeom>
+          <a:solidFill>
+            <a:schemeClr val="tx2"/>
+          </a:solidFill>
+          <a:ln w="0">
+            <a:noFill/>
+            <a:prstDash val="solid"/>
+            <a:round/>
+            <a:headEnd/>
+            <a:tailEnd/>
+          </a:ln>
+        </p:spPr>
+      </p:sp>
+      <p:pic>
+        <p:nvPicPr>
+          <p:cNvPr id="4" name="Picture 3"/>
+          <p:cNvPicPr>
+            <a:picLocks noChangeAspect="1"/>
+          </p:cNvPicPr>
+          <p:nvPr/>
+        </p:nvPicPr>
+        <p:blipFill>
+          <a:blip r:embed="rId2">
+            <a:extLst>
+              <a:ext uri="{28A0092B-C50C-407E-A947-70E740481C1C}">
+                <a14:useLocalDpi xmlns:a14="http://schemas.microsoft.com/office/drawing/2010/main" val="0"/>
+              </a:ext>
+            </a:extLst>
+          </a:blip>
+          <a:stretch>
+            <a:fillRect/>
+          </a:stretch>
+        </p:blipFill>
+        <p:spPr>
+          <a:xfrm>
+            <a:off x="1379023" y="1470054"/>
+            <a:ext cx="5659222" cy="4117083"/>
+          </a:xfrm>
+          <a:prstGeom prst="rect">
+            <a:avLst/>
+          </a:prstGeom>
+        </p:spPr>
+      </p:pic>
+      <p:sp>
+        <p:nvSpPr>
+          <p:cNvPr id="2" name="Title 1"/>
+          <p:cNvSpPr>
+            <a:spLocks noGrp="1"/>
+          </p:cNvSpPr>
+          <p:nvPr>
+            <p:ph type="title"/>
+          </p:nvPr>
+        </p:nvSpPr>
+        <p:spPr>
+          <a:xfrm>
+            <a:off x="8154186" y="634028"/>
+            <a:ext cx="3355942" cy="3732835"/>
+          </a:xfrm>
+        </p:spPr>
+        <p:txBody>
+          <a:bodyPr vert="horz" lIns="91440" tIns="45720" rIns="91440" bIns="45720" rtlCol="0" anchor="b">
+            <a:normAutofit/>
+          </a:bodyPr>
+          <a:lstStyle/>
+          <a:p>
+            <a:pPr algn="ctr"/>
+            <a:r>
+              <a:rPr lang="en-US" sz="6600"/>
+              <a:t>Body</a:t>
+            </a:r>
+          </a:p>
+        </p:txBody>
+      </p:sp>
+    </p:spTree>
+    <p:extLst>
+      <p:ext uri="{BB962C8B-B14F-4D97-AF65-F5344CB8AC3E}">
+        <p14:creationId xmlns:p14="http://schemas.microsoft.com/office/powerpoint/2010/main" val="2885880488"/>
+      </p:ext>
+    </p:extLst>
+  </p:cSld>
+  <p:clrMapOvr>
+    <a:masterClrMapping/>
+  </p:clrMapOvr>
+</p:sld>
+</file>
+
+<file path=ppt/slides/slide11.xml><?xml version="1.0" encoding="utf-8"?>
+<p:sld xmlns:a="http://schemas.openxmlformats.org/drawingml/2006/main" xmlns:r="http://schemas.openxmlformats.org/officeDocument/2006/relationships" xmlns:p="http://schemas.openxmlformats.org/presentationml/2006/main">
+  <p:cSld>
+    <p:spTree>
+      <p:nvGrpSpPr>
+        <p:cNvPr id="1" name=""/>
+        <p:cNvGrpSpPr/>
+        <p:nvPr/>
+      </p:nvGrpSpPr>
+      <p:grpSpPr>
+        <a:xfrm>
+          <a:off x="0" y="0"/>
+          <a:ext cx="0" cy="0"/>
+          <a:chOff x="0" y="0"/>
+          <a:chExt cx="0" cy="0"/>
+        </a:xfrm>
+      </p:grpSpPr>
+      <p:pic>
+        <p:nvPicPr>
+          <p:cNvPr id="4" name="Content Placeholder 3"/>
+          <p:cNvPicPr>
+            <a:picLocks noGrp="1" noChangeAspect="1"/>
+          </p:cNvPicPr>
+          <p:nvPr>
+            <p:ph idx="1"/>
+          </p:nvPr>
+        </p:nvPicPr>
+        <p:blipFill>
+          <a:blip r:embed="rId2">
+            <a:extLst>
+              <a:ext uri="{28A0092B-C50C-407E-A947-70E740481C1C}">
+                <a14:useLocalDpi xmlns:a14="http://schemas.microsoft.com/office/drawing/2010/main" val="0"/>
+              </a:ext>
+            </a:extLst>
+          </a:blip>
+          <a:stretch>
+            <a:fillRect/>
+          </a:stretch>
+        </p:blipFill>
+        <p:spPr>
+          <a:xfrm>
+            <a:off x="2232499" y="492826"/>
+            <a:ext cx="8379557" cy="3581400"/>
+          </a:xfrm>
+        </p:spPr>
+      </p:pic>
+      <p:sp>
+        <p:nvSpPr>
+          <p:cNvPr id="5" name="Content Placeholder 2"/>
+          <p:cNvSpPr txBox="1">
+            <a:spLocks/>
+          </p:cNvSpPr>
+          <p:nvPr/>
+        </p:nvSpPr>
+        <p:spPr>
+          <a:xfrm>
+            <a:off x="2191692" y="4502732"/>
+            <a:ext cx="8461169" cy="1933695"/>
+          </a:xfrm>
+          <a:prstGeom prst="rect">
+            <a:avLst/>
+          </a:prstGeom>
+        </p:spPr>
+        <p:txBody>
+          <a:bodyPr vert="horz" lIns="91440" tIns="45720" rIns="91440" bIns="45720" rtlCol="0">
+            <a:normAutofit fontScale="70000" lnSpcReduction="20000"/>
+          </a:bodyPr>
+          <a:lstStyle>
+            <a:lvl1pPr marL="384048" indent="-384048" algn="l" defTabSz="914400" rtl="0" eaLnBrk="1" latinLnBrk="0" hangingPunct="1">
+              <a:lnSpc>
+                <a:spcPct val="94000"/>
+              </a:lnSpc>
+              <a:spcBef>
+                <a:spcPts val="1000"/>
+              </a:spcBef>
+              <a:spcAft>
+                <a:spcPts val="200"/>
+              </a:spcAft>
+              <a:buFont typeface="Franklin Gothic Book" panose="020B0503020102020204" pitchFamily="34" charset="0"/>
+              <a:buChar char="■"/>
+              <a:defRPr sz="2000" kern="1200" baseline="0">
+                <a:solidFill>
+                  <a:schemeClr val="tx2"/>
+                </a:solidFill>
+                <a:latin typeface="+mn-lt"/>
+                <a:ea typeface="+mn-ea"/>
+                <a:cs typeface="+mn-cs"/>
+              </a:defRPr>
+            </a:lvl1pPr>
+            <a:lvl2pPr marL="384048" indent="-384048" algn="l" defTabSz="914400" rtl="0" eaLnBrk="1" latinLnBrk="0" hangingPunct="1">
+              <a:lnSpc>
+                <a:spcPct val="94000"/>
+              </a:lnSpc>
+              <a:spcBef>
+                <a:spcPts val="500"/>
+              </a:spcBef>
+              <a:spcAft>
+                <a:spcPts val="200"/>
+              </a:spcAft>
+              <a:buFont typeface="Franklin Gothic Book" panose="020B0503020102020204" pitchFamily="34" charset="0"/>
+              <a:buChar char="–"/>
+              <a:defRPr sz="2000" i="1" kern="1200" baseline="0">
+                <a:solidFill>
+                  <a:schemeClr val="tx2"/>
+                </a:solidFill>
+                <a:latin typeface="+mn-lt"/>
+                <a:ea typeface="+mn-ea"/>
+                <a:cs typeface="+mn-cs"/>
+              </a:defRPr>
+            </a:lvl2pPr>
+            <a:lvl3pPr marL="384048" indent="-384048" algn="l" defTabSz="914400" rtl="0" eaLnBrk="1" latinLnBrk="0" hangingPunct="1">
+              <a:lnSpc>
+                <a:spcPct val="94000"/>
+              </a:lnSpc>
+              <a:spcBef>
+                <a:spcPts val="500"/>
+              </a:spcBef>
+              <a:spcAft>
+                <a:spcPts val="200"/>
+              </a:spcAft>
+              <a:buFont typeface="Franklin Gothic Book" panose="020B0503020102020204" pitchFamily="34" charset="0"/>
+              <a:buChar char="■"/>
+              <a:defRPr sz="1800" kern="1200" baseline="0">
+                <a:solidFill>
+                  <a:schemeClr val="tx2"/>
+                </a:solidFill>
+                <a:latin typeface="+mn-lt"/>
+                <a:ea typeface="+mn-ea"/>
+                <a:cs typeface="+mn-cs"/>
+              </a:defRPr>
+            </a:lvl3pPr>
+            <a:lvl4pPr marL="384048" indent="-384048" algn="l" defTabSz="914400" rtl="0" eaLnBrk="1" latinLnBrk="0" hangingPunct="1">
+              <a:lnSpc>
+                <a:spcPct val="94000"/>
+              </a:lnSpc>
+              <a:spcBef>
+                <a:spcPts val="500"/>
+              </a:spcBef>
+              <a:spcAft>
+                <a:spcPts val="200"/>
+              </a:spcAft>
+              <a:buFont typeface="Franklin Gothic Book" panose="020B0503020102020204" pitchFamily="34" charset="0"/>
+              <a:buChar char="–"/>
+              <a:defRPr sz="1800" i="1" kern="1200" baseline="0">
+                <a:solidFill>
+                  <a:schemeClr val="tx2"/>
+                </a:solidFill>
+                <a:latin typeface="+mn-lt"/>
+                <a:ea typeface="+mn-ea"/>
+                <a:cs typeface="+mn-cs"/>
+              </a:defRPr>
+            </a:lvl4pPr>
+            <a:lvl5pPr marL="384048" indent="-384048" algn="l" defTabSz="914400" rtl="0" eaLnBrk="1" latinLnBrk="0" hangingPunct="1">
+              <a:lnSpc>
+                <a:spcPct val="94000"/>
+              </a:lnSpc>
+              <a:spcBef>
+                <a:spcPts val="500"/>
+              </a:spcBef>
+              <a:spcAft>
+                <a:spcPts val="200"/>
+              </a:spcAft>
+              <a:buFont typeface="Franklin Gothic Book" panose="020B0503020102020204" pitchFamily="34" charset="0"/>
+              <a:buChar char="■"/>
+              <a:defRPr sz="1600" kern="1200" baseline="0">
+                <a:solidFill>
+                  <a:schemeClr val="tx2"/>
+                </a:solidFill>
+                <a:latin typeface="+mn-lt"/>
+                <a:ea typeface="+mn-ea"/>
+                <a:cs typeface="+mn-cs"/>
+              </a:defRPr>
+            </a:lvl5pPr>
+            <a:lvl6pPr marL="384048" indent="-384048" algn="l" defTabSz="914400" rtl="0" eaLnBrk="1" latinLnBrk="0" hangingPunct="1">
+              <a:lnSpc>
+                <a:spcPct val="94000"/>
+              </a:lnSpc>
+              <a:spcBef>
+                <a:spcPts val="500"/>
+              </a:spcBef>
+              <a:spcAft>
+                <a:spcPts val="200"/>
+              </a:spcAft>
+              <a:buFont typeface="Franklin Gothic Book" panose="020B0503020102020204" pitchFamily="34" charset="0"/>
+              <a:buChar char="–"/>
+              <a:defRPr sz="1600" i="1" kern="1200" baseline="0">
+                <a:solidFill>
+                  <a:schemeClr val="tx2"/>
+                </a:solidFill>
+                <a:latin typeface="+mn-lt"/>
+                <a:ea typeface="+mn-ea"/>
+                <a:cs typeface="+mn-cs"/>
+              </a:defRPr>
+            </a:lvl6pPr>
+            <a:lvl7pPr marL="384048" indent="-384048" algn="l" defTabSz="914400" rtl="0" eaLnBrk="1" latinLnBrk="0" hangingPunct="1">
+              <a:lnSpc>
+                <a:spcPct val="94000"/>
+              </a:lnSpc>
+              <a:spcBef>
+                <a:spcPts val="500"/>
+              </a:spcBef>
+              <a:spcAft>
+                <a:spcPts val="200"/>
+              </a:spcAft>
+              <a:buFont typeface="Franklin Gothic Book" panose="020B0503020102020204" pitchFamily="34" charset="0"/>
+              <a:buChar char="■"/>
+              <a:defRPr sz="1400" kern="1200" baseline="0">
+                <a:solidFill>
+                  <a:schemeClr val="tx2"/>
+                </a:solidFill>
+                <a:latin typeface="+mn-lt"/>
+                <a:ea typeface="+mn-ea"/>
+                <a:cs typeface="+mn-cs"/>
+              </a:defRPr>
+            </a:lvl7pPr>
+            <a:lvl8pPr marL="384048" indent="-384048" algn="l" defTabSz="914400" rtl="0" eaLnBrk="1" latinLnBrk="0" hangingPunct="1">
+              <a:lnSpc>
+                <a:spcPct val="94000"/>
+              </a:lnSpc>
+              <a:spcBef>
+                <a:spcPts val="500"/>
+              </a:spcBef>
+              <a:spcAft>
+                <a:spcPts val="200"/>
+              </a:spcAft>
+              <a:buFont typeface="Franklin Gothic Book" panose="020B0503020102020204" pitchFamily="34" charset="0"/>
+              <a:buChar char="–"/>
+              <a:defRPr sz="1400" i="1" kern="1200" baseline="0">
+                <a:solidFill>
+                  <a:schemeClr val="tx2"/>
+                </a:solidFill>
+                <a:latin typeface="+mn-lt"/>
+                <a:ea typeface="+mn-ea"/>
+                <a:cs typeface="+mn-cs"/>
+              </a:defRPr>
+            </a:lvl8pPr>
+            <a:lvl9pPr marL="384048" indent="-384048" algn="l" defTabSz="914400" rtl="0" eaLnBrk="1" latinLnBrk="0" hangingPunct="1">
+              <a:lnSpc>
+                <a:spcPct val="94000"/>
+              </a:lnSpc>
+              <a:spcBef>
+                <a:spcPts val="500"/>
+              </a:spcBef>
+              <a:spcAft>
+                <a:spcPts val="200"/>
+              </a:spcAft>
+              <a:buFont typeface="Franklin Gothic Book" panose="020B0503020102020204" pitchFamily="34" charset="0"/>
+              <a:buChar char="■"/>
+              <a:defRPr sz="1400" kern="1200" baseline="0">
+                <a:solidFill>
+                  <a:schemeClr val="tx2"/>
+                </a:solidFill>
+                <a:latin typeface="+mn-lt"/>
+                <a:ea typeface="+mn-ea"/>
+                <a:cs typeface="+mn-cs"/>
+              </a:defRPr>
+            </a:lvl9pPr>
+          </a:lstStyle>
+          <a:p>
+            <a:r>
+              <a:rPr lang="en-US" dirty="0"/>
+              <a:t>Tab Items </a:t>
+            </a:r>
+            <a:r>
+              <a:rPr lang="mr-IN" dirty="0"/>
+              <a:t>–</a:t>
+            </a:r>
+            <a:r>
+              <a:rPr lang="en-US" dirty="0"/>
+              <a:t> by name in Menu</a:t>
+            </a:r>
+          </a:p>
+          <a:p>
+            <a:r>
+              <a:rPr lang="en-US" dirty="0"/>
+              <a:t>Row\Page </a:t>
+            </a:r>
+            <a:r>
+              <a:rPr lang="mr-IN" dirty="0"/>
+              <a:t>– </a:t>
+            </a:r>
+            <a:r>
+              <a:rPr lang="en-US" dirty="0"/>
+              <a:t>based layouts</a:t>
+            </a:r>
+          </a:p>
+          <a:p>
+            <a:r>
+              <a:rPr lang="en-US" dirty="0"/>
+              <a:t>Box</a:t>
+            </a:r>
+            <a:r>
+              <a:rPr lang="mr-IN" dirty="0"/>
+              <a:t> – </a:t>
+            </a:r>
+            <a:r>
+              <a:rPr lang="en-US" dirty="0"/>
+              <a:t>All contents should go in a box</a:t>
+            </a:r>
+          </a:p>
+          <a:p>
+            <a:pPr lvl="1"/>
+            <a:r>
+              <a:rPr lang="en-US" dirty="0"/>
+              <a:t>Page is broken into 12 equal bars. Width can be 1-12</a:t>
+            </a:r>
+          </a:p>
+          <a:p>
+            <a:pPr lvl="1"/>
+            <a:r>
+              <a:rPr lang="en-US" dirty="0"/>
+              <a:t>If 12+ is specified content will kick to new row automatically, anything unspecified will get squished.</a:t>
+            </a:r>
+          </a:p>
+          <a:p>
+            <a:r>
+              <a:rPr lang="en-US" dirty="0"/>
+              <a:t>Inputs</a:t>
+            </a:r>
+            <a:r>
+              <a:rPr lang="mr-IN" dirty="0"/>
+              <a:t> –</a:t>
+            </a:r>
+            <a:r>
+              <a:rPr lang="en-US" dirty="0"/>
+              <a:t> can also go in boxes here should be clear what visuals they work with.</a:t>
+            </a:r>
+          </a:p>
+        </p:txBody>
+      </p:sp>
+    </p:spTree>
+    <p:extLst>
+      <p:ext uri="{BB962C8B-B14F-4D97-AF65-F5344CB8AC3E}">
+        <p14:creationId xmlns:p14="http://schemas.microsoft.com/office/powerpoint/2010/main" val="1646446614"/>
+      </p:ext>
+    </p:extLst>
+  </p:cSld>
+  <p:clrMapOvr>
+    <a:masterClrMapping/>
+  </p:clrMapOvr>
+</p:sld>
+</file>
+
+<file path=ppt/slides/slide12.xml><?xml version="1.0" encoding="utf-8"?>
+<p:sld xmlns:a="http://schemas.openxmlformats.org/drawingml/2006/main" xmlns:r="http://schemas.openxmlformats.org/officeDocument/2006/relationships" xmlns:p="http://schemas.openxmlformats.org/presentationml/2006/main">
+  <p:cSld>
+    <p:spTree>
+      <p:nvGrpSpPr>
+        <p:cNvPr id="1" name=""/>
+        <p:cNvGrpSpPr/>
+        <p:nvPr/>
+      </p:nvGrpSpPr>
+      <p:grpSpPr>
+        <a:xfrm>
+          <a:off x="0" y="0"/>
+          <a:ext cx="0" cy="0"/>
+          <a:chOff x="0" y="0"/>
+          <a:chExt cx="0" cy="0"/>
+        </a:xfrm>
+      </p:grpSpPr>
+      <p:pic>
+        <p:nvPicPr>
+          <p:cNvPr id="6" name="Picture 5">
+            <a:extLst>
+              <a:ext uri="{FF2B5EF4-FFF2-40B4-BE49-F238E27FC236}">
+                <a16:creationId xmlns:a16="http://schemas.microsoft.com/office/drawing/2014/main" id="{A8FAAD8B-A67B-424E-9A43-B1D43264468A}"/>
+              </a:ext>
+            </a:extLst>
+          </p:cNvPr>
+          <p:cNvPicPr>
+            <a:picLocks noChangeAspect="1"/>
+          </p:cNvPicPr>
+          <p:nvPr/>
+        </p:nvPicPr>
+        <p:blipFill>
+          <a:blip r:embed="rId2"/>
+          <a:stretch>
+            <a:fillRect/>
+          </a:stretch>
+        </p:blipFill>
+        <p:spPr>
+          <a:xfrm>
+            <a:off x="634275" y="1977045"/>
+            <a:ext cx="6900380" cy="2903909"/>
+          </a:xfrm>
+          <a:prstGeom prst="rect">
+            <a:avLst/>
+          </a:prstGeom>
+        </p:spPr>
+      </p:pic>
+      <p:sp>
+        <p:nvSpPr>
+          <p:cNvPr id="2" name="Title 1">
+            <a:extLst>
+              <a:ext uri="{FF2B5EF4-FFF2-40B4-BE49-F238E27FC236}">
+                <a16:creationId xmlns:a16="http://schemas.microsoft.com/office/drawing/2014/main" id="{93E752AC-B56E-B242-AF0F-2B856C596FF0}"/>
+              </a:ext>
+            </a:extLst>
+          </p:cNvPr>
+          <p:cNvSpPr>
+            <a:spLocks noGrp="1"/>
+          </p:cNvSpPr>
+          <p:nvPr>
+            <p:ph type="title"/>
+          </p:nvPr>
+        </p:nvSpPr>
+        <p:spPr>
+          <a:xfrm>
+            <a:off x="8154030" y="1458506"/>
+            <a:ext cx="3176246" cy="3000139"/>
+          </a:xfrm>
+        </p:spPr>
+        <p:txBody>
+          <a:bodyPr vert="horz" lIns="91440" tIns="45720" rIns="91440" bIns="45720" rtlCol="0" anchor="b">
+            <a:normAutofit/>
+          </a:bodyPr>
+          <a:lstStyle/>
+          <a:p>
+            <a:pPr algn="l"/>
+            <a:r>
+              <a:rPr lang="en-US" sz="4800" dirty="0"/>
+              <a:t>Practice</a:t>
+            </a:r>
+          </a:p>
+        </p:txBody>
+      </p:sp>
+      <p:sp>
+        <p:nvSpPr>
+          <p:cNvPr id="4" name="Text Placeholder 3">
+            <a:extLst>
+              <a:ext uri="{FF2B5EF4-FFF2-40B4-BE49-F238E27FC236}">
+                <a16:creationId xmlns:a16="http://schemas.microsoft.com/office/drawing/2014/main" id="{1B99C553-D184-0E4D-8625-FAE69CAB35F9}"/>
+              </a:ext>
+            </a:extLst>
+          </p:cNvPr>
+          <p:cNvSpPr>
+            <a:spLocks noGrp="1"/>
+          </p:cNvSpPr>
+          <p:nvPr>
+            <p:ph type="body" idx="1"/>
+          </p:nvPr>
+        </p:nvSpPr>
+        <p:spPr>
+          <a:xfrm>
+            <a:off x="8569666" y="4458645"/>
+            <a:ext cx="3176246" cy="1656413"/>
+          </a:xfrm>
+        </p:spPr>
+        <p:txBody>
+          <a:bodyPr vert="horz" lIns="91440" tIns="45720" rIns="91440" bIns="45720" rtlCol="0">
+            <a:normAutofit/>
+          </a:bodyPr>
+          <a:lstStyle/>
+          <a:p>
+            <a:pPr algn="l"/>
+            <a:r>
+              <a:rPr lang="en-US" sz="2000" dirty="0"/>
+              <a:t>Storyboard - Blank</a:t>
+            </a:r>
+          </a:p>
+        </p:txBody>
+      </p:sp>
+    </p:spTree>
+    <p:extLst>
+      <p:ext uri="{BB962C8B-B14F-4D97-AF65-F5344CB8AC3E}">
+        <p14:creationId xmlns:p14="http://schemas.microsoft.com/office/powerpoint/2010/main" val="1913584219"/>
+      </p:ext>
+    </p:extLst>
+  </p:cSld>
+  <p:clrMapOvr>
+    <a:masterClrMapping/>
+  </p:clrMapOvr>
+</p:sld>
+</file>
+
+<file path=ppt/slides/slide13.xml><?xml version="1.0" encoding="utf-8"?>
+<p:sld xmlns:a="http://schemas.openxmlformats.org/drawingml/2006/main" xmlns:r="http://schemas.openxmlformats.org/officeDocument/2006/relationships" xmlns:p="http://schemas.openxmlformats.org/presentationml/2006/main">
+  <p:cSld>
+    <p:spTree>
+      <p:nvGrpSpPr>
+        <p:cNvPr id="1" name=""/>
+        <p:cNvGrpSpPr/>
+        <p:nvPr/>
+      </p:nvGrpSpPr>
+      <p:grpSpPr>
+        <a:xfrm>
+          <a:off x="0" y="0"/>
+          <a:ext cx="0" cy="0"/>
+          <a:chOff x="0" y="0"/>
+          <a:chExt cx="0" cy="0"/>
+        </a:xfrm>
+      </p:grpSpPr>
+      <p:sp>
+        <p:nvSpPr>
+          <p:cNvPr id="2" name="Title 1"/>
+          <p:cNvSpPr>
+            <a:spLocks noGrp="1"/>
+          </p:cNvSpPr>
+          <p:nvPr>
+            <p:ph type="title"/>
+          </p:nvPr>
+        </p:nvSpPr>
+        <p:spPr/>
+        <p:txBody>
+          <a:bodyPr/>
+          <a:lstStyle/>
+          <a:p>
+            <a:r>
+              <a:rPr lang="en-US" dirty="0" err="1"/>
+              <a:t>Flexdashboard</a:t>
+            </a:r>
+            <a:endParaRPr lang="en-US" dirty="0"/>
+          </a:p>
+        </p:txBody>
+      </p:sp>
+      <p:sp>
+        <p:nvSpPr>
+          <p:cNvPr id="4" name="Text Placeholder 3">
+            <a:extLst>
+              <a:ext uri="{FF2B5EF4-FFF2-40B4-BE49-F238E27FC236}">
+                <a16:creationId xmlns:a16="http://schemas.microsoft.com/office/drawing/2014/main" id="{69E1FA9A-3279-D845-98BF-9D61AC24590A}"/>
+              </a:ext>
+            </a:extLst>
+          </p:cNvPr>
+          <p:cNvSpPr>
+            <a:spLocks noGrp="1"/>
+          </p:cNvSpPr>
+          <p:nvPr>
+            <p:ph type="body" idx="1"/>
+          </p:nvPr>
+        </p:nvSpPr>
+        <p:spPr/>
+        <p:txBody>
+          <a:bodyPr/>
+          <a:lstStyle/>
+          <a:p>
+            <a:endParaRPr lang="en-US"/>
+          </a:p>
+        </p:txBody>
+      </p:sp>
+    </p:spTree>
+    <p:extLst>
+      <p:ext uri="{BB962C8B-B14F-4D97-AF65-F5344CB8AC3E}">
+        <p14:creationId xmlns:p14="http://schemas.microsoft.com/office/powerpoint/2010/main" val="3738332085"/>
+      </p:ext>
+    </p:extLst>
+  </p:cSld>
+  <p:clrMapOvr>
+    <a:masterClrMapping/>
+  </p:clrMapOvr>
+</p:sld>
+</file>
+
+<file path=ppt/slides/slide14.xml><?xml version="1.0" encoding="utf-8"?>
+<p:sld xmlns:a="http://schemas.openxmlformats.org/drawingml/2006/main" xmlns:r="http://schemas.openxmlformats.org/officeDocument/2006/relationships" xmlns:p="http://schemas.openxmlformats.org/presentationml/2006/main">
+  <p:cSld>
+    <p:bg>
+      <p:bgPr>
+        <a:solidFill>
+          <a:schemeClr val="bg2"/>
+        </a:solidFill>
+        <a:effectLst/>
+      </p:bgPr>
+    </p:bg>
+    <p:spTree>
+      <p:nvGrpSpPr>
+        <p:cNvPr id="1" name=""/>
+        <p:cNvGrpSpPr/>
+        <p:nvPr/>
+      </p:nvGrpSpPr>
+      <p:grpSpPr>
+        <a:xfrm>
+          <a:off x="0" y="0"/>
+          <a:ext cx="0" cy="0"/>
+          <a:chOff x="0" y="0"/>
+          <a:chExt cx="0" cy="0"/>
+        </a:xfrm>
+      </p:grpSpPr>
+      <p:grpSp>
+        <p:nvGrpSpPr>
+          <p:cNvPr id="10" name="Group 9">
+            <a:extLst>
+              <a:ext uri="{FF2B5EF4-FFF2-40B4-BE49-F238E27FC236}">
+                <a16:creationId xmlns:a16="http://schemas.microsoft.com/office/drawing/2014/main" id="{449BC34D-9C23-4D6D-8213-1F471AF85B3F}"/>
+              </a:ext>
+              <a:ext uri="{C183D7F6-B498-43B3-948B-1728B52AA6E4}">
+                <adec:decorative xmlns:adec="http://schemas.microsoft.com/office/drawing/2017/decorative" val="1"/>
+              </a:ext>
+            </a:extLst>
+          </p:cNvPr>
+          <p:cNvGrpSpPr>
+            <a:grpSpLocks noGrp="1" noUngrp="1" noRot="1" noChangeAspect="1" noMove="1" noResize="1"/>
+          </p:cNvGrpSpPr>
+          <p:nvPr>
+            <p:extLst>
+              <p:ext uri="{386F3935-93C4-4BCD-93E2-E3B085C9AB24}">
+                <p16:designElem xmlns:p16="http://schemas.microsoft.com/office/powerpoint/2015/main" val="1"/>
+              </p:ext>
+            </p:extLst>
+          </p:nvPr>
+        </p:nvGrpSpPr>
+        <p:grpSpPr>
+          <a:xfrm>
+            <a:off x="752858" y="744469"/>
+            <a:ext cx="10674117" cy="5349671"/>
+            <a:chOff x="752858" y="744469"/>
+            <a:chExt cx="10674117" cy="5349671"/>
+          </a:xfrm>
+        </p:grpSpPr>
+        <p:sp>
+          <p:nvSpPr>
+            <p:cNvPr id="11" name="Freeform 6">
+              <a:extLst>
+                <a:ext uri="{FF2B5EF4-FFF2-40B4-BE49-F238E27FC236}">
+                  <a16:creationId xmlns:a16="http://schemas.microsoft.com/office/drawing/2014/main" id="{FA0F5D6C-5025-4D7E-82DD-C2C6FDA1E759}"/>
+                </a:ext>
+                <a:ext uri="{C183D7F6-B498-43B3-948B-1728B52AA6E4}">
+                  <adec:decorative xmlns:adec="http://schemas.microsoft.com/office/drawing/2017/decorative" val="1"/>
+                </a:ext>
+              </a:extLst>
+            </p:cNvPr>
+            <p:cNvSpPr/>
+            <p:nvPr>
+              <p:extLst>
+                <p:ext uri="{386F3935-93C4-4BCD-93E2-E3B085C9AB24}">
+                  <p16:designElem xmlns:p16="http://schemas.microsoft.com/office/powerpoint/2015/main" val="1"/>
+                </p:ext>
+              </p:extLst>
+            </p:nvPr>
+          </p:nvSpPr>
+          <p:spPr bwMode="auto">
+            <a:xfrm>
+              <a:off x="8151962" y="1685652"/>
+              <a:ext cx="3275013" cy="4408488"/>
+            </a:xfrm>
+            <a:custGeom>
+              <a:avLst/>
+              <a:gdLst/>
+              <a:ahLst/>
+              <a:cxnLst/>
+              <a:rect l="l" t="t" r="r" b="b"/>
+              <a:pathLst>
+                <a:path w="10000" h="10000">
+                  <a:moveTo>
+                    <a:pt x="8761" y="0"/>
+                  </a:moveTo>
+                  <a:lnTo>
+                    <a:pt x="10000" y="0"/>
+                  </a:lnTo>
+                  <a:lnTo>
+                    <a:pt x="10000" y="10000"/>
+                  </a:lnTo>
+                  <a:lnTo>
+                    <a:pt x="0" y="10000"/>
+                  </a:lnTo>
+                  <a:lnTo>
+                    <a:pt x="0" y="9126"/>
+                  </a:lnTo>
+                  <a:lnTo>
+                    <a:pt x="8761" y="9127"/>
+                  </a:lnTo>
+                  <a:lnTo>
+                    <a:pt x="8761" y="0"/>
+                  </a:lnTo>
+                  <a:close/>
+                </a:path>
+              </a:pathLst>
+            </a:custGeom>
+            <a:solidFill>
+              <a:schemeClr val="tx2"/>
+            </a:solidFill>
+            <a:ln w="0">
+              <a:noFill/>
+              <a:prstDash val="solid"/>
+              <a:round/>
+              <a:headEnd/>
+              <a:tailEnd/>
+            </a:ln>
+          </p:spPr>
+        </p:sp>
+        <p:sp>
+          <p:nvSpPr>
+            <p:cNvPr id="12" name="Freeform 6">
+              <a:extLst>
+                <a:ext uri="{FF2B5EF4-FFF2-40B4-BE49-F238E27FC236}">
+                  <a16:creationId xmlns:a16="http://schemas.microsoft.com/office/drawing/2014/main" id="{E2AF2C17-4AB4-4402-B84B-129EF95D161C}"/>
+                </a:ext>
+                <a:ext uri="{C183D7F6-B498-43B3-948B-1728B52AA6E4}">
+                  <adec:decorative xmlns:adec="http://schemas.microsoft.com/office/drawing/2017/decorative" val="1"/>
+                </a:ext>
+              </a:extLst>
+            </p:cNvPr>
+            <p:cNvSpPr/>
+            <p:nvPr>
+              <p:extLst>
+                <p:ext uri="{386F3935-93C4-4BCD-93E2-E3B085C9AB24}">
+                  <p16:designElem xmlns:p16="http://schemas.microsoft.com/office/powerpoint/2015/main" val="1"/>
+                </p:ext>
+              </p:extLst>
+            </p:nvPr>
+          </p:nvSpPr>
+          <p:spPr bwMode="auto">
+            <a:xfrm flipH="1" flipV="1">
+              <a:off x="752858" y="744469"/>
+              <a:ext cx="3275668" cy="4408488"/>
+            </a:xfrm>
+            <a:custGeom>
+              <a:avLst/>
+              <a:gdLst/>
+              <a:ahLst/>
+              <a:cxnLst/>
+              <a:rect l="l" t="t" r="r" b="b"/>
+              <a:pathLst>
+                <a:path w="10002" h="10000">
+                  <a:moveTo>
+                    <a:pt x="8763" y="0"/>
+                  </a:moveTo>
+                  <a:lnTo>
+                    <a:pt x="10002" y="0"/>
+                  </a:lnTo>
+                  <a:lnTo>
+                    <a:pt x="10002" y="10000"/>
+                  </a:lnTo>
+                  <a:lnTo>
+                    <a:pt x="2" y="10000"/>
+                  </a:lnTo>
+                  <a:cubicBezTo>
+                    <a:pt x="-2" y="9698"/>
+                    <a:pt x="4" y="9427"/>
+                    <a:pt x="0" y="9125"/>
+                  </a:cubicBezTo>
+                  <a:lnTo>
+                    <a:pt x="8763" y="9128"/>
+                  </a:lnTo>
+                  <a:lnTo>
+                    <a:pt x="8763" y="0"/>
+                  </a:lnTo>
+                  <a:close/>
+                </a:path>
+              </a:pathLst>
+            </a:custGeom>
+            <a:solidFill>
+              <a:schemeClr val="tx2"/>
+            </a:solidFill>
+            <a:ln w="0">
+              <a:noFill/>
+              <a:prstDash val="solid"/>
+              <a:round/>
+              <a:headEnd/>
+              <a:tailEnd/>
+            </a:ln>
+          </p:spPr>
+        </p:sp>
+      </p:grpSp>
+      <p:sp useBgFill="1">
+        <p:nvSpPr>
+          <p:cNvPr id="14" name="Rectangle 13">
+            <a:extLst>
+              <a:ext uri="{FF2B5EF4-FFF2-40B4-BE49-F238E27FC236}">
+                <a16:creationId xmlns:a16="http://schemas.microsoft.com/office/drawing/2014/main" id="{692296C6-28F7-4BD7-9EFB-22A268E3D42B}"/>
+              </a:ext>
+              <a:ext uri="{C183D7F6-B498-43B3-948B-1728B52AA6E4}">
+                <adec:decorative xmlns:adec="http://schemas.microsoft.com/office/drawing/2017/decorative" val="1"/>
+              </a:ext>
+            </a:extLst>
+          </p:cNvPr>
+          <p:cNvSpPr>
+            <a:spLocks noGrp="1" noRot="1" noChangeAspect="1" noMove="1" noResize="1" noEditPoints="1" noAdjustHandles="1" noChangeArrowheads="1" noChangeShapeType="1" noTextEdit="1"/>
+          </p:cNvSpPr>
+          <p:nvPr>
+            <p:extLst>
+              <p:ext uri="{386F3935-93C4-4BCD-93E2-E3B085C9AB24}">
+                <p16:designElem xmlns:p16="http://schemas.microsoft.com/office/powerpoint/2015/main" val="1"/>
+              </p:ext>
+            </p:extLst>
+          </p:nvPr>
+        </p:nvSpPr>
+        <p:spPr>
+          <a:xfrm>
+            <a:off x="0" y="0"/>
+            <a:ext cx="12192000" cy="6858000"/>
+          </a:xfrm>
+          <a:prstGeom prst="rect">
+            <a:avLst/>
+          </a:prstGeom>
+          <a:ln>
+            <a:noFill/>
+          </a:ln>
+        </p:spPr>
+        <p:style>
+          <a:lnRef idx="2">
+            <a:schemeClr val="accent1">
+              <a:shade val="50000"/>
+            </a:schemeClr>
+          </a:lnRef>
+          <a:fillRef idx="1">
+            <a:schemeClr val="accent1"/>
+          </a:fillRef>
+          <a:effectRef idx="0">
+            <a:schemeClr val="accent1"/>
+          </a:effectRef>
+          <a:fontRef idx="minor">
+            <a:schemeClr val="lt1"/>
+          </a:fontRef>
+        </p:style>
+        <p:txBody>
+          <a:bodyPr rtlCol="0" anchor="ctr"/>
+          <a:lstStyle/>
+          <a:p>
+            <a:pPr algn="ctr"/>
+            <a:endParaRPr lang="en-US"/>
+          </a:p>
+        </p:txBody>
+      </p:sp>
+      <p:sp>
+        <p:nvSpPr>
+          <p:cNvPr id="2" name="Title 1">
+            <a:extLst>
+              <a:ext uri="{FF2B5EF4-FFF2-40B4-BE49-F238E27FC236}">
+                <a16:creationId xmlns:a16="http://schemas.microsoft.com/office/drawing/2014/main" id="{DD709652-1207-1B46-9F3C-8CA4138D1ECA}"/>
+              </a:ext>
+            </a:extLst>
+          </p:cNvPr>
+          <p:cNvSpPr>
+            <a:spLocks noGrp="1"/>
+          </p:cNvSpPr>
+          <p:nvPr>
+            <p:ph type="title"/>
+          </p:nvPr>
+        </p:nvSpPr>
+        <p:spPr>
+          <a:xfrm>
+            <a:off x="5954486" y="1480929"/>
+            <a:ext cx="5791426" cy="3254321"/>
+          </a:xfrm>
+        </p:spPr>
+        <p:txBody>
+          <a:bodyPr vert="horz" lIns="91440" tIns="45720" rIns="91440" bIns="45720" rtlCol="0" anchor="b">
+            <a:normAutofit/>
+          </a:bodyPr>
+          <a:lstStyle/>
+          <a:p>
+            <a:r>
+              <a:rPr lang="en-US" sz="7000" cap="all"/>
+              <a:t>Setup</a:t>
+            </a:r>
+          </a:p>
+        </p:txBody>
+      </p:sp>
+      <p:sp>
+        <p:nvSpPr>
+          <p:cNvPr id="16" name="Freeform 6">
+            <a:extLst>
+              <a:ext uri="{FF2B5EF4-FFF2-40B4-BE49-F238E27FC236}">
+                <a16:creationId xmlns:a16="http://schemas.microsoft.com/office/drawing/2014/main" id="{CBB17300-EE76-409B-97FE-4836C5093DB3}"/>
+              </a:ext>
+              <a:ext uri="{C183D7F6-B498-43B3-948B-1728B52AA6E4}">
+                <adec:decorative xmlns:adec="http://schemas.microsoft.com/office/drawing/2017/decorative" val="1"/>
+              </a:ext>
+            </a:extLst>
+          </p:cNvPr>
+          <p:cNvSpPr>
+            <a:spLocks noGrp="1" noRot="1" noChangeAspect="1" noMove="1" noResize="1" noEditPoints="1" noAdjustHandles="1" noChangeArrowheads="1" noChangeShapeType="1" noTextEdit="1"/>
+          </p:cNvSpPr>
+          <p:nvPr>
+            <p:extLst>
+              <p:ext uri="{386F3935-93C4-4BCD-93E2-E3B085C9AB24}">
+                <p16:designElem xmlns:p16="http://schemas.microsoft.com/office/powerpoint/2015/main" val="1"/>
+              </p:ext>
+            </p:extLst>
+          </p:nvPr>
+        </p:nvSpPr>
+        <p:spPr bwMode="auto">
+          <a:xfrm>
+            <a:off x="2199584" y="1685652"/>
+            <a:ext cx="3275013" cy="4408488"/>
+          </a:xfrm>
+          <a:custGeom>
+            <a:avLst/>
+            <a:gdLst/>
+            <a:ahLst/>
+            <a:cxnLst/>
+            <a:rect l="l" t="t" r="r" b="b"/>
+            <a:pathLst>
+              <a:path w="10000" h="10000">
+                <a:moveTo>
+                  <a:pt x="8761" y="0"/>
+                </a:moveTo>
+                <a:lnTo>
+                  <a:pt x="10000" y="0"/>
+                </a:lnTo>
+                <a:lnTo>
+                  <a:pt x="10000" y="10000"/>
+                </a:lnTo>
+                <a:lnTo>
+                  <a:pt x="0" y="10000"/>
+                </a:lnTo>
+                <a:lnTo>
+                  <a:pt x="0" y="9126"/>
+                </a:lnTo>
+                <a:lnTo>
+                  <a:pt x="8761" y="9127"/>
+                </a:lnTo>
+                <a:lnTo>
+                  <a:pt x="8761" y="0"/>
+                </a:lnTo>
+                <a:close/>
+              </a:path>
+            </a:pathLst>
+          </a:custGeom>
+          <a:solidFill>
+            <a:schemeClr val="tx2"/>
+          </a:solidFill>
+          <a:ln w="0">
+            <a:noFill/>
+            <a:prstDash val="solid"/>
+            <a:round/>
+            <a:headEnd/>
+            <a:tailEnd/>
+          </a:ln>
+        </p:spPr>
+      </p:sp>
+      <p:sp>
+        <p:nvSpPr>
+          <p:cNvPr id="18" name="Freeform 6">
+            <a:extLst>
+              <a:ext uri="{FF2B5EF4-FFF2-40B4-BE49-F238E27FC236}">
+                <a16:creationId xmlns:a16="http://schemas.microsoft.com/office/drawing/2014/main" id="{AEABCDF0-66B8-40A9-98EB-B6837EF185E2}"/>
+              </a:ext>
+              <a:ext uri="{C183D7F6-B498-43B3-948B-1728B52AA6E4}">
+                <adec:decorative xmlns:adec="http://schemas.microsoft.com/office/drawing/2017/decorative" val="1"/>
+              </a:ext>
+            </a:extLst>
+          </p:cNvPr>
+          <p:cNvSpPr>
+            <a:spLocks noGrp="1" noRot="1" noChangeAspect="1" noMove="1" noResize="1" noEditPoints="1" noAdjustHandles="1" noChangeArrowheads="1" noChangeShapeType="1" noTextEdit="1"/>
+          </p:cNvSpPr>
+          <p:nvPr>
+            <p:extLst>
+              <p:ext uri="{386F3935-93C4-4BCD-93E2-E3B085C9AB24}">
+                <p16:designElem xmlns:p16="http://schemas.microsoft.com/office/powerpoint/2015/main" val="1"/>
+              </p:ext>
+            </p:extLst>
+          </p:nvPr>
+        </p:nvSpPr>
+        <p:spPr bwMode="auto">
+          <a:xfrm flipH="1" flipV="1">
+            <a:off x="752858" y="744469"/>
+            <a:ext cx="3275668" cy="4408488"/>
+          </a:xfrm>
+          <a:custGeom>
+            <a:avLst/>
+            <a:gdLst/>
+            <a:ahLst/>
+            <a:cxnLst/>
+            <a:rect l="l" t="t" r="r" b="b"/>
+            <a:pathLst>
+              <a:path w="10002" h="10000">
+                <a:moveTo>
+                  <a:pt x="8763" y="0"/>
+                </a:moveTo>
+                <a:lnTo>
+                  <a:pt x="10002" y="0"/>
+                </a:lnTo>
+                <a:lnTo>
+                  <a:pt x="10002" y="10000"/>
+                </a:lnTo>
+                <a:lnTo>
+                  <a:pt x="2" y="10000"/>
+                </a:lnTo>
+                <a:cubicBezTo>
+                  <a:pt x="-2" y="9698"/>
+                  <a:pt x="4" y="9427"/>
+                  <a:pt x="0" y="9125"/>
+                </a:cubicBezTo>
+                <a:lnTo>
+                  <a:pt x="8763" y="9128"/>
+                </a:lnTo>
+                <a:lnTo>
+                  <a:pt x="8763" y="0"/>
+                </a:lnTo>
+                <a:close/>
+              </a:path>
+            </a:pathLst>
+          </a:custGeom>
+          <a:solidFill>
+            <a:schemeClr val="tx2"/>
+          </a:solidFill>
+          <a:ln w="0">
+            <a:noFill/>
+            <a:prstDash val="solid"/>
+            <a:round/>
+            <a:headEnd/>
+            <a:tailEnd/>
+          </a:ln>
+        </p:spPr>
+      </p:sp>
+      <p:pic>
+        <p:nvPicPr>
+          <p:cNvPr id="5" name="Content Placeholder 4">
+            <a:extLst>
+              <a:ext uri="{FF2B5EF4-FFF2-40B4-BE49-F238E27FC236}">
+                <a16:creationId xmlns:a16="http://schemas.microsoft.com/office/drawing/2014/main" id="{B2D9D222-1E39-0D48-8AA9-BC663698361D}"/>
+              </a:ext>
+            </a:extLst>
+          </p:cNvPr>
+          <p:cNvPicPr>
+            <a:picLocks noGrp="1" noChangeAspect="1"/>
+          </p:cNvPicPr>
+          <p:nvPr>
+            <p:ph idx="1"/>
+          </p:nvPr>
+        </p:nvPicPr>
+        <p:blipFill>
+          <a:blip r:embed="rId2"/>
+          <a:stretch>
+            <a:fillRect/>
+          </a:stretch>
+        </p:blipFill>
+        <p:spPr>
+          <a:xfrm>
+            <a:off x="1480173" y="2713573"/>
+            <a:ext cx="3267942" cy="1422260"/>
+          </a:xfrm>
+          <a:prstGeom prst="rect">
+            <a:avLst/>
+          </a:prstGeom>
+        </p:spPr>
+      </p:pic>
+    </p:spTree>
+    <p:extLst>
+      <p:ext uri="{BB962C8B-B14F-4D97-AF65-F5344CB8AC3E}">
+        <p14:creationId xmlns:p14="http://schemas.microsoft.com/office/powerpoint/2010/main" val="1581701510"/>
+      </p:ext>
+    </p:extLst>
+  </p:cSld>
+  <p:clrMapOvr>
+    <a:masterClrMapping/>
+  </p:clrMapOvr>
+</p:sld>
+</file>
+
+<file path=ppt/slides/slide15.xml><?xml version="1.0" encoding="utf-8"?>
+<p:sld xmlns:a="http://schemas.openxmlformats.org/drawingml/2006/main" xmlns:r="http://schemas.openxmlformats.org/officeDocument/2006/relationships" xmlns:p="http://schemas.openxmlformats.org/presentationml/2006/main">
+  <p:cSld>
+    <p:spTree>
+      <p:nvGrpSpPr>
+        <p:cNvPr id="1" name=""/>
+        <p:cNvGrpSpPr/>
+        <p:nvPr/>
+      </p:nvGrpSpPr>
+      <p:grpSpPr>
+        <a:xfrm>
+          <a:off x="0" y="0"/>
+          <a:ext cx="0" cy="0"/>
+          <a:chOff x="0" y="0"/>
+          <a:chExt cx="0" cy="0"/>
+        </a:xfrm>
+      </p:grpSpPr>
+      <p:sp>
+        <p:nvSpPr>
+          <p:cNvPr id="2" name="Title 1">
+            <a:extLst>
+              <a:ext uri="{FF2B5EF4-FFF2-40B4-BE49-F238E27FC236}">
+                <a16:creationId xmlns:a16="http://schemas.microsoft.com/office/drawing/2014/main" id="{0632C4A6-4671-6C43-BC5B-7753C3E56D18}"/>
+              </a:ext>
+            </a:extLst>
+          </p:cNvPr>
+          <p:cNvSpPr>
+            <a:spLocks noGrp="1"/>
+          </p:cNvSpPr>
+          <p:nvPr>
+            <p:ph type="title"/>
+          </p:nvPr>
+        </p:nvSpPr>
+        <p:spPr>
+          <a:xfrm>
+            <a:off x="1371600" y="685800"/>
+            <a:ext cx="9601200" cy="1485900"/>
+          </a:xfrm>
+        </p:spPr>
+        <p:txBody>
+          <a:bodyPr/>
+          <a:lstStyle/>
+          <a:p>
+            <a:r>
+              <a:rPr lang="en-US"/>
+              <a:t>Basic Board Page</a:t>
+            </a:r>
+            <a:endParaRPr lang="en-US" dirty="0"/>
+          </a:p>
+        </p:txBody>
+      </p:sp>
+      <p:pic>
+        <p:nvPicPr>
+          <p:cNvPr id="5" name="Picture 4">
+            <a:extLst>
+              <a:ext uri="{FF2B5EF4-FFF2-40B4-BE49-F238E27FC236}">
+                <a16:creationId xmlns:a16="http://schemas.microsoft.com/office/drawing/2014/main" id="{8BF17EAD-5BFC-304E-98B5-8D21D93F2656}"/>
+              </a:ext>
+            </a:extLst>
+          </p:cNvPr>
+          <p:cNvPicPr>
+            <a:picLocks noChangeAspect="1"/>
+          </p:cNvPicPr>
+          <p:nvPr/>
+        </p:nvPicPr>
+        <p:blipFill>
+          <a:blip r:embed="rId2"/>
+          <a:stretch>
+            <a:fillRect/>
+          </a:stretch>
+        </p:blipFill>
+        <p:spPr>
+          <a:xfrm>
+            <a:off x="1132359" y="2527433"/>
+            <a:ext cx="10693400" cy="3458939"/>
+          </a:xfrm>
+          <a:prstGeom prst="rect">
+            <a:avLst/>
+          </a:prstGeom>
+        </p:spPr>
+      </p:pic>
+    </p:spTree>
+    <p:extLst>
+      <p:ext uri="{BB962C8B-B14F-4D97-AF65-F5344CB8AC3E}">
+        <p14:creationId xmlns:p14="http://schemas.microsoft.com/office/powerpoint/2010/main" val="3971189617"/>
+      </p:ext>
+    </p:extLst>
+  </p:cSld>
+  <p:clrMapOvr>
+    <a:masterClrMapping/>
+  </p:clrMapOvr>
+</p:sld>
+</file>
+
+<file path=ppt/slides/slide16.xml><?xml version="1.0" encoding="utf-8"?>
+<p:sld xmlns:a="http://schemas.openxmlformats.org/drawingml/2006/main" xmlns:r="http://schemas.openxmlformats.org/officeDocument/2006/relationships" xmlns:p="http://schemas.openxmlformats.org/presentationml/2006/main">
+  <p:cSld>
+    <p:spTree>
+      <p:nvGrpSpPr>
+        <p:cNvPr id="1" name=""/>
+        <p:cNvGrpSpPr/>
+        <p:nvPr/>
+      </p:nvGrpSpPr>
+      <p:grpSpPr>
+        <a:xfrm>
+          <a:off x="0" y="0"/>
+          <a:ext cx="0" cy="0"/>
+          <a:chOff x="0" y="0"/>
+          <a:chExt cx="0" cy="0"/>
+        </a:xfrm>
+      </p:grpSpPr>
+      <p:sp>
+        <p:nvSpPr>
+          <p:cNvPr id="2" name="Title 1"/>
+          <p:cNvSpPr>
+            <a:spLocks noGrp="1"/>
+          </p:cNvSpPr>
+          <p:nvPr>
+            <p:ph type="ctrTitle"/>
+          </p:nvPr>
+        </p:nvSpPr>
+        <p:spPr/>
+        <p:txBody>
+          <a:bodyPr/>
+          <a:lstStyle/>
+          <a:p>
+            <a:r>
+              <a:rPr lang="en-US" dirty="0"/>
+              <a:t>Shiny Apps.io</a:t>
+            </a:r>
+          </a:p>
+        </p:txBody>
+      </p:sp>
+      <p:sp>
+        <p:nvSpPr>
+          <p:cNvPr id="3" name="Subtitle 2"/>
+          <p:cNvSpPr>
+            <a:spLocks noGrp="1"/>
+          </p:cNvSpPr>
+          <p:nvPr>
+            <p:ph type="subTitle" idx="1"/>
+          </p:nvPr>
+        </p:nvSpPr>
+        <p:spPr/>
+        <p:txBody>
+          <a:bodyPr>
+            <a:normAutofit/>
+          </a:bodyPr>
+          <a:lstStyle/>
+          <a:p>
+            <a:r>
+              <a:rPr lang="en-US" dirty="0">
+                <a:hlinkClick r:id="rId2"/>
+              </a:rPr>
+              <a:t>http://www.shinyapps.io/</a:t>
+            </a:r>
+            <a:endParaRPr lang="en-US" dirty="0"/>
+          </a:p>
+          <a:p>
+            <a:r>
+              <a:rPr lang="en-US" dirty="0"/>
+              <a:t>Section 6</a:t>
+            </a:r>
+          </a:p>
+        </p:txBody>
+      </p:sp>
+    </p:spTree>
+    <p:extLst>
+      <p:ext uri="{BB962C8B-B14F-4D97-AF65-F5344CB8AC3E}">
+        <p14:creationId xmlns:p14="http://schemas.microsoft.com/office/powerpoint/2010/main" val="924469298"/>
+      </p:ext>
+    </p:extLst>
+  </p:cSld>
+  <p:clrMapOvr>
+    <a:masterClrMapping/>
+  </p:clrMapOvr>
+</p:sld>
+</file>
+
+<file path=ppt/slides/slide17.xml><?xml version="1.0" encoding="utf-8"?>
+<p:sld xmlns:a="http://schemas.openxmlformats.org/drawingml/2006/main" xmlns:r="http://schemas.openxmlformats.org/officeDocument/2006/relationships" xmlns:p="http://schemas.openxmlformats.org/presentationml/2006/main">
+  <p:cSld>
+    <p:spTree>
+      <p:nvGrpSpPr>
+        <p:cNvPr id="1" name=""/>
+        <p:cNvGrpSpPr/>
+        <p:nvPr/>
+      </p:nvGrpSpPr>
+      <p:grpSpPr>
+        <a:xfrm>
+          <a:off x="0" y="0"/>
+          <a:ext cx="0" cy="0"/>
+          <a:chOff x="0" y="0"/>
+          <a:chExt cx="0" cy="0"/>
+        </a:xfrm>
+      </p:grpSpPr>
+      <p:sp>
+        <p:nvSpPr>
+          <p:cNvPr id="2" name="Title 1"/>
+          <p:cNvSpPr>
+            <a:spLocks noGrp="1"/>
+          </p:cNvSpPr>
+          <p:nvPr>
+            <p:ph type="title"/>
+          </p:nvPr>
+        </p:nvSpPr>
+        <p:spPr/>
+        <p:txBody>
+          <a:bodyPr/>
+          <a:lstStyle/>
+          <a:p>
+            <a:r>
+              <a:rPr lang="en-US" dirty="0"/>
+              <a:t>Register a free Account</a:t>
+            </a:r>
+          </a:p>
+        </p:txBody>
+      </p:sp>
+      <p:pic>
+        <p:nvPicPr>
+          <p:cNvPr id="4" name="Content Placeholder 3"/>
+          <p:cNvPicPr>
+            <a:picLocks noGrp="1" noChangeAspect="1"/>
+          </p:cNvPicPr>
+          <p:nvPr>
+            <p:ph idx="1"/>
+          </p:nvPr>
+        </p:nvPicPr>
+        <p:blipFill>
+          <a:blip r:embed="rId2"/>
+          <a:stretch>
+            <a:fillRect/>
+          </a:stretch>
+        </p:blipFill>
+        <p:spPr>
+          <a:xfrm>
+            <a:off x="1371600" y="1567543"/>
+            <a:ext cx="8334894" cy="3581400"/>
+          </a:xfrm>
+          <a:prstGeom prst="rect">
+            <a:avLst/>
+          </a:prstGeom>
+        </p:spPr>
+      </p:pic>
+      <p:pic>
+        <p:nvPicPr>
+          <p:cNvPr id="5" name="Picture 4"/>
+          <p:cNvPicPr>
+            <a:picLocks noChangeAspect="1"/>
+          </p:cNvPicPr>
+          <p:nvPr/>
+        </p:nvPicPr>
+        <p:blipFill>
+          <a:blip r:embed="rId3"/>
+          <a:stretch>
+            <a:fillRect/>
+          </a:stretch>
+        </p:blipFill>
+        <p:spPr>
+          <a:xfrm>
+            <a:off x="4532539" y="4747532"/>
+            <a:ext cx="6686550" cy="1657350"/>
+          </a:xfrm>
+          <a:prstGeom prst="rect">
+            <a:avLst/>
+          </a:prstGeom>
+        </p:spPr>
+      </p:pic>
+    </p:spTree>
+    <p:extLst>
+      <p:ext uri="{BB962C8B-B14F-4D97-AF65-F5344CB8AC3E}">
+        <p14:creationId xmlns:p14="http://schemas.microsoft.com/office/powerpoint/2010/main" val="2432154410"/>
+      </p:ext>
+    </p:extLst>
+  </p:cSld>
+  <p:clrMapOvr>
+    <a:masterClrMapping/>
+  </p:clrMapOvr>
+  <p:timing>
+    <p:tnLst>
+      <p:par>
+        <p:cTn id="1" dur="indefinite" restart="never" nodeType="tmRoot">
+          <p:childTnLst>
+            <p:seq concurrent="1" nextAc="seek">
+              <p:cTn id="2" dur="indefinite" nodeType="mainSeq">
+                <p:childTnLst>
+                  <p:par>
+                    <p:cTn id="3" fill="hold">
+                      <p:stCondLst>
+                        <p:cond delay="indefinite"/>
+                      </p:stCondLst>
+                      <p:childTnLst>
+                        <p:par>
+                          <p:cTn id="4" fill="hold">
+                            <p:stCondLst>
+                              <p:cond delay="0"/>
+                            </p:stCondLst>
+                            <p:childTnLst>
+                              <p:par>
+                                <p:cTn id="5" presetID="1" presetClass="entr" presetSubtype="0" fill="hold" nodeType="clickEffect">
+                                  <p:stCondLst>
+                                    <p:cond delay="0"/>
+                                  </p:stCondLst>
+                                  <p:childTnLst>
+                                    <p:set>
+                                      <p:cBhvr>
+                                        <p:cTn id="6" dur="1" fill="hold">
+                                          <p:stCondLst>
+                                            <p:cond delay="0"/>
+                                          </p:stCondLst>
+                                        </p:cTn>
+                                        <p:tgtEl>
+                                          <p:spTgt spid="4"/>
+                                        </p:tgtEl>
+                                        <p:attrNameLst>
+                                          <p:attrName>style.visibility</p:attrName>
+                                        </p:attrNameLst>
+                                      </p:cBhvr>
+                                      <p:to>
+                                        <p:strVal val="visible"/>
+                                      </p:to>
+                                    </p:set>
+                                  </p:childTnLst>
+                                </p:cTn>
+                              </p:par>
+                            </p:childTnLst>
+                          </p:cTn>
+                        </p:par>
+                      </p:childTnLst>
+                    </p:cTn>
+                  </p:par>
+                  <p:par>
+                    <p:cTn id="7" fill="hold">
+                      <p:stCondLst>
+                        <p:cond delay="indefinite"/>
+                      </p:stCondLst>
+                      <p:childTnLst>
+                        <p:par>
+                          <p:cTn id="8" fill="hold">
+                            <p:stCondLst>
+                              <p:cond delay="0"/>
+                            </p:stCondLst>
+                            <p:childTnLst>
+                              <p:par>
+                                <p:cTn id="9" presetID="1" presetClass="entr" presetSubtype="0" fill="hold" nodeType="clickEffect">
+                                  <p:stCondLst>
+                                    <p:cond delay="0"/>
+                                  </p:stCondLst>
+                                  <p:childTnLst>
+                                    <p:set>
+                                      <p:cBhvr>
+                                        <p:cTn id="10" dur="1" fill="hold">
+                                          <p:stCondLst>
+                                            <p:cond delay="0"/>
+                                          </p:stCondLst>
+                                        </p:cTn>
+                                        <p:tgtEl>
+                                          <p:spTgt spid="5"/>
+                                        </p:tgtEl>
+                                        <p:attrNameLst>
+                                          <p:attrName>style.visibility</p:attrName>
+                                        </p:attrNameLst>
+                                      </p:cBhvr>
+                                      <p:to>
+                                        <p:strVal val="visible"/>
+                                      </p:to>
+                                    </p:set>
+                                  </p:childTnLst>
+                                </p:cTn>
+                              </p:par>
+                            </p:childTnLst>
+                          </p:cTn>
+                        </p:par>
+                      </p:childTnLst>
+                    </p:cTn>
+                  </p:par>
+                </p:childTnLst>
+              </p:cTn>
+              <p:prevCondLst>
+                <p:cond evt="onPrev" delay="0">
+                  <p:tgtEl>
+                    <p:sldTgt/>
+                  </p:tgtEl>
+                </p:cond>
+              </p:prevCondLst>
+              <p:nextCondLst>
+                <p:cond evt="onNext" delay="0">
+                  <p:tgtEl>
+                    <p:sldTgt/>
+                  </p:tgtEl>
+                </p:cond>
+              </p:nextCondLst>
+            </p:seq>
+          </p:childTnLst>
+        </p:cTn>
+      </p:par>
+    </p:tnLst>
+  </p:timing>
+</p:sld>
+</file>
+
+<file path=ppt/slides/slide18.xml><?xml version="1.0" encoding="utf-8"?>
+<p:sld xmlns:a="http://schemas.openxmlformats.org/drawingml/2006/main" xmlns:r="http://schemas.openxmlformats.org/officeDocument/2006/relationships" xmlns:p="http://schemas.openxmlformats.org/presentationml/2006/main">
+  <p:cSld>
+    <p:spTree>
+      <p:nvGrpSpPr>
+        <p:cNvPr id="1" name=""/>
+        <p:cNvGrpSpPr/>
+        <p:nvPr/>
+      </p:nvGrpSpPr>
+      <p:grpSpPr>
+        <a:xfrm>
+          <a:off x="0" y="0"/>
+          <a:ext cx="0" cy="0"/>
+          <a:chOff x="0" y="0"/>
+          <a:chExt cx="0" cy="0"/>
+        </a:xfrm>
+      </p:grpSpPr>
+      <p:sp>
+        <p:nvSpPr>
+          <p:cNvPr id="2" name="Title 1"/>
+          <p:cNvSpPr>
+            <a:spLocks noGrp="1"/>
+          </p:cNvSpPr>
+          <p:nvPr>
+            <p:ph type="title"/>
+          </p:nvPr>
+        </p:nvSpPr>
+        <p:spPr/>
+        <p:txBody>
+          <a:bodyPr/>
+          <a:lstStyle/>
+          <a:p>
+            <a:r>
+              <a:rPr lang="en-US" dirty="0"/>
+              <a:t>Connect your account</a:t>
+            </a:r>
+          </a:p>
+        </p:txBody>
+      </p:sp>
+      <p:pic>
+        <p:nvPicPr>
+          <p:cNvPr id="6" name="Picture 5"/>
+          <p:cNvPicPr>
+            <a:picLocks noChangeAspect="1"/>
+          </p:cNvPicPr>
+          <p:nvPr/>
+        </p:nvPicPr>
+        <p:blipFill>
+          <a:blip r:embed="rId2"/>
+          <a:stretch>
+            <a:fillRect/>
+          </a:stretch>
+        </p:blipFill>
+        <p:spPr>
+          <a:xfrm>
+            <a:off x="1120672" y="1616528"/>
+            <a:ext cx="5051528" cy="4976132"/>
+          </a:xfrm>
+          <a:prstGeom prst="rect">
+            <a:avLst/>
+          </a:prstGeom>
+        </p:spPr>
+      </p:pic>
+      <p:pic>
+        <p:nvPicPr>
+          <p:cNvPr id="7" name="Picture 6"/>
+          <p:cNvPicPr>
+            <a:picLocks noChangeAspect="1"/>
+          </p:cNvPicPr>
+          <p:nvPr/>
+        </p:nvPicPr>
+        <p:blipFill>
+          <a:blip r:embed="rId3"/>
+          <a:stretch>
+            <a:fillRect/>
+          </a:stretch>
+        </p:blipFill>
+        <p:spPr>
+          <a:xfrm>
+            <a:off x="6270791" y="1616528"/>
+            <a:ext cx="5062674" cy="4976132"/>
+          </a:xfrm>
+          <a:prstGeom prst="rect">
+            <a:avLst/>
+          </a:prstGeom>
+        </p:spPr>
+      </p:pic>
+    </p:spTree>
+    <p:extLst>
+      <p:ext uri="{BB962C8B-B14F-4D97-AF65-F5344CB8AC3E}">
+        <p14:creationId xmlns:p14="http://schemas.microsoft.com/office/powerpoint/2010/main" val="2489621477"/>
+      </p:ext>
+    </p:extLst>
+  </p:cSld>
+  <p:clrMapOvr>
+    <a:masterClrMapping/>
+  </p:clrMapOvr>
+  <p:timing>
+    <p:tnLst>
+      <p:par>
+        <p:cTn id="1" dur="indefinite" restart="never" nodeType="tmRoot">
+          <p:childTnLst>
+            <p:seq concurrent="1" nextAc="seek">
+              <p:cTn id="2" dur="indefinite" nodeType="mainSeq">
+                <p:childTnLst>
+                  <p:par>
+                    <p:cTn id="3" fill="hold">
+                      <p:stCondLst>
+                        <p:cond delay="indefinite"/>
+                      </p:stCondLst>
+                      <p:childTnLst>
+                        <p:par>
+                          <p:cTn id="4" fill="hold">
+                            <p:stCondLst>
+                              <p:cond delay="0"/>
+                            </p:stCondLst>
+                            <p:childTnLst>
+                              <p:par>
+                                <p:cTn id="5" presetID="1" presetClass="entr" presetSubtype="0" fill="hold" nodeType="clickEffect">
+                                  <p:stCondLst>
+                                    <p:cond delay="0"/>
+                                  </p:stCondLst>
+                                  <p:childTnLst>
+                                    <p:set>
+                                      <p:cBhvr>
+                                        <p:cTn id="6" dur="1" fill="hold">
+                                          <p:stCondLst>
+                                            <p:cond delay="0"/>
+                                          </p:stCondLst>
+                                        </p:cTn>
+                                        <p:tgtEl>
+                                          <p:spTgt spid="6"/>
+                                        </p:tgtEl>
+                                        <p:attrNameLst>
+                                          <p:attrName>style.visibility</p:attrName>
+                                        </p:attrNameLst>
+                                      </p:cBhvr>
+                                      <p:to>
+                                        <p:strVal val="visible"/>
+                                      </p:to>
+                                    </p:set>
+                                  </p:childTnLst>
+                                </p:cTn>
+                              </p:par>
+                            </p:childTnLst>
+                          </p:cTn>
+                        </p:par>
+                      </p:childTnLst>
+                    </p:cTn>
+                  </p:par>
+                  <p:par>
+                    <p:cTn id="7" fill="hold">
+                      <p:stCondLst>
+                        <p:cond delay="indefinite"/>
+                      </p:stCondLst>
+                      <p:childTnLst>
+                        <p:par>
+                          <p:cTn id="8" fill="hold">
+                            <p:stCondLst>
+                              <p:cond delay="0"/>
+                            </p:stCondLst>
+                            <p:childTnLst>
+                              <p:par>
+                                <p:cTn id="9" presetID="1" presetClass="entr" presetSubtype="0" fill="hold" nodeType="clickEffect">
+                                  <p:stCondLst>
+                                    <p:cond delay="0"/>
+                                  </p:stCondLst>
+                                  <p:childTnLst>
+                                    <p:set>
+                                      <p:cBhvr>
+                                        <p:cTn id="10" dur="1" fill="hold">
+                                          <p:stCondLst>
+                                            <p:cond delay="0"/>
+                                          </p:stCondLst>
+                                        </p:cTn>
+                                        <p:tgtEl>
+                                          <p:spTgt spid="7"/>
+                                        </p:tgtEl>
+                                        <p:attrNameLst>
+                                          <p:attrName>style.visibility</p:attrName>
+                                        </p:attrNameLst>
+                                      </p:cBhvr>
+                                      <p:to>
+                                        <p:strVal val="visible"/>
+                                      </p:to>
+                                    </p:set>
+                                  </p:childTnLst>
+                                </p:cTn>
+                              </p:par>
+                            </p:childTnLst>
+                          </p:cTn>
+                        </p:par>
+                      </p:childTnLst>
+                    </p:cTn>
+                  </p:par>
+                </p:childTnLst>
+              </p:cTn>
+              <p:prevCondLst>
+                <p:cond evt="onPrev" delay="0">
+                  <p:tgtEl>
+                    <p:sldTgt/>
+                  </p:tgtEl>
+                </p:cond>
+              </p:prevCondLst>
+              <p:nextCondLst>
+                <p:cond evt="onNext" delay="0">
+                  <p:tgtEl>
+                    <p:sldTgt/>
+                  </p:tgtEl>
+                </p:cond>
+              </p:nextCondLst>
+            </p:seq>
+          </p:childTnLst>
+        </p:cTn>
+      </p:par>
+    </p:tnLst>
+  </p:timing>
+</p:sld>
+</file>
+
+<file path=ppt/slides/slide19.xml><?xml version="1.0" encoding="utf-8"?>
+<p:sld xmlns:a="http://schemas.openxmlformats.org/drawingml/2006/main" xmlns:r="http://schemas.openxmlformats.org/officeDocument/2006/relationships" xmlns:p="http://schemas.openxmlformats.org/presentationml/2006/main">
+  <p:cSld>
+    <p:spTree>
+      <p:nvGrpSpPr>
+        <p:cNvPr id="1" name=""/>
+        <p:cNvGrpSpPr/>
+        <p:nvPr/>
+      </p:nvGrpSpPr>
+      <p:grpSpPr>
+        <a:xfrm>
+          <a:off x="0" y="0"/>
+          <a:ext cx="0" cy="0"/>
+          <a:chOff x="0" y="0"/>
+          <a:chExt cx="0" cy="0"/>
+        </a:xfrm>
+      </p:grpSpPr>
+      <p:sp>
+        <p:nvSpPr>
+          <p:cNvPr id="2" name="Title 1"/>
+          <p:cNvSpPr>
+            <a:spLocks noGrp="1"/>
+          </p:cNvSpPr>
+          <p:nvPr>
+            <p:ph type="title"/>
+          </p:nvPr>
+        </p:nvSpPr>
+        <p:spPr/>
+        <p:txBody>
+          <a:bodyPr/>
+          <a:lstStyle/>
+          <a:p>
+            <a:r>
+              <a:rPr lang="en-US" dirty="0"/>
+              <a:t>Publish one of todays apps!</a:t>
+            </a:r>
+          </a:p>
+        </p:txBody>
+      </p:sp>
+      <p:pic>
+        <p:nvPicPr>
+          <p:cNvPr id="6" name="Picture 5">
+            <a:extLst>
+              <a:ext uri="{FF2B5EF4-FFF2-40B4-BE49-F238E27FC236}">
+                <a16:creationId xmlns:a16="http://schemas.microsoft.com/office/drawing/2014/main" id="{8CD67C2C-4663-8A4C-A898-9DBB54A8D6CD}"/>
+              </a:ext>
+            </a:extLst>
+          </p:cNvPr>
+          <p:cNvPicPr>
+            <a:picLocks noChangeAspect="1"/>
+          </p:cNvPicPr>
+          <p:nvPr/>
+        </p:nvPicPr>
+        <p:blipFill>
+          <a:blip r:embed="rId2"/>
+          <a:stretch>
+            <a:fillRect/>
+          </a:stretch>
+        </p:blipFill>
+        <p:spPr>
+          <a:xfrm>
+            <a:off x="4125441" y="2419006"/>
+            <a:ext cx="3255940" cy="2733761"/>
+          </a:xfrm>
+          <a:prstGeom prst="rect">
+            <a:avLst/>
+          </a:prstGeom>
+        </p:spPr>
+      </p:pic>
+      <p:sp>
+        <p:nvSpPr>
+          <p:cNvPr id="3" name="Oval 2">
+            <a:extLst>
+              <a:ext uri="{FF2B5EF4-FFF2-40B4-BE49-F238E27FC236}">
+                <a16:creationId xmlns:a16="http://schemas.microsoft.com/office/drawing/2014/main" id="{BE01A743-3B8D-944C-A040-5503BB7557E1}"/>
+              </a:ext>
+            </a:extLst>
+          </p:cNvPr>
+          <p:cNvSpPr/>
+          <p:nvPr/>
+        </p:nvSpPr>
+        <p:spPr>
+          <a:xfrm>
+            <a:off x="4528751" y="3223653"/>
+            <a:ext cx="1643449" cy="1124465"/>
+          </a:xfrm>
+          <a:prstGeom prst="ellipse">
+            <a:avLst/>
+          </a:prstGeom>
+          <a:noFill/>
+        </p:spPr>
+        <p:style>
+          <a:lnRef idx="2">
+            <a:schemeClr val="accent6"/>
+          </a:lnRef>
+          <a:fillRef idx="1">
+            <a:schemeClr val="lt1"/>
+          </a:fillRef>
+          <a:effectRef idx="0">
+            <a:schemeClr val="accent6"/>
+          </a:effectRef>
+          <a:fontRef idx="minor">
+            <a:schemeClr val="dk1"/>
+          </a:fontRef>
+        </p:style>
+        <p:txBody>
+          <a:bodyPr rtlCol="0" anchor="ctr"/>
+          <a:lstStyle/>
+          <a:p>
+            <a:pPr algn="ctr"/>
+            <a:endParaRPr lang="en-US"/>
+          </a:p>
+        </p:txBody>
+      </p:sp>
+    </p:spTree>
+    <p:extLst>
+      <p:ext uri="{BB962C8B-B14F-4D97-AF65-F5344CB8AC3E}">
+        <p14:creationId xmlns:p14="http://schemas.microsoft.com/office/powerpoint/2010/main" val="3657042237"/>
+      </p:ext>
+    </p:extLst>
+  </p:cSld>
+  <p:clrMapOvr>
+    <a:masterClrMapping/>
+  </p:clrMapOvr>
+</p:sld>
+</file>
+
+<file path=ppt/slides/slide2.xml><?xml version="1.0" encoding="utf-8"?>
+<p:sld xmlns:a="http://schemas.openxmlformats.org/drawingml/2006/main" xmlns:r="http://schemas.openxmlformats.org/officeDocument/2006/relationships" xmlns:p="http://schemas.openxmlformats.org/presentationml/2006/main">
+  <p:cSld>
+    <p:spTree>
+      <p:nvGrpSpPr>
+        <p:cNvPr id="1" name=""/>
+        <p:cNvGrpSpPr/>
+        <p:nvPr/>
+      </p:nvGrpSpPr>
+      <p:grpSpPr>
+        <a:xfrm>
+          <a:off x="0" y="0"/>
+          <a:ext cx="0" cy="0"/>
+          <a:chOff x="0" y="0"/>
+          <a:chExt cx="0" cy="0"/>
+        </a:xfrm>
+      </p:grpSpPr>
+      <p:sp>
+        <p:nvSpPr>
+          <p:cNvPr id="2" name="Title 1">
+            <a:extLst>
+              <a:ext uri="{FF2B5EF4-FFF2-40B4-BE49-F238E27FC236}">
+                <a16:creationId xmlns:a16="http://schemas.microsoft.com/office/drawing/2014/main" id="{4E8107C2-80F5-7B49-95D7-B31418FACCBE}"/>
+              </a:ext>
+            </a:extLst>
+          </p:cNvPr>
+          <p:cNvSpPr>
+            <a:spLocks noGrp="1"/>
+          </p:cNvSpPr>
+          <p:nvPr>
+            <p:ph type="title"/>
+          </p:nvPr>
+        </p:nvSpPr>
+        <p:spPr/>
+        <p:txBody>
+          <a:bodyPr/>
+          <a:lstStyle/>
+          <a:p>
+            <a:r>
+              <a:rPr lang="en-US" dirty="0"/>
+              <a:t>Agenda	</a:t>
+            </a:r>
+          </a:p>
+        </p:txBody>
+      </p:sp>
+      <p:sp>
+        <p:nvSpPr>
+          <p:cNvPr id="3" name="Content Placeholder 2">
+            <a:extLst>
+              <a:ext uri="{FF2B5EF4-FFF2-40B4-BE49-F238E27FC236}">
+                <a16:creationId xmlns:a16="http://schemas.microsoft.com/office/drawing/2014/main" id="{797C1799-F4A0-DB41-9A56-E6CF3B522CCC}"/>
+              </a:ext>
+            </a:extLst>
+          </p:cNvPr>
+          <p:cNvSpPr>
+            <a:spLocks noGrp="1"/>
+          </p:cNvSpPr>
+          <p:nvPr>
+            <p:ph idx="1"/>
+          </p:nvPr>
+        </p:nvSpPr>
+        <p:spPr/>
+        <p:txBody>
+          <a:bodyPr/>
+          <a:lstStyle/>
+          <a:p>
+            <a:r>
+              <a:rPr lang="en-US" dirty="0"/>
+              <a:t>Shiny Dashboard</a:t>
+            </a:r>
+          </a:p>
+          <a:p>
+            <a:r>
+              <a:rPr lang="en-US" dirty="0" err="1"/>
+              <a:t>Flexdashboard</a:t>
+            </a:r>
+            <a:endParaRPr lang="en-US" dirty="0"/>
+          </a:p>
+          <a:p>
+            <a:r>
+              <a:rPr lang="en-US" dirty="0"/>
+              <a:t>Publishing to </a:t>
+            </a:r>
+            <a:r>
+              <a:rPr lang="en-US" dirty="0" err="1"/>
+              <a:t>shinyapps.io</a:t>
+            </a:r>
+            <a:endParaRPr lang="en-US" dirty="0"/>
+          </a:p>
+          <a:p>
+            <a:r>
+              <a:rPr lang="en-US" dirty="0"/>
+              <a:t>Next week</a:t>
+            </a:r>
+          </a:p>
+        </p:txBody>
+      </p:sp>
+    </p:spTree>
+    <p:extLst>
+      <p:ext uri="{BB962C8B-B14F-4D97-AF65-F5344CB8AC3E}">
+        <p14:creationId xmlns:p14="http://schemas.microsoft.com/office/powerpoint/2010/main" val="2153960195"/>
+      </p:ext>
+    </p:extLst>
+  </p:cSld>
+  <p:clrMapOvr>
+    <a:masterClrMapping/>
+  </p:clrMapOvr>
+</p:sld>
+</file>
+
+<file path=ppt/slides/slide20.xml><?xml version="1.0" encoding="utf-8"?>
+<p:sld xmlns:a="http://schemas.openxmlformats.org/drawingml/2006/main" xmlns:r="http://schemas.openxmlformats.org/officeDocument/2006/relationships" xmlns:p="http://schemas.openxmlformats.org/presentationml/2006/main">
+  <p:cSld>
+    <p:spTree>
+      <p:nvGrpSpPr>
+        <p:cNvPr id="1" name=""/>
+        <p:cNvGrpSpPr/>
+        <p:nvPr/>
+      </p:nvGrpSpPr>
+      <p:grpSpPr>
+        <a:xfrm>
+          <a:off x="0" y="0"/>
+          <a:ext cx="0" cy="0"/>
+          <a:chOff x="0" y="0"/>
+          <a:chExt cx="0" cy="0"/>
+        </a:xfrm>
+      </p:grpSpPr>
+      <p:sp>
+        <p:nvSpPr>
+          <p:cNvPr id="2" name="Title 1">
+            <a:extLst>
+              <a:ext uri="{FF2B5EF4-FFF2-40B4-BE49-F238E27FC236}">
+                <a16:creationId xmlns:a16="http://schemas.microsoft.com/office/drawing/2014/main" id="{630B28CF-9A9F-BB44-B219-CB5CE04F45F0}"/>
+              </a:ext>
+            </a:extLst>
+          </p:cNvPr>
+          <p:cNvSpPr>
+            <a:spLocks noGrp="1"/>
+          </p:cNvSpPr>
+          <p:nvPr>
+            <p:ph type="title"/>
+          </p:nvPr>
+        </p:nvSpPr>
+        <p:spPr/>
+        <p:txBody>
+          <a:bodyPr/>
+          <a:lstStyle/>
+          <a:p>
+            <a:r>
+              <a:rPr lang="en-US" dirty="0"/>
+              <a:t>For Next class</a:t>
+            </a:r>
+          </a:p>
+        </p:txBody>
+      </p:sp>
+      <p:sp>
+        <p:nvSpPr>
+          <p:cNvPr id="3" name="Text Placeholder 2">
+            <a:extLst>
+              <a:ext uri="{FF2B5EF4-FFF2-40B4-BE49-F238E27FC236}">
+                <a16:creationId xmlns:a16="http://schemas.microsoft.com/office/drawing/2014/main" id="{88282735-CB15-C446-86EE-E7142686654E}"/>
+              </a:ext>
+            </a:extLst>
+          </p:cNvPr>
+          <p:cNvSpPr>
+            <a:spLocks noGrp="1"/>
+          </p:cNvSpPr>
+          <p:nvPr>
+            <p:ph type="body" idx="1"/>
+          </p:nvPr>
+        </p:nvSpPr>
+        <p:spPr/>
+        <p:txBody>
+          <a:bodyPr/>
+          <a:lstStyle/>
+          <a:p>
+            <a:endParaRPr lang="en-US"/>
+          </a:p>
+        </p:txBody>
+      </p:sp>
+    </p:spTree>
+    <p:extLst>
+      <p:ext uri="{BB962C8B-B14F-4D97-AF65-F5344CB8AC3E}">
+        <p14:creationId xmlns:p14="http://schemas.microsoft.com/office/powerpoint/2010/main" val="1211274615"/>
+      </p:ext>
+    </p:extLst>
+  </p:cSld>
+  <p:clrMapOvr>
+    <a:masterClrMapping/>
+  </p:clrMapOvr>
+</p:sld>
+</file>
+
+<file path=ppt/slides/slide21.xml><?xml version="1.0" encoding="utf-8"?>
+<p:sld xmlns:a="http://schemas.openxmlformats.org/drawingml/2006/main" xmlns:r="http://schemas.openxmlformats.org/officeDocument/2006/relationships" xmlns:p="http://schemas.openxmlformats.org/presentationml/2006/main">
+  <p:cSld>
+    <p:spTree>
+      <p:nvGrpSpPr>
+        <p:cNvPr id="1" name=""/>
+        <p:cNvGrpSpPr/>
+        <p:nvPr/>
+      </p:nvGrpSpPr>
+      <p:grpSpPr>
+        <a:xfrm>
+          <a:off x="0" y="0"/>
+          <a:ext cx="0" cy="0"/>
+          <a:chOff x="0" y="0"/>
+          <a:chExt cx="0" cy="0"/>
+        </a:xfrm>
+      </p:grpSpPr>
+      <p:sp>
+        <p:nvSpPr>
+          <p:cNvPr id="2" name="Title 1">
+            <a:extLst>
+              <a:ext uri="{FF2B5EF4-FFF2-40B4-BE49-F238E27FC236}">
+                <a16:creationId xmlns:a16="http://schemas.microsoft.com/office/drawing/2014/main" id="{3F871639-BB5F-F844-9FFA-3D37369566E3}"/>
+              </a:ext>
+            </a:extLst>
+          </p:cNvPr>
+          <p:cNvSpPr>
+            <a:spLocks noGrp="1"/>
+          </p:cNvSpPr>
+          <p:nvPr>
+            <p:ph type="title"/>
+          </p:nvPr>
+        </p:nvSpPr>
+        <p:spPr/>
+        <p:txBody>
+          <a:bodyPr/>
+          <a:lstStyle/>
+          <a:p>
+            <a:r>
+              <a:rPr lang="en-US" dirty="0"/>
+              <a:t>Please be able to load the following libraries</a:t>
+            </a:r>
+          </a:p>
+        </p:txBody>
+      </p:sp>
+      <p:sp>
+        <p:nvSpPr>
+          <p:cNvPr id="3" name="Content Placeholder 2">
+            <a:extLst>
+              <a:ext uri="{FF2B5EF4-FFF2-40B4-BE49-F238E27FC236}">
+                <a16:creationId xmlns:a16="http://schemas.microsoft.com/office/drawing/2014/main" id="{B0ABF65C-A12F-8442-AD8B-4984D44E4488}"/>
+              </a:ext>
+            </a:extLst>
+          </p:cNvPr>
+          <p:cNvSpPr>
+            <a:spLocks noGrp="1"/>
+          </p:cNvSpPr>
+          <p:nvPr>
+            <p:ph sz="half" idx="1"/>
+          </p:nvPr>
+        </p:nvSpPr>
+        <p:spPr/>
+        <p:txBody>
+          <a:bodyPr/>
+          <a:lstStyle/>
+          <a:p>
+            <a:r>
+              <a:rPr lang="en-US" dirty="0" err="1"/>
+              <a:t>httr</a:t>
+            </a:r>
+            <a:endParaRPr lang="en-US" dirty="0"/>
+          </a:p>
+          <a:p>
+            <a:r>
+              <a:rPr lang="en-US" dirty="0"/>
+              <a:t>Make API calls</a:t>
+            </a:r>
+          </a:p>
+        </p:txBody>
+      </p:sp>
+      <p:sp>
+        <p:nvSpPr>
+          <p:cNvPr id="4" name="Content Placeholder 3">
+            <a:extLst>
+              <a:ext uri="{FF2B5EF4-FFF2-40B4-BE49-F238E27FC236}">
+                <a16:creationId xmlns:a16="http://schemas.microsoft.com/office/drawing/2014/main" id="{BAE8C708-EB2C-4D4C-98B8-BC0BF14A8E2E}"/>
+              </a:ext>
+            </a:extLst>
+          </p:cNvPr>
+          <p:cNvSpPr>
+            <a:spLocks noGrp="1"/>
+          </p:cNvSpPr>
+          <p:nvPr>
+            <p:ph sz="half" idx="2"/>
+          </p:nvPr>
+        </p:nvSpPr>
+        <p:spPr/>
+        <p:txBody>
+          <a:bodyPr/>
+          <a:lstStyle/>
+          <a:p>
+            <a:r>
+              <a:rPr lang="en-US" dirty="0" err="1"/>
+              <a:t>jsonlite</a:t>
+            </a:r>
+            <a:endParaRPr lang="en-US" dirty="0"/>
+          </a:p>
+          <a:p>
+            <a:r>
+              <a:rPr lang="en-US" dirty="0"/>
+              <a:t>Easily load and read JSON objects in R</a:t>
+            </a:r>
+          </a:p>
+        </p:txBody>
+      </p:sp>
+    </p:spTree>
+    <p:extLst>
+      <p:ext uri="{BB962C8B-B14F-4D97-AF65-F5344CB8AC3E}">
+        <p14:creationId xmlns:p14="http://schemas.microsoft.com/office/powerpoint/2010/main" val="2995080687"/>
+      </p:ext>
+    </p:extLst>
+  </p:cSld>
+  <p:clrMapOvr>
+    <a:masterClrMapping/>
+  </p:clrMapOvr>
+</p:sld>
+</file>
+
+<file path=ppt/slides/slide3.xml><?xml version="1.0" encoding="utf-8"?>
+<p:sld xmlns:a="http://schemas.openxmlformats.org/drawingml/2006/main" xmlns:r="http://schemas.openxmlformats.org/officeDocument/2006/relationships" xmlns:p="http://schemas.openxmlformats.org/presentationml/2006/main">
+  <p:cSld>
+    <p:spTree>
+      <p:nvGrpSpPr>
+        <p:cNvPr id="1" name=""/>
+        <p:cNvGrpSpPr/>
+        <p:nvPr/>
+      </p:nvGrpSpPr>
+      <p:grpSpPr>
+        <a:xfrm>
+          <a:off x="0" y="0"/>
+          <a:ext cx="0" cy="0"/>
+          <a:chOff x="0" y="0"/>
+          <a:chExt cx="0" cy="0"/>
+        </a:xfrm>
+      </p:grpSpPr>
+      <p:sp>
+        <p:nvSpPr>
+          <p:cNvPr id="2" name="Title 1"/>
+          <p:cNvSpPr>
+            <a:spLocks noGrp="1"/>
+          </p:cNvSpPr>
+          <p:nvPr>
+            <p:ph type="title"/>
+          </p:nvPr>
+        </p:nvSpPr>
+        <p:spPr/>
+        <p:txBody>
+          <a:bodyPr/>
+          <a:lstStyle/>
+          <a:p>
+            <a:r>
+              <a:rPr lang="en-US" dirty="0"/>
+              <a:t>Shiny Dashboard</a:t>
+            </a:r>
+          </a:p>
+        </p:txBody>
+      </p:sp>
+      <p:sp>
+        <p:nvSpPr>
+          <p:cNvPr id="4" name="Text Placeholder 3">
+            <a:extLst>
+              <a:ext uri="{FF2B5EF4-FFF2-40B4-BE49-F238E27FC236}">
+                <a16:creationId xmlns:a16="http://schemas.microsoft.com/office/drawing/2014/main" id="{69E1FA9A-3279-D845-98BF-9D61AC24590A}"/>
+              </a:ext>
+            </a:extLst>
+          </p:cNvPr>
+          <p:cNvSpPr>
+            <a:spLocks noGrp="1"/>
+          </p:cNvSpPr>
+          <p:nvPr>
+            <p:ph type="body" idx="1"/>
+          </p:nvPr>
+        </p:nvSpPr>
+        <p:spPr/>
+        <p:txBody>
+          <a:bodyPr/>
+          <a:lstStyle/>
+          <a:p>
+            <a:endParaRPr lang="en-US" dirty="0"/>
+          </a:p>
+        </p:txBody>
+      </p:sp>
+    </p:spTree>
+    <p:extLst>
+      <p:ext uri="{BB962C8B-B14F-4D97-AF65-F5344CB8AC3E}">
+        <p14:creationId xmlns:p14="http://schemas.microsoft.com/office/powerpoint/2010/main" val="86106604"/>
+      </p:ext>
+    </p:extLst>
+  </p:cSld>
+  <p:clrMapOvr>
+    <a:masterClrMapping/>
+  </p:clrMapOvr>
+</p:sld>
+</file>
+
+<file path=ppt/slides/slide4.xml><?xml version="1.0" encoding="utf-8"?>
+<p:sld xmlns:a="http://schemas.openxmlformats.org/drawingml/2006/main" xmlns:r="http://schemas.openxmlformats.org/officeDocument/2006/relationships" xmlns:p="http://schemas.openxmlformats.org/presentationml/2006/main">
+  <p:cSld>
+    <p:spTree>
+      <p:nvGrpSpPr>
+        <p:cNvPr id="1" name=""/>
+        <p:cNvGrpSpPr/>
+        <p:nvPr/>
+      </p:nvGrpSpPr>
+      <p:grpSpPr>
+        <a:xfrm>
+          <a:off x="0" y="0"/>
+          <a:ext cx="0" cy="0"/>
+          <a:chOff x="0" y="0"/>
+          <a:chExt cx="0" cy="0"/>
+        </a:xfrm>
+      </p:grpSpPr>
+      <p:sp>
+        <p:nvSpPr>
+          <p:cNvPr id="2" name="Title 1"/>
+          <p:cNvSpPr>
+            <a:spLocks noGrp="1"/>
+          </p:cNvSpPr>
+          <p:nvPr>
+            <p:ph type="title"/>
+          </p:nvPr>
+        </p:nvSpPr>
+        <p:spPr/>
+        <p:txBody>
+          <a:bodyPr/>
+          <a:lstStyle/>
+          <a:p>
+            <a:r>
+              <a:rPr lang="en-US" dirty="0"/>
+              <a:t>Basic Layout</a:t>
+            </a:r>
+          </a:p>
+        </p:txBody>
+      </p:sp>
+      <p:sp>
+        <p:nvSpPr>
+          <p:cNvPr id="3" name="Content Placeholder 2"/>
+          <p:cNvSpPr>
+            <a:spLocks noGrp="1"/>
+          </p:cNvSpPr>
+          <p:nvPr>
+            <p:ph idx="1"/>
+          </p:nvPr>
+        </p:nvSpPr>
+        <p:spPr/>
+        <p:txBody>
+          <a:bodyPr/>
+          <a:lstStyle/>
+          <a:p>
+            <a:r>
+              <a:rPr lang="en-US" dirty="0"/>
+              <a:t>Dashboards are broken into a single argument made up of three arguments</a:t>
+            </a:r>
+          </a:p>
+          <a:p>
+            <a:pPr lvl="1"/>
+            <a:r>
+              <a:rPr lang="en-US" dirty="0"/>
+              <a:t>Header </a:t>
+            </a:r>
+            <a:r>
+              <a:rPr lang="mr-IN" dirty="0"/>
+              <a:t>–</a:t>
+            </a:r>
+            <a:r>
+              <a:rPr lang="en-US" dirty="0"/>
+              <a:t> Window title as well as Menus</a:t>
+            </a:r>
+          </a:p>
+          <a:p>
+            <a:pPr lvl="1"/>
+            <a:r>
+              <a:rPr lang="en-US" dirty="0"/>
+              <a:t>Sidebar </a:t>
+            </a:r>
+            <a:r>
+              <a:rPr lang="mr-IN" dirty="0"/>
+              <a:t>–</a:t>
+            </a:r>
+            <a:r>
+              <a:rPr lang="en-US" dirty="0"/>
+              <a:t> Sidebar for navigating Dashboard tabs and can hold global selection inputs</a:t>
+            </a:r>
+          </a:p>
+          <a:p>
+            <a:pPr lvl="1"/>
+            <a:r>
+              <a:rPr lang="en-US" dirty="0"/>
+              <a:t>Body </a:t>
+            </a:r>
+            <a:r>
+              <a:rPr lang="mr-IN" dirty="0"/>
+              <a:t>–</a:t>
+            </a:r>
+            <a:r>
+              <a:rPr lang="en-US" dirty="0"/>
+              <a:t> Where the magic happens.</a:t>
+            </a:r>
+          </a:p>
+        </p:txBody>
+      </p:sp>
+      <p:pic>
+        <p:nvPicPr>
+          <p:cNvPr id="5" name="Picture 4"/>
+          <p:cNvPicPr>
+            <a:picLocks noChangeAspect="1"/>
+          </p:cNvPicPr>
+          <p:nvPr/>
+        </p:nvPicPr>
+        <p:blipFill>
+          <a:blip r:embed="rId2">
+            <a:extLst>
+              <a:ext uri="{28A0092B-C50C-407E-A947-70E740481C1C}">
+                <a14:useLocalDpi xmlns:a14="http://schemas.microsoft.com/office/drawing/2010/main" val="0"/>
+              </a:ext>
+            </a:extLst>
+          </a:blip>
+          <a:stretch>
+            <a:fillRect/>
+          </a:stretch>
+        </p:blipFill>
+        <p:spPr>
+          <a:xfrm>
+            <a:off x="4070350" y="1657350"/>
+            <a:ext cx="4203700" cy="381000"/>
+          </a:xfrm>
+          <a:prstGeom prst="rect">
+            <a:avLst/>
+          </a:prstGeom>
+        </p:spPr>
+      </p:pic>
+    </p:spTree>
+    <p:extLst>
+      <p:ext uri="{BB962C8B-B14F-4D97-AF65-F5344CB8AC3E}">
+        <p14:creationId xmlns:p14="http://schemas.microsoft.com/office/powerpoint/2010/main" val="1064384080"/>
+      </p:ext>
+    </p:extLst>
+  </p:cSld>
+  <p:clrMapOvr>
+    <a:masterClrMapping/>
+  </p:clrMapOvr>
+</p:sld>
+</file>
+
+<file path=ppt/slides/slide5.xml><?xml version="1.0" encoding="utf-8"?>
+<p:sld xmlns:a="http://schemas.openxmlformats.org/drawingml/2006/main" xmlns:r="http://schemas.openxmlformats.org/officeDocument/2006/relationships" xmlns:p="http://schemas.openxmlformats.org/presentationml/2006/main">
+  <p:cSld>
+    <p:bg>
+      <p:bgPr>
+        <a:solidFill>
+          <a:schemeClr val="bg2"/>
+        </a:solidFill>
+        <a:effectLst/>
+      </p:bgPr>
+    </p:bg>
+    <p:spTree>
+      <p:nvGrpSpPr>
+        <p:cNvPr id="1" name=""/>
+        <p:cNvGrpSpPr/>
+        <p:nvPr/>
+      </p:nvGrpSpPr>
+      <p:grpSpPr>
+        <a:xfrm>
+          <a:off x="0" y="0"/>
+          <a:ext cx="0" cy="0"/>
+          <a:chOff x="0" y="0"/>
+          <a:chExt cx="0" cy="0"/>
+        </a:xfrm>
+      </p:grpSpPr>
+      <p:sp>
+        <p:nvSpPr>
+          <p:cNvPr id="7" name="Rectangle 6"/>
+          <p:cNvSpPr>
+            <a:spLocks noGrp="1" noRot="1" noChangeAspect="1" noMove="1" noResize="1" noEditPoints="1" noAdjustHandles="1" noChangeArrowheads="1" noChangeShapeType="1" noTextEdit="1"/>
+          </p:cNvSpPr>
+          <p:nvPr>
+            <p:extLst>
+              <p:ext uri="{386F3935-93C4-4BCD-93E2-E3B085C9AB24}">
+                <p16:designElem xmlns:p16="http://schemas.microsoft.com/office/powerpoint/2015/main" val="1"/>
+              </p:ext>
+            </p:extLst>
+          </p:nvPr>
+        </p:nvSpPr>
+        <p:spPr>
+          <a:xfrm>
+            <a:off x="0" y="0"/>
+            <a:ext cx="12192000" cy="6858000"/>
+          </a:xfrm>
+          <a:prstGeom prst="rect">
+            <a:avLst/>
+          </a:prstGeom>
+          <a:solidFill>
+            <a:schemeClr val="bg2"/>
+          </a:solidFill>
+          <a:ln>
+            <a:noFill/>
+          </a:ln>
+        </p:spPr>
+        <p:style>
+          <a:lnRef idx="2">
+            <a:schemeClr val="accent1">
+              <a:shade val="50000"/>
+            </a:schemeClr>
+          </a:lnRef>
+          <a:fillRef idx="1">
+            <a:schemeClr val="accent1"/>
+          </a:fillRef>
+          <a:effectRef idx="0">
+            <a:schemeClr val="accent1"/>
+          </a:effectRef>
+          <a:fontRef idx="minor">
+            <a:schemeClr val="lt1"/>
+          </a:fontRef>
+        </p:style>
+        <p:txBody>
+          <a:bodyPr rtlCol="0" anchor="ctr"/>
+          <a:lstStyle/>
+          <a:p>
+            <a:pPr algn="ctr"/>
+            <a:endParaRPr lang="en-US"/>
+          </a:p>
+        </p:txBody>
+      </p:sp>
+      <p:sp>
+        <p:nvSpPr>
+          <p:cNvPr id="9" name="Rectangle 8"/>
+          <p:cNvSpPr>
+            <a:spLocks noGrp="1" noRot="1" noChangeAspect="1" noMove="1" noResize="1" noEditPoints="1" noAdjustHandles="1" noChangeArrowheads="1" noChangeShapeType="1" noTextEdit="1"/>
+          </p:cNvSpPr>
+          <p:nvPr>
+            <p:extLst>
+              <p:ext uri="{386F3935-93C4-4BCD-93E2-E3B085C9AB24}">
+                <p16:designElem xmlns:p16="http://schemas.microsoft.com/office/powerpoint/2015/main" val="1"/>
+              </p:ext>
+            </p:extLst>
+          </p:nvPr>
+        </p:nvSpPr>
+        <p:spPr>
+          <a:xfrm>
+            <a:off x="0" y="0"/>
+            <a:ext cx="365760" cy="365760"/>
+          </a:xfrm>
+          <a:prstGeom prst="rect">
+            <a:avLst/>
+          </a:prstGeom>
+          <a:solidFill>
+            <a:schemeClr val="tx1"/>
+          </a:solidFill>
+          <a:ln>
+            <a:noFill/>
+          </a:ln>
+        </p:spPr>
+        <p:style>
+          <a:lnRef idx="2">
+            <a:schemeClr val="accent1">
+              <a:shade val="50000"/>
+            </a:schemeClr>
+          </a:lnRef>
+          <a:fillRef idx="1">
+            <a:schemeClr val="accent1"/>
+          </a:fillRef>
+          <a:effectRef idx="0">
+            <a:schemeClr val="accent1"/>
+          </a:effectRef>
+          <a:fontRef idx="minor">
+            <a:schemeClr val="lt1"/>
+          </a:fontRef>
+        </p:style>
+        <p:txBody>
+          <a:bodyPr rtlCol="0" anchor="ctr"/>
+          <a:lstStyle/>
+          <a:p>
+            <a:pPr algn="ctr"/>
+            <a:endParaRPr lang="en-US"/>
+          </a:p>
+        </p:txBody>
+      </p:sp>
+      <p:sp>
+        <p:nvSpPr>
+          <p:cNvPr id="11" name="Rectangle 10"/>
+          <p:cNvSpPr>
+            <a:spLocks noGrp="1" noRot="1" noChangeAspect="1" noMove="1" noResize="1" noEditPoints="1" noAdjustHandles="1" noChangeArrowheads="1" noChangeShapeType="1" noTextEdit="1"/>
+          </p:cNvSpPr>
+          <p:nvPr>
+            <p:extLst>
+              <p:ext uri="{386F3935-93C4-4BCD-93E2-E3B085C9AB24}">
+                <p16:designElem xmlns:p16="http://schemas.microsoft.com/office/powerpoint/2015/main" val="1"/>
+              </p:ext>
+            </p:extLst>
+          </p:nvPr>
+        </p:nvSpPr>
+        <p:spPr>
+          <a:xfrm>
+            <a:off x="11826240" y="6494325"/>
+            <a:ext cx="365760" cy="365760"/>
+          </a:xfrm>
+          <a:prstGeom prst="rect">
+            <a:avLst/>
+          </a:prstGeom>
+          <a:solidFill>
+            <a:schemeClr val="tx1"/>
+          </a:solidFill>
+          <a:ln>
+            <a:noFill/>
+          </a:ln>
+        </p:spPr>
+        <p:style>
+          <a:lnRef idx="2">
+            <a:schemeClr val="accent1">
+              <a:shade val="50000"/>
+            </a:schemeClr>
+          </a:lnRef>
+          <a:fillRef idx="1">
+            <a:schemeClr val="accent1"/>
+          </a:fillRef>
+          <a:effectRef idx="0">
+            <a:schemeClr val="accent1"/>
+          </a:effectRef>
+          <a:fontRef idx="minor">
+            <a:schemeClr val="lt1"/>
+          </a:fontRef>
+        </p:style>
+        <p:txBody>
+          <a:bodyPr rtlCol="0" anchor="ctr"/>
+          <a:lstStyle/>
+          <a:p>
+            <a:pPr algn="ctr"/>
+            <a:endParaRPr lang="en-US"/>
+          </a:p>
+        </p:txBody>
+      </p:sp>
+      <p:sp>
+        <p:nvSpPr>
+          <p:cNvPr id="13" name="Rectangle 12"/>
+          <p:cNvSpPr>
+            <a:spLocks noGrp="1" noRot="1" noChangeAspect="1" noMove="1" noResize="1" noEditPoints="1" noAdjustHandles="1" noChangeArrowheads="1" noChangeShapeType="1" noTextEdit="1"/>
+          </p:cNvSpPr>
+          <p:nvPr>
+            <p:extLst>
+              <p:ext uri="{386F3935-93C4-4BCD-93E2-E3B085C9AB24}">
+                <p16:designElem xmlns:p16="http://schemas.microsoft.com/office/powerpoint/2015/main" val="1"/>
+              </p:ext>
+            </p:extLst>
+          </p:nvPr>
+        </p:nvSpPr>
+        <p:spPr>
+          <a:xfrm>
+            <a:off x="11826240" y="-4668"/>
+            <a:ext cx="365760" cy="365760"/>
+          </a:xfrm>
+          <a:prstGeom prst="rect">
+            <a:avLst/>
+          </a:prstGeom>
+          <a:solidFill>
+            <a:schemeClr val="tx1"/>
+          </a:solidFill>
+          <a:ln>
+            <a:noFill/>
+          </a:ln>
+        </p:spPr>
+        <p:style>
+          <a:lnRef idx="2">
+            <a:schemeClr val="accent1">
+              <a:shade val="50000"/>
+            </a:schemeClr>
+          </a:lnRef>
+          <a:fillRef idx="1">
+            <a:schemeClr val="accent1"/>
+          </a:fillRef>
+          <a:effectRef idx="0">
+            <a:schemeClr val="accent1"/>
+          </a:effectRef>
+          <a:fontRef idx="minor">
+            <a:schemeClr val="lt1"/>
+          </a:fontRef>
+        </p:style>
+        <p:txBody>
+          <a:bodyPr rtlCol="0" anchor="ctr"/>
+          <a:lstStyle/>
+          <a:p>
+            <a:pPr algn="ctr"/>
+            <a:endParaRPr lang="en-US"/>
+          </a:p>
+        </p:txBody>
+      </p:sp>
+      <p:sp>
+        <p:nvSpPr>
+          <p:cNvPr id="15" name="Rectangle 14"/>
+          <p:cNvSpPr>
+            <a:spLocks noGrp="1" noRot="1" noChangeAspect="1" noMove="1" noResize="1" noEditPoints="1" noAdjustHandles="1" noChangeArrowheads="1" noChangeShapeType="1" noTextEdit="1"/>
+          </p:cNvSpPr>
+          <p:nvPr>
+            <p:extLst>
+              <p:ext uri="{386F3935-93C4-4BCD-93E2-E3B085C9AB24}">
+                <p16:designElem xmlns:p16="http://schemas.microsoft.com/office/powerpoint/2015/main" val="1"/>
+              </p:ext>
+            </p:extLst>
+          </p:nvPr>
+        </p:nvSpPr>
+        <p:spPr>
+          <a:xfrm>
+            <a:off x="0" y="6494325"/>
+            <a:ext cx="365760" cy="365760"/>
+          </a:xfrm>
+          <a:prstGeom prst="rect">
+            <a:avLst/>
+          </a:prstGeom>
+          <a:solidFill>
+            <a:schemeClr val="tx1"/>
+          </a:solidFill>
+          <a:ln>
+            <a:noFill/>
+          </a:ln>
+        </p:spPr>
+        <p:style>
+          <a:lnRef idx="2">
+            <a:schemeClr val="accent1">
+              <a:shade val="50000"/>
+            </a:schemeClr>
+          </a:lnRef>
+          <a:fillRef idx="1">
+            <a:schemeClr val="accent1"/>
+          </a:fillRef>
+          <a:effectRef idx="0">
+            <a:schemeClr val="accent1"/>
+          </a:effectRef>
+          <a:fontRef idx="minor">
+            <a:schemeClr val="lt1"/>
+          </a:fontRef>
+        </p:style>
+        <p:txBody>
+          <a:bodyPr rtlCol="0" anchor="ctr"/>
+          <a:lstStyle/>
+          <a:p>
+            <a:pPr algn="ctr"/>
+            <a:endParaRPr lang="en-US"/>
+          </a:p>
+        </p:txBody>
+      </p:sp>
+      <p:sp>
+        <p:nvSpPr>
+          <p:cNvPr id="17" name="Rectangle 16"/>
+          <p:cNvSpPr>
+            <a:spLocks noGrp="1" noRot="1" noChangeAspect="1" noMove="1" noResize="1" noEditPoints="1" noAdjustHandles="1" noChangeArrowheads="1" noChangeShapeType="1" noTextEdit="1"/>
+          </p:cNvSpPr>
+          <p:nvPr>
+            <p:extLst>
+              <p:ext uri="{386F3935-93C4-4BCD-93E2-E3B085C9AB24}">
+                <p16:designElem xmlns:p16="http://schemas.microsoft.com/office/powerpoint/2015/main" val="1"/>
+              </p:ext>
+            </p:extLst>
+          </p:nvPr>
+        </p:nvSpPr>
+        <p:spPr>
+          <a:xfrm>
+            <a:off x="160867" y="158782"/>
+            <a:ext cx="11870265" cy="6537850"/>
+          </a:xfrm>
+          <a:prstGeom prst="rect">
+            <a:avLst/>
+          </a:prstGeom>
+          <a:solidFill>
+            <a:srgbClr val="FFFFFF"/>
+          </a:solidFill>
+          <a:ln>
+            <a:noFill/>
+          </a:ln>
+        </p:spPr>
+        <p:style>
+          <a:lnRef idx="2">
+            <a:schemeClr val="accent1">
+              <a:shade val="50000"/>
+            </a:schemeClr>
+          </a:lnRef>
+          <a:fillRef idx="1">
+            <a:schemeClr val="accent1"/>
+          </a:fillRef>
+          <a:effectRef idx="0">
+            <a:schemeClr val="accent1"/>
+          </a:effectRef>
+          <a:fontRef idx="minor">
+            <a:schemeClr val="lt1"/>
+          </a:fontRef>
+        </p:style>
+        <p:txBody>
+          <a:bodyPr rtlCol="0" anchor="ctr"/>
+          <a:lstStyle/>
+          <a:p>
+            <a:pPr algn="ctr"/>
+            <a:endParaRPr lang="en-US"/>
+          </a:p>
+        </p:txBody>
+      </p:sp>
+      <p:pic>
+        <p:nvPicPr>
+          <p:cNvPr id="2" name="Picture 1"/>
+          <p:cNvPicPr>
+            <a:picLocks noChangeAspect="1"/>
+          </p:cNvPicPr>
+          <p:nvPr/>
+        </p:nvPicPr>
+        <p:blipFill>
+          <a:blip r:embed="rId2">
+            <a:extLst>
+              <a:ext uri="{28A0092B-C50C-407E-A947-70E740481C1C}">
+                <a14:useLocalDpi xmlns:a14="http://schemas.microsoft.com/office/drawing/2010/main" val="0"/>
+              </a:ext>
+            </a:extLst>
+          </a:blip>
+          <a:stretch>
+            <a:fillRect/>
+          </a:stretch>
+        </p:blipFill>
+        <p:spPr>
+          <a:xfrm>
+            <a:off x="1766209" y="407719"/>
+            <a:ext cx="8659580" cy="6086606"/>
+          </a:xfrm>
+          <a:prstGeom prst="rect">
+            <a:avLst/>
+          </a:prstGeom>
+        </p:spPr>
+      </p:pic>
+    </p:spTree>
+    <p:extLst>
+      <p:ext uri="{BB962C8B-B14F-4D97-AF65-F5344CB8AC3E}">
+        <p14:creationId xmlns:p14="http://schemas.microsoft.com/office/powerpoint/2010/main" val="3469010172"/>
+      </p:ext>
+    </p:extLst>
+  </p:cSld>
+  <p:clrMapOvr>
+    <a:masterClrMapping/>
+  </p:clrMapOvr>
+</p:sld>
+</file>
+
+<file path=ppt/slides/slide6.xml><?xml version="1.0" encoding="utf-8"?>
+<p:sld xmlns:a="http://schemas.openxmlformats.org/drawingml/2006/main" xmlns:r="http://schemas.openxmlformats.org/officeDocument/2006/relationships" xmlns:p="http://schemas.openxmlformats.org/presentationml/2006/main">
+  <p:cSld>
+    <p:bg>
+      <p:bgPr>
+        <a:solidFill>
+          <a:schemeClr val="bg2"/>
+        </a:solidFill>
+        <a:effectLst/>
+      </p:bgPr>
+    </p:bg>
+    <p:spTree>
+      <p:nvGrpSpPr>
+        <p:cNvPr id="1" name=""/>
+        <p:cNvGrpSpPr/>
+        <p:nvPr/>
+      </p:nvGrpSpPr>
+      <p:grpSpPr>
+        <a:xfrm>
+          <a:off x="0" y="0"/>
+          <a:ext cx="0" cy="0"/>
+          <a:chOff x="0" y="0"/>
+          <a:chExt cx="0" cy="0"/>
+        </a:xfrm>
+      </p:grpSpPr>
+      <p:sp>
+        <p:nvSpPr>
+          <p:cNvPr id="9" name="Rectangle 8"/>
+          <p:cNvSpPr>
+            <a:spLocks noGrp="1" noRot="1" noChangeAspect="1" noMove="1" noResize="1" noEditPoints="1" noAdjustHandles="1" noChangeArrowheads="1" noChangeShapeType="1" noTextEdit="1"/>
+          </p:cNvSpPr>
+          <p:nvPr>
+            <p:extLst>
+              <p:ext uri="{386F3935-93C4-4BCD-93E2-E3B085C9AB24}">
+                <p16:designElem xmlns:p16="http://schemas.microsoft.com/office/powerpoint/2015/main" val="1"/>
+              </p:ext>
+            </p:extLst>
+          </p:nvPr>
+        </p:nvSpPr>
+        <p:spPr bwMode="white">
+          <a:xfrm>
+            <a:off x="0" y="0"/>
+            <a:ext cx="12192000" cy="6858000"/>
+          </a:xfrm>
+          <a:prstGeom prst="rect">
+            <a:avLst/>
+          </a:prstGeom>
+          <a:solidFill>
+            <a:schemeClr val="bg2"/>
+          </a:solidFill>
+          <a:effectLst/>
+        </p:spPr>
+      </p:sp>
+      <p:grpSp>
+        <p:nvGrpSpPr>
+          <p:cNvPr id="11" name="Group 10"/>
+          <p:cNvGrpSpPr>
+            <a:grpSpLocks noGrp="1" noUngrp="1" noRot="1" noChangeAspect="1" noMove="1" noResize="1"/>
+          </p:cNvGrpSpPr>
+          <p:nvPr>
+            <p:extLst>
+              <p:ext uri="{386F3935-93C4-4BCD-93E2-E3B085C9AB24}">
+                <p16:designElem xmlns:p16="http://schemas.microsoft.com/office/powerpoint/2015/main" val="1"/>
+              </p:ext>
+            </p:extLst>
+          </p:nvPr>
+        </p:nvGrpSpPr>
+        <p:grpSpPr>
+          <a:xfrm>
+            <a:off x="752858" y="744469"/>
+            <a:ext cx="10674117" cy="5349671"/>
+            <a:chOff x="752858" y="744469"/>
+            <a:chExt cx="10674117" cy="5349671"/>
+          </a:xfrm>
+        </p:grpSpPr>
+        <p:sp>
+          <p:nvSpPr>
+            <p:cNvPr id="12" name="Freeform 6"/>
+            <p:cNvSpPr/>
+            <p:nvPr>
+              <p:extLst>
+                <p:ext uri="{386F3935-93C4-4BCD-93E2-E3B085C9AB24}">
+                  <p16:designElem xmlns:p16="http://schemas.microsoft.com/office/powerpoint/2015/main" val="1"/>
+                </p:ext>
+              </p:extLst>
+            </p:nvPr>
+          </p:nvSpPr>
+          <p:spPr bwMode="auto">
+            <a:xfrm>
+              <a:off x="8151962" y="1685652"/>
+              <a:ext cx="3275013" cy="4408488"/>
+            </a:xfrm>
+            <a:custGeom>
+              <a:avLst/>
+              <a:gdLst/>
+              <a:ahLst/>
+              <a:cxnLst/>
+              <a:rect l="l" t="t" r="r" b="b"/>
+              <a:pathLst>
+                <a:path w="10000" h="10000">
+                  <a:moveTo>
+                    <a:pt x="8761" y="0"/>
+                  </a:moveTo>
+                  <a:lnTo>
+                    <a:pt x="10000" y="0"/>
+                  </a:lnTo>
+                  <a:lnTo>
+                    <a:pt x="10000" y="10000"/>
+                  </a:lnTo>
+                  <a:lnTo>
+                    <a:pt x="0" y="10000"/>
+                  </a:lnTo>
+                  <a:lnTo>
+                    <a:pt x="0" y="9126"/>
+                  </a:lnTo>
+                  <a:lnTo>
+                    <a:pt x="8761" y="9127"/>
+                  </a:lnTo>
+                  <a:lnTo>
+                    <a:pt x="8761" y="0"/>
+                  </a:lnTo>
+                  <a:close/>
+                </a:path>
+              </a:pathLst>
+            </a:custGeom>
+            <a:solidFill>
+              <a:schemeClr val="tx2"/>
+            </a:solidFill>
+            <a:ln w="0">
+              <a:noFill/>
+              <a:prstDash val="solid"/>
+              <a:round/>
+              <a:headEnd/>
+              <a:tailEnd/>
+            </a:ln>
+          </p:spPr>
+        </p:sp>
+        <p:sp>
+          <p:nvSpPr>
+            <p:cNvPr id="13" name="Freeform 6"/>
+            <p:cNvSpPr/>
+            <p:nvPr>
+              <p:extLst>
+                <p:ext uri="{386F3935-93C4-4BCD-93E2-E3B085C9AB24}">
+                  <p16:designElem xmlns:p16="http://schemas.microsoft.com/office/powerpoint/2015/main" val="1"/>
+                </p:ext>
+              </p:extLst>
+            </p:nvPr>
+          </p:nvSpPr>
+          <p:spPr bwMode="auto">
+            <a:xfrm flipH="1" flipV="1">
+              <a:off x="752858" y="744469"/>
+              <a:ext cx="3275668" cy="4408488"/>
+            </a:xfrm>
+            <a:custGeom>
+              <a:avLst/>
+              <a:gdLst/>
+              <a:ahLst/>
+              <a:cxnLst/>
+              <a:rect l="l" t="t" r="r" b="b"/>
+              <a:pathLst>
+                <a:path w="10002" h="10000">
+                  <a:moveTo>
+                    <a:pt x="8763" y="0"/>
+                  </a:moveTo>
+                  <a:lnTo>
+                    <a:pt x="10002" y="0"/>
+                  </a:lnTo>
+                  <a:lnTo>
+                    <a:pt x="10002" y="10000"/>
+                  </a:lnTo>
+                  <a:lnTo>
+                    <a:pt x="2" y="10000"/>
+                  </a:lnTo>
+                  <a:cubicBezTo>
+                    <a:pt x="-2" y="9698"/>
+                    <a:pt x="4" y="9427"/>
+                    <a:pt x="0" y="9125"/>
+                  </a:cubicBezTo>
+                  <a:lnTo>
+                    <a:pt x="8763" y="9128"/>
+                  </a:lnTo>
+                  <a:lnTo>
+                    <a:pt x="8763" y="0"/>
+                  </a:lnTo>
+                  <a:close/>
+                </a:path>
+              </a:pathLst>
+            </a:custGeom>
+            <a:solidFill>
+              <a:schemeClr val="tx2"/>
+            </a:solidFill>
+            <a:ln w="0">
+              <a:noFill/>
+              <a:prstDash val="solid"/>
+              <a:round/>
+              <a:headEnd/>
+              <a:tailEnd/>
+            </a:ln>
+          </p:spPr>
+        </p:sp>
+      </p:grpSp>
+      <p:sp useBgFill="1">
+        <p:nvSpPr>
+          <p:cNvPr id="15" name="Rectangle 14"/>
+          <p:cNvSpPr>
+            <a:spLocks noGrp="1" noRot="1" noChangeAspect="1" noMove="1" noResize="1" noEditPoints="1" noAdjustHandles="1" noChangeArrowheads="1" noChangeShapeType="1" noTextEdit="1"/>
+          </p:cNvSpPr>
+          <p:nvPr>
+            <p:extLst>
+              <p:ext uri="{386F3935-93C4-4BCD-93E2-E3B085C9AB24}">
+                <p16:designElem xmlns:p16="http://schemas.microsoft.com/office/powerpoint/2015/main" val="1"/>
+              </p:ext>
+            </p:extLst>
+          </p:nvPr>
+        </p:nvSpPr>
+        <p:spPr>
+          <a:xfrm>
+            <a:off x="0" y="0"/>
+            <a:ext cx="12192000" cy="6858000"/>
+          </a:xfrm>
+          <a:prstGeom prst="rect">
+            <a:avLst/>
+          </a:prstGeom>
+          <a:ln>
+            <a:noFill/>
+          </a:ln>
+        </p:spPr>
+        <p:style>
+          <a:lnRef idx="2">
+            <a:schemeClr val="accent1">
+              <a:shade val="50000"/>
+            </a:schemeClr>
+          </a:lnRef>
+          <a:fillRef idx="1001">
+            <a:schemeClr val="lt2"/>
+          </a:fillRef>
+          <a:effectRef idx="0">
+            <a:schemeClr val="accent1"/>
+          </a:effectRef>
+          <a:fontRef idx="minor">
+            <a:schemeClr val="lt1"/>
+          </a:fontRef>
+        </p:style>
+        <p:txBody>
+          <a:bodyPr rtlCol="0" anchor="ctr"/>
+          <a:lstStyle/>
+          <a:p>
+            <a:pPr algn="ctr"/>
+            <a:endParaRPr lang="en-US"/>
+          </a:p>
+        </p:txBody>
+      </p:sp>
+      <p:sp>
+        <p:nvSpPr>
+          <p:cNvPr id="17" name="Freeform 6"/>
+          <p:cNvSpPr>
+            <a:spLocks noGrp="1" noRot="1" noChangeAspect="1" noMove="1" noResize="1" noEditPoints="1" noAdjustHandles="1" noChangeArrowheads="1" noChangeShapeType="1" noTextEdit="1"/>
+          </p:cNvSpPr>
+          <p:nvPr>
+            <p:extLst>
+              <p:ext uri="{386F3935-93C4-4BCD-93E2-E3B085C9AB24}">
+                <p16:designElem xmlns:p16="http://schemas.microsoft.com/office/powerpoint/2015/main" val="1"/>
+              </p:ext>
+            </p:extLst>
+          </p:nvPr>
+        </p:nvSpPr>
+        <p:spPr bwMode="auto">
+          <a:xfrm>
+            <a:off x="3027878" y="2016617"/>
+            <a:ext cx="3275013" cy="4408488"/>
+          </a:xfrm>
+          <a:custGeom>
+            <a:avLst/>
+            <a:gdLst/>
+            <a:ahLst/>
+            <a:cxnLst/>
+            <a:rect l="l" t="t" r="r" b="b"/>
+            <a:pathLst>
+              <a:path w="10000" h="10000">
+                <a:moveTo>
+                  <a:pt x="8761" y="0"/>
+                </a:moveTo>
+                <a:lnTo>
+                  <a:pt x="10000" y="0"/>
+                </a:lnTo>
+                <a:lnTo>
+                  <a:pt x="10000" y="10000"/>
+                </a:lnTo>
+                <a:lnTo>
+                  <a:pt x="0" y="10000"/>
+                </a:lnTo>
+                <a:lnTo>
+                  <a:pt x="0" y="9126"/>
+                </a:lnTo>
+                <a:lnTo>
+                  <a:pt x="8761" y="9127"/>
+                </a:lnTo>
+                <a:lnTo>
+                  <a:pt x="8761" y="0"/>
+                </a:lnTo>
+                <a:close/>
+              </a:path>
+            </a:pathLst>
+          </a:custGeom>
+          <a:solidFill>
+            <a:schemeClr val="tx2"/>
+          </a:solidFill>
+          <a:ln w="0">
+            <a:noFill/>
+            <a:prstDash val="solid"/>
+            <a:round/>
+            <a:headEnd/>
+            <a:tailEnd/>
+          </a:ln>
+        </p:spPr>
+      </p:sp>
+      <p:sp>
+        <p:nvSpPr>
+          <p:cNvPr id="19" name="Freeform 6"/>
+          <p:cNvSpPr>
+            <a:spLocks noGrp="1" noRot="1" noChangeAspect="1" noMove="1" noResize="1" noEditPoints="1" noAdjustHandles="1" noChangeArrowheads="1" noChangeShapeType="1" noTextEdit="1"/>
+          </p:cNvSpPr>
+          <p:nvPr>
+            <p:extLst>
+              <p:ext uri="{386F3935-93C4-4BCD-93E2-E3B085C9AB24}">
+                <p16:designElem xmlns:p16="http://schemas.microsoft.com/office/powerpoint/2015/main" val="1"/>
+              </p:ext>
+            </p:extLst>
+          </p:nvPr>
+        </p:nvSpPr>
+        <p:spPr bwMode="auto">
+          <a:xfrm flipH="1" flipV="1">
+            <a:off x="649163" y="634028"/>
+            <a:ext cx="3275668" cy="4408488"/>
+          </a:xfrm>
+          <a:custGeom>
+            <a:avLst/>
+            <a:gdLst/>
+            <a:ahLst/>
+            <a:cxnLst/>
+            <a:rect l="l" t="t" r="r" b="b"/>
+            <a:pathLst>
+              <a:path w="10002" h="10000">
+                <a:moveTo>
+                  <a:pt x="8763" y="0"/>
+                </a:moveTo>
+                <a:lnTo>
+                  <a:pt x="10002" y="0"/>
+                </a:lnTo>
+                <a:lnTo>
+                  <a:pt x="10002" y="10000"/>
+                </a:lnTo>
+                <a:lnTo>
+                  <a:pt x="2" y="10000"/>
+                </a:lnTo>
+                <a:cubicBezTo>
+                  <a:pt x="-2" y="9698"/>
+                  <a:pt x="4" y="9427"/>
+                  <a:pt x="0" y="9125"/>
+                </a:cubicBezTo>
+                <a:lnTo>
+                  <a:pt x="8763" y="9128"/>
+                </a:lnTo>
+                <a:lnTo>
+                  <a:pt x="8763" y="0"/>
+                </a:lnTo>
+                <a:close/>
+              </a:path>
+            </a:pathLst>
+          </a:custGeom>
+          <a:solidFill>
+            <a:schemeClr val="tx2"/>
+          </a:solidFill>
+          <a:ln w="0">
+            <a:noFill/>
+            <a:prstDash val="solid"/>
+            <a:round/>
+            <a:headEnd/>
+            <a:tailEnd/>
+          </a:ln>
+        </p:spPr>
+      </p:sp>
+      <p:pic>
+        <p:nvPicPr>
+          <p:cNvPr id="4" name="Picture 3"/>
+          <p:cNvPicPr>
+            <a:picLocks noChangeAspect="1"/>
+          </p:cNvPicPr>
+          <p:nvPr/>
+        </p:nvPicPr>
+        <p:blipFill>
+          <a:blip r:embed="rId2">
+            <a:extLst>
+              <a:ext uri="{28A0092B-C50C-407E-A947-70E740481C1C}">
+                <a14:useLocalDpi xmlns:a14="http://schemas.microsoft.com/office/drawing/2010/main" val="0"/>
+              </a:ext>
+            </a:extLst>
+          </a:blip>
+          <a:stretch>
+            <a:fillRect/>
+          </a:stretch>
+        </p:blipFill>
+        <p:spPr>
+          <a:xfrm>
+            <a:off x="1371403" y="2307193"/>
+            <a:ext cx="4207669" cy="2443629"/>
+          </a:xfrm>
+          <a:prstGeom prst="rect">
+            <a:avLst/>
+          </a:prstGeom>
+        </p:spPr>
+      </p:pic>
+      <p:sp>
+        <p:nvSpPr>
+          <p:cNvPr id="2" name="Title 1"/>
+          <p:cNvSpPr>
+            <a:spLocks noGrp="1"/>
+          </p:cNvSpPr>
+          <p:nvPr>
+            <p:ph type="title"/>
+          </p:nvPr>
+        </p:nvSpPr>
+        <p:spPr>
+          <a:xfrm>
+            <a:off x="6711885" y="634028"/>
+            <a:ext cx="4798243" cy="3732835"/>
+          </a:xfrm>
+        </p:spPr>
+        <p:txBody>
+          <a:bodyPr vert="horz" lIns="91440" tIns="45720" rIns="91440" bIns="45720" rtlCol="0" anchor="b">
+            <a:normAutofit/>
+          </a:bodyPr>
+          <a:lstStyle/>
+          <a:p>
+            <a:pPr algn="ctr"/>
+            <a:r>
+              <a:rPr lang="en-US" dirty="0"/>
+              <a:t>Headers</a:t>
+            </a:r>
+          </a:p>
+        </p:txBody>
+      </p:sp>
+    </p:spTree>
+    <p:extLst>
+      <p:ext uri="{BB962C8B-B14F-4D97-AF65-F5344CB8AC3E}">
+        <p14:creationId xmlns:p14="http://schemas.microsoft.com/office/powerpoint/2010/main" val="2610455940"/>
+      </p:ext>
+    </p:extLst>
+  </p:cSld>
+  <p:clrMapOvr>
+    <a:masterClrMapping/>
+  </p:clrMapOvr>
+</p:sld>
+</file>
+
+<file path=ppt/slides/slide7.xml><?xml version="1.0" encoding="utf-8"?>
+<p:sld xmlns:a="http://schemas.openxmlformats.org/drawingml/2006/main" xmlns:r="http://schemas.openxmlformats.org/officeDocument/2006/relationships" xmlns:p="http://schemas.openxmlformats.org/presentationml/2006/main">
+  <p:cSld>
+    <p:spTree>
+      <p:nvGrpSpPr>
+        <p:cNvPr id="1" name=""/>
+        <p:cNvGrpSpPr/>
+        <p:nvPr/>
+      </p:nvGrpSpPr>
+      <p:grpSpPr>
+        <a:xfrm>
+          <a:off x="0" y="0"/>
+          <a:ext cx="0" cy="0"/>
+          <a:chOff x="0" y="0"/>
+          <a:chExt cx="0" cy="0"/>
+        </a:xfrm>
+      </p:grpSpPr>
+      <p:sp>
+        <p:nvSpPr>
+          <p:cNvPr id="2" name="Title 1"/>
+          <p:cNvSpPr>
+            <a:spLocks noGrp="1"/>
+          </p:cNvSpPr>
+          <p:nvPr>
+            <p:ph type="title"/>
+          </p:nvPr>
+        </p:nvSpPr>
+        <p:spPr/>
+        <p:txBody>
+          <a:bodyPr/>
+          <a:lstStyle/>
+          <a:p>
+            <a:r>
+              <a:rPr lang="en-US" dirty="0"/>
+              <a:t>Options</a:t>
+            </a:r>
+          </a:p>
+        </p:txBody>
+      </p:sp>
+      <p:sp>
+        <p:nvSpPr>
+          <p:cNvPr id="3" name="Content Placeholder 2"/>
+          <p:cNvSpPr>
+            <a:spLocks noGrp="1"/>
+          </p:cNvSpPr>
+          <p:nvPr>
+            <p:ph sz="half" idx="1"/>
+          </p:nvPr>
+        </p:nvSpPr>
+        <p:spPr>
+          <a:xfrm>
+            <a:off x="1371600" y="3974361"/>
+            <a:ext cx="3687288" cy="2367144"/>
+          </a:xfrm>
+        </p:spPr>
+        <p:txBody>
+          <a:bodyPr/>
+          <a:lstStyle/>
+          <a:p>
+            <a:r>
+              <a:rPr lang="en-US" dirty="0"/>
+              <a:t>Notifications </a:t>
+            </a:r>
+          </a:p>
+          <a:p>
+            <a:endParaRPr lang="en-US" dirty="0"/>
+          </a:p>
+          <a:p>
+            <a:r>
+              <a:rPr lang="en-US" dirty="0"/>
+              <a:t>Tasks</a:t>
+            </a:r>
+          </a:p>
+          <a:p>
+            <a:endParaRPr lang="en-US" dirty="0"/>
+          </a:p>
+          <a:p>
+            <a:r>
+              <a:rPr lang="en-US" dirty="0"/>
+              <a:t>Messages</a:t>
+            </a:r>
+          </a:p>
+        </p:txBody>
+      </p:sp>
+      <p:pic>
+        <p:nvPicPr>
+          <p:cNvPr id="5" name="Content Placeholder 4"/>
+          <p:cNvPicPr>
+            <a:picLocks noGrp="1" noChangeAspect="1"/>
+          </p:cNvPicPr>
+          <p:nvPr>
+            <p:ph sz="half" idx="2"/>
+          </p:nvPr>
+        </p:nvPicPr>
+        <p:blipFill>
+          <a:blip r:embed="rId2">
+            <a:extLst>
+              <a:ext uri="{28A0092B-C50C-407E-A947-70E740481C1C}">
+                <a14:useLocalDpi xmlns:a14="http://schemas.microsoft.com/office/drawing/2010/main" val="0"/>
+              </a:ext>
+            </a:extLst>
+          </a:blip>
+          <a:stretch>
+            <a:fillRect/>
+          </a:stretch>
+        </p:blipFill>
+        <p:spPr>
+          <a:xfrm>
+            <a:off x="3384367" y="720643"/>
+            <a:ext cx="8403604" cy="3083794"/>
+          </a:xfrm>
+        </p:spPr>
+      </p:pic>
+      <p:pic>
+        <p:nvPicPr>
+          <p:cNvPr id="6" name="Picture 5"/>
+          <p:cNvPicPr>
+            <a:picLocks noChangeAspect="1"/>
+          </p:cNvPicPr>
+          <p:nvPr/>
+        </p:nvPicPr>
+        <p:blipFill rotWithShape="1">
+          <a:blip r:embed="rId3">
+            <a:extLst>
+              <a:ext uri="{28A0092B-C50C-407E-A947-70E740481C1C}">
+                <a14:useLocalDpi xmlns:a14="http://schemas.microsoft.com/office/drawing/2010/main" val="0"/>
+              </a:ext>
+            </a:extLst>
+          </a:blip>
+          <a:srcRect r="63531"/>
+          <a:stretch/>
+        </p:blipFill>
+        <p:spPr>
+          <a:xfrm>
+            <a:off x="3384367" y="3868469"/>
+            <a:ext cx="569686" cy="571500"/>
+          </a:xfrm>
+          <a:prstGeom prst="rect">
+            <a:avLst/>
+          </a:prstGeom>
+        </p:spPr>
+      </p:pic>
+      <p:pic>
+        <p:nvPicPr>
+          <p:cNvPr id="7" name="Picture 6"/>
+          <p:cNvPicPr>
+            <a:picLocks noChangeAspect="1"/>
+          </p:cNvPicPr>
+          <p:nvPr/>
+        </p:nvPicPr>
+        <p:blipFill rotWithShape="1">
+          <a:blip r:embed="rId3">
+            <a:extLst>
+              <a:ext uri="{28A0092B-C50C-407E-A947-70E740481C1C}">
+                <a14:useLocalDpi xmlns:a14="http://schemas.microsoft.com/office/drawing/2010/main" val="0"/>
+              </a:ext>
+            </a:extLst>
+          </a:blip>
+          <a:srcRect l="34944" t="751" r="25651" b="1587"/>
+          <a:stretch/>
+        </p:blipFill>
+        <p:spPr>
+          <a:xfrm>
+            <a:off x="2663848" y="4773142"/>
+            <a:ext cx="615538" cy="558140"/>
+          </a:xfrm>
+          <a:prstGeom prst="rect">
+            <a:avLst/>
+          </a:prstGeom>
+        </p:spPr>
+      </p:pic>
+      <p:pic>
+        <p:nvPicPr>
+          <p:cNvPr id="8" name="Picture 7"/>
+          <p:cNvPicPr>
+            <a:picLocks noChangeAspect="1"/>
+          </p:cNvPicPr>
+          <p:nvPr/>
+        </p:nvPicPr>
+        <p:blipFill rotWithShape="1">
+          <a:blip r:embed="rId3">
+            <a:extLst>
+              <a:ext uri="{28A0092B-C50C-407E-A947-70E740481C1C}">
+                <a14:useLocalDpi xmlns:a14="http://schemas.microsoft.com/office/drawing/2010/main" val="0"/>
+              </a:ext>
+            </a:extLst>
+          </a:blip>
+          <a:srcRect l="66549" r="-1"/>
+          <a:stretch/>
+        </p:blipFill>
+        <p:spPr>
+          <a:xfrm>
+            <a:off x="3076598" y="5671130"/>
+            <a:ext cx="522553" cy="571500"/>
+          </a:xfrm>
+          <a:prstGeom prst="rect">
+            <a:avLst/>
+          </a:prstGeom>
+        </p:spPr>
+      </p:pic>
+    </p:spTree>
+    <p:extLst>
+      <p:ext uri="{BB962C8B-B14F-4D97-AF65-F5344CB8AC3E}">
+        <p14:creationId xmlns:p14="http://schemas.microsoft.com/office/powerpoint/2010/main" val="467173391"/>
+      </p:ext>
+    </p:extLst>
+  </p:cSld>
+  <p:clrMapOvr>
+    <a:masterClrMapping/>
+  </p:clrMapOvr>
+</p:sld>
+</file>
+
+<file path=ppt/slides/slide8.xml><?xml version="1.0" encoding="utf-8"?>
+<p:sld xmlns:a="http://schemas.openxmlformats.org/drawingml/2006/main" xmlns:r="http://schemas.openxmlformats.org/officeDocument/2006/relationships" xmlns:p="http://schemas.openxmlformats.org/presentationml/2006/main">
+  <p:cSld>
+    <p:bg>
+      <p:bgPr>
+        <a:solidFill>
+          <a:schemeClr val="bg2"/>
+        </a:solidFill>
+        <a:effectLst/>
+      </p:bgPr>
+    </p:bg>
+    <p:spTree>
+      <p:nvGrpSpPr>
+        <p:cNvPr id="1" name=""/>
+        <p:cNvGrpSpPr/>
+        <p:nvPr/>
+      </p:nvGrpSpPr>
+      <p:grpSpPr>
+        <a:xfrm>
+          <a:off x="0" y="0"/>
+          <a:ext cx="0" cy="0"/>
+          <a:chOff x="0" y="0"/>
+          <a:chExt cx="0" cy="0"/>
+        </a:xfrm>
+      </p:grpSpPr>
+      <p:sp>
+        <p:nvSpPr>
+          <p:cNvPr id="11" name="Rectangle 10"/>
+          <p:cNvSpPr>
+            <a:spLocks noGrp="1" noRot="1" noChangeAspect="1" noMove="1" noResize="1" noEditPoints="1" noAdjustHandles="1" noChangeArrowheads="1" noChangeShapeType="1" noTextEdit="1"/>
+          </p:cNvSpPr>
+          <p:nvPr>
+            <p:extLst>
+              <p:ext uri="{386F3935-93C4-4BCD-93E2-E3B085C9AB24}">
+                <p16:designElem xmlns:p16="http://schemas.microsoft.com/office/powerpoint/2015/main" val="1"/>
+              </p:ext>
+            </p:extLst>
+          </p:nvPr>
+        </p:nvSpPr>
+        <p:spPr bwMode="white">
+          <a:xfrm>
+            <a:off x="0" y="0"/>
+            <a:ext cx="12192000" cy="6858000"/>
+          </a:xfrm>
+          <a:prstGeom prst="rect">
+            <a:avLst/>
+          </a:prstGeom>
+          <a:solidFill>
+            <a:schemeClr val="bg2"/>
+          </a:solidFill>
+          <a:effectLst/>
+        </p:spPr>
+      </p:sp>
+      <p:grpSp>
+        <p:nvGrpSpPr>
+          <p:cNvPr id="13" name="Group 12"/>
+          <p:cNvGrpSpPr>
+            <a:grpSpLocks noGrp="1" noUngrp="1" noRot="1" noChangeAspect="1" noMove="1" noResize="1"/>
+          </p:cNvGrpSpPr>
+          <p:nvPr>
+            <p:extLst>
+              <p:ext uri="{386F3935-93C4-4BCD-93E2-E3B085C9AB24}">
+                <p16:designElem xmlns:p16="http://schemas.microsoft.com/office/powerpoint/2015/main" val="1"/>
+              </p:ext>
+            </p:extLst>
+          </p:nvPr>
+        </p:nvGrpSpPr>
+        <p:grpSpPr>
+          <a:xfrm>
+            <a:off x="752858" y="744469"/>
+            <a:ext cx="10674117" cy="5349671"/>
+            <a:chOff x="752858" y="744469"/>
+            <a:chExt cx="10674117" cy="5349671"/>
+          </a:xfrm>
+        </p:grpSpPr>
+        <p:sp>
+          <p:nvSpPr>
+            <p:cNvPr id="14" name="Freeform 6"/>
+            <p:cNvSpPr/>
+            <p:nvPr>
+              <p:extLst>
+                <p:ext uri="{386F3935-93C4-4BCD-93E2-E3B085C9AB24}">
+                  <p16:designElem xmlns:p16="http://schemas.microsoft.com/office/powerpoint/2015/main" val="1"/>
+                </p:ext>
+              </p:extLst>
+            </p:nvPr>
+          </p:nvSpPr>
+          <p:spPr bwMode="auto">
+            <a:xfrm>
+              <a:off x="8151962" y="1685652"/>
+              <a:ext cx="3275013" cy="4408488"/>
+            </a:xfrm>
+            <a:custGeom>
+              <a:avLst/>
+              <a:gdLst/>
+              <a:ahLst/>
+              <a:cxnLst/>
+              <a:rect l="l" t="t" r="r" b="b"/>
+              <a:pathLst>
+                <a:path w="10000" h="10000">
+                  <a:moveTo>
+                    <a:pt x="8761" y="0"/>
+                  </a:moveTo>
+                  <a:lnTo>
+                    <a:pt x="10000" y="0"/>
+                  </a:lnTo>
+                  <a:lnTo>
+                    <a:pt x="10000" y="10000"/>
+                  </a:lnTo>
+                  <a:lnTo>
+                    <a:pt x="0" y="10000"/>
+                  </a:lnTo>
+                  <a:lnTo>
+                    <a:pt x="0" y="9126"/>
+                  </a:lnTo>
+                  <a:lnTo>
+                    <a:pt x="8761" y="9127"/>
+                  </a:lnTo>
+                  <a:lnTo>
+                    <a:pt x="8761" y="0"/>
+                  </a:lnTo>
+                  <a:close/>
+                </a:path>
+              </a:pathLst>
+            </a:custGeom>
+            <a:solidFill>
+              <a:schemeClr val="tx2"/>
+            </a:solidFill>
+            <a:ln w="0">
+              <a:noFill/>
+              <a:prstDash val="solid"/>
+              <a:round/>
+              <a:headEnd/>
+              <a:tailEnd/>
+            </a:ln>
+          </p:spPr>
+        </p:sp>
+        <p:sp>
+          <p:nvSpPr>
+            <p:cNvPr id="15" name="Freeform 6"/>
+            <p:cNvSpPr/>
+            <p:nvPr>
+              <p:extLst>
+                <p:ext uri="{386F3935-93C4-4BCD-93E2-E3B085C9AB24}">
+                  <p16:designElem xmlns:p16="http://schemas.microsoft.com/office/powerpoint/2015/main" val="1"/>
+                </p:ext>
+              </p:extLst>
+            </p:nvPr>
+          </p:nvSpPr>
+          <p:spPr bwMode="auto">
+            <a:xfrm flipH="1" flipV="1">
+              <a:off x="752858" y="744469"/>
+              <a:ext cx="3275668" cy="4408488"/>
+            </a:xfrm>
+            <a:custGeom>
+              <a:avLst/>
+              <a:gdLst/>
+              <a:ahLst/>
+              <a:cxnLst/>
+              <a:rect l="l" t="t" r="r" b="b"/>
+              <a:pathLst>
+                <a:path w="10002" h="10000">
+                  <a:moveTo>
+                    <a:pt x="8763" y="0"/>
+                  </a:moveTo>
+                  <a:lnTo>
+                    <a:pt x="10002" y="0"/>
+                  </a:lnTo>
+                  <a:lnTo>
+                    <a:pt x="10002" y="10000"/>
+                  </a:lnTo>
+                  <a:lnTo>
+                    <a:pt x="2" y="10000"/>
+                  </a:lnTo>
+                  <a:cubicBezTo>
+                    <a:pt x="-2" y="9698"/>
+                    <a:pt x="4" y="9427"/>
+                    <a:pt x="0" y="9125"/>
+                  </a:cubicBezTo>
+                  <a:lnTo>
+                    <a:pt x="8763" y="9128"/>
+                  </a:lnTo>
+                  <a:lnTo>
+                    <a:pt x="8763" y="0"/>
+                  </a:lnTo>
+                  <a:close/>
+                </a:path>
+              </a:pathLst>
+            </a:custGeom>
+            <a:solidFill>
+              <a:schemeClr val="tx2"/>
+            </a:solidFill>
+            <a:ln w="0">
+              <a:noFill/>
+              <a:prstDash val="solid"/>
+              <a:round/>
+              <a:headEnd/>
+              <a:tailEnd/>
+            </a:ln>
+          </p:spPr>
+        </p:sp>
+      </p:grpSp>
+      <p:sp useBgFill="1">
+        <p:nvSpPr>
+          <p:cNvPr id="17" name="Rectangle 16"/>
+          <p:cNvSpPr>
+            <a:spLocks noGrp="1" noRot="1" noChangeAspect="1" noMove="1" noResize="1" noEditPoints="1" noAdjustHandles="1" noChangeArrowheads="1" noChangeShapeType="1" noTextEdit="1"/>
+          </p:cNvSpPr>
+          <p:nvPr>
+            <p:extLst>
+              <p:ext uri="{386F3935-93C4-4BCD-93E2-E3B085C9AB24}">
+                <p16:designElem xmlns:p16="http://schemas.microsoft.com/office/powerpoint/2015/main" val="1"/>
+              </p:ext>
+            </p:extLst>
+          </p:nvPr>
+        </p:nvSpPr>
+        <p:spPr>
+          <a:xfrm>
+            <a:off x="0" y="0"/>
+            <a:ext cx="12192000" cy="6858000"/>
+          </a:xfrm>
+          <a:prstGeom prst="rect">
+            <a:avLst/>
+          </a:prstGeom>
+          <a:ln>
+            <a:noFill/>
+          </a:ln>
+        </p:spPr>
+        <p:style>
+          <a:lnRef idx="2">
+            <a:schemeClr val="accent1">
+              <a:shade val="50000"/>
+            </a:schemeClr>
+          </a:lnRef>
+          <a:fillRef idx="1001">
+            <a:schemeClr val="lt2"/>
+          </a:fillRef>
+          <a:effectRef idx="0">
+            <a:schemeClr val="accent1"/>
+          </a:effectRef>
+          <a:fontRef idx="minor">
+            <a:schemeClr val="lt1"/>
+          </a:fontRef>
+        </p:style>
+        <p:txBody>
+          <a:bodyPr rtlCol="0" anchor="ctr"/>
+          <a:lstStyle/>
+          <a:p>
+            <a:pPr algn="ctr"/>
+            <a:endParaRPr lang="en-US"/>
+          </a:p>
+        </p:txBody>
+      </p:sp>
+      <p:sp>
+        <p:nvSpPr>
+          <p:cNvPr id="19" name="Freeform 6"/>
+          <p:cNvSpPr>
+            <a:spLocks noGrp="1" noRot="1" noChangeAspect="1" noMove="1" noResize="1" noEditPoints="1" noAdjustHandles="1" noChangeArrowheads="1" noChangeShapeType="1" noTextEdit="1"/>
+          </p:cNvSpPr>
+          <p:nvPr>
+            <p:extLst>
+              <p:ext uri="{386F3935-93C4-4BCD-93E2-E3B085C9AB24}">
+                <p16:designElem xmlns:p16="http://schemas.microsoft.com/office/powerpoint/2015/main" val="1"/>
+              </p:ext>
+            </p:extLst>
+          </p:nvPr>
+        </p:nvSpPr>
+        <p:spPr bwMode="auto">
+          <a:xfrm>
+            <a:off x="1542142" y="2016617"/>
+            <a:ext cx="3275013" cy="4408488"/>
+          </a:xfrm>
+          <a:custGeom>
+            <a:avLst/>
+            <a:gdLst/>
+            <a:ahLst/>
+            <a:cxnLst/>
+            <a:rect l="l" t="t" r="r" b="b"/>
+            <a:pathLst>
+              <a:path w="10000" h="10000">
+                <a:moveTo>
+                  <a:pt x="8761" y="0"/>
+                </a:moveTo>
+                <a:lnTo>
+                  <a:pt x="10000" y="0"/>
+                </a:lnTo>
+                <a:lnTo>
+                  <a:pt x="10000" y="10000"/>
+                </a:lnTo>
+                <a:lnTo>
+                  <a:pt x="0" y="10000"/>
+                </a:lnTo>
+                <a:lnTo>
+                  <a:pt x="0" y="9126"/>
+                </a:lnTo>
+                <a:lnTo>
+                  <a:pt x="8761" y="9127"/>
+                </a:lnTo>
+                <a:lnTo>
+                  <a:pt x="8761" y="0"/>
+                </a:lnTo>
+                <a:close/>
+              </a:path>
+            </a:pathLst>
+          </a:custGeom>
+          <a:solidFill>
+            <a:schemeClr val="tx2"/>
+          </a:solidFill>
+          <a:ln w="0">
+            <a:noFill/>
+            <a:prstDash val="solid"/>
+            <a:round/>
+            <a:headEnd/>
+            <a:tailEnd/>
+          </a:ln>
+        </p:spPr>
+      </p:sp>
+      <p:sp>
+        <p:nvSpPr>
+          <p:cNvPr id="21" name="Freeform 6"/>
+          <p:cNvSpPr>
+            <a:spLocks noGrp="1" noRot="1" noChangeAspect="1" noMove="1" noResize="1" noEditPoints="1" noAdjustHandles="1" noChangeArrowheads="1" noChangeShapeType="1" noTextEdit="1"/>
+          </p:cNvSpPr>
+          <p:nvPr>
+            <p:extLst>
+              <p:ext uri="{386F3935-93C4-4BCD-93E2-E3B085C9AB24}">
+                <p16:designElem xmlns:p16="http://schemas.microsoft.com/office/powerpoint/2015/main" val="1"/>
+              </p:ext>
+            </p:extLst>
+          </p:nvPr>
+        </p:nvSpPr>
+        <p:spPr bwMode="auto">
+          <a:xfrm flipH="1" flipV="1">
+            <a:off x="649163" y="634028"/>
+            <a:ext cx="3275668" cy="4408488"/>
+          </a:xfrm>
+          <a:custGeom>
+            <a:avLst/>
+            <a:gdLst/>
+            <a:ahLst/>
+            <a:cxnLst/>
+            <a:rect l="l" t="t" r="r" b="b"/>
+            <a:pathLst>
+              <a:path w="10002" h="10000">
+                <a:moveTo>
+                  <a:pt x="8763" y="0"/>
+                </a:moveTo>
+                <a:lnTo>
+                  <a:pt x="10002" y="0"/>
+                </a:lnTo>
+                <a:lnTo>
+                  <a:pt x="10002" y="10000"/>
+                </a:lnTo>
+                <a:lnTo>
+                  <a:pt x="2" y="10000"/>
+                </a:lnTo>
+                <a:cubicBezTo>
+                  <a:pt x="-2" y="9698"/>
+                  <a:pt x="4" y="9427"/>
+                  <a:pt x="0" y="9125"/>
+                </a:cubicBezTo>
+                <a:lnTo>
+                  <a:pt x="8763" y="9128"/>
+                </a:lnTo>
+                <a:lnTo>
+                  <a:pt x="8763" y="0"/>
+                </a:lnTo>
+                <a:close/>
+              </a:path>
+            </a:pathLst>
+          </a:custGeom>
+          <a:solidFill>
+            <a:schemeClr val="tx2"/>
+          </a:solidFill>
+          <a:ln w="0">
+            <a:noFill/>
+            <a:prstDash val="solid"/>
+            <a:round/>
+            <a:headEnd/>
+            <a:tailEnd/>
+          </a:ln>
+        </p:spPr>
+      </p:sp>
+      <p:pic>
+        <p:nvPicPr>
+          <p:cNvPr id="6" name="Picture 5"/>
+          <p:cNvPicPr>
+            <a:picLocks noChangeAspect="1"/>
+          </p:cNvPicPr>
+          <p:nvPr/>
+        </p:nvPicPr>
+        <p:blipFill rotWithShape="1">
+          <a:blip r:embed="rId2">
+            <a:extLst>
+              <a:ext uri="{28A0092B-C50C-407E-A947-70E740481C1C}">
+                <a14:useLocalDpi xmlns:a14="http://schemas.microsoft.com/office/drawing/2010/main" val="0"/>
+              </a:ext>
+            </a:extLst>
+          </a:blip>
+          <a:srcRect r="2306"/>
+          <a:stretch/>
+        </p:blipFill>
+        <p:spPr>
+          <a:xfrm>
+            <a:off x="1371403" y="1762866"/>
+            <a:ext cx="2657123" cy="3532284"/>
+          </a:xfrm>
+          <a:prstGeom prst="rect">
+            <a:avLst/>
+          </a:prstGeom>
+        </p:spPr>
+      </p:pic>
+      <p:sp>
+        <p:nvSpPr>
+          <p:cNvPr id="2" name="Title 1"/>
+          <p:cNvSpPr>
+            <a:spLocks noGrp="1"/>
+          </p:cNvSpPr>
+          <p:nvPr>
+            <p:ph type="title"/>
+          </p:nvPr>
+        </p:nvSpPr>
+        <p:spPr>
+          <a:xfrm>
+            <a:off x="5307291" y="634028"/>
+            <a:ext cx="6221689" cy="3732835"/>
+          </a:xfrm>
+        </p:spPr>
+        <p:txBody>
+          <a:bodyPr vert="horz" lIns="91440" tIns="45720" rIns="91440" bIns="45720" rtlCol="0" anchor="b">
+            <a:normAutofit/>
+          </a:bodyPr>
+          <a:lstStyle/>
+          <a:p>
+            <a:pPr algn="ctr"/>
+            <a:r>
+              <a:rPr lang="en-US" dirty="0"/>
+              <a:t>Sidebar</a:t>
+            </a:r>
+          </a:p>
+        </p:txBody>
+      </p:sp>
+    </p:spTree>
+    <p:extLst>
+      <p:ext uri="{BB962C8B-B14F-4D97-AF65-F5344CB8AC3E}">
+        <p14:creationId xmlns:p14="http://schemas.microsoft.com/office/powerpoint/2010/main" val="56285536"/>
+      </p:ext>
+    </p:extLst>
+  </p:cSld>
+  <p:clrMapOvr>
+    <a:masterClrMapping/>
+  </p:clrMapOvr>
+</p:sld>
+</file>
+
+<file path=ppt/slides/slide9.xml><?xml version="1.0" encoding="utf-8"?>
+<p:sld xmlns:a="http://schemas.openxmlformats.org/drawingml/2006/main" xmlns:r="http://schemas.openxmlformats.org/officeDocument/2006/relationships" xmlns:p="http://schemas.openxmlformats.org/presentationml/2006/main">
+  <p:cSld>
     <p:spTree>
       <p:nvGrpSpPr>
         <p:cNvPr id="1" name=""/>
@@ -4523,4236 +8833,6 @@
     <p:extLst>
       <p:ext uri="{BB962C8B-B14F-4D97-AF65-F5344CB8AC3E}">
         <p14:creationId xmlns:p14="http://schemas.microsoft.com/office/powerpoint/2010/main" val="187690362"/>
-      </p:ext>
-    </p:extLst>
-  </p:cSld>
-  <p:clrMapOvr>
-    <a:masterClrMapping/>
-  </p:clrMapOvr>
-</p:sld>
-</file>
-
-<file path=ppt/slides/slide11.xml><?xml version="1.0" encoding="utf-8"?>
-<p:sld xmlns:a="http://schemas.openxmlformats.org/drawingml/2006/main" xmlns:r="http://schemas.openxmlformats.org/officeDocument/2006/relationships" xmlns:p="http://schemas.openxmlformats.org/presentationml/2006/main">
-  <p:cSld>
-    <p:bg>
-      <p:bgPr>
-        <a:solidFill>
-          <a:schemeClr val="bg2"/>
-        </a:solidFill>
-        <a:effectLst/>
-      </p:bgPr>
-    </p:bg>
-    <p:spTree>
-      <p:nvGrpSpPr>
-        <p:cNvPr id="1" name=""/>
-        <p:cNvGrpSpPr/>
-        <p:nvPr/>
-      </p:nvGrpSpPr>
-      <p:grpSpPr>
-        <a:xfrm>
-          <a:off x="0" y="0"/>
-          <a:ext cx="0" cy="0"/>
-          <a:chOff x="0" y="0"/>
-          <a:chExt cx="0" cy="0"/>
-        </a:xfrm>
-      </p:grpSpPr>
-      <p:sp>
-        <p:nvSpPr>
-          <p:cNvPr id="9" name="Rectangle 8"/>
-          <p:cNvSpPr>
-            <a:spLocks noGrp="1" noRot="1" noChangeAspect="1" noMove="1" noResize="1" noEditPoints="1" noAdjustHandles="1" noChangeArrowheads="1" noChangeShapeType="1" noTextEdit="1"/>
-          </p:cNvSpPr>
-          <p:nvPr>
-            <p:extLst>
-              <p:ext uri="{386F3935-93C4-4BCD-93E2-E3B085C9AB24}">
-                <p16:designElem xmlns:p16="http://schemas.microsoft.com/office/powerpoint/2015/main" val="1"/>
-              </p:ext>
-            </p:extLst>
-          </p:nvPr>
-        </p:nvSpPr>
-        <p:spPr bwMode="white">
-          <a:xfrm>
-            <a:off x="0" y="0"/>
-            <a:ext cx="12192000" cy="6858000"/>
-          </a:xfrm>
-          <a:prstGeom prst="rect">
-            <a:avLst/>
-          </a:prstGeom>
-          <a:solidFill>
-            <a:schemeClr val="bg2"/>
-          </a:solidFill>
-          <a:effectLst/>
-        </p:spPr>
-      </p:sp>
-      <p:grpSp>
-        <p:nvGrpSpPr>
-          <p:cNvPr id="11" name="Group 10"/>
-          <p:cNvGrpSpPr>
-            <a:grpSpLocks noGrp="1" noUngrp="1" noRot="1" noChangeAspect="1" noMove="1" noResize="1"/>
-          </p:cNvGrpSpPr>
-          <p:nvPr>
-            <p:extLst>
-              <p:ext uri="{386F3935-93C4-4BCD-93E2-E3B085C9AB24}">
-                <p16:designElem xmlns:p16="http://schemas.microsoft.com/office/powerpoint/2015/main" val="1"/>
-              </p:ext>
-            </p:extLst>
-          </p:nvPr>
-        </p:nvGrpSpPr>
-        <p:grpSpPr>
-          <a:xfrm>
-            <a:off x="752858" y="744469"/>
-            <a:ext cx="10674117" cy="5349671"/>
-            <a:chOff x="752858" y="744469"/>
-            <a:chExt cx="10674117" cy="5349671"/>
-          </a:xfrm>
-        </p:grpSpPr>
-        <p:sp>
-          <p:nvSpPr>
-            <p:cNvPr id="12" name="Freeform 6"/>
-            <p:cNvSpPr/>
-            <p:nvPr>
-              <p:extLst>
-                <p:ext uri="{386F3935-93C4-4BCD-93E2-E3B085C9AB24}">
-                  <p16:designElem xmlns:p16="http://schemas.microsoft.com/office/powerpoint/2015/main" val="1"/>
-                </p:ext>
-              </p:extLst>
-            </p:nvPr>
-          </p:nvSpPr>
-          <p:spPr bwMode="auto">
-            <a:xfrm>
-              <a:off x="8151962" y="1685652"/>
-              <a:ext cx="3275013" cy="4408488"/>
-            </a:xfrm>
-            <a:custGeom>
-              <a:avLst/>
-              <a:gdLst/>
-              <a:ahLst/>
-              <a:cxnLst/>
-              <a:rect l="l" t="t" r="r" b="b"/>
-              <a:pathLst>
-                <a:path w="10000" h="10000">
-                  <a:moveTo>
-                    <a:pt x="8761" y="0"/>
-                  </a:moveTo>
-                  <a:lnTo>
-                    <a:pt x="10000" y="0"/>
-                  </a:lnTo>
-                  <a:lnTo>
-                    <a:pt x="10000" y="10000"/>
-                  </a:lnTo>
-                  <a:lnTo>
-                    <a:pt x="0" y="10000"/>
-                  </a:lnTo>
-                  <a:lnTo>
-                    <a:pt x="0" y="9126"/>
-                  </a:lnTo>
-                  <a:lnTo>
-                    <a:pt x="8761" y="9127"/>
-                  </a:lnTo>
-                  <a:lnTo>
-                    <a:pt x="8761" y="0"/>
-                  </a:lnTo>
-                  <a:close/>
-                </a:path>
-              </a:pathLst>
-            </a:custGeom>
-            <a:solidFill>
-              <a:schemeClr val="tx2"/>
-            </a:solidFill>
-            <a:ln w="0">
-              <a:noFill/>
-              <a:prstDash val="solid"/>
-              <a:round/>
-              <a:headEnd/>
-              <a:tailEnd/>
-            </a:ln>
-          </p:spPr>
-        </p:sp>
-        <p:sp>
-          <p:nvSpPr>
-            <p:cNvPr id="13" name="Freeform 6"/>
-            <p:cNvSpPr/>
-            <p:nvPr>
-              <p:extLst>
-                <p:ext uri="{386F3935-93C4-4BCD-93E2-E3B085C9AB24}">
-                  <p16:designElem xmlns:p16="http://schemas.microsoft.com/office/powerpoint/2015/main" val="1"/>
-                </p:ext>
-              </p:extLst>
-            </p:nvPr>
-          </p:nvSpPr>
-          <p:spPr bwMode="auto">
-            <a:xfrm flipH="1" flipV="1">
-              <a:off x="752858" y="744469"/>
-              <a:ext cx="3275668" cy="4408488"/>
-            </a:xfrm>
-            <a:custGeom>
-              <a:avLst/>
-              <a:gdLst/>
-              <a:ahLst/>
-              <a:cxnLst/>
-              <a:rect l="l" t="t" r="r" b="b"/>
-              <a:pathLst>
-                <a:path w="10002" h="10000">
-                  <a:moveTo>
-                    <a:pt x="8763" y="0"/>
-                  </a:moveTo>
-                  <a:lnTo>
-                    <a:pt x="10002" y="0"/>
-                  </a:lnTo>
-                  <a:lnTo>
-                    <a:pt x="10002" y="10000"/>
-                  </a:lnTo>
-                  <a:lnTo>
-                    <a:pt x="2" y="10000"/>
-                  </a:lnTo>
-                  <a:cubicBezTo>
-                    <a:pt x="-2" y="9698"/>
-                    <a:pt x="4" y="9427"/>
-                    <a:pt x="0" y="9125"/>
-                  </a:cubicBezTo>
-                  <a:lnTo>
-                    <a:pt x="8763" y="9128"/>
-                  </a:lnTo>
-                  <a:lnTo>
-                    <a:pt x="8763" y="0"/>
-                  </a:lnTo>
-                  <a:close/>
-                </a:path>
-              </a:pathLst>
-            </a:custGeom>
-            <a:solidFill>
-              <a:schemeClr val="tx2"/>
-            </a:solidFill>
-            <a:ln w="0">
-              <a:noFill/>
-              <a:prstDash val="solid"/>
-              <a:round/>
-              <a:headEnd/>
-              <a:tailEnd/>
-            </a:ln>
-          </p:spPr>
-        </p:sp>
-      </p:grpSp>
-      <p:sp useBgFill="1">
-        <p:nvSpPr>
-          <p:cNvPr id="15" name="Rectangle 14"/>
-          <p:cNvSpPr>
-            <a:spLocks noGrp="1" noRot="1" noChangeAspect="1" noMove="1" noResize="1" noEditPoints="1" noAdjustHandles="1" noChangeArrowheads="1" noChangeShapeType="1" noTextEdit="1"/>
-          </p:cNvSpPr>
-          <p:nvPr>
-            <p:extLst>
-              <p:ext uri="{386F3935-93C4-4BCD-93E2-E3B085C9AB24}">
-                <p16:designElem xmlns:p16="http://schemas.microsoft.com/office/powerpoint/2015/main" val="1"/>
-              </p:ext>
-            </p:extLst>
-          </p:nvPr>
-        </p:nvSpPr>
-        <p:spPr>
-          <a:xfrm>
-            <a:off x="0" y="0"/>
-            <a:ext cx="12192000" cy="6858000"/>
-          </a:xfrm>
-          <a:prstGeom prst="rect">
-            <a:avLst/>
-          </a:prstGeom>
-          <a:ln>
-            <a:noFill/>
-          </a:ln>
-        </p:spPr>
-        <p:style>
-          <a:lnRef idx="2">
-            <a:schemeClr val="accent1">
-              <a:shade val="50000"/>
-            </a:schemeClr>
-          </a:lnRef>
-          <a:fillRef idx="1001">
-            <a:schemeClr val="lt2"/>
-          </a:fillRef>
-          <a:effectRef idx="0">
-            <a:schemeClr val="accent1"/>
-          </a:effectRef>
-          <a:fontRef idx="minor">
-            <a:schemeClr val="lt1"/>
-          </a:fontRef>
-        </p:style>
-        <p:txBody>
-          <a:bodyPr rtlCol="0" anchor="ctr"/>
-          <a:lstStyle/>
-          <a:p>
-            <a:pPr algn="ctr"/>
-            <a:endParaRPr lang="en-US"/>
-          </a:p>
-        </p:txBody>
-      </p:sp>
-      <p:sp>
-        <p:nvSpPr>
-          <p:cNvPr id="17" name="Freeform 6"/>
-          <p:cNvSpPr>
-            <a:spLocks noGrp="1" noRot="1" noChangeAspect="1" noMove="1" noResize="1" noEditPoints="1" noAdjustHandles="1" noChangeArrowheads="1" noChangeShapeType="1" noTextEdit="1"/>
-          </p:cNvSpPr>
-          <p:nvPr>
-            <p:extLst>
-              <p:ext uri="{386F3935-93C4-4BCD-93E2-E3B085C9AB24}">
-                <p16:designElem xmlns:p16="http://schemas.microsoft.com/office/powerpoint/2015/main" val="1"/>
-              </p:ext>
-            </p:extLst>
-          </p:nvPr>
-        </p:nvSpPr>
-        <p:spPr bwMode="auto">
-          <a:xfrm>
-            <a:off x="4494670" y="2016617"/>
-            <a:ext cx="3275013" cy="4408488"/>
-          </a:xfrm>
-          <a:custGeom>
-            <a:avLst/>
-            <a:gdLst/>
-            <a:ahLst/>
-            <a:cxnLst/>
-            <a:rect l="l" t="t" r="r" b="b"/>
-            <a:pathLst>
-              <a:path w="10000" h="10000">
-                <a:moveTo>
-                  <a:pt x="8761" y="0"/>
-                </a:moveTo>
-                <a:lnTo>
-                  <a:pt x="10000" y="0"/>
-                </a:lnTo>
-                <a:lnTo>
-                  <a:pt x="10000" y="10000"/>
-                </a:lnTo>
-                <a:lnTo>
-                  <a:pt x="0" y="10000"/>
-                </a:lnTo>
-                <a:lnTo>
-                  <a:pt x="0" y="9126"/>
-                </a:lnTo>
-                <a:lnTo>
-                  <a:pt x="8761" y="9127"/>
-                </a:lnTo>
-                <a:lnTo>
-                  <a:pt x="8761" y="0"/>
-                </a:lnTo>
-                <a:close/>
-              </a:path>
-            </a:pathLst>
-          </a:custGeom>
-          <a:solidFill>
-            <a:schemeClr val="tx2"/>
-          </a:solidFill>
-          <a:ln w="0">
-            <a:noFill/>
-            <a:prstDash val="solid"/>
-            <a:round/>
-            <a:headEnd/>
-            <a:tailEnd/>
-          </a:ln>
-        </p:spPr>
-      </p:sp>
-      <p:sp>
-        <p:nvSpPr>
-          <p:cNvPr id="19" name="Freeform 6"/>
-          <p:cNvSpPr>
-            <a:spLocks noGrp="1" noRot="1" noChangeAspect="1" noMove="1" noResize="1" noEditPoints="1" noAdjustHandles="1" noChangeArrowheads="1" noChangeShapeType="1" noTextEdit="1"/>
-          </p:cNvSpPr>
-          <p:nvPr>
-            <p:extLst>
-              <p:ext uri="{386F3935-93C4-4BCD-93E2-E3B085C9AB24}">
-                <p16:designElem xmlns:p16="http://schemas.microsoft.com/office/powerpoint/2015/main" val="1"/>
-              </p:ext>
-            </p:extLst>
-          </p:nvPr>
-        </p:nvSpPr>
-        <p:spPr bwMode="auto">
-          <a:xfrm flipH="1" flipV="1">
-            <a:off x="649163" y="634028"/>
-            <a:ext cx="3275668" cy="4408488"/>
-          </a:xfrm>
-          <a:custGeom>
-            <a:avLst/>
-            <a:gdLst/>
-            <a:ahLst/>
-            <a:cxnLst/>
-            <a:rect l="l" t="t" r="r" b="b"/>
-            <a:pathLst>
-              <a:path w="10002" h="10000">
-                <a:moveTo>
-                  <a:pt x="8763" y="0"/>
-                </a:moveTo>
-                <a:lnTo>
-                  <a:pt x="10002" y="0"/>
-                </a:lnTo>
-                <a:lnTo>
-                  <a:pt x="10002" y="10000"/>
-                </a:lnTo>
-                <a:lnTo>
-                  <a:pt x="2" y="10000"/>
-                </a:lnTo>
-                <a:cubicBezTo>
-                  <a:pt x="-2" y="9698"/>
-                  <a:pt x="4" y="9427"/>
-                  <a:pt x="0" y="9125"/>
-                </a:cubicBezTo>
-                <a:lnTo>
-                  <a:pt x="8763" y="9128"/>
-                </a:lnTo>
-                <a:lnTo>
-                  <a:pt x="8763" y="0"/>
-                </a:lnTo>
-                <a:close/>
-              </a:path>
-            </a:pathLst>
-          </a:custGeom>
-          <a:solidFill>
-            <a:schemeClr val="tx2"/>
-          </a:solidFill>
-          <a:ln w="0">
-            <a:noFill/>
-            <a:prstDash val="solid"/>
-            <a:round/>
-            <a:headEnd/>
-            <a:tailEnd/>
-          </a:ln>
-        </p:spPr>
-      </p:sp>
-      <p:pic>
-        <p:nvPicPr>
-          <p:cNvPr id="4" name="Picture 3"/>
-          <p:cNvPicPr>
-            <a:picLocks noChangeAspect="1"/>
-          </p:cNvPicPr>
-          <p:nvPr/>
-        </p:nvPicPr>
-        <p:blipFill>
-          <a:blip r:embed="rId2">
-            <a:extLst>
-              <a:ext uri="{28A0092B-C50C-407E-A947-70E740481C1C}">
-                <a14:useLocalDpi xmlns:a14="http://schemas.microsoft.com/office/drawing/2010/main" val="0"/>
-              </a:ext>
-            </a:extLst>
-          </a:blip>
-          <a:stretch>
-            <a:fillRect/>
-          </a:stretch>
-        </p:blipFill>
-        <p:spPr>
-          <a:xfrm>
-            <a:off x="1379023" y="1470054"/>
-            <a:ext cx="5659222" cy="4117083"/>
-          </a:xfrm>
-          <a:prstGeom prst="rect">
-            <a:avLst/>
-          </a:prstGeom>
-        </p:spPr>
-      </p:pic>
-      <p:sp>
-        <p:nvSpPr>
-          <p:cNvPr id="2" name="Title 1"/>
-          <p:cNvSpPr>
-            <a:spLocks noGrp="1"/>
-          </p:cNvSpPr>
-          <p:nvPr>
-            <p:ph type="title"/>
-          </p:nvPr>
-        </p:nvSpPr>
-        <p:spPr>
-          <a:xfrm>
-            <a:off x="8154186" y="634028"/>
-            <a:ext cx="3355942" cy="3732835"/>
-          </a:xfrm>
-        </p:spPr>
-        <p:txBody>
-          <a:bodyPr vert="horz" lIns="91440" tIns="45720" rIns="91440" bIns="45720" rtlCol="0" anchor="b">
-            <a:normAutofit/>
-          </a:bodyPr>
-          <a:lstStyle/>
-          <a:p>
-            <a:pPr algn="ctr"/>
-            <a:r>
-              <a:rPr lang="en-US" sz="6600"/>
-              <a:t>Body</a:t>
-            </a:r>
-          </a:p>
-        </p:txBody>
-      </p:sp>
-    </p:spTree>
-    <p:extLst>
-      <p:ext uri="{BB962C8B-B14F-4D97-AF65-F5344CB8AC3E}">
-        <p14:creationId xmlns:p14="http://schemas.microsoft.com/office/powerpoint/2010/main" val="2885880488"/>
-      </p:ext>
-    </p:extLst>
-  </p:cSld>
-  <p:clrMapOvr>
-    <a:masterClrMapping/>
-  </p:clrMapOvr>
-</p:sld>
-</file>
-
-<file path=ppt/slides/slide12.xml><?xml version="1.0" encoding="utf-8"?>
-<p:sld xmlns:a="http://schemas.openxmlformats.org/drawingml/2006/main" xmlns:r="http://schemas.openxmlformats.org/officeDocument/2006/relationships" xmlns:p="http://schemas.openxmlformats.org/presentationml/2006/main">
-  <p:cSld>
-    <p:spTree>
-      <p:nvGrpSpPr>
-        <p:cNvPr id="1" name=""/>
-        <p:cNvGrpSpPr/>
-        <p:nvPr/>
-      </p:nvGrpSpPr>
-      <p:grpSpPr>
-        <a:xfrm>
-          <a:off x="0" y="0"/>
-          <a:ext cx="0" cy="0"/>
-          <a:chOff x="0" y="0"/>
-          <a:chExt cx="0" cy="0"/>
-        </a:xfrm>
-      </p:grpSpPr>
-      <p:pic>
-        <p:nvPicPr>
-          <p:cNvPr id="4" name="Content Placeholder 3"/>
-          <p:cNvPicPr>
-            <a:picLocks noGrp="1" noChangeAspect="1"/>
-          </p:cNvPicPr>
-          <p:nvPr>
-            <p:ph idx="1"/>
-          </p:nvPr>
-        </p:nvPicPr>
-        <p:blipFill>
-          <a:blip r:embed="rId2">
-            <a:extLst>
-              <a:ext uri="{28A0092B-C50C-407E-A947-70E740481C1C}">
-                <a14:useLocalDpi xmlns:a14="http://schemas.microsoft.com/office/drawing/2010/main" val="0"/>
-              </a:ext>
-            </a:extLst>
-          </a:blip>
-          <a:stretch>
-            <a:fillRect/>
-          </a:stretch>
-        </p:blipFill>
-        <p:spPr>
-          <a:xfrm>
-            <a:off x="2232499" y="492826"/>
-            <a:ext cx="8379557" cy="3581400"/>
-          </a:xfrm>
-        </p:spPr>
-      </p:pic>
-      <p:sp>
-        <p:nvSpPr>
-          <p:cNvPr id="5" name="Content Placeholder 2"/>
-          <p:cNvSpPr txBox="1">
-            <a:spLocks/>
-          </p:cNvSpPr>
-          <p:nvPr/>
-        </p:nvSpPr>
-        <p:spPr>
-          <a:xfrm>
-            <a:off x="2191692" y="4502732"/>
-            <a:ext cx="8461169" cy="1933695"/>
-          </a:xfrm>
-          <a:prstGeom prst="rect">
-            <a:avLst/>
-          </a:prstGeom>
-        </p:spPr>
-        <p:txBody>
-          <a:bodyPr vert="horz" lIns="91440" tIns="45720" rIns="91440" bIns="45720" rtlCol="0">
-            <a:normAutofit fontScale="70000" lnSpcReduction="20000"/>
-          </a:bodyPr>
-          <a:lstStyle>
-            <a:lvl1pPr marL="384048" indent="-384048" algn="l" defTabSz="914400" rtl="0" eaLnBrk="1" latinLnBrk="0" hangingPunct="1">
-              <a:lnSpc>
-                <a:spcPct val="94000"/>
-              </a:lnSpc>
-              <a:spcBef>
-                <a:spcPts val="1000"/>
-              </a:spcBef>
-              <a:spcAft>
-                <a:spcPts val="200"/>
-              </a:spcAft>
-              <a:buFont typeface="Franklin Gothic Book" panose="020B0503020102020204" pitchFamily="34" charset="0"/>
-              <a:buChar char="■"/>
-              <a:defRPr sz="2000" kern="1200" baseline="0">
-                <a:solidFill>
-                  <a:schemeClr val="tx2"/>
-                </a:solidFill>
-                <a:latin typeface="+mn-lt"/>
-                <a:ea typeface="+mn-ea"/>
-                <a:cs typeface="+mn-cs"/>
-              </a:defRPr>
-            </a:lvl1pPr>
-            <a:lvl2pPr marL="384048" indent="-384048" algn="l" defTabSz="914400" rtl="0" eaLnBrk="1" latinLnBrk="0" hangingPunct="1">
-              <a:lnSpc>
-                <a:spcPct val="94000"/>
-              </a:lnSpc>
-              <a:spcBef>
-                <a:spcPts val="500"/>
-              </a:spcBef>
-              <a:spcAft>
-                <a:spcPts val="200"/>
-              </a:spcAft>
-              <a:buFont typeface="Franklin Gothic Book" panose="020B0503020102020204" pitchFamily="34" charset="0"/>
-              <a:buChar char="–"/>
-              <a:defRPr sz="2000" i="1" kern="1200" baseline="0">
-                <a:solidFill>
-                  <a:schemeClr val="tx2"/>
-                </a:solidFill>
-                <a:latin typeface="+mn-lt"/>
-                <a:ea typeface="+mn-ea"/>
-                <a:cs typeface="+mn-cs"/>
-              </a:defRPr>
-            </a:lvl2pPr>
-            <a:lvl3pPr marL="384048" indent="-384048" algn="l" defTabSz="914400" rtl="0" eaLnBrk="1" latinLnBrk="0" hangingPunct="1">
-              <a:lnSpc>
-                <a:spcPct val="94000"/>
-              </a:lnSpc>
-              <a:spcBef>
-                <a:spcPts val="500"/>
-              </a:spcBef>
-              <a:spcAft>
-                <a:spcPts val="200"/>
-              </a:spcAft>
-              <a:buFont typeface="Franklin Gothic Book" panose="020B0503020102020204" pitchFamily="34" charset="0"/>
-              <a:buChar char="■"/>
-              <a:defRPr sz="1800" kern="1200" baseline="0">
-                <a:solidFill>
-                  <a:schemeClr val="tx2"/>
-                </a:solidFill>
-                <a:latin typeface="+mn-lt"/>
-                <a:ea typeface="+mn-ea"/>
-                <a:cs typeface="+mn-cs"/>
-              </a:defRPr>
-            </a:lvl3pPr>
-            <a:lvl4pPr marL="384048" indent="-384048" algn="l" defTabSz="914400" rtl="0" eaLnBrk="1" latinLnBrk="0" hangingPunct="1">
-              <a:lnSpc>
-                <a:spcPct val="94000"/>
-              </a:lnSpc>
-              <a:spcBef>
-                <a:spcPts val="500"/>
-              </a:spcBef>
-              <a:spcAft>
-                <a:spcPts val="200"/>
-              </a:spcAft>
-              <a:buFont typeface="Franklin Gothic Book" panose="020B0503020102020204" pitchFamily="34" charset="0"/>
-              <a:buChar char="–"/>
-              <a:defRPr sz="1800" i="1" kern="1200" baseline="0">
-                <a:solidFill>
-                  <a:schemeClr val="tx2"/>
-                </a:solidFill>
-                <a:latin typeface="+mn-lt"/>
-                <a:ea typeface="+mn-ea"/>
-                <a:cs typeface="+mn-cs"/>
-              </a:defRPr>
-            </a:lvl4pPr>
-            <a:lvl5pPr marL="384048" indent="-384048" algn="l" defTabSz="914400" rtl="0" eaLnBrk="1" latinLnBrk="0" hangingPunct="1">
-              <a:lnSpc>
-                <a:spcPct val="94000"/>
-              </a:lnSpc>
-              <a:spcBef>
-                <a:spcPts val="500"/>
-              </a:spcBef>
-              <a:spcAft>
-                <a:spcPts val="200"/>
-              </a:spcAft>
-              <a:buFont typeface="Franklin Gothic Book" panose="020B0503020102020204" pitchFamily="34" charset="0"/>
-              <a:buChar char="■"/>
-              <a:defRPr sz="1600" kern="1200" baseline="0">
-                <a:solidFill>
-                  <a:schemeClr val="tx2"/>
-                </a:solidFill>
-                <a:latin typeface="+mn-lt"/>
-                <a:ea typeface="+mn-ea"/>
-                <a:cs typeface="+mn-cs"/>
-              </a:defRPr>
-            </a:lvl5pPr>
-            <a:lvl6pPr marL="384048" indent="-384048" algn="l" defTabSz="914400" rtl="0" eaLnBrk="1" latinLnBrk="0" hangingPunct="1">
-              <a:lnSpc>
-                <a:spcPct val="94000"/>
-              </a:lnSpc>
-              <a:spcBef>
-                <a:spcPts val="500"/>
-              </a:spcBef>
-              <a:spcAft>
-                <a:spcPts val="200"/>
-              </a:spcAft>
-              <a:buFont typeface="Franklin Gothic Book" panose="020B0503020102020204" pitchFamily="34" charset="0"/>
-              <a:buChar char="–"/>
-              <a:defRPr sz="1600" i="1" kern="1200" baseline="0">
-                <a:solidFill>
-                  <a:schemeClr val="tx2"/>
-                </a:solidFill>
-                <a:latin typeface="+mn-lt"/>
-                <a:ea typeface="+mn-ea"/>
-                <a:cs typeface="+mn-cs"/>
-              </a:defRPr>
-            </a:lvl6pPr>
-            <a:lvl7pPr marL="384048" indent="-384048" algn="l" defTabSz="914400" rtl="0" eaLnBrk="1" latinLnBrk="0" hangingPunct="1">
-              <a:lnSpc>
-                <a:spcPct val="94000"/>
-              </a:lnSpc>
-              <a:spcBef>
-                <a:spcPts val="500"/>
-              </a:spcBef>
-              <a:spcAft>
-                <a:spcPts val="200"/>
-              </a:spcAft>
-              <a:buFont typeface="Franklin Gothic Book" panose="020B0503020102020204" pitchFamily="34" charset="0"/>
-              <a:buChar char="■"/>
-              <a:defRPr sz="1400" kern="1200" baseline="0">
-                <a:solidFill>
-                  <a:schemeClr val="tx2"/>
-                </a:solidFill>
-                <a:latin typeface="+mn-lt"/>
-                <a:ea typeface="+mn-ea"/>
-                <a:cs typeface="+mn-cs"/>
-              </a:defRPr>
-            </a:lvl7pPr>
-            <a:lvl8pPr marL="384048" indent="-384048" algn="l" defTabSz="914400" rtl="0" eaLnBrk="1" latinLnBrk="0" hangingPunct="1">
-              <a:lnSpc>
-                <a:spcPct val="94000"/>
-              </a:lnSpc>
-              <a:spcBef>
-                <a:spcPts val="500"/>
-              </a:spcBef>
-              <a:spcAft>
-                <a:spcPts val="200"/>
-              </a:spcAft>
-              <a:buFont typeface="Franklin Gothic Book" panose="020B0503020102020204" pitchFamily="34" charset="0"/>
-              <a:buChar char="–"/>
-              <a:defRPr sz="1400" i="1" kern="1200" baseline="0">
-                <a:solidFill>
-                  <a:schemeClr val="tx2"/>
-                </a:solidFill>
-                <a:latin typeface="+mn-lt"/>
-                <a:ea typeface="+mn-ea"/>
-                <a:cs typeface="+mn-cs"/>
-              </a:defRPr>
-            </a:lvl8pPr>
-            <a:lvl9pPr marL="384048" indent="-384048" algn="l" defTabSz="914400" rtl="0" eaLnBrk="1" latinLnBrk="0" hangingPunct="1">
-              <a:lnSpc>
-                <a:spcPct val="94000"/>
-              </a:lnSpc>
-              <a:spcBef>
-                <a:spcPts val="500"/>
-              </a:spcBef>
-              <a:spcAft>
-                <a:spcPts val="200"/>
-              </a:spcAft>
-              <a:buFont typeface="Franklin Gothic Book" panose="020B0503020102020204" pitchFamily="34" charset="0"/>
-              <a:buChar char="■"/>
-              <a:defRPr sz="1400" kern="1200" baseline="0">
-                <a:solidFill>
-                  <a:schemeClr val="tx2"/>
-                </a:solidFill>
-                <a:latin typeface="+mn-lt"/>
-                <a:ea typeface="+mn-ea"/>
-                <a:cs typeface="+mn-cs"/>
-              </a:defRPr>
-            </a:lvl9pPr>
-          </a:lstStyle>
-          <a:p>
-            <a:r>
-              <a:rPr lang="en-US" dirty="0"/>
-              <a:t>Tab Items </a:t>
-            </a:r>
-            <a:r>
-              <a:rPr lang="mr-IN" dirty="0"/>
-              <a:t>–</a:t>
-            </a:r>
-            <a:r>
-              <a:rPr lang="en-US" dirty="0"/>
-              <a:t> by name in Menu</a:t>
-            </a:r>
-          </a:p>
-          <a:p>
-            <a:r>
-              <a:rPr lang="en-US" dirty="0"/>
-              <a:t>Row\Page </a:t>
-            </a:r>
-            <a:r>
-              <a:rPr lang="mr-IN" dirty="0"/>
-              <a:t>– </a:t>
-            </a:r>
-            <a:r>
-              <a:rPr lang="en-US" dirty="0"/>
-              <a:t>based layouts</a:t>
-            </a:r>
-          </a:p>
-          <a:p>
-            <a:r>
-              <a:rPr lang="en-US" dirty="0"/>
-              <a:t>Box</a:t>
-            </a:r>
-            <a:r>
-              <a:rPr lang="mr-IN" dirty="0"/>
-              <a:t> – </a:t>
-            </a:r>
-            <a:r>
-              <a:rPr lang="en-US" dirty="0"/>
-              <a:t>All contents should go in a box</a:t>
-            </a:r>
-          </a:p>
-          <a:p>
-            <a:pPr lvl="1"/>
-            <a:r>
-              <a:rPr lang="en-US" dirty="0"/>
-              <a:t>Page is broken into 12 equal bars. Width can be 1-12</a:t>
-            </a:r>
-          </a:p>
-          <a:p>
-            <a:pPr lvl="1"/>
-            <a:r>
-              <a:rPr lang="en-US" dirty="0"/>
-              <a:t>If 12+ is specified content will kick to new row automatically, anything unspecified will get squished.</a:t>
-            </a:r>
-          </a:p>
-          <a:p>
-            <a:r>
-              <a:rPr lang="en-US" dirty="0"/>
-              <a:t>Inputs</a:t>
-            </a:r>
-            <a:r>
-              <a:rPr lang="mr-IN" dirty="0"/>
-              <a:t> –</a:t>
-            </a:r>
-            <a:r>
-              <a:rPr lang="en-US" dirty="0"/>
-              <a:t> can also go in boxes here should be clear what visuals they work with.</a:t>
-            </a:r>
-          </a:p>
-        </p:txBody>
-      </p:sp>
-    </p:spTree>
-    <p:extLst>
-      <p:ext uri="{BB962C8B-B14F-4D97-AF65-F5344CB8AC3E}">
-        <p14:creationId xmlns:p14="http://schemas.microsoft.com/office/powerpoint/2010/main" val="1646446614"/>
-      </p:ext>
-    </p:extLst>
-  </p:cSld>
-  <p:clrMapOvr>
-    <a:masterClrMapping/>
-  </p:clrMapOvr>
-</p:sld>
-</file>
-
-<file path=ppt/slides/slide13.xml><?xml version="1.0" encoding="utf-8"?>
-<p:sld xmlns:a="http://schemas.openxmlformats.org/drawingml/2006/main" xmlns:r="http://schemas.openxmlformats.org/officeDocument/2006/relationships" xmlns:p="http://schemas.openxmlformats.org/presentationml/2006/main">
-  <p:cSld>
-    <p:spTree>
-      <p:nvGrpSpPr>
-        <p:cNvPr id="1" name=""/>
-        <p:cNvGrpSpPr/>
-        <p:nvPr/>
-      </p:nvGrpSpPr>
-      <p:grpSpPr>
-        <a:xfrm>
-          <a:off x="0" y="0"/>
-          <a:ext cx="0" cy="0"/>
-          <a:chOff x="0" y="0"/>
-          <a:chExt cx="0" cy="0"/>
-        </a:xfrm>
-      </p:grpSpPr>
-      <p:pic>
-        <p:nvPicPr>
-          <p:cNvPr id="6" name="Picture 5">
-            <a:extLst>
-              <a:ext uri="{FF2B5EF4-FFF2-40B4-BE49-F238E27FC236}">
-                <a16:creationId xmlns:a16="http://schemas.microsoft.com/office/drawing/2014/main" id="{A8FAAD8B-A67B-424E-9A43-B1D43264468A}"/>
-              </a:ext>
-            </a:extLst>
-          </p:cNvPr>
-          <p:cNvPicPr>
-            <a:picLocks noChangeAspect="1"/>
-          </p:cNvPicPr>
-          <p:nvPr/>
-        </p:nvPicPr>
-        <p:blipFill>
-          <a:blip r:embed="rId2"/>
-          <a:stretch>
-            <a:fillRect/>
-          </a:stretch>
-        </p:blipFill>
-        <p:spPr>
-          <a:xfrm>
-            <a:off x="634275" y="1977045"/>
-            <a:ext cx="6900380" cy="2903909"/>
-          </a:xfrm>
-          <a:prstGeom prst="rect">
-            <a:avLst/>
-          </a:prstGeom>
-        </p:spPr>
-      </p:pic>
-      <p:sp>
-        <p:nvSpPr>
-          <p:cNvPr id="2" name="Title 1">
-            <a:extLst>
-              <a:ext uri="{FF2B5EF4-FFF2-40B4-BE49-F238E27FC236}">
-                <a16:creationId xmlns:a16="http://schemas.microsoft.com/office/drawing/2014/main" id="{93E752AC-B56E-B242-AF0F-2B856C596FF0}"/>
-              </a:ext>
-            </a:extLst>
-          </p:cNvPr>
-          <p:cNvSpPr>
-            <a:spLocks noGrp="1"/>
-          </p:cNvSpPr>
-          <p:nvPr>
-            <p:ph type="title"/>
-          </p:nvPr>
-        </p:nvSpPr>
-        <p:spPr>
-          <a:xfrm>
-            <a:off x="8154030" y="1458506"/>
-            <a:ext cx="3176246" cy="3000139"/>
-          </a:xfrm>
-        </p:spPr>
-        <p:txBody>
-          <a:bodyPr vert="horz" lIns="91440" tIns="45720" rIns="91440" bIns="45720" rtlCol="0" anchor="b">
-            <a:normAutofit/>
-          </a:bodyPr>
-          <a:lstStyle/>
-          <a:p>
-            <a:pPr algn="l"/>
-            <a:r>
-              <a:rPr lang="en-US" sz="4800" dirty="0"/>
-              <a:t>Practice</a:t>
-            </a:r>
-          </a:p>
-        </p:txBody>
-      </p:sp>
-      <p:sp>
-        <p:nvSpPr>
-          <p:cNvPr id="4" name="Text Placeholder 3">
-            <a:extLst>
-              <a:ext uri="{FF2B5EF4-FFF2-40B4-BE49-F238E27FC236}">
-                <a16:creationId xmlns:a16="http://schemas.microsoft.com/office/drawing/2014/main" id="{1B99C553-D184-0E4D-8625-FAE69CAB35F9}"/>
-              </a:ext>
-            </a:extLst>
-          </p:cNvPr>
-          <p:cNvSpPr>
-            <a:spLocks noGrp="1"/>
-          </p:cNvSpPr>
-          <p:nvPr>
-            <p:ph type="body" idx="1"/>
-          </p:nvPr>
-        </p:nvSpPr>
-        <p:spPr>
-          <a:xfrm>
-            <a:off x="8569666" y="4458645"/>
-            <a:ext cx="3176246" cy="1656413"/>
-          </a:xfrm>
-        </p:spPr>
-        <p:txBody>
-          <a:bodyPr vert="horz" lIns="91440" tIns="45720" rIns="91440" bIns="45720" rtlCol="0">
-            <a:normAutofit/>
-          </a:bodyPr>
-          <a:lstStyle/>
-          <a:p>
-            <a:pPr algn="l"/>
-            <a:r>
-              <a:rPr lang="en-US" sz="2000" dirty="0"/>
-              <a:t>Storyboard - Blank</a:t>
-            </a:r>
-          </a:p>
-        </p:txBody>
-      </p:sp>
-    </p:spTree>
-    <p:extLst>
-      <p:ext uri="{BB962C8B-B14F-4D97-AF65-F5344CB8AC3E}">
-        <p14:creationId xmlns:p14="http://schemas.microsoft.com/office/powerpoint/2010/main" val="1913584219"/>
-      </p:ext>
-    </p:extLst>
-  </p:cSld>
-  <p:clrMapOvr>
-    <a:masterClrMapping/>
-  </p:clrMapOvr>
-</p:sld>
-</file>
-
-<file path=ppt/slides/slide14.xml><?xml version="1.0" encoding="utf-8"?>
-<p:sld xmlns:a="http://schemas.openxmlformats.org/drawingml/2006/main" xmlns:r="http://schemas.openxmlformats.org/officeDocument/2006/relationships" xmlns:p="http://schemas.openxmlformats.org/presentationml/2006/main">
-  <p:cSld>
-    <p:spTree>
-      <p:nvGrpSpPr>
-        <p:cNvPr id="1" name=""/>
-        <p:cNvGrpSpPr/>
-        <p:nvPr/>
-      </p:nvGrpSpPr>
-      <p:grpSpPr>
-        <a:xfrm>
-          <a:off x="0" y="0"/>
-          <a:ext cx="0" cy="0"/>
-          <a:chOff x="0" y="0"/>
-          <a:chExt cx="0" cy="0"/>
-        </a:xfrm>
-      </p:grpSpPr>
-      <p:sp>
-        <p:nvSpPr>
-          <p:cNvPr id="2" name="Title 1"/>
-          <p:cNvSpPr>
-            <a:spLocks noGrp="1"/>
-          </p:cNvSpPr>
-          <p:nvPr>
-            <p:ph type="title"/>
-          </p:nvPr>
-        </p:nvSpPr>
-        <p:spPr/>
-        <p:txBody>
-          <a:bodyPr/>
-          <a:lstStyle/>
-          <a:p>
-            <a:r>
-              <a:rPr lang="en-US" dirty="0" err="1"/>
-              <a:t>Flexdashboard</a:t>
-            </a:r>
-            <a:endParaRPr lang="en-US" dirty="0"/>
-          </a:p>
-        </p:txBody>
-      </p:sp>
-      <p:sp>
-        <p:nvSpPr>
-          <p:cNvPr id="4" name="Text Placeholder 3">
-            <a:extLst>
-              <a:ext uri="{FF2B5EF4-FFF2-40B4-BE49-F238E27FC236}">
-                <a16:creationId xmlns:a16="http://schemas.microsoft.com/office/drawing/2014/main" id="{69E1FA9A-3279-D845-98BF-9D61AC24590A}"/>
-              </a:ext>
-            </a:extLst>
-          </p:cNvPr>
-          <p:cNvSpPr>
-            <a:spLocks noGrp="1"/>
-          </p:cNvSpPr>
-          <p:nvPr>
-            <p:ph type="body" idx="1"/>
-          </p:nvPr>
-        </p:nvSpPr>
-        <p:spPr/>
-        <p:txBody>
-          <a:bodyPr/>
-          <a:lstStyle/>
-          <a:p>
-            <a:endParaRPr lang="en-US"/>
-          </a:p>
-        </p:txBody>
-      </p:sp>
-    </p:spTree>
-    <p:extLst>
-      <p:ext uri="{BB962C8B-B14F-4D97-AF65-F5344CB8AC3E}">
-        <p14:creationId xmlns:p14="http://schemas.microsoft.com/office/powerpoint/2010/main" val="3738332085"/>
-      </p:ext>
-    </p:extLst>
-  </p:cSld>
-  <p:clrMapOvr>
-    <a:masterClrMapping/>
-  </p:clrMapOvr>
-</p:sld>
-</file>
-
-<file path=ppt/slides/slide15.xml><?xml version="1.0" encoding="utf-8"?>
-<p:sld xmlns:a="http://schemas.openxmlformats.org/drawingml/2006/main" xmlns:r="http://schemas.openxmlformats.org/officeDocument/2006/relationships" xmlns:p="http://schemas.openxmlformats.org/presentationml/2006/main">
-  <p:cSld>
-    <p:bg>
-      <p:bgPr>
-        <a:solidFill>
-          <a:schemeClr val="bg2"/>
-        </a:solidFill>
-        <a:effectLst/>
-      </p:bgPr>
-    </p:bg>
-    <p:spTree>
-      <p:nvGrpSpPr>
-        <p:cNvPr id="1" name=""/>
-        <p:cNvGrpSpPr/>
-        <p:nvPr/>
-      </p:nvGrpSpPr>
-      <p:grpSpPr>
-        <a:xfrm>
-          <a:off x="0" y="0"/>
-          <a:ext cx="0" cy="0"/>
-          <a:chOff x="0" y="0"/>
-          <a:chExt cx="0" cy="0"/>
-        </a:xfrm>
-      </p:grpSpPr>
-      <p:grpSp>
-        <p:nvGrpSpPr>
-          <p:cNvPr id="10" name="Group 9">
-            <a:extLst>
-              <a:ext uri="{FF2B5EF4-FFF2-40B4-BE49-F238E27FC236}">
-                <a16:creationId xmlns:a16="http://schemas.microsoft.com/office/drawing/2014/main" id="{449BC34D-9C23-4D6D-8213-1F471AF85B3F}"/>
-              </a:ext>
-              <a:ext uri="{C183D7F6-B498-43B3-948B-1728B52AA6E4}">
-                <adec:decorative xmlns:adec="http://schemas.microsoft.com/office/drawing/2017/decorative" val="1"/>
-              </a:ext>
-            </a:extLst>
-          </p:cNvPr>
-          <p:cNvGrpSpPr>
-            <a:grpSpLocks noGrp="1" noUngrp="1" noRot="1" noChangeAspect="1" noMove="1" noResize="1"/>
-          </p:cNvGrpSpPr>
-          <p:nvPr>
-            <p:extLst>
-              <p:ext uri="{386F3935-93C4-4BCD-93E2-E3B085C9AB24}">
-                <p16:designElem xmlns:p16="http://schemas.microsoft.com/office/powerpoint/2015/main" val="1"/>
-              </p:ext>
-            </p:extLst>
-          </p:nvPr>
-        </p:nvGrpSpPr>
-        <p:grpSpPr>
-          <a:xfrm>
-            <a:off x="752858" y="744469"/>
-            <a:ext cx="10674117" cy="5349671"/>
-            <a:chOff x="752858" y="744469"/>
-            <a:chExt cx="10674117" cy="5349671"/>
-          </a:xfrm>
-        </p:grpSpPr>
-        <p:sp>
-          <p:nvSpPr>
-            <p:cNvPr id="11" name="Freeform 6">
-              <a:extLst>
-                <a:ext uri="{FF2B5EF4-FFF2-40B4-BE49-F238E27FC236}">
-                  <a16:creationId xmlns:a16="http://schemas.microsoft.com/office/drawing/2014/main" id="{FA0F5D6C-5025-4D7E-82DD-C2C6FDA1E759}"/>
-                </a:ext>
-                <a:ext uri="{C183D7F6-B498-43B3-948B-1728B52AA6E4}">
-                  <adec:decorative xmlns:adec="http://schemas.microsoft.com/office/drawing/2017/decorative" val="1"/>
-                </a:ext>
-              </a:extLst>
-            </p:cNvPr>
-            <p:cNvSpPr/>
-            <p:nvPr>
-              <p:extLst>
-                <p:ext uri="{386F3935-93C4-4BCD-93E2-E3B085C9AB24}">
-                  <p16:designElem xmlns:p16="http://schemas.microsoft.com/office/powerpoint/2015/main" val="1"/>
-                </p:ext>
-              </p:extLst>
-            </p:nvPr>
-          </p:nvSpPr>
-          <p:spPr bwMode="auto">
-            <a:xfrm>
-              <a:off x="8151962" y="1685652"/>
-              <a:ext cx="3275013" cy="4408488"/>
-            </a:xfrm>
-            <a:custGeom>
-              <a:avLst/>
-              <a:gdLst/>
-              <a:ahLst/>
-              <a:cxnLst/>
-              <a:rect l="l" t="t" r="r" b="b"/>
-              <a:pathLst>
-                <a:path w="10000" h="10000">
-                  <a:moveTo>
-                    <a:pt x="8761" y="0"/>
-                  </a:moveTo>
-                  <a:lnTo>
-                    <a:pt x="10000" y="0"/>
-                  </a:lnTo>
-                  <a:lnTo>
-                    <a:pt x="10000" y="10000"/>
-                  </a:lnTo>
-                  <a:lnTo>
-                    <a:pt x="0" y="10000"/>
-                  </a:lnTo>
-                  <a:lnTo>
-                    <a:pt x="0" y="9126"/>
-                  </a:lnTo>
-                  <a:lnTo>
-                    <a:pt x="8761" y="9127"/>
-                  </a:lnTo>
-                  <a:lnTo>
-                    <a:pt x="8761" y="0"/>
-                  </a:lnTo>
-                  <a:close/>
-                </a:path>
-              </a:pathLst>
-            </a:custGeom>
-            <a:solidFill>
-              <a:schemeClr val="tx2"/>
-            </a:solidFill>
-            <a:ln w="0">
-              <a:noFill/>
-              <a:prstDash val="solid"/>
-              <a:round/>
-              <a:headEnd/>
-              <a:tailEnd/>
-            </a:ln>
-          </p:spPr>
-        </p:sp>
-        <p:sp>
-          <p:nvSpPr>
-            <p:cNvPr id="12" name="Freeform 6">
-              <a:extLst>
-                <a:ext uri="{FF2B5EF4-FFF2-40B4-BE49-F238E27FC236}">
-                  <a16:creationId xmlns:a16="http://schemas.microsoft.com/office/drawing/2014/main" id="{E2AF2C17-4AB4-4402-B84B-129EF95D161C}"/>
-                </a:ext>
-                <a:ext uri="{C183D7F6-B498-43B3-948B-1728B52AA6E4}">
-                  <adec:decorative xmlns:adec="http://schemas.microsoft.com/office/drawing/2017/decorative" val="1"/>
-                </a:ext>
-              </a:extLst>
-            </p:cNvPr>
-            <p:cNvSpPr/>
-            <p:nvPr>
-              <p:extLst>
-                <p:ext uri="{386F3935-93C4-4BCD-93E2-E3B085C9AB24}">
-                  <p16:designElem xmlns:p16="http://schemas.microsoft.com/office/powerpoint/2015/main" val="1"/>
-                </p:ext>
-              </p:extLst>
-            </p:nvPr>
-          </p:nvSpPr>
-          <p:spPr bwMode="auto">
-            <a:xfrm flipH="1" flipV="1">
-              <a:off x="752858" y="744469"/>
-              <a:ext cx="3275668" cy="4408488"/>
-            </a:xfrm>
-            <a:custGeom>
-              <a:avLst/>
-              <a:gdLst/>
-              <a:ahLst/>
-              <a:cxnLst/>
-              <a:rect l="l" t="t" r="r" b="b"/>
-              <a:pathLst>
-                <a:path w="10002" h="10000">
-                  <a:moveTo>
-                    <a:pt x="8763" y="0"/>
-                  </a:moveTo>
-                  <a:lnTo>
-                    <a:pt x="10002" y="0"/>
-                  </a:lnTo>
-                  <a:lnTo>
-                    <a:pt x="10002" y="10000"/>
-                  </a:lnTo>
-                  <a:lnTo>
-                    <a:pt x="2" y="10000"/>
-                  </a:lnTo>
-                  <a:cubicBezTo>
-                    <a:pt x="-2" y="9698"/>
-                    <a:pt x="4" y="9427"/>
-                    <a:pt x="0" y="9125"/>
-                  </a:cubicBezTo>
-                  <a:lnTo>
-                    <a:pt x="8763" y="9128"/>
-                  </a:lnTo>
-                  <a:lnTo>
-                    <a:pt x="8763" y="0"/>
-                  </a:lnTo>
-                  <a:close/>
-                </a:path>
-              </a:pathLst>
-            </a:custGeom>
-            <a:solidFill>
-              <a:schemeClr val="tx2"/>
-            </a:solidFill>
-            <a:ln w="0">
-              <a:noFill/>
-              <a:prstDash val="solid"/>
-              <a:round/>
-              <a:headEnd/>
-              <a:tailEnd/>
-            </a:ln>
-          </p:spPr>
-        </p:sp>
-      </p:grpSp>
-      <p:sp useBgFill="1">
-        <p:nvSpPr>
-          <p:cNvPr id="14" name="Rectangle 13">
-            <a:extLst>
-              <a:ext uri="{FF2B5EF4-FFF2-40B4-BE49-F238E27FC236}">
-                <a16:creationId xmlns:a16="http://schemas.microsoft.com/office/drawing/2014/main" id="{692296C6-28F7-4BD7-9EFB-22A268E3D42B}"/>
-              </a:ext>
-              <a:ext uri="{C183D7F6-B498-43B3-948B-1728B52AA6E4}">
-                <adec:decorative xmlns:adec="http://schemas.microsoft.com/office/drawing/2017/decorative" val="1"/>
-              </a:ext>
-            </a:extLst>
-          </p:cNvPr>
-          <p:cNvSpPr>
-            <a:spLocks noGrp="1" noRot="1" noChangeAspect="1" noMove="1" noResize="1" noEditPoints="1" noAdjustHandles="1" noChangeArrowheads="1" noChangeShapeType="1" noTextEdit="1"/>
-          </p:cNvSpPr>
-          <p:nvPr>
-            <p:extLst>
-              <p:ext uri="{386F3935-93C4-4BCD-93E2-E3B085C9AB24}">
-                <p16:designElem xmlns:p16="http://schemas.microsoft.com/office/powerpoint/2015/main" val="1"/>
-              </p:ext>
-            </p:extLst>
-          </p:nvPr>
-        </p:nvSpPr>
-        <p:spPr>
-          <a:xfrm>
-            <a:off x="0" y="0"/>
-            <a:ext cx="12192000" cy="6858000"/>
-          </a:xfrm>
-          <a:prstGeom prst="rect">
-            <a:avLst/>
-          </a:prstGeom>
-          <a:ln>
-            <a:noFill/>
-          </a:ln>
-        </p:spPr>
-        <p:style>
-          <a:lnRef idx="2">
-            <a:schemeClr val="accent1">
-              <a:shade val="50000"/>
-            </a:schemeClr>
-          </a:lnRef>
-          <a:fillRef idx="1">
-            <a:schemeClr val="accent1"/>
-          </a:fillRef>
-          <a:effectRef idx="0">
-            <a:schemeClr val="accent1"/>
-          </a:effectRef>
-          <a:fontRef idx="minor">
-            <a:schemeClr val="lt1"/>
-          </a:fontRef>
-        </p:style>
-        <p:txBody>
-          <a:bodyPr rtlCol="0" anchor="ctr"/>
-          <a:lstStyle/>
-          <a:p>
-            <a:pPr algn="ctr"/>
-            <a:endParaRPr lang="en-US"/>
-          </a:p>
-        </p:txBody>
-      </p:sp>
-      <p:sp>
-        <p:nvSpPr>
-          <p:cNvPr id="2" name="Title 1">
-            <a:extLst>
-              <a:ext uri="{FF2B5EF4-FFF2-40B4-BE49-F238E27FC236}">
-                <a16:creationId xmlns:a16="http://schemas.microsoft.com/office/drawing/2014/main" id="{DD709652-1207-1B46-9F3C-8CA4138D1ECA}"/>
-              </a:ext>
-            </a:extLst>
-          </p:cNvPr>
-          <p:cNvSpPr>
-            <a:spLocks noGrp="1"/>
-          </p:cNvSpPr>
-          <p:nvPr>
-            <p:ph type="title"/>
-          </p:nvPr>
-        </p:nvSpPr>
-        <p:spPr>
-          <a:xfrm>
-            <a:off x="5954486" y="1480929"/>
-            <a:ext cx="5791426" cy="3254321"/>
-          </a:xfrm>
-        </p:spPr>
-        <p:txBody>
-          <a:bodyPr vert="horz" lIns="91440" tIns="45720" rIns="91440" bIns="45720" rtlCol="0" anchor="b">
-            <a:normAutofit/>
-          </a:bodyPr>
-          <a:lstStyle/>
-          <a:p>
-            <a:r>
-              <a:rPr lang="en-US" sz="7000" cap="all"/>
-              <a:t>Setup</a:t>
-            </a:r>
-          </a:p>
-        </p:txBody>
-      </p:sp>
-      <p:sp>
-        <p:nvSpPr>
-          <p:cNvPr id="16" name="Freeform 6">
-            <a:extLst>
-              <a:ext uri="{FF2B5EF4-FFF2-40B4-BE49-F238E27FC236}">
-                <a16:creationId xmlns:a16="http://schemas.microsoft.com/office/drawing/2014/main" id="{CBB17300-EE76-409B-97FE-4836C5093DB3}"/>
-              </a:ext>
-              <a:ext uri="{C183D7F6-B498-43B3-948B-1728B52AA6E4}">
-                <adec:decorative xmlns:adec="http://schemas.microsoft.com/office/drawing/2017/decorative" val="1"/>
-              </a:ext>
-            </a:extLst>
-          </p:cNvPr>
-          <p:cNvSpPr>
-            <a:spLocks noGrp="1" noRot="1" noChangeAspect="1" noMove="1" noResize="1" noEditPoints="1" noAdjustHandles="1" noChangeArrowheads="1" noChangeShapeType="1" noTextEdit="1"/>
-          </p:cNvSpPr>
-          <p:nvPr>
-            <p:extLst>
-              <p:ext uri="{386F3935-93C4-4BCD-93E2-E3B085C9AB24}">
-                <p16:designElem xmlns:p16="http://schemas.microsoft.com/office/powerpoint/2015/main" val="1"/>
-              </p:ext>
-            </p:extLst>
-          </p:nvPr>
-        </p:nvSpPr>
-        <p:spPr bwMode="auto">
-          <a:xfrm>
-            <a:off x="2199584" y="1685652"/>
-            <a:ext cx="3275013" cy="4408488"/>
-          </a:xfrm>
-          <a:custGeom>
-            <a:avLst/>
-            <a:gdLst/>
-            <a:ahLst/>
-            <a:cxnLst/>
-            <a:rect l="l" t="t" r="r" b="b"/>
-            <a:pathLst>
-              <a:path w="10000" h="10000">
-                <a:moveTo>
-                  <a:pt x="8761" y="0"/>
-                </a:moveTo>
-                <a:lnTo>
-                  <a:pt x="10000" y="0"/>
-                </a:lnTo>
-                <a:lnTo>
-                  <a:pt x="10000" y="10000"/>
-                </a:lnTo>
-                <a:lnTo>
-                  <a:pt x="0" y="10000"/>
-                </a:lnTo>
-                <a:lnTo>
-                  <a:pt x="0" y="9126"/>
-                </a:lnTo>
-                <a:lnTo>
-                  <a:pt x="8761" y="9127"/>
-                </a:lnTo>
-                <a:lnTo>
-                  <a:pt x="8761" y="0"/>
-                </a:lnTo>
-                <a:close/>
-              </a:path>
-            </a:pathLst>
-          </a:custGeom>
-          <a:solidFill>
-            <a:schemeClr val="tx2"/>
-          </a:solidFill>
-          <a:ln w="0">
-            <a:noFill/>
-            <a:prstDash val="solid"/>
-            <a:round/>
-            <a:headEnd/>
-            <a:tailEnd/>
-          </a:ln>
-        </p:spPr>
-      </p:sp>
-      <p:sp>
-        <p:nvSpPr>
-          <p:cNvPr id="18" name="Freeform 6">
-            <a:extLst>
-              <a:ext uri="{FF2B5EF4-FFF2-40B4-BE49-F238E27FC236}">
-                <a16:creationId xmlns:a16="http://schemas.microsoft.com/office/drawing/2014/main" id="{AEABCDF0-66B8-40A9-98EB-B6837EF185E2}"/>
-              </a:ext>
-              <a:ext uri="{C183D7F6-B498-43B3-948B-1728B52AA6E4}">
-                <adec:decorative xmlns:adec="http://schemas.microsoft.com/office/drawing/2017/decorative" val="1"/>
-              </a:ext>
-            </a:extLst>
-          </p:cNvPr>
-          <p:cNvSpPr>
-            <a:spLocks noGrp="1" noRot="1" noChangeAspect="1" noMove="1" noResize="1" noEditPoints="1" noAdjustHandles="1" noChangeArrowheads="1" noChangeShapeType="1" noTextEdit="1"/>
-          </p:cNvSpPr>
-          <p:nvPr>
-            <p:extLst>
-              <p:ext uri="{386F3935-93C4-4BCD-93E2-E3B085C9AB24}">
-                <p16:designElem xmlns:p16="http://schemas.microsoft.com/office/powerpoint/2015/main" val="1"/>
-              </p:ext>
-            </p:extLst>
-          </p:nvPr>
-        </p:nvSpPr>
-        <p:spPr bwMode="auto">
-          <a:xfrm flipH="1" flipV="1">
-            <a:off x="752858" y="744469"/>
-            <a:ext cx="3275668" cy="4408488"/>
-          </a:xfrm>
-          <a:custGeom>
-            <a:avLst/>
-            <a:gdLst/>
-            <a:ahLst/>
-            <a:cxnLst/>
-            <a:rect l="l" t="t" r="r" b="b"/>
-            <a:pathLst>
-              <a:path w="10002" h="10000">
-                <a:moveTo>
-                  <a:pt x="8763" y="0"/>
-                </a:moveTo>
-                <a:lnTo>
-                  <a:pt x="10002" y="0"/>
-                </a:lnTo>
-                <a:lnTo>
-                  <a:pt x="10002" y="10000"/>
-                </a:lnTo>
-                <a:lnTo>
-                  <a:pt x="2" y="10000"/>
-                </a:lnTo>
-                <a:cubicBezTo>
-                  <a:pt x="-2" y="9698"/>
-                  <a:pt x="4" y="9427"/>
-                  <a:pt x="0" y="9125"/>
-                </a:cubicBezTo>
-                <a:lnTo>
-                  <a:pt x="8763" y="9128"/>
-                </a:lnTo>
-                <a:lnTo>
-                  <a:pt x="8763" y="0"/>
-                </a:lnTo>
-                <a:close/>
-              </a:path>
-            </a:pathLst>
-          </a:custGeom>
-          <a:solidFill>
-            <a:schemeClr val="tx2"/>
-          </a:solidFill>
-          <a:ln w="0">
-            <a:noFill/>
-            <a:prstDash val="solid"/>
-            <a:round/>
-            <a:headEnd/>
-            <a:tailEnd/>
-          </a:ln>
-        </p:spPr>
-      </p:sp>
-      <p:pic>
-        <p:nvPicPr>
-          <p:cNvPr id="5" name="Content Placeholder 4">
-            <a:extLst>
-              <a:ext uri="{FF2B5EF4-FFF2-40B4-BE49-F238E27FC236}">
-                <a16:creationId xmlns:a16="http://schemas.microsoft.com/office/drawing/2014/main" id="{B2D9D222-1E39-0D48-8AA9-BC663698361D}"/>
-              </a:ext>
-            </a:extLst>
-          </p:cNvPr>
-          <p:cNvPicPr>
-            <a:picLocks noGrp="1" noChangeAspect="1"/>
-          </p:cNvPicPr>
-          <p:nvPr>
-            <p:ph idx="1"/>
-          </p:nvPr>
-        </p:nvPicPr>
-        <p:blipFill>
-          <a:blip r:embed="rId2"/>
-          <a:stretch>
-            <a:fillRect/>
-          </a:stretch>
-        </p:blipFill>
-        <p:spPr>
-          <a:xfrm>
-            <a:off x="1480173" y="2713573"/>
-            <a:ext cx="3267942" cy="1422260"/>
-          </a:xfrm>
-          <a:prstGeom prst="rect">
-            <a:avLst/>
-          </a:prstGeom>
-        </p:spPr>
-      </p:pic>
-    </p:spTree>
-    <p:extLst>
-      <p:ext uri="{BB962C8B-B14F-4D97-AF65-F5344CB8AC3E}">
-        <p14:creationId xmlns:p14="http://schemas.microsoft.com/office/powerpoint/2010/main" val="1581701510"/>
-      </p:ext>
-    </p:extLst>
-  </p:cSld>
-  <p:clrMapOvr>
-    <a:masterClrMapping/>
-  </p:clrMapOvr>
-</p:sld>
-</file>
-
-<file path=ppt/slides/slide16.xml><?xml version="1.0" encoding="utf-8"?>
-<p:sld xmlns:a="http://schemas.openxmlformats.org/drawingml/2006/main" xmlns:r="http://schemas.openxmlformats.org/officeDocument/2006/relationships" xmlns:p="http://schemas.openxmlformats.org/presentationml/2006/main">
-  <p:cSld>
-    <p:spTree>
-      <p:nvGrpSpPr>
-        <p:cNvPr id="1" name=""/>
-        <p:cNvGrpSpPr/>
-        <p:nvPr/>
-      </p:nvGrpSpPr>
-      <p:grpSpPr>
-        <a:xfrm>
-          <a:off x="0" y="0"/>
-          <a:ext cx="0" cy="0"/>
-          <a:chOff x="0" y="0"/>
-          <a:chExt cx="0" cy="0"/>
-        </a:xfrm>
-      </p:grpSpPr>
-      <p:sp>
-        <p:nvSpPr>
-          <p:cNvPr id="2" name="Title 1">
-            <a:extLst>
-              <a:ext uri="{FF2B5EF4-FFF2-40B4-BE49-F238E27FC236}">
-                <a16:creationId xmlns:a16="http://schemas.microsoft.com/office/drawing/2014/main" id="{0632C4A6-4671-6C43-BC5B-7753C3E56D18}"/>
-              </a:ext>
-            </a:extLst>
-          </p:cNvPr>
-          <p:cNvSpPr>
-            <a:spLocks noGrp="1"/>
-          </p:cNvSpPr>
-          <p:nvPr>
-            <p:ph type="title"/>
-          </p:nvPr>
-        </p:nvSpPr>
-        <p:spPr>
-          <a:xfrm>
-            <a:off x="1371600" y="685800"/>
-            <a:ext cx="9601200" cy="1485900"/>
-          </a:xfrm>
-        </p:spPr>
-        <p:txBody>
-          <a:bodyPr/>
-          <a:lstStyle/>
-          <a:p>
-            <a:r>
-              <a:rPr lang="en-US"/>
-              <a:t>Basic Board Page</a:t>
-            </a:r>
-            <a:endParaRPr lang="en-US" dirty="0"/>
-          </a:p>
-        </p:txBody>
-      </p:sp>
-      <p:pic>
-        <p:nvPicPr>
-          <p:cNvPr id="5" name="Picture 4">
-            <a:extLst>
-              <a:ext uri="{FF2B5EF4-FFF2-40B4-BE49-F238E27FC236}">
-                <a16:creationId xmlns:a16="http://schemas.microsoft.com/office/drawing/2014/main" id="{8BF17EAD-5BFC-304E-98B5-8D21D93F2656}"/>
-              </a:ext>
-            </a:extLst>
-          </p:cNvPr>
-          <p:cNvPicPr>
-            <a:picLocks noChangeAspect="1"/>
-          </p:cNvPicPr>
-          <p:nvPr/>
-        </p:nvPicPr>
-        <p:blipFill>
-          <a:blip r:embed="rId2"/>
-          <a:stretch>
-            <a:fillRect/>
-          </a:stretch>
-        </p:blipFill>
-        <p:spPr>
-          <a:xfrm>
-            <a:off x="1132359" y="2527433"/>
-            <a:ext cx="10693400" cy="3458939"/>
-          </a:xfrm>
-          <a:prstGeom prst="rect">
-            <a:avLst/>
-          </a:prstGeom>
-        </p:spPr>
-      </p:pic>
-    </p:spTree>
-    <p:extLst>
-      <p:ext uri="{BB962C8B-B14F-4D97-AF65-F5344CB8AC3E}">
-        <p14:creationId xmlns:p14="http://schemas.microsoft.com/office/powerpoint/2010/main" val="3971189617"/>
-      </p:ext>
-    </p:extLst>
-  </p:cSld>
-  <p:clrMapOvr>
-    <a:masterClrMapping/>
-  </p:clrMapOvr>
-</p:sld>
-</file>
-
-<file path=ppt/slides/slide17.xml><?xml version="1.0" encoding="utf-8"?>
-<p:sld xmlns:a="http://schemas.openxmlformats.org/drawingml/2006/main" xmlns:r="http://schemas.openxmlformats.org/officeDocument/2006/relationships" xmlns:p="http://schemas.openxmlformats.org/presentationml/2006/main">
-  <p:cSld>
-    <p:spTree>
-      <p:nvGrpSpPr>
-        <p:cNvPr id="1" name=""/>
-        <p:cNvGrpSpPr/>
-        <p:nvPr/>
-      </p:nvGrpSpPr>
-      <p:grpSpPr>
-        <a:xfrm>
-          <a:off x="0" y="0"/>
-          <a:ext cx="0" cy="0"/>
-          <a:chOff x="0" y="0"/>
-          <a:chExt cx="0" cy="0"/>
-        </a:xfrm>
-      </p:grpSpPr>
-      <p:sp>
-        <p:nvSpPr>
-          <p:cNvPr id="2" name="Title 1"/>
-          <p:cNvSpPr>
-            <a:spLocks noGrp="1"/>
-          </p:cNvSpPr>
-          <p:nvPr>
-            <p:ph type="ctrTitle"/>
-          </p:nvPr>
-        </p:nvSpPr>
-        <p:spPr/>
-        <p:txBody>
-          <a:bodyPr/>
-          <a:lstStyle/>
-          <a:p>
-            <a:r>
-              <a:rPr lang="en-US" dirty="0"/>
-              <a:t>Shiny Apps.io</a:t>
-            </a:r>
-          </a:p>
-        </p:txBody>
-      </p:sp>
-      <p:sp>
-        <p:nvSpPr>
-          <p:cNvPr id="3" name="Subtitle 2"/>
-          <p:cNvSpPr>
-            <a:spLocks noGrp="1"/>
-          </p:cNvSpPr>
-          <p:nvPr>
-            <p:ph type="subTitle" idx="1"/>
-          </p:nvPr>
-        </p:nvSpPr>
-        <p:spPr/>
-        <p:txBody>
-          <a:bodyPr>
-            <a:normAutofit/>
-          </a:bodyPr>
-          <a:lstStyle/>
-          <a:p>
-            <a:r>
-              <a:rPr lang="en-US" dirty="0">
-                <a:hlinkClick r:id="rId2"/>
-              </a:rPr>
-              <a:t>http://www.shinyapps.io/</a:t>
-            </a:r>
-            <a:endParaRPr lang="en-US" dirty="0"/>
-          </a:p>
-          <a:p>
-            <a:r>
-              <a:rPr lang="en-US" dirty="0"/>
-              <a:t>Section 6</a:t>
-            </a:r>
-          </a:p>
-        </p:txBody>
-      </p:sp>
-    </p:spTree>
-    <p:extLst>
-      <p:ext uri="{BB962C8B-B14F-4D97-AF65-F5344CB8AC3E}">
-        <p14:creationId xmlns:p14="http://schemas.microsoft.com/office/powerpoint/2010/main" val="924469298"/>
-      </p:ext>
-    </p:extLst>
-  </p:cSld>
-  <p:clrMapOvr>
-    <a:masterClrMapping/>
-  </p:clrMapOvr>
-</p:sld>
-</file>
-
-<file path=ppt/slides/slide18.xml><?xml version="1.0" encoding="utf-8"?>
-<p:sld xmlns:a="http://schemas.openxmlformats.org/drawingml/2006/main" xmlns:r="http://schemas.openxmlformats.org/officeDocument/2006/relationships" xmlns:p="http://schemas.openxmlformats.org/presentationml/2006/main">
-  <p:cSld>
-    <p:spTree>
-      <p:nvGrpSpPr>
-        <p:cNvPr id="1" name=""/>
-        <p:cNvGrpSpPr/>
-        <p:nvPr/>
-      </p:nvGrpSpPr>
-      <p:grpSpPr>
-        <a:xfrm>
-          <a:off x="0" y="0"/>
-          <a:ext cx="0" cy="0"/>
-          <a:chOff x="0" y="0"/>
-          <a:chExt cx="0" cy="0"/>
-        </a:xfrm>
-      </p:grpSpPr>
-      <p:sp>
-        <p:nvSpPr>
-          <p:cNvPr id="2" name="Title 1"/>
-          <p:cNvSpPr>
-            <a:spLocks noGrp="1"/>
-          </p:cNvSpPr>
-          <p:nvPr>
-            <p:ph type="title"/>
-          </p:nvPr>
-        </p:nvSpPr>
-        <p:spPr/>
-        <p:txBody>
-          <a:bodyPr/>
-          <a:lstStyle/>
-          <a:p>
-            <a:r>
-              <a:rPr lang="en-US" dirty="0"/>
-              <a:t>Register a free Account</a:t>
-            </a:r>
-          </a:p>
-        </p:txBody>
-      </p:sp>
-      <p:pic>
-        <p:nvPicPr>
-          <p:cNvPr id="4" name="Content Placeholder 3"/>
-          <p:cNvPicPr>
-            <a:picLocks noGrp="1" noChangeAspect="1"/>
-          </p:cNvPicPr>
-          <p:nvPr>
-            <p:ph idx="1"/>
-          </p:nvPr>
-        </p:nvPicPr>
-        <p:blipFill>
-          <a:blip r:embed="rId2"/>
-          <a:stretch>
-            <a:fillRect/>
-          </a:stretch>
-        </p:blipFill>
-        <p:spPr>
-          <a:xfrm>
-            <a:off x="1371600" y="1567543"/>
-            <a:ext cx="8334894" cy="3581400"/>
-          </a:xfrm>
-          <a:prstGeom prst="rect">
-            <a:avLst/>
-          </a:prstGeom>
-        </p:spPr>
-      </p:pic>
-      <p:pic>
-        <p:nvPicPr>
-          <p:cNvPr id="5" name="Picture 4"/>
-          <p:cNvPicPr>
-            <a:picLocks noChangeAspect="1"/>
-          </p:cNvPicPr>
-          <p:nvPr/>
-        </p:nvPicPr>
-        <p:blipFill>
-          <a:blip r:embed="rId3"/>
-          <a:stretch>
-            <a:fillRect/>
-          </a:stretch>
-        </p:blipFill>
-        <p:spPr>
-          <a:xfrm>
-            <a:off x="4532539" y="4747532"/>
-            <a:ext cx="6686550" cy="1657350"/>
-          </a:xfrm>
-          <a:prstGeom prst="rect">
-            <a:avLst/>
-          </a:prstGeom>
-        </p:spPr>
-      </p:pic>
-    </p:spTree>
-    <p:extLst>
-      <p:ext uri="{BB962C8B-B14F-4D97-AF65-F5344CB8AC3E}">
-        <p14:creationId xmlns:p14="http://schemas.microsoft.com/office/powerpoint/2010/main" val="2432154410"/>
-      </p:ext>
-    </p:extLst>
-  </p:cSld>
-  <p:clrMapOvr>
-    <a:masterClrMapping/>
-  </p:clrMapOvr>
-  <p:timing>
-    <p:tnLst>
-      <p:par>
-        <p:cTn id="1" dur="indefinite" restart="never" nodeType="tmRoot">
-          <p:childTnLst>
-            <p:seq concurrent="1" nextAc="seek">
-              <p:cTn id="2" dur="indefinite" nodeType="mainSeq">
-                <p:childTnLst>
-                  <p:par>
-                    <p:cTn id="3" fill="hold">
-                      <p:stCondLst>
-                        <p:cond delay="indefinite"/>
-                      </p:stCondLst>
-                      <p:childTnLst>
-                        <p:par>
-                          <p:cTn id="4" fill="hold">
-                            <p:stCondLst>
-                              <p:cond delay="0"/>
-                            </p:stCondLst>
-                            <p:childTnLst>
-                              <p:par>
-                                <p:cTn id="5" presetID="1" presetClass="entr" presetSubtype="0" fill="hold" nodeType="clickEffect">
-                                  <p:stCondLst>
-                                    <p:cond delay="0"/>
-                                  </p:stCondLst>
-                                  <p:childTnLst>
-                                    <p:set>
-                                      <p:cBhvr>
-                                        <p:cTn id="6" dur="1" fill="hold">
-                                          <p:stCondLst>
-                                            <p:cond delay="0"/>
-                                          </p:stCondLst>
-                                        </p:cTn>
-                                        <p:tgtEl>
-                                          <p:spTgt spid="4"/>
-                                        </p:tgtEl>
-                                        <p:attrNameLst>
-                                          <p:attrName>style.visibility</p:attrName>
-                                        </p:attrNameLst>
-                                      </p:cBhvr>
-                                      <p:to>
-                                        <p:strVal val="visible"/>
-                                      </p:to>
-                                    </p:set>
-                                  </p:childTnLst>
-                                </p:cTn>
-                              </p:par>
-                            </p:childTnLst>
-                          </p:cTn>
-                        </p:par>
-                      </p:childTnLst>
-                    </p:cTn>
-                  </p:par>
-                  <p:par>
-                    <p:cTn id="7" fill="hold">
-                      <p:stCondLst>
-                        <p:cond delay="indefinite"/>
-                      </p:stCondLst>
-                      <p:childTnLst>
-                        <p:par>
-                          <p:cTn id="8" fill="hold">
-                            <p:stCondLst>
-                              <p:cond delay="0"/>
-                            </p:stCondLst>
-                            <p:childTnLst>
-                              <p:par>
-                                <p:cTn id="9" presetID="1" presetClass="entr" presetSubtype="0" fill="hold" nodeType="clickEffect">
-                                  <p:stCondLst>
-                                    <p:cond delay="0"/>
-                                  </p:stCondLst>
-                                  <p:childTnLst>
-                                    <p:set>
-                                      <p:cBhvr>
-                                        <p:cTn id="10" dur="1" fill="hold">
-                                          <p:stCondLst>
-                                            <p:cond delay="0"/>
-                                          </p:stCondLst>
-                                        </p:cTn>
-                                        <p:tgtEl>
-                                          <p:spTgt spid="5"/>
-                                        </p:tgtEl>
-                                        <p:attrNameLst>
-                                          <p:attrName>style.visibility</p:attrName>
-                                        </p:attrNameLst>
-                                      </p:cBhvr>
-                                      <p:to>
-                                        <p:strVal val="visible"/>
-                                      </p:to>
-                                    </p:set>
-                                  </p:childTnLst>
-                                </p:cTn>
-                              </p:par>
-                            </p:childTnLst>
-                          </p:cTn>
-                        </p:par>
-                      </p:childTnLst>
-                    </p:cTn>
-                  </p:par>
-                </p:childTnLst>
-              </p:cTn>
-              <p:prevCondLst>
-                <p:cond evt="onPrev" delay="0">
-                  <p:tgtEl>
-                    <p:sldTgt/>
-                  </p:tgtEl>
-                </p:cond>
-              </p:prevCondLst>
-              <p:nextCondLst>
-                <p:cond evt="onNext" delay="0">
-                  <p:tgtEl>
-                    <p:sldTgt/>
-                  </p:tgtEl>
-                </p:cond>
-              </p:nextCondLst>
-            </p:seq>
-          </p:childTnLst>
-        </p:cTn>
-      </p:par>
-    </p:tnLst>
-  </p:timing>
-</p:sld>
-</file>
-
-<file path=ppt/slides/slide19.xml><?xml version="1.0" encoding="utf-8"?>
-<p:sld xmlns:a="http://schemas.openxmlformats.org/drawingml/2006/main" xmlns:r="http://schemas.openxmlformats.org/officeDocument/2006/relationships" xmlns:p="http://schemas.openxmlformats.org/presentationml/2006/main">
-  <p:cSld>
-    <p:spTree>
-      <p:nvGrpSpPr>
-        <p:cNvPr id="1" name=""/>
-        <p:cNvGrpSpPr/>
-        <p:nvPr/>
-      </p:nvGrpSpPr>
-      <p:grpSpPr>
-        <a:xfrm>
-          <a:off x="0" y="0"/>
-          <a:ext cx="0" cy="0"/>
-          <a:chOff x="0" y="0"/>
-          <a:chExt cx="0" cy="0"/>
-        </a:xfrm>
-      </p:grpSpPr>
-      <p:sp>
-        <p:nvSpPr>
-          <p:cNvPr id="2" name="Title 1"/>
-          <p:cNvSpPr>
-            <a:spLocks noGrp="1"/>
-          </p:cNvSpPr>
-          <p:nvPr>
-            <p:ph type="title"/>
-          </p:nvPr>
-        </p:nvSpPr>
-        <p:spPr/>
-        <p:txBody>
-          <a:bodyPr/>
-          <a:lstStyle/>
-          <a:p>
-            <a:r>
-              <a:rPr lang="en-US" dirty="0"/>
-              <a:t>Connect your account</a:t>
-            </a:r>
-          </a:p>
-        </p:txBody>
-      </p:sp>
-      <p:pic>
-        <p:nvPicPr>
-          <p:cNvPr id="6" name="Picture 5"/>
-          <p:cNvPicPr>
-            <a:picLocks noChangeAspect="1"/>
-          </p:cNvPicPr>
-          <p:nvPr/>
-        </p:nvPicPr>
-        <p:blipFill>
-          <a:blip r:embed="rId2"/>
-          <a:stretch>
-            <a:fillRect/>
-          </a:stretch>
-        </p:blipFill>
-        <p:spPr>
-          <a:xfrm>
-            <a:off x="1120672" y="1616528"/>
-            <a:ext cx="5051528" cy="4976132"/>
-          </a:xfrm>
-          <a:prstGeom prst="rect">
-            <a:avLst/>
-          </a:prstGeom>
-        </p:spPr>
-      </p:pic>
-      <p:pic>
-        <p:nvPicPr>
-          <p:cNvPr id="7" name="Picture 6"/>
-          <p:cNvPicPr>
-            <a:picLocks noChangeAspect="1"/>
-          </p:cNvPicPr>
-          <p:nvPr/>
-        </p:nvPicPr>
-        <p:blipFill>
-          <a:blip r:embed="rId3"/>
-          <a:stretch>
-            <a:fillRect/>
-          </a:stretch>
-        </p:blipFill>
-        <p:spPr>
-          <a:xfrm>
-            <a:off x="6270791" y="1616528"/>
-            <a:ext cx="5062674" cy="4976132"/>
-          </a:xfrm>
-          <a:prstGeom prst="rect">
-            <a:avLst/>
-          </a:prstGeom>
-        </p:spPr>
-      </p:pic>
-    </p:spTree>
-    <p:extLst>
-      <p:ext uri="{BB962C8B-B14F-4D97-AF65-F5344CB8AC3E}">
-        <p14:creationId xmlns:p14="http://schemas.microsoft.com/office/powerpoint/2010/main" val="2489621477"/>
-      </p:ext>
-    </p:extLst>
-  </p:cSld>
-  <p:clrMapOvr>
-    <a:masterClrMapping/>
-  </p:clrMapOvr>
-  <p:timing>
-    <p:tnLst>
-      <p:par>
-        <p:cTn id="1" dur="indefinite" restart="never" nodeType="tmRoot">
-          <p:childTnLst>
-            <p:seq concurrent="1" nextAc="seek">
-              <p:cTn id="2" dur="indefinite" nodeType="mainSeq">
-                <p:childTnLst>
-                  <p:par>
-                    <p:cTn id="3" fill="hold">
-                      <p:stCondLst>
-                        <p:cond delay="indefinite"/>
-                      </p:stCondLst>
-                      <p:childTnLst>
-                        <p:par>
-                          <p:cTn id="4" fill="hold">
-                            <p:stCondLst>
-                              <p:cond delay="0"/>
-                            </p:stCondLst>
-                            <p:childTnLst>
-                              <p:par>
-                                <p:cTn id="5" presetID="1" presetClass="entr" presetSubtype="0" fill="hold" nodeType="clickEffect">
-                                  <p:stCondLst>
-                                    <p:cond delay="0"/>
-                                  </p:stCondLst>
-                                  <p:childTnLst>
-                                    <p:set>
-                                      <p:cBhvr>
-                                        <p:cTn id="6" dur="1" fill="hold">
-                                          <p:stCondLst>
-                                            <p:cond delay="0"/>
-                                          </p:stCondLst>
-                                        </p:cTn>
-                                        <p:tgtEl>
-                                          <p:spTgt spid="6"/>
-                                        </p:tgtEl>
-                                        <p:attrNameLst>
-                                          <p:attrName>style.visibility</p:attrName>
-                                        </p:attrNameLst>
-                                      </p:cBhvr>
-                                      <p:to>
-                                        <p:strVal val="visible"/>
-                                      </p:to>
-                                    </p:set>
-                                  </p:childTnLst>
-                                </p:cTn>
-                              </p:par>
-                            </p:childTnLst>
-                          </p:cTn>
-                        </p:par>
-                      </p:childTnLst>
-                    </p:cTn>
-                  </p:par>
-                  <p:par>
-                    <p:cTn id="7" fill="hold">
-                      <p:stCondLst>
-                        <p:cond delay="indefinite"/>
-                      </p:stCondLst>
-                      <p:childTnLst>
-                        <p:par>
-                          <p:cTn id="8" fill="hold">
-                            <p:stCondLst>
-                              <p:cond delay="0"/>
-                            </p:stCondLst>
-                            <p:childTnLst>
-                              <p:par>
-                                <p:cTn id="9" presetID="1" presetClass="entr" presetSubtype="0" fill="hold" nodeType="clickEffect">
-                                  <p:stCondLst>
-                                    <p:cond delay="0"/>
-                                  </p:stCondLst>
-                                  <p:childTnLst>
-                                    <p:set>
-                                      <p:cBhvr>
-                                        <p:cTn id="10" dur="1" fill="hold">
-                                          <p:stCondLst>
-                                            <p:cond delay="0"/>
-                                          </p:stCondLst>
-                                        </p:cTn>
-                                        <p:tgtEl>
-                                          <p:spTgt spid="7"/>
-                                        </p:tgtEl>
-                                        <p:attrNameLst>
-                                          <p:attrName>style.visibility</p:attrName>
-                                        </p:attrNameLst>
-                                      </p:cBhvr>
-                                      <p:to>
-                                        <p:strVal val="visible"/>
-                                      </p:to>
-                                    </p:set>
-                                  </p:childTnLst>
-                                </p:cTn>
-                              </p:par>
-                            </p:childTnLst>
-                          </p:cTn>
-                        </p:par>
-                      </p:childTnLst>
-                    </p:cTn>
-                  </p:par>
-                </p:childTnLst>
-              </p:cTn>
-              <p:prevCondLst>
-                <p:cond evt="onPrev" delay="0">
-                  <p:tgtEl>
-                    <p:sldTgt/>
-                  </p:tgtEl>
-                </p:cond>
-              </p:prevCondLst>
-              <p:nextCondLst>
-                <p:cond evt="onNext" delay="0">
-                  <p:tgtEl>
-                    <p:sldTgt/>
-                  </p:tgtEl>
-                </p:cond>
-              </p:nextCondLst>
-            </p:seq>
-          </p:childTnLst>
-        </p:cTn>
-      </p:par>
-    </p:tnLst>
-  </p:timing>
-</p:sld>
-</file>
-
-<file path=ppt/slides/slide2.xml><?xml version="1.0" encoding="utf-8"?>
-<p:sld xmlns:a="http://schemas.openxmlformats.org/drawingml/2006/main" xmlns:r="http://schemas.openxmlformats.org/officeDocument/2006/relationships" xmlns:p="http://schemas.openxmlformats.org/presentationml/2006/main">
-  <p:cSld>
-    <p:spTree>
-      <p:nvGrpSpPr>
-        <p:cNvPr id="1" name=""/>
-        <p:cNvGrpSpPr/>
-        <p:nvPr/>
-      </p:nvGrpSpPr>
-      <p:grpSpPr>
-        <a:xfrm>
-          <a:off x="0" y="0"/>
-          <a:ext cx="0" cy="0"/>
-          <a:chOff x="0" y="0"/>
-          <a:chExt cx="0" cy="0"/>
-        </a:xfrm>
-      </p:grpSpPr>
-      <p:sp>
-        <p:nvSpPr>
-          <p:cNvPr id="2" name="Title 1">
-            <a:extLst>
-              <a:ext uri="{FF2B5EF4-FFF2-40B4-BE49-F238E27FC236}">
-                <a16:creationId xmlns:a16="http://schemas.microsoft.com/office/drawing/2014/main" id="{4E8107C2-80F5-7B49-95D7-B31418FACCBE}"/>
-              </a:ext>
-            </a:extLst>
-          </p:cNvPr>
-          <p:cNvSpPr>
-            <a:spLocks noGrp="1"/>
-          </p:cNvSpPr>
-          <p:nvPr>
-            <p:ph type="title"/>
-          </p:nvPr>
-        </p:nvSpPr>
-        <p:spPr/>
-        <p:txBody>
-          <a:bodyPr/>
-          <a:lstStyle/>
-          <a:p>
-            <a:r>
-              <a:rPr lang="en-US" dirty="0"/>
-              <a:t>Agenda	</a:t>
-            </a:r>
-          </a:p>
-        </p:txBody>
-      </p:sp>
-      <p:sp>
-        <p:nvSpPr>
-          <p:cNvPr id="3" name="Content Placeholder 2">
-            <a:extLst>
-              <a:ext uri="{FF2B5EF4-FFF2-40B4-BE49-F238E27FC236}">
-                <a16:creationId xmlns:a16="http://schemas.microsoft.com/office/drawing/2014/main" id="{797C1799-F4A0-DB41-9A56-E6CF3B522CCC}"/>
-              </a:ext>
-            </a:extLst>
-          </p:cNvPr>
-          <p:cNvSpPr>
-            <a:spLocks noGrp="1"/>
-          </p:cNvSpPr>
-          <p:nvPr>
-            <p:ph idx="1"/>
-          </p:nvPr>
-        </p:nvSpPr>
-        <p:spPr/>
-        <p:txBody>
-          <a:bodyPr/>
-          <a:lstStyle/>
-          <a:p>
-            <a:r>
-              <a:rPr lang="en-US" dirty="0"/>
-              <a:t>Homework 2</a:t>
-            </a:r>
-          </a:p>
-          <a:p>
-            <a:r>
-              <a:rPr lang="en-US" dirty="0"/>
-              <a:t>Shiny Dashboard</a:t>
-            </a:r>
-          </a:p>
-          <a:p>
-            <a:r>
-              <a:rPr lang="en-US" dirty="0" err="1"/>
-              <a:t>Flexdashboard</a:t>
-            </a:r>
-            <a:endParaRPr lang="en-US" dirty="0"/>
-          </a:p>
-          <a:p>
-            <a:r>
-              <a:rPr lang="en-US" dirty="0"/>
-              <a:t>Publishing to </a:t>
-            </a:r>
-            <a:r>
-              <a:rPr lang="en-US" dirty="0" err="1"/>
-              <a:t>shinyapps.io</a:t>
-            </a:r>
-            <a:endParaRPr lang="en-US" dirty="0"/>
-          </a:p>
-        </p:txBody>
-      </p:sp>
-    </p:spTree>
-    <p:extLst>
-      <p:ext uri="{BB962C8B-B14F-4D97-AF65-F5344CB8AC3E}">
-        <p14:creationId xmlns:p14="http://schemas.microsoft.com/office/powerpoint/2010/main" val="2153960195"/>
-      </p:ext>
-    </p:extLst>
-  </p:cSld>
-  <p:clrMapOvr>
-    <a:masterClrMapping/>
-  </p:clrMapOvr>
-</p:sld>
-</file>
-
-<file path=ppt/slides/slide20.xml><?xml version="1.0" encoding="utf-8"?>
-<p:sld xmlns:a="http://schemas.openxmlformats.org/drawingml/2006/main" xmlns:r="http://schemas.openxmlformats.org/officeDocument/2006/relationships" xmlns:p="http://schemas.openxmlformats.org/presentationml/2006/main">
-  <p:cSld>
-    <p:spTree>
-      <p:nvGrpSpPr>
-        <p:cNvPr id="1" name=""/>
-        <p:cNvGrpSpPr/>
-        <p:nvPr/>
-      </p:nvGrpSpPr>
-      <p:grpSpPr>
-        <a:xfrm>
-          <a:off x="0" y="0"/>
-          <a:ext cx="0" cy="0"/>
-          <a:chOff x="0" y="0"/>
-          <a:chExt cx="0" cy="0"/>
-        </a:xfrm>
-      </p:grpSpPr>
-      <p:sp>
-        <p:nvSpPr>
-          <p:cNvPr id="2" name="Title 1"/>
-          <p:cNvSpPr>
-            <a:spLocks noGrp="1"/>
-          </p:cNvSpPr>
-          <p:nvPr>
-            <p:ph type="title"/>
-          </p:nvPr>
-        </p:nvSpPr>
-        <p:spPr/>
-        <p:txBody>
-          <a:bodyPr/>
-          <a:lstStyle/>
-          <a:p>
-            <a:r>
-              <a:rPr lang="en-US" dirty="0"/>
-              <a:t>Publish one of todays apps!</a:t>
-            </a:r>
-          </a:p>
-        </p:txBody>
-      </p:sp>
-      <p:pic>
-        <p:nvPicPr>
-          <p:cNvPr id="6" name="Picture 5">
-            <a:extLst>
-              <a:ext uri="{FF2B5EF4-FFF2-40B4-BE49-F238E27FC236}">
-                <a16:creationId xmlns:a16="http://schemas.microsoft.com/office/drawing/2014/main" id="{8CD67C2C-4663-8A4C-A898-9DBB54A8D6CD}"/>
-              </a:ext>
-            </a:extLst>
-          </p:cNvPr>
-          <p:cNvPicPr>
-            <a:picLocks noChangeAspect="1"/>
-          </p:cNvPicPr>
-          <p:nvPr/>
-        </p:nvPicPr>
-        <p:blipFill>
-          <a:blip r:embed="rId2"/>
-          <a:stretch>
-            <a:fillRect/>
-          </a:stretch>
-        </p:blipFill>
-        <p:spPr>
-          <a:xfrm>
-            <a:off x="4125441" y="2419006"/>
-            <a:ext cx="3255940" cy="2733761"/>
-          </a:xfrm>
-          <a:prstGeom prst="rect">
-            <a:avLst/>
-          </a:prstGeom>
-        </p:spPr>
-      </p:pic>
-      <p:sp>
-        <p:nvSpPr>
-          <p:cNvPr id="3" name="Oval 2">
-            <a:extLst>
-              <a:ext uri="{FF2B5EF4-FFF2-40B4-BE49-F238E27FC236}">
-                <a16:creationId xmlns:a16="http://schemas.microsoft.com/office/drawing/2014/main" id="{BE01A743-3B8D-944C-A040-5503BB7557E1}"/>
-              </a:ext>
-            </a:extLst>
-          </p:cNvPr>
-          <p:cNvSpPr/>
-          <p:nvPr/>
-        </p:nvSpPr>
-        <p:spPr>
-          <a:xfrm>
-            <a:off x="4528751" y="3223653"/>
-            <a:ext cx="1643449" cy="1124465"/>
-          </a:xfrm>
-          <a:prstGeom prst="ellipse">
-            <a:avLst/>
-          </a:prstGeom>
-          <a:noFill/>
-        </p:spPr>
-        <p:style>
-          <a:lnRef idx="2">
-            <a:schemeClr val="accent6"/>
-          </a:lnRef>
-          <a:fillRef idx="1">
-            <a:schemeClr val="lt1"/>
-          </a:fillRef>
-          <a:effectRef idx="0">
-            <a:schemeClr val="accent6"/>
-          </a:effectRef>
-          <a:fontRef idx="minor">
-            <a:schemeClr val="dk1"/>
-          </a:fontRef>
-        </p:style>
-        <p:txBody>
-          <a:bodyPr rtlCol="0" anchor="ctr"/>
-          <a:lstStyle/>
-          <a:p>
-            <a:pPr algn="ctr"/>
-            <a:endParaRPr lang="en-US"/>
-          </a:p>
-        </p:txBody>
-      </p:sp>
-    </p:spTree>
-    <p:extLst>
-      <p:ext uri="{BB962C8B-B14F-4D97-AF65-F5344CB8AC3E}">
-        <p14:creationId xmlns:p14="http://schemas.microsoft.com/office/powerpoint/2010/main" val="3657042237"/>
-      </p:ext>
-    </p:extLst>
-  </p:cSld>
-  <p:clrMapOvr>
-    <a:masterClrMapping/>
-  </p:clrMapOvr>
-</p:sld>
-</file>
-
-<file path=ppt/slides/slide3.xml><?xml version="1.0" encoding="utf-8"?>
-<p:sld xmlns:a="http://schemas.openxmlformats.org/drawingml/2006/main" xmlns:r="http://schemas.openxmlformats.org/officeDocument/2006/relationships" xmlns:p="http://schemas.openxmlformats.org/presentationml/2006/main">
-  <p:cSld>
-    <p:spTree>
-      <p:nvGrpSpPr>
-        <p:cNvPr id="1" name=""/>
-        <p:cNvGrpSpPr/>
-        <p:nvPr/>
-      </p:nvGrpSpPr>
-      <p:grpSpPr>
-        <a:xfrm>
-          <a:off x="0" y="0"/>
-          <a:ext cx="0" cy="0"/>
-          <a:chOff x="0" y="0"/>
-          <a:chExt cx="0" cy="0"/>
-        </a:xfrm>
-      </p:grpSpPr>
-      <p:sp>
-        <p:nvSpPr>
-          <p:cNvPr id="2" name="Title 1">
-            <a:extLst>
-              <a:ext uri="{FF2B5EF4-FFF2-40B4-BE49-F238E27FC236}">
-                <a16:creationId xmlns:a16="http://schemas.microsoft.com/office/drawing/2014/main" id="{E9FB7731-CD6D-BC4E-9AAB-AB3E91BF0EB9}"/>
-              </a:ext>
-            </a:extLst>
-          </p:cNvPr>
-          <p:cNvSpPr>
-            <a:spLocks noGrp="1"/>
-          </p:cNvSpPr>
-          <p:nvPr>
-            <p:ph type="title"/>
-          </p:nvPr>
-        </p:nvSpPr>
-        <p:spPr/>
-        <p:txBody>
-          <a:bodyPr/>
-          <a:lstStyle/>
-          <a:p>
-            <a:r>
-              <a:rPr lang="en-US" dirty="0"/>
-              <a:t>Homework 2</a:t>
-            </a:r>
-          </a:p>
-        </p:txBody>
-      </p:sp>
-      <p:sp>
-        <p:nvSpPr>
-          <p:cNvPr id="3" name="Content Placeholder 2">
-            <a:extLst>
-              <a:ext uri="{FF2B5EF4-FFF2-40B4-BE49-F238E27FC236}">
-                <a16:creationId xmlns:a16="http://schemas.microsoft.com/office/drawing/2014/main" id="{A7851E95-D47A-2D40-9BD6-8CACB280B8D0}"/>
-              </a:ext>
-            </a:extLst>
-          </p:cNvPr>
-          <p:cNvSpPr>
-            <a:spLocks noGrp="1"/>
-          </p:cNvSpPr>
-          <p:nvPr>
-            <p:ph idx="1"/>
-          </p:nvPr>
-        </p:nvSpPr>
-        <p:spPr/>
-        <p:txBody>
-          <a:bodyPr>
-            <a:normAutofit/>
-          </a:bodyPr>
-          <a:lstStyle/>
-          <a:p>
-            <a:r>
-              <a:rPr lang="en-US" dirty="0"/>
-              <a:t>Nearly every Shiny application requires you to translate user inputs to allow them to manipulate the data you visualize for them. For this assignment you must use data from an open data website (you may download and clean the data and write it as a CSV). You must also use a different UI layout than what you used in Homework 2. </a:t>
-            </a:r>
-          </a:p>
-          <a:p>
-            <a:r>
-              <a:rPr lang="en-US" dirty="0"/>
-              <a:t>Directions: Use </a:t>
-            </a:r>
-            <a:r>
-              <a:rPr lang="en-US" dirty="0" err="1"/>
-              <a:t>plotly</a:t>
-            </a:r>
-            <a:r>
-              <a:rPr lang="en-US" dirty="0"/>
-              <a:t> (with or without the aid of ggplot2) to create three (3) different kinds of figures and one (1) data table. Include at least three (3) types of</a:t>
-            </a:r>
-          </a:p>
-          <a:p>
-            <a:r>
-              <a:rPr lang="en-US" dirty="0"/>
-              <a:t>Reminder Input Types are:</a:t>
-            </a:r>
-          </a:p>
-          <a:p>
-            <a:pPr marL="804863" lvl="1" indent="-414338"/>
-            <a:r>
-              <a:rPr lang="en-US" dirty="0"/>
-              <a:t>Numeric</a:t>
-            </a:r>
-          </a:p>
-          <a:p>
-            <a:pPr marL="804863" lvl="1" indent="-414338"/>
-            <a:r>
-              <a:rPr lang="en-US" dirty="0"/>
-              <a:t>Text</a:t>
-            </a:r>
-          </a:p>
-          <a:p>
-            <a:pPr marL="804863" lvl="1" indent="-414338"/>
-            <a:r>
-              <a:rPr lang="en-US" dirty="0"/>
-              <a:t>Other/miscellaneous </a:t>
-            </a:r>
-          </a:p>
-          <a:p>
-            <a:endParaRPr lang="en-US" dirty="0"/>
-          </a:p>
-        </p:txBody>
-      </p:sp>
-    </p:spTree>
-    <p:extLst>
-      <p:ext uri="{BB962C8B-B14F-4D97-AF65-F5344CB8AC3E}">
-        <p14:creationId xmlns:p14="http://schemas.microsoft.com/office/powerpoint/2010/main" val="3952837693"/>
-      </p:ext>
-    </p:extLst>
-  </p:cSld>
-  <p:clrMapOvr>
-    <a:masterClrMapping/>
-  </p:clrMapOvr>
-</p:sld>
-</file>
-
-<file path=ppt/slides/slide4.xml><?xml version="1.0" encoding="utf-8"?>
-<p:sld xmlns:a="http://schemas.openxmlformats.org/drawingml/2006/main" xmlns:r="http://schemas.openxmlformats.org/officeDocument/2006/relationships" xmlns:p="http://schemas.openxmlformats.org/presentationml/2006/main">
-  <p:cSld>
-    <p:spTree>
-      <p:nvGrpSpPr>
-        <p:cNvPr id="1" name=""/>
-        <p:cNvGrpSpPr/>
-        <p:nvPr/>
-      </p:nvGrpSpPr>
-      <p:grpSpPr>
-        <a:xfrm>
-          <a:off x="0" y="0"/>
-          <a:ext cx="0" cy="0"/>
-          <a:chOff x="0" y="0"/>
-          <a:chExt cx="0" cy="0"/>
-        </a:xfrm>
-      </p:grpSpPr>
-      <p:sp>
-        <p:nvSpPr>
-          <p:cNvPr id="2" name="Title 1"/>
-          <p:cNvSpPr>
-            <a:spLocks noGrp="1"/>
-          </p:cNvSpPr>
-          <p:nvPr>
-            <p:ph type="title"/>
-          </p:nvPr>
-        </p:nvSpPr>
-        <p:spPr/>
-        <p:txBody>
-          <a:bodyPr/>
-          <a:lstStyle/>
-          <a:p>
-            <a:r>
-              <a:rPr lang="en-US" dirty="0"/>
-              <a:t>Shiny Dashboard</a:t>
-            </a:r>
-          </a:p>
-        </p:txBody>
-      </p:sp>
-      <p:sp>
-        <p:nvSpPr>
-          <p:cNvPr id="4" name="Text Placeholder 3">
-            <a:extLst>
-              <a:ext uri="{FF2B5EF4-FFF2-40B4-BE49-F238E27FC236}">
-                <a16:creationId xmlns:a16="http://schemas.microsoft.com/office/drawing/2014/main" id="{69E1FA9A-3279-D845-98BF-9D61AC24590A}"/>
-              </a:ext>
-            </a:extLst>
-          </p:cNvPr>
-          <p:cNvSpPr>
-            <a:spLocks noGrp="1"/>
-          </p:cNvSpPr>
-          <p:nvPr>
-            <p:ph type="body" idx="1"/>
-          </p:nvPr>
-        </p:nvSpPr>
-        <p:spPr/>
-        <p:txBody>
-          <a:bodyPr/>
-          <a:lstStyle/>
-          <a:p>
-            <a:endParaRPr lang="en-US" dirty="0"/>
-          </a:p>
-        </p:txBody>
-      </p:sp>
-    </p:spTree>
-    <p:extLst>
-      <p:ext uri="{BB962C8B-B14F-4D97-AF65-F5344CB8AC3E}">
-        <p14:creationId xmlns:p14="http://schemas.microsoft.com/office/powerpoint/2010/main" val="86106604"/>
-      </p:ext>
-    </p:extLst>
-  </p:cSld>
-  <p:clrMapOvr>
-    <a:masterClrMapping/>
-  </p:clrMapOvr>
-</p:sld>
-</file>
-
-<file path=ppt/slides/slide5.xml><?xml version="1.0" encoding="utf-8"?>
-<p:sld xmlns:a="http://schemas.openxmlformats.org/drawingml/2006/main" xmlns:r="http://schemas.openxmlformats.org/officeDocument/2006/relationships" xmlns:p="http://schemas.openxmlformats.org/presentationml/2006/main">
-  <p:cSld>
-    <p:spTree>
-      <p:nvGrpSpPr>
-        <p:cNvPr id="1" name=""/>
-        <p:cNvGrpSpPr/>
-        <p:nvPr/>
-      </p:nvGrpSpPr>
-      <p:grpSpPr>
-        <a:xfrm>
-          <a:off x="0" y="0"/>
-          <a:ext cx="0" cy="0"/>
-          <a:chOff x="0" y="0"/>
-          <a:chExt cx="0" cy="0"/>
-        </a:xfrm>
-      </p:grpSpPr>
-      <p:sp>
-        <p:nvSpPr>
-          <p:cNvPr id="2" name="Title 1"/>
-          <p:cNvSpPr>
-            <a:spLocks noGrp="1"/>
-          </p:cNvSpPr>
-          <p:nvPr>
-            <p:ph type="title"/>
-          </p:nvPr>
-        </p:nvSpPr>
-        <p:spPr/>
-        <p:txBody>
-          <a:bodyPr/>
-          <a:lstStyle/>
-          <a:p>
-            <a:r>
-              <a:rPr lang="en-US" dirty="0"/>
-              <a:t>Basic Layout</a:t>
-            </a:r>
-          </a:p>
-        </p:txBody>
-      </p:sp>
-      <p:sp>
-        <p:nvSpPr>
-          <p:cNvPr id="3" name="Content Placeholder 2"/>
-          <p:cNvSpPr>
-            <a:spLocks noGrp="1"/>
-          </p:cNvSpPr>
-          <p:nvPr>
-            <p:ph idx="1"/>
-          </p:nvPr>
-        </p:nvSpPr>
-        <p:spPr/>
-        <p:txBody>
-          <a:bodyPr/>
-          <a:lstStyle/>
-          <a:p>
-            <a:r>
-              <a:rPr lang="en-US" dirty="0"/>
-              <a:t>Dashboards are broken into a single argument made up of three arguments</a:t>
-            </a:r>
-          </a:p>
-          <a:p>
-            <a:pPr lvl="1"/>
-            <a:r>
-              <a:rPr lang="en-US" dirty="0"/>
-              <a:t>Header </a:t>
-            </a:r>
-            <a:r>
-              <a:rPr lang="mr-IN" dirty="0"/>
-              <a:t>–</a:t>
-            </a:r>
-            <a:r>
-              <a:rPr lang="en-US" dirty="0"/>
-              <a:t> Window title as well as Menus</a:t>
-            </a:r>
-          </a:p>
-          <a:p>
-            <a:pPr lvl="1"/>
-            <a:r>
-              <a:rPr lang="en-US" dirty="0"/>
-              <a:t>Sidebar </a:t>
-            </a:r>
-            <a:r>
-              <a:rPr lang="mr-IN" dirty="0"/>
-              <a:t>–</a:t>
-            </a:r>
-            <a:r>
-              <a:rPr lang="en-US" dirty="0"/>
-              <a:t> Sidebar for navigating Dashboard tabs and can hold global selection inputs</a:t>
-            </a:r>
-          </a:p>
-          <a:p>
-            <a:pPr lvl="1"/>
-            <a:r>
-              <a:rPr lang="en-US" dirty="0"/>
-              <a:t>Body </a:t>
-            </a:r>
-            <a:r>
-              <a:rPr lang="mr-IN" dirty="0"/>
-              <a:t>–</a:t>
-            </a:r>
-            <a:r>
-              <a:rPr lang="en-US" dirty="0"/>
-              <a:t> Where the magic happens.</a:t>
-            </a:r>
-          </a:p>
-        </p:txBody>
-      </p:sp>
-      <p:pic>
-        <p:nvPicPr>
-          <p:cNvPr id="5" name="Picture 4"/>
-          <p:cNvPicPr>
-            <a:picLocks noChangeAspect="1"/>
-          </p:cNvPicPr>
-          <p:nvPr/>
-        </p:nvPicPr>
-        <p:blipFill>
-          <a:blip r:embed="rId2">
-            <a:extLst>
-              <a:ext uri="{28A0092B-C50C-407E-A947-70E740481C1C}">
-                <a14:useLocalDpi xmlns:a14="http://schemas.microsoft.com/office/drawing/2010/main" val="0"/>
-              </a:ext>
-            </a:extLst>
-          </a:blip>
-          <a:stretch>
-            <a:fillRect/>
-          </a:stretch>
-        </p:blipFill>
-        <p:spPr>
-          <a:xfrm>
-            <a:off x="4070350" y="1657350"/>
-            <a:ext cx="4203700" cy="381000"/>
-          </a:xfrm>
-          <a:prstGeom prst="rect">
-            <a:avLst/>
-          </a:prstGeom>
-        </p:spPr>
-      </p:pic>
-    </p:spTree>
-    <p:extLst>
-      <p:ext uri="{BB962C8B-B14F-4D97-AF65-F5344CB8AC3E}">
-        <p14:creationId xmlns:p14="http://schemas.microsoft.com/office/powerpoint/2010/main" val="1064384080"/>
-      </p:ext>
-    </p:extLst>
-  </p:cSld>
-  <p:clrMapOvr>
-    <a:masterClrMapping/>
-  </p:clrMapOvr>
-</p:sld>
-</file>
-
-<file path=ppt/slides/slide6.xml><?xml version="1.0" encoding="utf-8"?>
-<p:sld xmlns:a="http://schemas.openxmlformats.org/drawingml/2006/main" xmlns:r="http://schemas.openxmlformats.org/officeDocument/2006/relationships" xmlns:p="http://schemas.openxmlformats.org/presentationml/2006/main">
-  <p:cSld>
-    <p:bg>
-      <p:bgPr>
-        <a:solidFill>
-          <a:schemeClr val="bg2"/>
-        </a:solidFill>
-        <a:effectLst/>
-      </p:bgPr>
-    </p:bg>
-    <p:spTree>
-      <p:nvGrpSpPr>
-        <p:cNvPr id="1" name=""/>
-        <p:cNvGrpSpPr/>
-        <p:nvPr/>
-      </p:nvGrpSpPr>
-      <p:grpSpPr>
-        <a:xfrm>
-          <a:off x="0" y="0"/>
-          <a:ext cx="0" cy="0"/>
-          <a:chOff x="0" y="0"/>
-          <a:chExt cx="0" cy="0"/>
-        </a:xfrm>
-      </p:grpSpPr>
-      <p:sp>
-        <p:nvSpPr>
-          <p:cNvPr id="7" name="Rectangle 6"/>
-          <p:cNvSpPr>
-            <a:spLocks noGrp="1" noRot="1" noChangeAspect="1" noMove="1" noResize="1" noEditPoints="1" noAdjustHandles="1" noChangeArrowheads="1" noChangeShapeType="1" noTextEdit="1"/>
-          </p:cNvSpPr>
-          <p:nvPr>
-            <p:extLst>
-              <p:ext uri="{386F3935-93C4-4BCD-93E2-E3B085C9AB24}">
-                <p16:designElem xmlns:p16="http://schemas.microsoft.com/office/powerpoint/2015/main" val="1"/>
-              </p:ext>
-            </p:extLst>
-          </p:nvPr>
-        </p:nvSpPr>
-        <p:spPr>
-          <a:xfrm>
-            <a:off x="0" y="0"/>
-            <a:ext cx="12192000" cy="6858000"/>
-          </a:xfrm>
-          <a:prstGeom prst="rect">
-            <a:avLst/>
-          </a:prstGeom>
-          <a:solidFill>
-            <a:schemeClr val="bg2"/>
-          </a:solidFill>
-          <a:ln>
-            <a:noFill/>
-          </a:ln>
-        </p:spPr>
-        <p:style>
-          <a:lnRef idx="2">
-            <a:schemeClr val="accent1">
-              <a:shade val="50000"/>
-            </a:schemeClr>
-          </a:lnRef>
-          <a:fillRef idx="1">
-            <a:schemeClr val="accent1"/>
-          </a:fillRef>
-          <a:effectRef idx="0">
-            <a:schemeClr val="accent1"/>
-          </a:effectRef>
-          <a:fontRef idx="minor">
-            <a:schemeClr val="lt1"/>
-          </a:fontRef>
-        </p:style>
-        <p:txBody>
-          <a:bodyPr rtlCol="0" anchor="ctr"/>
-          <a:lstStyle/>
-          <a:p>
-            <a:pPr algn="ctr"/>
-            <a:endParaRPr lang="en-US"/>
-          </a:p>
-        </p:txBody>
-      </p:sp>
-      <p:sp>
-        <p:nvSpPr>
-          <p:cNvPr id="9" name="Rectangle 8"/>
-          <p:cNvSpPr>
-            <a:spLocks noGrp="1" noRot="1" noChangeAspect="1" noMove="1" noResize="1" noEditPoints="1" noAdjustHandles="1" noChangeArrowheads="1" noChangeShapeType="1" noTextEdit="1"/>
-          </p:cNvSpPr>
-          <p:nvPr>
-            <p:extLst>
-              <p:ext uri="{386F3935-93C4-4BCD-93E2-E3B085C9AB24}">
-                <p16:designElem xmlns:p16="http://schemas.microsoft.com/office/powerpoint/2015/main" val="1"/>
-              </p:ext>
-            </p:extLst>
-          </p:nvPr>
-        </p:nvSpPr>
-        <p:spPr>
-          <a:xfrm>
-            <a:off x="0" y="0"/>
-            <a:ext cx="365760" cy="365760"/>
-          </a:xfrm>
-          <a:prstGeom prst="rect">
-            <a:avLst/>
-          </a:prstGeom>
-          <a:solidFill>
-            <a:schemeClr val="tx1"/>
-          </a:solidFill>
-          <a:ln>
-            <a:noFill/>
-          </a:ln>
-        </p:spPr>
-        <p:style>
-          <a:lnRef idx="2">
-            <a:schemeClr val="accent1">
-              <a:shade val="50000"/>
-            </a:schemeClr>
-          </a:lnRef>
-          <a:fillRef idx="1">
-            <a:schemeClr val="accent1"/>
-          </a:fillRef>
-          <a:effectRef idx="0">
-            <a:schemeClr val="accent1"/>
-          </a:effectRef>
-          <a:fontRef idx="minor">
-            <a:schemeClr val="lt1"/>
-          </a:fontRef>
-        </p:style>
-        <p:txBody>
-          <a:bodyPr rtlCol="0" anchor="ctr"/>
-          <a:lstStyle/>
-          <a:p>
-            <a:pPr algn="ctr"/>
-            <a:endParaRPr lang="en-US"/>
-          </a:p>
-        </p:txBody>
-      </p:sp>
-      <p:sp>
-        <p:nvSpPr>
-          <p:cNvPr id="11" name="Rectangle 10"/>
-          <p:cNvSpPr>
-            <a:spLocks noGrp="1" noRot="1" noChangeAspect="1" noMove="1" noResize="1" noEditPoints="1" noAdjustHandles="1" noChangeArrowheads="1" noChangeShapeType="1" noTextEdit="1"/>
-          </p:cNvSpPr>
-          <p:nvPr>
-            <p:extLst>
-              <p:ext uri="{386F3935-93C4-4BCD-93E2-E3B085C9AB24}">
-                <p16:designElem xmlns:p16="http://schemas.microsoft.com/office/powerpoint/2015/main" val="1"/>
-              </p:ext>
-            </p:extLst>
-          </p:nvPr>
-        </p:nvSpPr>
-        <p:spPr>
-          <a:xfrm>
-            <a:off x="11826240" y="6494325"/>
-            <a:ext cx="365760" cy="365760"/>
-          </a:xfrm>
-          <a:prstGeom prst="rect">
-            <a:avLst/>
-          </a:prstGeom>
-          <a:solidFill>
-            <a:schemeClr val="tx1"/>
-          </a:solidFill>
-          <a:ln>
-            <a:noFill/>
-          </a:ln>
-        </p:spPr>
-        <p:style>
-          <a:lnRef idx="2">
-            <a:schemeClr val="accent1">
-              <a:shade val="50000"/>
-            </a:schemeClr>
-          </a:lnRef>
-          <a:fillRef idx="1">
-            <a:schemeClr val="accent1"/>
-          </a:fillRef>
-          <a:effectRef idx="0">
-            <a:schemeClr val="accent1"/>
-          </a:effectRef>
-          <a:fontRef idx="minor">
-            <a:schemeClr val="lt1"/>
-          </a:fontRef>
-        </p:style>
-        <p:txBody>
-          <a:bodyPr rtlCol="0" anchor="ctr"/>
-          <a:lstStyle/>
-          <a:p>
-            <a:pPr algn="ctr"/>
-            <a:endParaRPr lang="en-US"/>
-          </a:p>
-        </p:txBody>
-      </p:sp>
-      <p:sp>
-        <p:nvSpPr>
-          <p:cNvPr id="13" name="Rectangle 12"/>
-          <p:cNvSpPr>
-            <a:spLocks noGrp="1" noRot="1" noChangeAspect="1" noMove="1" noResize="1" noEditPoints="1" noAdjustHandles="1" noChangeArrowheads="1" noChangeShapeType="1" noTextEdit="1"/>
-          </p:cNvSpPr>
-          <p:nvPr>
-            <p:extLst>
-              <p:ext uri="{386F3935-93C4-4BCD-93E2-E3B085C9AB24}">
-                <p16:designElem xmlns:p16="http://schemas.microsoft.com/office/powerpoint/2015/main" val="1"/>
-              </p:ext>
-            </p:extLst>
-          </p:nvPr>
-        </p:nvSpPr>
-        <p:spPr>
-          <a:xfrm>
-            <a:off x="11826240" y="-4668"/>
-            <a:ext cx="365760" cy="365760"/>
-          </a:xfrm>
-          <a:prstGeom prst="rect">
-            <a:avLst/>
-          </a:prstGeom>
-          <a:solidFill>
-            <a:schemeClr val="tx1"/>
-          </a:solidFill>
-          <a:ln>
-            <a:noFill/>
-          </a:ln>
-        </p:spPr>
-        <p:style>
-          <a:lnRef idx="2">
-            <a:schemeClr val="accent1">
-              <a:shade val="50000"/>
-            </a:schemeClr>
-          </a:lnRef>
-          <a:fillRef idx="1">
-            <a:schemeClr val="accent1"/>
-          </a:fillRef>
-          <a:effectRef idx="0">
-            <a:schemeClr val="accent1"/>
-          </a:effectRef>
-          <a:fontRef idx="minor">
-            <a:schemeClr val="lt1"/>
-          </a:fontRef>
-        </p:style>
-        <p:txBody>
-          <a:bodyPr rtlCol="0" anchor="ctr"/>
-          <a:lstStyle/>
-          <a:p>
-            <a:pPr algn="ctr"/>
-            <a:endParaRPr lang="en-US"/>
-          </a:p>
-        </p:txBody>
-      </p:sp>
-      <p:sp>
-        <p:nvSpPr>
-          <p:cNvPr id="15" name="Rectangle 14"/>
-          <p:cNvSpPr>
-            <a:spLocks noGrp="1" noRot="1" noChangeAspect="1" noMove="1" noResize="1" noEditPoints="1" noAdjustHandles="1" noChangeArrowheads="1" noChangeShapeType="1" noTextEdit="1"/>
-          </p:cNvSpPr>
-          <p:nvPr>
-            <p:extLst>
-              <p:ext uri="{386F3935-93C4-4BCD-93E2-E3B085C9AB24}">
-                <p16:designElem xmlns:p16="http://schemas.microsoft.com/office/powerpoint/2015/main" val="1"/>
-              </p:ext>
-            </p:extLst>
-          </p:nvPr>
-        </p:nvSpPr>
-        <p:spPr>
-          <a:xfrm>
-            <a:off x="0" y="6494325"/>
-            <a:ext cx="365760" cy="365760"/>
-          </a:xfrm>
-          <a:prstGeom prst="rect">
-            <a:avLst/>
-          </a:prstGeom>
-          <a:solidFill>
-            <a:schemeClr val="tx1"/>
-          </a:solidFill>
-          <a:ln>
-            <a:noFill/>
-          </a:ln>
-        </p:spPr>
-        <p:style>
-          <a:lnRef idx="2">
-            <a:schemeClr val="accent1">
-              <a:shade val="50000"/>
-            </a:schemeClr>
-          </a:lnRef>
-          <a:fillRef idx="1">
-            <a:schemeClr val="accent1"/>
-          </a:fillRef>
-          <a:effectRef idx="0">
-            <a:schemeClr val="accent1"/>
-          </a:effectRef>
-          <a:fontRef idx="minor">
-            <a:schemeClr val="lt1"/>
-          </a:fontRef>
-        </p:style>
-        <p:txBody>
-          <a:bodyPr rtlCol="0" anchor="ctr"/>
-          <a:lstStyle/>
-          <a:p>
-            <a:pPr algn="ctr"/>
-            <a:endParaRPr lang="en-US"/>
-          </a:p>
-        </p:txBody>
-      </p:sp>
-      <p:sp>
-        <p:nvSpPr>
-          <p:cNvPr id="17" name="Rectangle 16"/>
-          <p:cNvSpPr>
-            <a:spLocks noGrp="1" noRot="1" noChangeAspect="1" noMove="1" noResize="1" noEditPoints="1" noAdjustHandles="1" noChangeArrowheads="1" noChangeShapeType="1" noTextEdit="1"/>
-          </p:cNvSpPr>
-          <p:nvPr>
-            <p:extLst>
-              <p:ext uri="{386F3935-93C4-4BCD-93E2-E3B085C9AB24}">
-                <p16:designElem xmlns:p16="http://schemas.microsoft.com/office/powerpoint/2015/main" val="1"/>
-              </p:ext>
-            </p:extLst>
-          </p:nvPr>
-        </p:nvSpPr>
-        <p:spPr>
-          <a:xfrm>
-            <a:off x="160867" y="158782"/>
-            <a:ext cx="11870265" cy="6537850"/>
-          </a:xfrm>
-          <a:prstGeom prst="rect">
-            <a:avLst/>
-          </a:prstGeom>
-          <a:solidFill>
-            <a:srgbClr val="FFFFFF"/>
-          </a:solidFill>
-          <a:ln>
-            <a:noFill/>
-          </a:ln>
-        </p:spPr>
-        <p:style>
-          <a:lnRef idx="2">
-            <a:schemeClr val="accent1">
-              <a:shade val="50000"/>
-            </a:schemeClr>
-          </a:lnRef>
-          <a:fillRef idx="1">
-            <a:schemeClr val="accent1"/>
-          </a:fillRef>
-          <a:effectRef idx="0">
-            <a:schemeClr val="accent1"/>
-          </a:effectRef>
-          <a:fontRef idx="minor">
-            <a:schemeClr val="lt1"/>
-          </a:fontRef>
-        </p:style>
-        <p:txBody>
-          <a:bodyPr rtlCol="0" anchor="ctr"/>
-          <a:lstStyle/>
-          <a:p>
-            <a:pPr algn="ctr"/>
-            <a:endParaRPr lang="en-US"/>
-          </a:p>
-        </p:txBody>
-      </p:sp>
-      <p:pic>
-        <p:nvPicPr>
-          <p:cNvPr id="2" name="Picture 1"/>
-          <p:cNvPicPr>
-            <a:picLocks noChangeAspect="1"/>
-          </p:cNvPicPr>
-          <p:nvPr/>
-        </p:nvPicPr>
-        <p:blipFill>
-          <a:blip r:embed="rId2">
-            <a:extLst>
-              <a:ext uri="{28A0092B-C50C-407E-A947-70E740481C1C}">
-                <a14:useLocalDpi xmlns:a14="http://schemas.microsoft.com/office/drawing/2010/main" val="0"/>
-              </a:ext>
-            </a:extLst>
-          </a:blip>
-          <a:stretch>
-            <a:fillRect/>
-          </a:stretch>
-        </p:blipFill>
-        <p:spPr>
-          <a:xfrm>
-            <a:off x="1766209" y="407719"/>
-            <a:ext cx="8659580" cy="6086606"/>
-          </a:xfrm>
-          <a:prstGeom prst="rect">
-            <a:avLst/>
-          </a:prstGeom>
-        </p:spPr>
-      </p:pic>
-    </p:spTree>
-    <p:extLst>
-      <p:ext uri="{BB962C8B-B14F-4D97-AF65-F5344CB8AC3E}">
-        <p14:creationId xmlns:p14="http://schemas.microsoft.com/office/powerpoint/2010/main" val="3469010172"/>
-      </p:ext>
-    </p:extLst>
-  </p:cSld>
-  <p:clrMapOvr>
-    <a:masterClrMapping/>
-  </p:clrMapOvr>
-</p:sld>
-</file>
-
-<file path=ppt/slides/slide7.xml><?xml version="1.0" encoding="utf-8"?>
-<p:sld xmlns:a="http://schemas.openxmlformats.org/drawingml/2006/main" xmlns:r="http://schemas.openxmlformats.org/officeDocument/2006/relationships" xmlns:p="http://schemas.openxmlformats.org/presentationml/2006/main">
-  <p:cSld>
-    <p:bg>
-      <p:bgPr>
-        <a:solidFill>
-          <a:schemeClr val="bg2"/>
-        </a:solidFill>
-        <a:effectLst/>
-      </p:bgPr>
-    </p:bg>
-    <p:spTree>
-      <p:nvGrpSpPr>
-        <p:cNvPr id="1" name=""/>
-        <p:cNvGrpSpPr/>
-        <p:nvPr/>
-      </p:nvGrpSpPr>
-      <p:grpSpPr>
-        <a:xfrm>
-          <a:off x="0" y="0"/>
-          <a:ext cx="0" cy="0"/>
-          <a:chOff x="0" y="0"/>
-          <a:chExt cx="0" cy="0"/>
-        </a:xfrm>
-      </p:grpSpPr>
-      <p:sp>
-        <p:nvSpPr>
-          <p:cNvPr id="9" name="Rectangle 8"/>
-          <p:cNvSpPr>
-            <a:spLocks noGrp="1" noRot="1" noChangeAspect="1" noMove="1" noResize="1" noEditPoints="1" noAdjustHandles="1" noChangeArrowheads="1" noChangeShapeType="1" noTextEdit="1"/>
-          </p:cNvSpPr>
-          <p:nvPr>
-            <p:extLst>
-              <p:ext uri="{386F3935-93C4-4BCD-93E2-E3B085C9AB24}">
-                <p16:designElem xmlns:p16="http://schemas.microsoft.com/office/powerpoint/2015/main" val="1"/>
-              </p:ext>
-            </p:extLst>
-          </p:nvPr>
-        </p:nvSpPr>
-        <p:spPr bwMode="white">
-          <a:xfrm>
-            <a:off x="0" y="0"/>
-            <a:ext cx="12192000" cy="6858000"/>
-          </a:xfrm>
-          <a:prstGeom prst="rect">
-            <a:avLst/>
-          </a:prstGeom>
-          <a:solidFill>
-            <a:schemeClr val="bg2"/>
-          </a:solidFill>
-          <a:effectLst/>
-        </p:spPr>
-      </p:sp>
-      <p:grpSp>
-        <p:nvGrpSpPr>
-          <p:cNvPr id="11" name="Group 10"/>
-          <p:cNvGrpSpPr>
-            <a:grpSpLocks noGrp="1" noUngrp="1" noRot="1" noChangeAspect="1" noMove="1" noResize="1"/>
-          </p:cNvGrpSpPr>
-          <p:nvPr>
-            <p:extLst>
-              <p:ext uri="{386F3935-93C4-4BCD-93E2-E3B085C9AB24}">
-                <p16:designElem xmlns:p16="http://schemas.microsoft.com/office/powerpoint/2015/main" val="1"/>
-              </p:ext>
-            </p:extLst>
-          </p:nvPr>
-        </p:nvGrpSpPr>
-        <p:grpSpPr>
-          <a:xfrm>
-            <a:off x="752858" y="744469"/>
-            <a:ext cx="10674117" cy="5349671"/>
-            <a:chOff x="752858" y="744469"/>
-            <a:chExt cx="10674117" cy="5349671"/>
-          </a:xfrm>
-        </p:grpSpPr>
-        <p:sp>
-          <p:nvSpPr>
-            <p:cNvPr id="12" name="Freeform 6"/>
-            <p:cNvSpPr/>
-            <p:nvPr>
-              <p:extLst>
-                <p:ext uri="{386F3935-93C4-4BCD-93E2-E3B085C9AB24}">
-                  <p16:designElem xmlns:p16="http://schemas.microsoft.com/office/powerpoint/2015/main" val="1"/>
-                </p:ext>
-              </p:extLst>
-            </p:nvPr>
-          </p:nvSpPr>
-          <p:spPr bwMode="auto">
-            <a:xfrm>
-              <a:off x="8151962" y="1685652"/>
-              <a:ext cx="3275013" cy="4408488"/>
-            </a:xfrm>
-            <a:custGeom>
-              <a:avLst/>
-              <a:gdLst/>
-              <a:ahLst/>
-              <a:cxnLst/>
-              <a:rect l="l" t="t" r="r" b="b"/>
-              <a:pathLst>
-                <a:path w="10000" h="10000">
-                  <a:moveTo>
-                    <a:pt x="8761" y="0"/>
-                  </a:moveTo>
-                  <a:lnTo>
-                    <a:pt x="10000" y="0"/>
-                  </a:lnTo>
-                  <a:lnTo>
-                    <a:pt x="10000" y="10000"/>
-                  </a:lnTo>
-                  <a:lnTo>
-                    <a:pt x="0" y="10000"/>
-                  </a:lnTo>
-                  <a:lnTo>
-                    <a:pt x="0" y="9126"/>
-                  </a:lnTo>
-                  <a:lnTo>
-                    <a:pt x="8761" y="9127"/>
-                  </a:lnTo>
-                  <a:lnTo>
-                    <a:pt x="8761" y="0"/>
-                  </a:lnTo>
-                  <a:close/>
-                </a:path>
-              </a:pathLst>
-            </a:custGeom>
-            <a:solidFill>
-              <a:schemeClr val="tx2"/>
-            </a:solidFill>
-            <a:ln w="0">
-              <a:noFill/>
-              <a:prstDash val="solid"/>
-              <a:round/>
-              <a:headEnd/>
-              <a:tailEnd/>
-            </a:ln>
-          </p:spPr>
-        </p:sp>
-        <p:sp>
-          <p:nvSpPr>
-            <p:cNvPr id="13" name="Freeform 6"/>
-            <p:cNvSpPr/>
-            <p:nvPr>
-              <p:extLst>
-                <p:ext uri="{386F3935-93C4-4BCD-93E2-E3B085C9AB24}">
-                  <p16:designElem xmlns:p16="http://schemas.microsoft.com/office/powerpoint/2015/main" val="1"/>
-                </p:ext>
-              </p:extLst>
-            </p:nvPr>
-          </p:nvSpPr>
-          <p:spPr bwMode="auto">
-            <a:xfrm flipH="1" flipV="1">
-              <a:off x="752858" y="744469"/>
-              <a:ext cx="3275668" cy="4408488"/>
-            </a:xfrm>
-            <a:custGeom>
-              <a:avLst/>
-              <a:gdLst/>
-              <a:ahLst/>
-              <a:cxnLst/>
-              <a:rect l="l" t="t" r="r" b="b"/>
-              <a:pathLst>
-                <a:path w="10002" h="10000">
-                  <a:moveTo>
-                    <a:pt x="8763" y="0"/>
-                  </a:moveTo>
-                  <a:lnTo>
-                    <a:pt x="10002" y="0"/>
-                  </a:lnTo>
-                  <a:lnTo>
-                    <a:pt x="10002" y="10000"/>
-                  </a:lnTo>
-                  <a:lnTo>
-                    <a:pt x="2" y="10000"/>
-                  </a:lnTo>
-                  <a:cubicBezTo>
-                    <a:pt x="-2" y="9698"/>
-                    <a:pt x="4" y="9427"/>
-                    <a:pt x="0" y="9125"/>
-                  </a:cubicBezTo>
-                  <a:lnTo>
-                    <a:pt x="8763" y="9128"/>
-                  </a:lnTo>
-                  <a:lnTo>
-                    <a:pt x="8763" y="0"/>
-                  </a:lnTo>
-                  <a:close/>
-                </a:path>
-              </a:pathLst>
-            </a:custGeom>
-            <a:solidFill>
-              <a:schemeClr val="tx2"/>
-            </a:solidFill>
-            <a:ln w="0">
-              <a:noFill/>
-              <a:prstDash val="solid"/>
-              <a:round/>
-              <a:headEnd/>
-              <a:tailEnd/>
-            </a:ln>
-          </p:spPr>
-        </p:sp>
-      </p:grpSp>
-      <p:sp useBgFill="1">
-        <p:nvSpPr>
-          <p:cNvPr id="15" name="Rectangle 14"/>
-          <p:cNvSpPr>
-            <a:spLocks noGrp="1" noRot="1" noChangeAspect="1" noMove="1" noResize="1" noEditPoints="1" noAdjustHandles="1" noChangeArrowheads="1" noChangeShapeType="1" noTextEdit="1"/>
-          </p:cNvSpPr>
-          <p:nvPr>
-            <p:extLst>
-              <p:ext uri="{386F3935-93C4-4BCD-93E2-E3B085C9AB24}">
-                <p16:designElem xmlns:p16="http://schemas.microsoft.com/office/powerpoint/2015/main" val="1"/>
-              </p:ext>
-            </p:extLst>
-          </p:nvPr>
-        </p:nvSpPr>
-        <p:spPr>
-          <a:xfrm>
-            <a:off x="0" y="0"/>
-            <a:ext cx="12192000" cy="6858000"/>
-          </a:xfrm>
-          <a:prstGeom prst="rect">
-            <a:avLst/>
-          </a:prstGeom>
-          <a:ln>
-            <a:noFill/>
-          </a:ln>
-        </p:spPr>
-        <p:style>
-          <a:lnRef idx="2">
-            <a:schemeClr val="accent1">
-              <a:shade val="50000"/>
-            </a:schemeClr>
-          </a:lnRef>
-          <a:fillRef idx="1001">
-            <a:schemeClr val="lt2"/>
-          </a:fillRef>
-          <a:effectRef idx="0">
-            <a:schemeClr val="accent1"/>
-          </a:effectRef>
-          <a:fontRef idx="minor">
-            <a:schemeClr val="lt1"/>
-          </a:fontRef>
-        </p:style>
-        <p:txBody>
-          <a:bodyPr rtlCol="0" anchor="ctr"/>
-          <a:lstStyle/>
-          <a:p>
-            <a:pPr algn="ctr"/>
-            <a:endParaRPr lang="en-US"/>
-          </a:p>
-        </p:txBody>
-      </p:sp>
-      <p:sp>
-        <p:nvSpPr>
-          <p:cNvPr id="17" name="Freeform 6"/>
-          <p:cNvSpPr>
-            <a:spLocks noGrp="1" noRot="1" noChangeAspect="1" noMove="1" noResize="1" noEditPoints="1" noAdjustHandles="1" noChangeArrowheads="1" noChangeShapeType="1" noTextEdit="1"/>
-          </p:cNvSpPr>
-          <p:nvPr>
-            <p:extLst>
-              <p:ext uri="{386F3935-93C4-4BCD-93E2-E3B085C9AB24}">
-                <p16:designElem xmlns:p16="http://schemas.microsoft.com/office/powerpoint/2015/main" val="1"/>
-              </p:ext>
-            </p:extLst>
-          </p:nvPr>
-        </p:nvSpPr>
-        <p:spPr bwMode="auto">
-          <a:xfrm>
-            <a:off x="3027878" y="2016617"/>
-            <a:ext cx="3275013" cy="4408488"/>
-          </a:xfrm>
-          <a:custGeom>
-            <a:avLst/>
-            <a:gdLst/>
-            <a:ahLst/>
-            <a:cxnLst/>
-            <a:rect l="l" t="t" r="r" b="b"/>
-            <a:pathLst>
-              <a:path w="10000" h="10000">
-                <a:moveTo>
-                  <a:pt x="8761" y="0"/>
-                </a:moveTo>
-                <a:lnTo>
-                  <a:pt x="10000" y="0"/>
-                </a:lnTo>
-                <a:lnTo>
-                  <a:pt x="10000" y="10000"/>
-                </a:lnTo>
-                <a:lnTo>
-                  <a:pt x="0" y="10000"/>
-                </a:lnTo>
-                <a:lnTo>
-                  <a:pt x="0" y="9126"/>
-                </a:lnTo>
-                <a:lnTo>
-                  <a:pt x="8761" y="9127"/>
-                </a:lnTo>
-                <a:lnTo>
-                  <a:pt x="8761" y="0"/>
-                </a:lnTo>
-                <a:close/>
-              </a:path>
-            </a:pathLst>
-          </a:custGeom>
-          <a:solidFill>
-            <a:schemeClr val="tx2"/>
-          </a:solidFill>
-          <a:ln w="0">
-            <a:noFill/>
-            <a:prstDash val="solid"/>
-            <a:round/>
-            <a:headEnd/>
-            <a:tailEnd/>
-          </a:ln>
-        </p:spPr>
-      </p:sp>
-      <p:sp>
-        <p:nvSpPr>
-          <p:cNvPr id="19" name="Freeform 6"/>
-          <p:cNvSpPr>
-            <a:spLocks noGrp="1" noRot="1" noChangeAspect="1" noMove="1" noResize="1" noEditPoints="1" noAdjustHandles="1" noChangeArrowheads="1" noChangeShapeType="1" noTextEdit="1"/>
-          </p:cNvSpPr>
-          <p:nvPr>
-            <p:extLst>
-              <p:ext uri="{386F3935-93C4-4BCD-93E2-E3B085C9AB24}">
-                <p16:designElem xmlns:p16="http://schemas.microsoft.com/office/powerpoint/2015/main" val="1"/>
-              </p:ext>
-            </p:extLst>
-          </p:nvPr>
-        </p:nvSpPr>
-        <p:spPr bwMode="auto">
-          <a:xfrm flipH="1" flipV="1">
-            <a:off x="649163" y="634028"/>
-            <a:ext cx="3275668" cy="4408488"/>
-          </a:xfrm>
-          <a:custGeom>
-            <a:avLst/>
-            <a:gdLst/>
-            <a:ahLst/>
-            <a:cxnLst/>
-            <a:rect l="l" t="t" r="r" b="b"/>
-            <a:pathLst>
-              <a:path w="10002" h="10000">
-                <a:moveTo>
-                  <a:pt x="8763" y="0"/>
-                </a:moveTo>
-                <a:lnTo>
-                  <a:pt x="10002" y="0"/>
-                </a:lnTo>
-                <a:lnTo>
-                  <a:pt x="10002" y="10000"/>
-                </a:lnTo>
-                <a:lnTo>
-                  <a:pt x="2" y="10000"/>
-                </a:lnTo>
-                <a:cubicBezTo>
-                  <a:pt x="-2" y="9698"/>
-                  <a:pt x="4" y="9427"/>
-                  <a:pt x="0" y="9125"/>
-                </a:cubicBezTo>
-                <a:lnTo>
-                  <a:pt x="8763" y="9128"/>
-                </a:lnTo>
-                <a:lnTo>
-                  <a:pt x="8763" y="0"/>
-                </a:lnTo>
-                <a:close/>
-              </a:path>
-            </a:pathLst>
-          </a:custGeom>
-          <a:solidFill>
-            <a:schemeClr val="tx2"/>
-          </a:solidFill>
-          <a:ln w="0">
-            <a:noFill/>
-            <a:prstDash val="solid"/>
-            <a:round/>
-            <a:headEnd/>
-            <a:tailEnd/>
-          </a:ln>
-        </p:spPr>
-      </p:sp>
-      <p:pic>
-        <p:nvPicPr>
-          <p:cNvPr id="4" name="Picture 3"/>
-          <p:cNvPicPr>
-            <a:picLocks noChangeAspect="1"/>
-          </p:cNvPicPr>
-          <p:nvPr/>
-        </p:nvPicPr>
-        <p:blipFill>
-          <a:blip r:embed="rId2">
-            <a:extLst>
-              <a:ext uri="{28A0092B-C50C-407E-A947-70E740481C1C}">
-                <a14:useLocalDpi xmlns:a14="http://schemas.microsoft.com/office/drawing/2010/main" val="0"/>
-              </a:ext>
-            </a:extLst>
-          </a:blip>
-          <a:stretch>
-            <a:fillRect/>
-          </a:stretch>
-        </p:blipFill>
-        <p:spPr>
-          <a:xfrm>
-            <a:off x="1371403" y="2307193"/>
-            <a:ext cx="4207669" cy="2443629"/>
-          </a:xfrm>
-          <a:prstGeom prst="rect">
-            <a:avLst/>
-          </a:prstGeom>
-        </p:spPr>
-      </p:pic>
-      <p:sp>
-        <p:nvSpPr>
-          <p:cNvPr id="2" name="Title 1"/>
-          <p:cNvSpPr>
-            <a:spLocks noGrp="1"/>
-          </p:cNvSpPr>
-          <p:nvPr>
-            <p:ph type="title"/>
-          </p:nvPr>
-        </p:nvSpPr>
-        <p:spPr>
-          <a:xfrm>
-            <a:off x="6711885" y="634028"/>
-            <a:ext cx="4798243" cy="3732835"/>
-          </a:xfrm>
-        </p:spPr>
-        <p:txBody>
-          <a:bodyPr vert="horz" lIns="91440" tIns="45720" rIns="91440" bIns="45720" rtlCol="0" anchor="b">
-            <a:normAutofit/>
-          </a:bodyPr>
-          <a:lstStyle/>
-          <a:p>
-            <a:pPr algn="ctr"/>
-            <a:r>
-              <a:rPr lang="en-US" dirty="0"/>
-              <a:t>Headers</a:t>
-            </a:r>
-          </a:p>
-        </p:txBody>
-      </p:sp>
-    </p:spTree>
-    <p:extLst>
-      <p:ext uri="{BB962C8B-B14F-4D97-AF65-F5344CB8AC3E}">
-        <p14:creationId xmlns:p14="http://schemas.microsoft.com/office/powerpoint/2010/main" val="2610455940"/>
-      </p:ext>
-    </p:extLst>
-  </p:cSld>
-  <p:clrMapOvr>
-    <a:masterClrMapping/>
-  </p:clrMapOvr>
-</p:sld>
-</file>
-
-<file path=ppt/slides/slide8.xml><?xml version="1.0" encoding="utf-8"?>
-<p:sld xmlns:a="http://schemas.openxmlformats.org/drawingml/2006/main" xmlns:r="http://schemas.openxmlformats.org/officeDocument/2006/relationships" xmlns:p="http://schemas.openxmlformats.org/presentationml/2006/main">
-  <p:cSld>
-    <p:spTree>
-      <p:nvGrpSpPr>
-        <p:cNvPr id="1" name=""/>
-        <p:cNvGrpSpPr/>
-        <p:nvPr/>
-      </p:nvGrpSpPr>
-      <p:grpSpPr>
-        <a:xfrm>
-          <a:off x="0" y="0"/>
-          <a:ext cx="0" cy="0"/>
-          <a:chOff x="0" y="0"/>
-          <a:chExt cx="0" cy="0"/>
-        </a:xfrm>
-      </p:grpSpPr>
-      <p:sp>
-        <p:nvSpPr>
-          <p:cNvPr id="2" name="Title 1"/>
-          <p:cNvSpPr>
-            <a:spLocks noGrp="1"/>
-          </p:cNvSpPr>
-          <p:nvPr>
-            <p:ph type="title"/>
-          </p:nvPr>
-        </p:nvSpPr>
-        <p:spPr/>
-        <p:txBody>
-          <a:bodyPr/>
-          <a:lstStyle/>
-          <a:p>
-            <a:r>
-              <a:rPr lang="en-US" dirty="0"/>
-              <a:t>Options</a:t>
-            </a:r>
-          </a:p>
-        </p:txBody>
-      </p:sp>
-      <p:sp>
-        <p:nvSpPr>
-          <p:cNvPr id="3" name="Content Placeholder 2"/>
-          <p:cNvSpPr>
-            <a:spLocks noGrp="1"/>
-          </p:cNvSpPr>
-          <p:nvPr>
-            <p:ph sz="half" idx="1"/>
-          </p:nvPr>
-        </p:nvSpPr>
-        <p:spPr>
-          <a:xfrm>
-            <a:off x="1371600" y="3974361"/>
-            <a:ext cx="3687288" cy="2367144"/>
-          </a:xfrm>
-        </p:spPr>
-        <p:txBody>
-          <a:bodyPr/>
-          <a:lstStyle/>
-          <a:p>
-            <a:r>
-              <a:rPr lang="en-US" dirty="0"/>
-              <a:t>Notifications </a:t>
-            </a:r>
-          </a:p>
-          <a:p>
-            <a:endParaRPr lang="en-US" dirty="0"/>
-          </a:p>
-          <a:p>
-            <a:r>
-              <a:rPr lang="en-US" dirty="0"/>
-              <a:t>Tasks</a:t>
-            </a:r>
-          </a:p>
-          <a:p>
-            <a:endParaRPr lang="en-US" dirty="0"/>
-          </a:p>
-          <a:p>
-            <a:r>
-              <a:rPr lang="en-US" dirty="0"/>
-              <a:t>Messages</a:t>
-            </a:r>
-          </a:p>
-        </p:txBody>
-      </p:sp>
-      <p:pic>
-        <p:nvPicPr>
-          <p:cNvPr id="5" name="Content Placeholder 4"/>
-          <p:cNvPicPr>
-            <a:picLocks noGrp="1" noChangeAspect="1"/>
-          </p:cNvPicPr>
-          <p:nvPr>
-            <p:ph sz="half" idx="2"/>
-          </p:nvPr>
-        </p:nvPicPr>
-        <p:blipFill>
-          <a:blip r:embed="rId2">
-            <a:extLst>
-              <a:ext uri="{28A0092B-C50C-407E-A947-70E740481C1C}">
-                <a14:useLocalDpi xmlns:a14="http://schemas.microsoft.com/office/drawing/2010/main" val="0"/>
-              </a:ext>
-            </a:extLst>
-          </a:blip>
-          <a:stretch>
-            <a:fillRect/>
-          </a:stretch>
-        </p:blipFill>
-        <p:spPr>
-          <a:xfrm>
-            <a:off x="3384367" y="720643"/>
-            <a:ext cx="8403604" cy="3083794"/>
-          </a:xfrm>
-        </p:spPr>
-      </p:pic>
-      <p:pic>
-        <p:nvPicPr>
-          <p:cNvPr id="6" name="Picture 5"/>
-          <p:cNvPicPr>
-            <a:picLocks noChangeAspect="1"/>
-          </p:cNvPicPr>
-          <p:nvPr/>
-        </p:nvPicPr>
-        <p:blipFill rotWithShape="1">
-          <a:blip r:embed="rId3">
-            <a:extLst>
-              <a:ext uri="{28A0092B-C50C-407E-A947-70E740481C1C}">
-                <a14:useLocalDpi xmlns:a14="http://schemas.microsoft.com/office/drawing/2010/main" val="0"/>
-              </a:ext>
-            </a:extLst>
-          </a:blip>
-          <a:srcRect r="63531"/>
-          <a:stretch/>
-        </p:blipFill>
-        <p:spPr>
-          <a:xfrm>
-            <a:off x="3384367" y="3868469"/>
-            <a:ext cx="569686" cy="571500"/>
-          </a:xfrm>
-          <a:prstGeom prst="rect">
-            <a:avLst/>
-          </a:prstGeom>
-        </p:spPr>
-      </p:pic>
-      <p:pic>
-        <p:nvPicPr>
-          <p:cNvPr id="7" name="Picture 6"/>
-          <p:cNvPicPr>
-            <a:picLocks noChangeAspect="1"/>
-          </p:cNvPicPr>
-          <p:nvPr/>
-        </p:nvPicPr>
-        <p:blipFill rotWithShape="1">
-          <a:blip r:embed="rId3">
-            <a:extLst>
-              <a:ext uri="{28A0092B-C50C-407E-A947-70E740481C1C}">
-                <a14:useLocalDpi xmlns:a14="http://schemas.microsoft.com/office/drawing/2010/main" val="0"/>
-              </a:ext>
-            </a:extLst>
-          </a:blip>
-          <a:srcRect l="34944" t="751" r="25651" b="1587"/>
-          <a:stretch/>
-        </p:blipFill>
-        <p:spPr>
-          <a:xfrm>
-            <a:off x="2663848" y="4773142"/>
-            <a:ext cx="615538" cy="558140"/>
-          </a:xfrm>
-          <a:prstGeom prst="rect">
-            <a:avLst/>
-          </a:prstGeom>
-        </p:spPr>
-      </p:pic>
-      <p:pic>
-        <p:nvPicPr>
-          <p:cNvPr id="8" name="Picture 7"/>
-          <p:cNvPicPr>
-            <a:picLocks noChangeAspect="1"/>
-          </p:cNvPicPr>
-          <p:nvPr/>
-        </p:nvPicPr>
-        <p:blipFill rotWithShape="1">
-          <a:blip r:embed="rId3">
-            <a:extLst>
-              <a:ext uri="{28A0092B-C50C-407E-A947-70E740481C1C}">
-                <a14:useLocalDpi xmlns:a14="http://schemas.microsoft.com/office/drawing/2010/main" val="0"/>
-              </a:ext>
-            </a:extLst>
-          </a:blip>
-          <a:srcRect l="66549" r="-1"/>
-          <a:stretch/>
-        </p:blipFill>
-        <p:spPr>
-          <a:xfrm>
-            <a:off x="3076598" y="5671130"/>
-            <a:ext cx="522553" cy="571500"/>
-          </a:xfrm>
-          <a:prstGeom prst="rect">
-            <a:avLst/>
-          </a:prstGeom>
-        </p:spPr>
-      </p:pic>
-    </p:spTree>
-    <p:extLst>
-      <p:ext uri="{BB962C8B-B14F-4D97-AF65-F5344CB8AC3E}">
-        <p14:creationId xmlns:p14="http://schemas.microsoft.com/office/powerpoint/2010/main" val="467173391"/>
-      </p:ext>
-    </p:extLst>
-  </p:cSld>
-  <p:clrMapOvr>
-    <a:masterClrMapping/>
-  </p:clrMapOvr>
-</p:sld>
-</file>
-
-<file path=ppt/slides/slide9.xml><?xml version="1.0" encoding="utf-8"?>
-<p:sld xmlns:a="http://schemas.openxmlformats.org/drawingml/2006/main" xmlns:r="http://schemas.openxmlformats.org/officeDocument/2006/relationships" xmlns:p="http://schemas.openxmlformats.org/presentationml/2006/main">
-  <p:cSld>
-    <p:bg>
-      <p:bgPr>
-        <a:solidFill>
-          <a:schemeClr val="bg2"/>
-        </a:solidFill>
-        <a:effectLst/>
-      </p:bgPr>
-    </p:bg>
-    <p:spTree>
-      <p:nvGrpSpPr>
-        <p:cNvPr id="1" name=""/>
-        <p:cNvGrpSpPr/>
-        <p:nvPr/>
-      </p:nvGrpSpPr>
-      <p:grpSpPr>
-        <a:xfrm>
-          <a:off x="0" y="0"/>
-          <a:ext cx="0" cy="0"/>
-          <a:chOff x="0" y="0"/>
-          <a:chExt cx="0" cy="0"/>
-        </a:xfrm>
-      </p:grpSpPr>
-      <p:sp>
-        <p:nvSpPr>
-          <p:cNvPr id="11" name="Rectangle 10"/>
-          <p:cNvSpPr>
-            <a:spLocks noGrp="1" noRot="1" noChangeAspect="1" noMove="1" noResize="1" noEditPoints="1" noAdjustHandles="1" noChangeArrowheads="1" noChangeShapeType="1" noTextEdit="1"/>
-          </p:cNvSpPr>
-          <p:nvPr>
-            <p:extLst>
-              <p:ext uri="{386F3935-93C4-4BCD-93E2-E3B085C9AB24}">
-                <p16:designElem xmlns:p16="http://schemas.microsoft.com/office/powerpoint/2015/main" val="1"/>
-              </p:ext>
-            </p:extLst>
-          </p:nvPr>
-        </p:nvSpPr>
-        <p:spPr bwMode="white">
-          <a:xfrm>
-            <a:off x="0" y="0"/>
-            <a:ext cx="12192000" cy="6858000"/>
-          </a:xfrm>
-          <a:prstGeom prst="rect">
-            <a:avLst/>
-          </a:prstGeom>
-          <a:solidFill>
-            <a:schemeClr val="bg2"/>
-          </a:solidFill>
-          <a:effectLst/>
-        </p:spPr>
-      </p:sp>
-      <p:grpSp>
-        <p:nvGrpSpPr>
-          <p:cNvPr id="13" name="Group 12"/>
-          <p:cNvGrpSpPr>
-            <a:grpSpLocks noGrp="1" noUngrp="1" noRot="1" noChangeAspect="1" noMove="1" noResize="1"/>
-          </p:cNvGrpSpPr>
-          <p:nvPr>
-            <p:extLst>
-              <p:ext uri="{386F3935-93C4-4BCD-93E2-E3B085C9AB24}">
-                <p16:designElem xmlns:p16="http://schemas.microsoft.com/office/powerpoint/2015/main" val="1"/>
-              </p:ext>
-            </p:extLst>
-          </p:nvPr>
-        </p:nvGrpSpPr>
-        <p:grpSpPr>
-          <a:xfrm>
-            <a:off x="752858" y="744469"/>
-            <a:ext cx="10674117" cy="5349671"/>
-            <a:chOff x="752858" y="744469"/>
-            <a:chExt cx="10674117" cy="5349671"/>
-          </a:xfrm>
-        </p:grpSpPr>
-        <p:sp>
-          <p:nvSpPr>
-            <p:cNvPr id="14" name="Freeform 6"/>
-            <p:cNvSpPr/>
-            <p:nvPr>
-              <p:extLst>
-                <p:ext uri="{386F3935-93C4-4BCD-93E2-E3B085C9AB24}">
-                  <p16:designElem xmlns:p16="http://schemas.microsoft.com/office/powerpoint/2015/main" val="1"/>
-                </p:ext>
-              </p:extLst>
-            </p:nvPr>
-          </p:nvSpPr>
-          <p:spPr bwMode="auto">
-            <a:xfrm>
-              <a:off x="8151962" y="1685652"/>
-              <a:ext cx="3275013" cy="4408488"/>
-            </a:xfrm>
-            <a:custGeom>
-              <a:avLst/>
-              <a:gdLst/>
-              <a:ahLst/>
-              <a:cxnLst/>
-              <a:rect l="l" t="t" r="r" b="b"/>
-              <a:pathLst>
-                <a:path w="10000" h="10000">
-                  <a:moveTo>
-                    <a:pt x="8761" y="0"/>
-                  </a:moveTo>
-                  <a:lnTo>
-                    <a:pt x="10000" y="0"/>
-                  </a:lnTo>
-                  <a:lnTo>
-                    <a:pt x="10000" y="10000"/>
-                  </a:lnTo>
-                  <a:lnTo>
-                    <a:pt x="0" y="10000"/>
-                  </a:lnTo>
-                  <a:lnTo>
-                    <a:pt x="0" y="9126"/>
-                  </a:lnTo>
-                  <a:lnTo>
-                    <a:pt x="8761" y="9127"/>
-                  </a:lnTo>
-                  <a:lnTo>
-                    <a:pt x="8761" y="0"/>
-                  </a:lnTo>
-                  <a:close/>
-                </a:path>
-              </a:pathLst>
-            </a:custGeom>
-            <a:solidFill>
-              <a:schemeClr val="tx2"/>
-            </a:solidFill>
-            <a:ln w="0">
-              <a:noFill/>
-              <a:prstDash val="solid"/>
-              <a:round/>
-              <a:headEnd/>
-              <a:tailEnd/>
-            </a:ln>
-          </p:spPr>
-        </p:sp>
-        <p:sp>
-          <p:nvSpPr>
-            <p:cNvPr id="15" name="Freeform 6"/>
-            <p:cNvSpPr/>
-            <p:nvPr>
-              <p:extLst>
-                <p:ext uri="{386F3935-93C4-4BCD-93E2-E3B085C9AB24}">
-                  <p16:designElem xmlns:p16="http://schemas.microsoft.com/office/powerpoint/2015/main" val="1"/>
-                </p:ext>
-              </p:extLst>
-            </p:nvPr>
-          </p:nvSpPr>
-          <p:spPr bwMode="auto">
-            <a:xfrm flipH="1" flipV="1">
-              <a:off x="752858" y="744469"/>
-              <a:ext cx="3275668" cy="4408488"/>
-            </a:xfrm>
-            <a:custGeom>
-              <a:avLst/>
-              <a:gdLst/>
-              <a:ahLst/>
-              <a:cxnLst/>
-              <a:rect l="l" t="t" r="r" b="b"/>
-              <a:pathLst>
-                <a:path w="10002" h="10000">
-                  <a:moveTo>
-                    <a:pt x="8763" y="0"/>
-                  </a:moveTo>
-                  <a:lnTo>
-                    <a:pt x="10002" y="0"/>
-                  </a:lnTo>
-                  <a:lnTo>
-                    <a:pt x="10002" y="10000"/>
-                  </a:lnTo>
-                  <a:lnTo>
-                    <a:pt x="2" y="10000"/>
-                  </a:lnTo>
-                  <a:cubicBezTo>
-                    <a:pt x="-2" y="9698"/>
-                    <a:pt x="4" y="9427"/>
-                    <a:pt x="0" y="9125"/>
-                  </a:cubicBezTo>
-                  <a:lnTo>
-                    <a:pt x="8763" y="9128"/>
-                  </a:lnTo>
-                  <a:lnTo>
-                    <a:pt x="8763" y="0"/>
-                  </a:lnTo>
-                  <a:close/>
-                </a:path>
-              </a:pathLst>
-            </a:custGeom>
-            <a:solidFill>
-              <a:schemeClr val="tx2"/>
-            </a:solidFill>
-            <a:ln w="0">
-              <a:noFill/>
-              <a:prstDash val="solid"/>
-              <a:round/>
-              <a:headEnd/>
-              <a:tailEnd/>
-            </a:ln>
-          </p:spPr>
-        </p:sp>
-      </p:grpSp>
-      <p:sp useBgFill="1">
-        <p:nvSpPr>
-          <p:cNvPr id="17" name="Rectangle 16"/>
-          <p:cNvSpPr>
-            <a:spLocks noGrp="1" noRot="1" noChangeAspect="1" noMove="1" noResize="1" noEditPoints="1" noAdjustHandles="1" noChangeArrowheads="1" noChangeShapeType="1" noTextEdit="1"/>
-          </p:cNvSpPr>
-          <p:nvPr>
-            <p:extLst>
-              <p:ext uri="{386F3935-93C4-4BCD-93E2-E3B085C9AB24}">
-                <p16:designElem xmlns:p16="http://schemas.microsoft.com/office/powerpoint/2015/main" val="1"/>
-              </p:ext>
-            </p:extLst>
-          </p:nvPr>
-        </p:nvSpPr>
-        <p:spPr>
-          <a:xfrm>
-            <a:off x="0" y="0"/>
-            <a:ext cx="12192000" cy="6858000"/>
-          </a:xfrm>
-          <a:prstGeom prst="rect">
-            <a:avLst/>
-          </a:prstGeom>
-          <a:ln>
-            <a:noFill/>
-          </a:ln>
-        </p:spPr>
-        <p:style>
-          <a:lnRef idx="2">
-            <a:schemeClr val="accent1">
-              <a:shade val="50000"/>
-            </a:schemeClr>
-          </a:lnRef>
-          <a:fillRef idx="1001">
-            <a:schemeClr val="lt2"/>
-          </a:fillRef>
-          <a:effectRef idx="0">
-            <a:schemeClr val="accent1"/>
-          </a:effectRef>
-          <a:fontRef idx="minor">
-            <a:schemeClr val="lt1"/>
-          </a:fontRef>
-        </p:style>
-        <p:txBody>
-          <a:bodyPr rtlCol="0" anchor="ctr"/>
-          <a:lstStyle/>
-          <a:p>
-            <a:pPr algn="ctr"/>
-            <a:endParaRPr lang="en-US"/>
-          </a:p>
-        </p:txBody>
-      </p:sp>
-      <p:sp>
-        <p:nvSpPr>
-          <p:cNvPr id="19" name="Freeform 6"/>
-          <p:cNvSpPr>
-            <a:spLocks noGrp="1" noRot="1" noChangeAspect="1" noMove="1" noResize="1" noEditPoints="1" noAdjustHandles="1" noChangeArrowheads="1" noChangeShapeType="1" noTextEdit="1"/>
-          </p:cNvSpPr>
-          <p:nvPr>
-            <p:extLst>
-              <p:ext uri="{386F3935-93C4-4BCD-93E2-E3B085C9AB24}">
-                <p16:designElem xmlns:p16="http://schemas.microsoft.com/office/powerpoint/2015/main" val="1"/>
-              </p:ext>
-            </p:extLst>
-          </p:nvPr>
-        </p:nvSpPr>
-        <p:spPr bwMode="auto">
-          <a:xfrm>
-            <a:off x="1542142" y="2016617"/>
-            <a:ext cx="3275013" cy="4408488"/>
-          </a:xfrm>
-          <a:custGeom>
-            <a:avLst/>
-            <a:gdLst/>
-            <a:ahLst/>
-            <a:cxnLst/>
-            <a:rect l="l" t="t" r="r" b="b"/>
-            <a:pathLst>
-              <a:path w="10000" h="10000">
-                <a:moveTo>
-                  <a:pt x="8761" y="0"/>
-                </a:moveTo>
-                <a:lnTo>
-                  <a:pt x="10000" y="0"/>
-                </a:lnTo>
-                <a:lnTo>
-                  <a:pt x="10000" y="10000"/>
-                </a:lnTo>
-                <a:lnTo>
-                  <a:pt x="0" y="10000"/>
-                </a:lnTo>
-                <a:lnTo>
-                  <a:pt x="0" y="9126"/>
-                </a:lnTo>
-                <a:lnTo>
-                  <a:pt x="8761" y="9127"/>
-                </a:lnTo>
-                <a:lnTo>
-                  <a:pt x="8761" y="0"/>
-                </a:lnTo>
-                <a:close/>
-              </a:path>
-            </a:pathLst>
-          </a:custGeom>
-          <a:solidFill>
-            <a:schemeClr val="tx2"/>
-          </a:solidFill>
-          <a:ln w="0">
-            <a:noFill/>
-            <a:prstDash val="solid"/>
-            <a:round/>
-            <a:headEnd/>
-            <a:tailEnd/>
-          </a:ln>
-        </p:spPr>
-      </p:sp>
-      <p:sp>
-        <p:nvSpPr>
-          <p:cNvPr id="21" name="Freeform 6"/>
-          <p:cNvSpPr>
-            <a:spLocks noGrp="1" noRot="1" noChangeAspect="1" noMove="1" noResize="1" noEditPoints="1" noAdjustHandles="1" noChangeArrowheads="1" noChangeShapeType="1" noTextEdit="1"/>
-          </p:cNvSpPr>
-          <p:nvPr>
-            <p:extLst>
-              <p:ext uri="{386F3935-93C4-4BCD-93E2-E3B085C9AB24}">
-                <p16:designElem xmlns:p16="http://schemas.microsoft.com/office/powerpoint/2015/main" val="1"/>
-              </p:ext>
-            </p:extLst>
-          </p:nvPr>
-        </p:nvSpPr>
-        <p:spPr bwMode="auto">
-          <a:xfrm flipH="1" flipV="1">
-            <a:off x="649163" y="634028"/>
-            <a:ext cx="3275668" cy="4408488"/>
-          </a:xfrm>
-          <a:custGeom>
-            <a:avLst/>
-            <a:gdLst/>
-            <a:ahLst/>
-            <a:cxnLst/>
-            <a:rect l="l" t="t" r="r" b="b"/>
-            <a:pathLst>
-              <a:path w="10002" h="10000">
-                <a:moveTo>
-                  <a:pt x="8763" y="0"/>
-                </a:moveTo>
-                <a:lnTo>
-                  <a:pt x="10002" y="0"/>
-                </a:lnTo>
-                <a:lnTo>
-                  <a:pt x="10002" y="10000"/>
-                </a:lnTo>
-                <a:lnTo>
-                  <a:pt x="2" y="10000"/>
-                </a:lnTo>
-                <a:cubicBezTo>
-                  <a:pt x="-2" y="9698"/>
-                  <a:pt x="4" y="9427"/>
-                  <a:pt x="0" y="9125"/>
-                </a:cubicBezTo>
-                <a:lnTo>
-                  <a:pt x="8763" y="9128"/>
-                </a:lnTo>
-                <a:lnTo>
-                  <a:pt x="8763" y="0"/>
-                </a:lnTo>
-                <a:close/>
-              </a:path>
-            </a:pathLst>
-          </a:custGeom>
-          <a:solidFill>
-            <a:schemeClr val="tx2"/>
-          </a:solidFill>
-          <a:ln w="0">
-            <a:noFill/>
-            <a:prstDash val="solid"/>
-            <a:round/>
-            <a:headEnd/>
-            <a:tailEnd/>
-          </a:ln>
-        </p:spPr>
-      </p:sp>
-      <p:pic>
-        <p:nvPicPr>
-          <p:cNvPr id="6" name="Picture 5"/>
-          <p:cNvPicPr>
-            <a:picLocks noChangeAspect="1"/>
-          </p:cNvPicPr>
-          <p:nvPr/>
-        </p:nvPicPr>
-        <p:blipFill rotWithShape="1">
-          <a:blip r:embed="rId2">
-            <a:extLst>
-              <a:ext uri="{28A0092B-C50C-407E-A947-70E740481C1C}">
-                <a14:useLocalDpi xmlns:a14="http://schemas.microsoft.com/office/drawing/2010/main" val="0"/>
-              </a:ext>
-            </a:extLst>
-          </a:blip>
-          <a:srcRect r="2306"/>
-          <a:stretch/>
-        </p:blipFill>
-        <p:spPr>
-          <a:xfrm>
-            <a:off x="1371403" y="1762866"/>
-            <a:ext cx="2657123" cy="3532284"/>
-          </a:xfrm>
-          <a:prstGeom prst="rect">
-            <a:avLst/>
-          </a:prstGeom>
-        </p:spPr>
-      </p:pic>
-      <p:sp>
-        <p:nvSpPr>
-          <p:cNvPr id="2" name="Title 1"/>
-          <p:cNvSpPr>
-            <a:spLocks noGrp="1"/>
-          </p:cNvSpPr>
-          <p:nvPr>
-            <p:ph type="title"/>
-          </p:nvPr>
-        </p:nvSpPr>
-        <p:spPr>
-          <a:xfrm>
-            <a:off x="5307291" y="634028"/>
-            <a:ext cx="6221689" cy="3732835"/>
-          </a:xfrm>
-        </p:spPr>
-        <p:txBody>
-          <a:bodyPr vert="horz" lIns="91440" tIns="45720" rIns="91440" bIns="45720" rtlCol="0" anchor="b">
-            <a:normAutofit/>
-          </a:bodyPr>
-          <a:lstStyle/>
-          <a:p>
-            <a:pPr algn="ctr"/>
-            <a:r>
-              <a:rPr lang="en-US" dirty="0"/>
-              <a:t>Sidebar</a:t>
-            </a:r>
-          </a:p>
-        </p:txBody>
-      </p:sp>
-    </p:spTree>
-    <p:extLst>
-      <p:ext uri="{BB962C8B-B14F-4D97-AF65-F5344CB8AC3E}">
-        <p14:creationId xmlns:p14="http://schemas.microsoft.com/office/powerpoint/2010/main" val="56285536"/>
       </p:ext>
     </p:extLst>
   </p:cSld>

--- a/Class 6.pptx
+++ b/Class 6.pptx
@@ -5,30 +5,36 @@
     <p:sldMasterId id="2147483672" r:id="rId1"/>
   </p:sldMasterIdLst>
   <p:notesMasterIdLst>
-    <p:notesMasterId r:id="rId23"/>
+    <p:notesMasterId r:id="rId29"/>
   </p:notesMasterIdLst>
   <p:sldIdLst>
     <p:sldId id="256" r:id="rId2"/>
     <p:sldId id="373" r:id="rId3"/>
-    <p:sldId id="370" r:id="rId4"/>
-    <p:sldId id="257" r:id="rId5"/>
-    <p:sldId id="260" r:id="rId6"/>
-    <p:sldId id="258" r:id="rId7"/>
-    <p:sldId id="259" r:id="rId8"/>
-    <p:sldId id="261" r:id="rId9"/>
-    <p:sldId id="263" r:id="rId10"/>
-    <p:sldId id="264" r:id="rId11"/>
-    <p:sldId id="262" r:id="rId12"/>
-    <p:sldId id="369" r:id="rId13"/>
+    <p:sldId id="377" r:id="rId4"/>
+    <p:sldId id="370" r:id="rId5"/>
+    <p:sldId id="257" r:id="rId6"/>
+    <p:sldId id="260" r:id="rId7"/>
+    <p:sldId id="258" r:id="rId8"/>
+    <p:sldId id="259" r:id="rId9"/>
+    <p:sldId id="261" r:id="rId10"/>
+    <p:sldId id="263" r:id="rId11"/>
+    <p:sldId id="264" r:id="rId12"/>
+    <p:sldId id="262" r:id="rId13"/>
     <p:sldId id="360" r:id="rId14"/>
-    <p:sldId id="362" r:id="rId15"/>
-    <p:sldId id="361" r:id="rId16"/>
-    <p:sldId id="328" r:id="rId17"/>
-    <p:sldId id="332" r:id="rId18"/>
-    <p:sldId id="333" r:id="rId19"/>
-    <p:sldId id="334" r:id="rId20"/>
-    <p:sldId id="375" r:id="rId21"/>
-    <p:sldId id="376" r:id="rId22"/>
+    <p:sldId id="382" r:id="rId15"/>
+    <p:sldId id="362" r:id="rId16"/>
+    <p:sldId id="378" r:id="rId17"/>
+    <p:sldId id="379" r:id="rId18"/>
+    <p:sldId id="361" r:id="rId19"/>
+    <p:sldId id="380" r:id="rId20"/>
+    <p:sldId id="381" r:id="rId21"/>
+    <p:sldId id="369" r:id="rId22"/>
+    <p:sldId id="328" r:id="rId23"/>
+    <p:sldId id="332" r:id="rId24"/>
+    <p:sldId id="333" r:id="rId25"/>
+    <p:sldId id="334" r:id="rId26"/>
+    <p:sldId id="375" r:id="rId27"/>
+    <p:sldId id="376" r:id="rId28"/>
   </p:sldIdLst>
   <p:sldSz cx="12192000" cy="6858000"/>
   <p:notesSz cx="6858000" cy="9144000"/>
@@ -4227,6 +4233,309 @@
 <file path=ppt/slides/slide10.xml><?xml version="1.0" encoding="utf-8"?>
 <p:sld xmlns:a="http://schemas.openxmlformats.org/drawingml/2006/main" xmlns:r="http://schemas.openxmlformats.org/officeDocument/2006/relationships" xmlns:p="http://schemas.openxmlformats.org/presentationml/2006/main">
   <p:cSld>
+    <p:spTree>
+      <p:nvGrpSpPr>
+        <p:cNvPr id="1" name=""/>
+        <p:cNvGrpSpPr/>
+        <p:nvPr/>
+      </p:nvGrpSpPr>
+      <p:grpSpPr>
+        <a:xfrm>
+          <a:off x="0" y="0"/>
+          <a:ext cx="0" cy="0"/>
+          <a:chOff x="0" y="0"/>
+          <a:chExt cx="0" cy="0"/>
+        </a:xfrm>
+      </p:grpSpPr>
+      <p:pic>
+        <p:nvPicPr>
+          <p:cNvPr id="4" name="Content Placeholder 3"/>
+          <p:cNvPicPr>
+            <a:picLocks noGrp="1" noChangeAspect="1"/>
+          </p:cNvPicPr>
+          <p:nvPr>
+            <p:ph idx="1"/>
+          </p:nvPr>
+        </p:nvPicPr>
+        <p:blipFill>
+          <a:blip r:embed="rId2"/>
+          <a:stretch>
+            <a:fillRect/>
+          </a:stretch>
+        </p:blipFill>
+        <p:spPr>
+          <a:xfrm>
+            <a:off x="1475232" y="118254"/>
+            <a:ext cx="9398178" cy="3819761"/>
+          </a:xfrm>
+        </p:spPr>
+      </p:pic>
+      <p:sp>
+        <p:nvSpPr>
+          <p:cNvPr id="6" name="Content Placeholder 2"/>
+          <p:cNvSpPr txBox="1">
+            <a:spLocks/>
+          </p:cNvSpPr>
+          <p:nvPr/>
+        </p:nvSpPr>
+        <p:spPr>
+          <a:xfrm>
+            <a:off x="1371600" y="4073236"/>
+            <a:ext cx="6572992" cy="2367144"/>
+          </a:xfrm>
+          <a:prstGeom prst="rect">
+            <a:avLst/>
+          </a:prstGeom>
+        </p:spPr>
+        <p:txBody>
+          <a:bodyPr vert="horz" lIns="91440" tIns="45720" rIns="91440" bIns="45720" rtlCol="0">
+            <a:normAutofit/>
+          </a:bodyPr>
+          <a:lstStyle>
+            <a:lvl1pPr marL="384048" indent="-384048" algn="l" defTabSz="914400" rtl="0" eaLnBrk="1" latinLnBrk="0" hangingPunct="1">
+              <a:lnSpc>
+                <a:spcPct val="94000"/>
+              </a:lnSpc>
+              <a:spcBef>
+                <a:spcPts val="1000"/>
+              </a:spcBef>
+              <a:spcAft>
+                <a:spcPts val="200"/>
+              </a:spcAft>
+              <a:buFont typeface="Franklin Gothic Book" panose="020B0503020102020204" pitchFamily="34" charset="0"/>
+              <a:buChar char="■"/>
+              <a:defRPr sz="2000" kern="1200" baseline="0">
+                <a:solidFill>
+                  <a:schemeClr val="tx2"/>
+                </a:solidFill>
+                <a:latin typeface="+mn-lt"/>
+                <a:ea typeface="+mn-ea"/>
+                <a:cs typeface="+mn-cs"/>
+              </a:defRPr>
+            </a:lvl1pPr>
+            <a:lvl2pPr marL="384048" indent="-384048" algn="l" defTabSz="914400" rtl="0" eaLnBrk="1" latinLnBrk="0" hangingPunct="1">
+              <a:lnSpc>
+                <a:spcPct val="94000"/>
+              </a:lnSpc>
+              <a:spcBef>
+                <a:spcPts val="500"/>
+              </a:spcBef>
+              <a:spcAft>
+                <a:spcPts val="200"/>
+              </a:spcAft>
+              <a:buFont typeface="Franklin Gothic Book" panose="020B0503020102020204" pitchFamily="34" charset="0"/>
+              <a:buChar char="–"/>
+              <a:defRPr sz="2000" i="1" kern="1200" baseline="0">
+                <a:solidFill>
+                  <a:schemeClr val="tx2"/>
+                </a:solidFill>
+                <a:latin typeface="+mn-lt"/>
+                <a:ea typeface="+mn-ea"/>
+                <a:cs typeface="+mn-cs"/>
+              </a:defRPr>
+            </a:lvl2pPr>
+            <a:lvl3pPr marL="384048" indent="-384048" algn="l" defTabSz="914400" rtl="0" eaLnBrk="1" latinLnBrk="0" hangingPunct="1">
+              <a:lnSpc>
+                <a:spcPct val="94000"/>
+              </a:lnSpc>
+              <a:spcBef>
+                <a:spcPts val="500"/>
+              </a:spcBef>
+              <a:spcAft>
+                <a:spcPts val="200"/>
+              </a:spcAft>
+              <a:buFont typeface="Franklin Gothic Book" panose="020B0503020102020204" pitchFamily="34" charset="0"/>
+              <a:buChar char="■"/>
+              <a:defRPr sz="1800" kern="1200" baseline="0">
+                <a:solidFill>
+                  <a:schemeClr val="tx2"/>
+                </a:solidFill>
+                <a:latin typeface="+mn-lt"/>
+                <a:ea typeface="+mn-ea"/>
+                <a:cs typeface="+mn-cs"/>
+              </a:defRPr>
+            </a:lvl3pPr>
+            <a:lvl4pPr marL="384048" indent="-384048" algn="l" defTabSz="914400" rtl="0" eaLnBrk="1" latinLnBrk="0" hangingPunct="1">
+              <a:lnSpc>
+                <a:spcPct val="94000"/>
+              </a:lnSpc>
+              <a:spcBef>
+                <a:spcPts val="500"/>
+              </a:spcBef>
+              <a:spcAft>
+                <a:spcPts val="200"/>
+              </a:spcAft>
+              <a:buFont typeface="Franklin Gothic Book" panose="020B0503020102020204" pitchFamily="34" charset="0"/>
+              <a:buChar char="–"/>
+              <a:defRPr sz="1800" i="1" kern="1200" baseline="0">
+                <a:solidFill>
+                  <a:schemeClr val="tx2"/>
+                </a:solidFill>
+                <a:latin typeface="+mn-lt"/>
+                <a:ea typeface="+mn-ea"/>
+                <a:cs typeface="+mn-cs"/>
+              </a:defRPr>
+            </a:lvl4pPr>
+            <a:lvl5pPr marL="384048" indent="-384048" algn="l" defTabSz="914400" rtl="0" eaLnBrk="1" latinLnBrk="0" hangingPunct="1">
+              <a:lnSpc>
+                <a:spcPct val="94000"/>
+              </a:lnSpc>
+              <a:spcBef>
+                <a:spcPts val="500"/>
+              </a:spcBef>
+              <a:spcAft>
+                <a:spcPts val="200"/>
+              </a:spcAft>
+              <a:buFont typeface="Franklin Gothic Book" panose="020B0503020102020204" pitchFamily="34" charset="0"/>
+              <a:buChar char="■"/>
+              <a:defRPr sz="1600" kern="1200" baseline="0">
+                <a:solidFill>
+                  <a:schemeClr val="tx2"/>
+                </a:solidFill>
+                <a:latin typeface="+mn-lt"/>
+                <a:ea typeface="+mn-ea"/>
+                <a:cs typeface="+mn-cs"/>
+              </a:defRPr>
+            </a:lvl5pPr>
+            <a:lvl6pPr marL="384048" indent="-384048" algn="l" defTabSz="914400" rtl="0" eaLnBrk="1" latinLnBrk="0" hangingPunct="1">
+              <a:lnSpc>
+                <a:spcPct val="94000"/>
+              </a:lnSpc>
+              <a:spcBef>
+                <a:spcPts val="500"/>
+              </a:spcBef>
+              <a:spcAft>
+                <a:spcPts val="200"/>
+              </a:spcAft>
+              <a:buFont typeface="Franklin Gothic Book" panose="020B0503020102020204" pitchFamily="34" charset="0"/>
+              <a:buChar char="–"/>
+              <a:defRPr sz="1600" i="1" kern="1200" baseline="0">
+                <a:solidFill>
+                  <a:schemeClr val="tx2"/>
+                </a:solidFill>
+                <a:latin typeface="+mn-lt"/>
+                <a:ea typeface="+mn-ea"/>
+                <a:cs typeface="+mn-cs"/>
+              </a:defRPr>
+            </a:lvl6pPr>
+            <a:lvl7pPr marL="384048" indent="-384048" algn="l" defTabSz="914400" rtl="0" eaLnBrk="1" latinLnBrk="0" hangingPunct="1">
+              <a:lnSpc>
+                <a:spcPct val="94000"/>
+              </a:lnSpc>
+              <a:spcBef>
+                <a:spcPts val="500"/>
+              </a:spcBef>
+              <a:spcAft>
+                <a:spcPts val="200"/>
+              </a:spcAft>
+              <a:buFont typeface="Franklin Gothic Book" panose="020B0503020102020204" pitchFamily="34" charset="0"/>
+              <a:buChar char="■"/>
+              <a:defRPr sz="1400" kern="1200" baseline="0">
+                <a:solidFill>
+                  <a:schemeClr val="tx2"/>
+                </a:solidFill>
+                <a:latin typeface="+mn-lt"/>
+                <a:ea typeface="+mn-ea"/>
+                <a:cs typeface="+mn-cs"/>
+              </a:defRPr>
+            </a:lvl7pPr>
+            <a:lvl8pPr marL="384048" indent="-384048" algn="l" defTabSz="914400" rtl="0" eaLnBrk="1" latinLnBrk="0" hangingPunct="1">
+              <a:lnSpc>
+                <a:spcPct val="94000"/>
+              </a:lnSpc>
+              <a:spcBef>
+                <a:spcPts val="500"/>
+              </a:spcBef>
+              <a:spcAft>
+                <a:spcPts val="200"/>
+              </a:spcAft>
+              <a:buFont typeface="Franklin Gothic Book" panose="020B0503020102020204" pitchFamily="34" charset="0"/>
+              <a:buChar char="–"/>
+              <a:defRPr sz="1400" i="1" kern="1200" baseline="0">
+                <a:solidFill>
+                  <a:schemeClr val="tx2"/>
+                </a:solidFill>
+                <a:latin typeface="+mn-lt"/>
+                <a:ea typeface="+mn-ea"/>
+                <a:cs typeface="+mn-cs"/>
+              </a:defRPr>
+            </a:lvl8pPr>
+            <a:lvl9pPr marL="384048" indent="-384048" algn="l" defTabSz="914400" rtl="0" eaLnBrk="1" latinLnBrk="0" hangingPunct="1">
+              <a:lnSpc>
+                <a:spcPct val="94000"/>
+              </a:lnSpc>
+              <a:spcBef>
+                <a:spcPts val="500"/>
+              </a:spcBef>
+              <a:spcAft>
+                <a:spcPts val="200"/>
+              </a:spcAft>
+              <a:buFont typeface="Franklin Gothic Book" panose="020B0503020102020204" pitchFamily="34" charset="0"/>
+              <a:buChar char="■"/>
+              <a:defRPr sz="1400" kern="1200" baseline="0">
+                <a:solidFill>
+                  <a:schemeClr val="tx2"/>
+                </a:solidFill>
+                <a:latin typeface="+mn-lt"/>
+                <a:ea typeface="+mn-ea"/>
+                <a:cs typeface="+mn-cs"/>
+              </a:defRPr>
+            </a:lvl9pPr>
+          </a:lstStyle>
+          <a:p>
+            <a:r>
+              <a:rPr lang="en-US" dirty="0"/>
+              <a:t>Menu Items </a:t>
+            </a:r>
+            <a:r>
+              <a:rPr lang="mr-IN" dirty="0"/>
+              <a:t>–</a:t>
+            </a:r>
+            <a:r>
+              <a:rPr lang="en-US" dirty="0"/>
+              <a:t> </a:t>
+            </a:r>
+            <a:r>
+              <a:rPr lang="en-US" dirty="0" err="1"/>
+              <a:t>tabName</a:t>
+            </a:r>
+            <a:r>
+              <a:rPr lang="en-US" dirty="0"/>
+              <a:t> referenced in body.</a:t>
+            </a:r>
+          </a:p>
+          <a:p>
+            <a:r>
+              <a:rPr lang="en-US" dirty="0"/>
+              <a:t>Global Inputs </a:t>
+            </a:r>
+            <a:r>
+              <a:rPr lang="mr-IN" dirty="0"/>
+              <a:t>–</a:t>
+            </a:r>
+            <a:r>
+              <a:rPr lang="en-US" dirty="0"/>
+              <a:t> Should work on all tabs and for all visuals.</a:t>
+            </a:r>
+          </a:p>
+        </p:txBody>
+      </p:sp>
+    </p:spTree>
+    <p:extLst>
+      <p:ext uri="{BB962C8B-B14F-4D97-AF65-F5344CB8AC3E}">
+        <p14:creationId xmlns:p14="http://schemas.microsoft.com/office/powerpoint/2010/main" val="187690362"/>
+      </p:ext>
+    </p:extLst>
+  </p:cSld>
+  <p:clrMapOvr>
+    <a:masterClrMapping/>
+  </p:clrMapOvr>
+</p:sld>
+</file>
+
+<file path=ppt/slides/slide11.xml><?xml version="1.0" encoding="utf-8"?>
+<p:sld xmlns:a="http://schemas.openxmlformats.org/drawingml/2006/main" xmlns:r="http://schemas.openxmlformats.org/officeDocument/2006/relationships" xmlns:p="http://schemas.openxmlformats.org/presentationml/2006/main">
+  <p:cSld>
     <p:bg>
       <p:bgPr>
         <a:solidFill>
@@ -4680,7 +4989,7 @@
 </p:sld>
 </file>
 
-<file path=ppt/slides/slide11.xml><?xml version="1.0" encoding="utf-8"?>
+<file path=ppt/slides/slide12.xml><?xml version="1.0" encoding="utf-8"?>
 <p:sld xmlns:a="http://schemas.openxmlformats.org/drawingml/2006/main" xmlns:r="http://schemas.openxmlformats.org/officeDocument/2006/relationships" xmlns:p="http://schemas.openxmlformats.org/presentationml/2006/main">
   <p:cSld>
     <p:spTree>
@@ -4708,21 +5017,15 @@
           </p:nvPr>
         </p:nvPicPr>
         <p:blipFill>
-          <a:blip r:embed="rId2">
-            <a:extLst>
-              <a:ext uri="{28A0092B-C50C-407E-A947-70E740481C1C}">
-                <a14:useLocalDpi xmlns:a14="http://schemas.microsoft.com/office/drawing/2010/main" val="0"/>
-              </a:ext>
-            </a:extLst>
-          </a:blip>
+          <a:blip r:embed="rId2"/>
           <a:stretch>
             <a:fillRect/>
           </a:stretch>
         </p:blipFill>
         <p:spPr>
           <a:xfrm>
-            <a:off x="2232499" y="492826"/>
-            <a:ext cx="8379557" cy="3581400"/>
+            <a:off x="2398729" y="492826"/>
+            <a:ext cx="8047096" cy="3581400"/>
           </a:xfrm>
         </p:spPr>
       </p:pic>
@@ -5023,138 +5326,6 @@
 </p:sld>
 </file>
 
-<file path=ppt/slides/slide12.xml><?xml version="1.0" encoding="utf-8"?>
-<p:sld xmlns:a="http://schemas.openxmlformats.org/drawingml/2006/main" xmlns:r="http://schemas.openxmlformats.org/officeDocument/2006/relationships" xmlns:p="http://schemas.openxmlformats.org/presentationml/2006/main">
-  <p:cSld>
-    <p:spTree>
-      <p:nvGrpSpPr>
-        <p:cNvPr id="1" name=""/>
-        <p:cNvGrpSpPr/>
-        <p:nvPr/>
-      </p:nvGrpSpPr>
-      <p:grpSpPr>
-        <a:xfrm>
-          <a:off x="0" y="0"/>
-          <a:ext cx="0" cy="0"/>
-          <a:chOff x="0" y="0"/>
-          <a:chExt cx="0" cy="0"/>
-        </a:xfrm>
-      </p:grpSpPr>
-      <p:pic>
-        <p:nvPicPr>
-          <p:cNvPr id="6" name="Picture 5">
-            <a:extLst>
-              <a:ext uri="{FF2B5EF4-FFF2-40B4-BE49-F238E27FC236}">
-                <a16:creationId xmlns:a16="http://schemas.microsoft.com/office/drawing/2014/main" id="{A8FAAD8B-A67B-424E-9A43-B1D43264468A}"/>
-              </a:ext>
-            </a:extLst>
-          </p:cNvPr>
-          <p:cNvPicPr>
-            <a:picLocks noChangeAspect="1"/>
-          </p:cNvPicPr>
-          <p:nvPr/>
-        </p:nvPicPr>
-        <p:blipFill>
-          <a:blip r:embed="rId2"/>
-          <a:stretch>
-            <a:fillRect/>
-          </a:stretch>
-        </p:blipFill>
-        <p:spPr>
-          <a:xfrm>
-            <a:off x="634275" y="1977045"/>
-            <a:ext cx="6900380" cy="2903909"/>
-          </a:xfrm>
-          <a:prstGeom prst="rect">
-            <a:avLst/>
-          </a:prstGeom>
-        </p:spPr>
-      </p:pic>
-      <p:sp>
-        <p:nvSpPr>
-          <p:cNvPr id="2" name="Title 1">
-            <a:extLst>
-              <a:ext uri="{FF2B5EF4-FFF2-40B4-BE49-F238E27FC236}">
-                <a16:creationId xmlns:a16="http://schemas.microsoft.com/office/drawing/2014/main" id="{93E752AC-B56E-B242-AF0F-2B856C596FF0}"/>
-              </a:ext>
-            </a:extLst>
-          </p:cNvPr>
-          <p:cNvSpPr>
-            <a:spLocks noGrp="1"/>
-          </p:cNvSpPr>
-          <p:nvPr>
-            <p:ph type="title"/>
-          </p:nvPr>
-        </p:nvSpPr>
-        <p:spPr>
-          <a:xfrm>
-            <a:off x="8154030" y="1458506"/>
-            <a:ext cx="3176246" cy="3000139"/>
-          </a:xfrm>
-        </p:spPr>
-        <p:txBody>
-          <a:bodyPr vert="horz" lIns="91440" tIns="45720" rIns="91440" bIns="45720" rtlCol="0" anchor="b">
-            <a:normAutofit/>
-          </a:bodyPr>
-          <a:lstStyle/>
-          <a:p>
-            <a:pPr algn="l"/>
-            <a:r>
-              <a:rPr lang="en-US" sz="4800" dirty="0"/>
-              <a:t>Practice</a:t>
-            </a:r>
-          </a:p>
-        </p:txBody>
-      </p:sp>
-      <p:sp>
-        <p:nvSpPr>
-          <p:cNvPr id="4" name="Text Placeholder 3">
-            <a:extLst>
-              <a:ext uri="{FF2B5EF4-FFF2-40B4-BE49-F238E27FC236}">
-                <a16:creationId xmlns:a16="http://schemas.microsoft.com/office/drawing/2014/main" id="{1B99C553-D184-0E4D-8625-FAE69CAB35F9}"/>
-              </a:ext>
-            </a:extLst>
-          </p:cNvPr>
-          <p:cNvSpPr>
-            <a:spLocks noGrp="1"/>
-          </p:cNvSpPr>
-          <p:nvPr>
-            <p:ph type="body" idx="1"/>
-          </p:nvPr>
-        </p:nvSpPr>
-        <p:spPr>
-          <a:xfrm>
-            <a:off x="8569666" y="4458645"/>
-            <a:ext cx="3176246" cy="1656413"/>
-          </a:xfrm>
-        </p:spPr>
-        <p:txBody>
-          <a:bodyPr vert="horz" lIns="91440" tIns="45720" rIns="91440" bIns="45720" rtlCol="0">
-            <a:normAutofit/>
-          </a:bodyPr>
-          <a:lstStyle/>
-          <a:p>
-            <a:pPr algn="l"/>
-            <a:r>
-              <a:rPr lang="en-US" sz="2000" dirty="0"/>
-              <a:t>Storyboard - Blank</a:t>
-            </a:r>
-          </a:p>
-        </p:txBody>
-      </p:sp>
-    </p:spTree>
-    <p:extLst>
-      <p:ext uri="{BB962C8B-B14F-4D97-AF65-F5344CB8AC3E}">
-        <p14:creationId xmlns:p14="http://schemas.microsoft.com/office/powerpoint/2010/main" val="1913584219"/>
-      </p:ext>
-    </p:extLst>
-  </p:cSld>
-  <p:clrMapOvr>
-    <a:masterClrMapping/>
-  </p:clrMapOvr>
-</p:sld>
-</file>
-
 <file path=ppt/slides/slide13.xml><?xml version="1.0" encoding="utf-8"?>
 <p:sld xmlns:a="http://schemas.openxmlformats.org/drawingml/2006/main" xmlns:r="http://schemas.openxmlformats.org/officeDocument/2006/relationships" xmlns:p="http://schemas.openxmlformats.org/presentationml/2006/main">
   <p:cSld>
@@ -5234,6 +5405,148 @@
 </file>
 
 <file path=ppt/slides/slide14.xml><?xml version="1.0" encoding="utf-8"?>
+<p:sld xmlns:a="http://schemas.openxmlformats.org/drawingml/2006/main" xmlns:r="http://schemas.openxmlformats.org/officeDocument/2006/relationships" xmlns:p="http://schemas.openxmlformats.org/presentationml/2006/main">
+  <p:cSld>
+    <p:spTree>
+      <p:nvGrpSpPr>
+        <p:cNvPr id="1" name=""/>
+        <p:cNvGrpSpPr/>
+        <p:nvPr/>
+      </p:nvGrpSpPr>
+      <p:grpSpPr>
+        <a:xfrm>
+          <a:off x="0" y="0"/>
+          <a:ext cx="0" cy="0"/>
+          <a:chOff x="0" y="0"/>
+          <a:chExt cx="0" cy="0"/>
+        </a:xfrm>
+      </p:grpSpPr>
+      <p:sp>
+        <p:nvSpPr>
+          <p:cNvPr id="2" name="Title 1">
+            <a:extLst>
+              <a:ext uri="{FF2B5EF4-FFF2-40B4-BE49-F238E27FC236}">
+                <a16:creationId xmlns:a16="http://schemas.microsoft.com/office/drawing/2014/main" id="{2A872851-CB08-2845-A179-A461364A3792}"/>
+              </a:ext>
+            </a:extLst>
+          </p:cNvPr>
+          <p:cNvSpPr>
+            <a:spLocks noGrp="1"/>
+          </p:cNvSpPr>
+          <p:nvPr>
+            <p:ph type="title"/>
+          </p:nvPr>
+        </p:nvSpPr>
+        <p:spPr/>
+        <p:txBody>
+          <a:bodyPr/>
+          <a:lstStyle/>
+          <a:p>
+            <a:r>
+              <a:rPr lang="en-US" dirty="0"/>
+              <a:t>Basic Concepts</a:t>
+            </a:r>
+          </a:p>
+        </p:txBody>
+      </p:sp>
+      <p:sp>
+        <p:nvSpPr>
+          <p:cNvPr id="3" name="Content Placeholder 2">
+            <a:extLst>
+              <a:ext uri="{FF2B5EF4-FFF2-40B4-BE49-F238E27FC236}">
+                <a16:creationId xmlns:a16="http://schemas.microsoft.com/office/drawing/2014/main" id="{773CB9A0-AEAD-0A4E-AC88-5EB8FB7A4408}"/>
+              </a:ext>
+            </a:extLst>
+          </p:cNvPr>
+          <p:cNvSpPr>
+            <a:spLocks noGrp="1"/>
+          </p:cNvSpPr>
+          <p:nvPr>
+            <p:ph idx="1"/>
+          </p:nvPr>
+        </p:nvSpPr>
+        <p:spPr/>
+        <p:txBody>
+          <a:bodyPr/>
+          <a:lstStyle/>
+          <a:p>
+            <a:r>
+              <a:rPr lang="en-US" dirty="0"/>
+              <a:t>You can orientate by rows or columns</a:t>
+            </a:r>
+          </a:p>
+          <a:p>
+            <a:r>
+              <a:rPr lang="en-US" dirty="0"/>
+              <a:t>Each UI element is broken up by three “#” signs</a:t>
+            </a:r>
+          </a:p>
+          <a:p>
+            <a:r>
+              <a:rPr lang="en-US" dirty="0"/>
+              <a:t>Adding {.</a:t>
+            </a:r>
+            <a:r>
+              <a:rPr lang="en-US" dirty="0" err="1"/>
+              <a:t>tabset</a:t>
+            </a:r>
+            <a:r>
+              <a:rPr lang="en-US" dirty="0"/>
+              <a:t>}  after element can make the element tabbed</a:t>
+            </a:r>
+          </a:p>
+          <a:p>
+            <a:r>
+              <a:rPr lang="en-US" dirty="0"/>
+              <a:t>Similarly {.no-mobile} makes the row/column only show up on wider displays</a:t>
+            </a:r>
+          </a:p>
+        </p:txBody>
+      </p:sp>
+      <p:pic>
+        <p:nvPicPr>
+          <p:cNvPr id="5" name="Picture 4">
+            <a:extLst>
+              <a:ext uri="{FF2B5EF4-FFF2-40B4-BE49-F238E27FC236}">
+                <a16:creationId xmlns:a16="http://schemas.microsoft.com/office/drawing/2014/main" id="{14CACD77-D515-3D45-815F-BCA479484B80}"/>
+              </a:ext>
+            </a:extLst>
+          </p:cNvPr>
+          <p:cNvPicPr>
+            <a:picLocks noChangeAspect="1"/>
+          </p:cNvPicPr>
+          <p:nvPr/>
+        </p:nvPicPr>
+        <p:blipFill>
+          <a:blip r:embed="rId2"/>
+          <a:stretch>
+            <a:fillRect/>
+          </a:stretch>
+        </p:blipFill>
+        <p:spPr>
+          <a:xfrm>
+            <a:off x="5101179" y="1428750"/>
+            <a:ext cx="6564489" cy="674298"/>
+          </a:xfrm>
+          <a:prstGeom prst="rect">
+            <a:avLst/>
+          </a:prstGeom>
+        </p:spPr>
+      </p:pic>
+    </p:spTree>
+    <p:extLst>
+      <p:ext uri="{BB962C8B-B14F-4D97-AF65-F5344CB8AC3E}">
+        <p14:creationId xmlns:p14="http://schemas.microsoft.com/office/powerpoint/2010/main" val="3642021209"/>
+      </p:ext>
+    </p:extLst>
+  </p:cSld>
+  <p:clrMapOvr>
+    <a:masterClrMapping/>
+  </p:clrMapOvr>
+</p:sld>
+</file>
+
+<file path=ppt/slides/slide15.xml><?xml version="1.0" encoding="utf-8"?>
 <p:sld xmlns:a="http://schemas.openxmlformats.org/drawingml/2006/main" xmlns:r="http://schemas.openxmlformats.org/officeDocument/2006/relationships" xmlns:p="http://schemas.openxmlformats.org/presentationml/2006/main">
   <p:cSld>
     <p:bg>
@@ -5523,7 +5836,7 @@
           <a:lstStyle/>
           <a:p>
             <a:r>
-              <a:rPr lang="en-US" sz="7000" cap="all"/>
+              <a:rPr lang="en-US" sz="7000" cap="all" dirty="0"/>
               <a:t>Setup</a:t>
             </a:r>
           </a:p>
@@ -5709,104 +6022,58 @@
           </a:prstGeom>
         </p:spPr>
       </p:pic>
+      <p:sp>
+        <p:nvSpPr>
+          <p:cNvPr id="3" name="TextBox 2">
+            <a:extLst>
+              <a:ext uri="{FF2B5EF4-FFF2-40B4-BE49-F238E27FC236}">
+                <a16:creationId xmlns:a16="http://schemas.microsoft.com/office/drawing/2014/main" id="{A7524957-91E6-3642-9F8C-792F18045A15}"/>
+              </a:ext>
+            </a:extLst>
+          </p:cNvPr>
+          <p:cNvSpPr txBox="1"/>
+          <p:nvPr/>
+        </p:nvSpPr>
+        <p:spPr>
+          <a:xfrm>
+            <a:off x="1823215" y="4365918"/>
+            <a:ext cx="2540567" cy="369332"/>
+          </a:xfrm>
+          <a:prstGeom prst="rect">
+            <a:avLst/>
+          </a:prstGeom>
+          <a:noFill/>
+        </p:spPr>
+        <p:txBody>
+          <a:bodyPr wrap="none" rtlCol="0">
+            <a:spAutoFit/>
+          </a:bodyPr>
+          <a:lstStyle/>
+          <a:p>
+            <a:r>
+              <a:rPr lang="en-US" dirty="0"/>
+              <a:t>This uses .</a:t>
+            </a:r>
+            <a:r>
+              <a:rPr lang="en-US" dirty="0" err="1"/>
+              <a:t>yml</a:t>
+            </a:r>
+            <a:r>
+              <a:rPr lang="en-US" dirty="0"/>
+              <a:t> </a:t>
+            </a:r>
+            <a:r>
+              <a:rPr lang="en-US" dirty="0" err="1"/>
+              <a:t>formating</a:t>
+            </a:r>
+            <a:endParaRPr lang="en-US" dirty="0"/>
+          </a:p>
+        </p:txBody>
+      </p:sp>
     </p:spTree>
     <p:extLst>
       <p:ext uri="{BB962C8B-B14F-4D97-AF65-F5344CB8AC3E}">
         <p14:creationId xmlns:p14="http://schemas.microsoft.com/office/powerpoint/2010/main" val="1581701510"/>
-      </p:ext>
-    </p:extLst>
-  </p:cSld>
-  <p:clrMapOvr>
-    <a:masterClrMapping/>
-  </p:clrMapOvr>
-</p:sld>
-</file>
-
-<file path=ppt/slides/slide15.xml><?xml version="1.0" encoding="utf-8"?>
-<p:sld xmlns:a="http://schemas.openxmlformats.org/drawingml/2006/main" xmlns:r="http://schemas.openxmlformats.org/officeDocument/2006/relationships" xmlns:p="http://schemas.openxmlformats.org/presentationml/2006/main">
-  <p:cSld>
-    <p:spTree>
-      <p:nvGrpSpPr>
-        <p:cNvPr id="1" name=""/>
-        <p:cNvGrpSpPr/>
-        <p:nvPr/>
-      </p:nvGrpSpPr>
-      <p:grpSpPr>
-        <a:xfrm>
-          <a:off x="0" y="0"/>
-          <a:ext cx="0" cy="0"/>
-          <a:chOff x="0" y="0"/>
-          <a:chExt cx="0" cy="0"/>
-        </a:xfrm>
-      </p:grpSpPr>
-      <p:sp>
-        <p:nvSpPr>
-          <p:cNvPr id="2" name="Title 1">
-            <a:extLst>
-              <a:ext uri="{FF2B5EF4-FFF2-40B4-BE49-F238E27FC236}">
-                <a16:creationId xmlns:a16="http://schemas.microsoft.com/office/drawing/2014/main" id="{0632C4A6-4671-6C43-BC5B-7753C3E56D18}"/>
-              </a:ext>
-            </a:extLst>
-          </p:cNvPr>
-          <p:cNvSpPr>
-            <a:spLocks noGrp="1"/>
-          </p:cNvSpPr>
-          <p:nvPr>
-            <p:ph type="title"/>
-          </p:nvPr>
-        </p:nvSpPr>
-        <p:spPr>
-          <a:xfrm>
-            <a:off x="1371600" y="685800"/>
-            <a:ext cx="9601200" cy="1485900"/>
-          </a:xfrm>
-        </p:spPr>
-        <p:txBody>
-          <a:bodyPr/>
-          <a:lstStyle/>
-          <a:p>
-            <a:r>
-              <a:rPr lang="en-US"/>
-              <a:t>Basic Board Page</a:t>
-            </a:r>
-            <a:endParaRPr lang="en-US" dirty="0"/>
-          </a:p>
-        </p:txBody>
-      </p:sp>
-      <p:pic>
-        <p:nvPicPr>
-          <p:cNvPr id="5" name="Picture 4">
-            <a:extLst>
-              <a:ext uri="{FF2B5EF4-FFF2-40B4-BE49-F238E27FC236}">
-                <a16:creationId xmlns:a16="http://schemas.microsoft.com/office/drawing/2014/main" id="{8BF17EAD-5BFC-304E-98B5-8D21D93F2656}"/>
-              </a:ext>
-            </a:extLst>
-          </p:cNvPr>
-          <p:cNvPicPr>
-            <a:picLocks noChangeAspect="1"/>
-          </p:cNvPicPr>
-          <p:nvPr/>
-        </p:nvPicPr>
-        <p:blipFill>
-          <a:blip r:embed="rId2"/>
-          <a:stretch>
-            <a:fillRect/>
-          </a:stretch>
-        </p:blipFill>
-        <p:spPr>
-          <a:xfrm>
-            <a:off x="1132359" y="2527433"/>
-            <a:ext cx="10693400" cy="3458939"/>
-          </a:xfrm>
-          <a:prstGeom prst="rect">
-            <a:avLst/>
-          </a:prstGeom>
-        </p:spPr>
-      </p:pic>
-    </p:spTree>
-    <p:extLst>
-      <p:ext uri="{BB962C8B-B14F-4D97-AF65-F5344CB8AC3E}">
-        <p14:creationId xmlns:p14="http://schemas.microsoft.com/office/powerpoint/2010/main" val="3971189617"/>
       </p:ext>
     </p:extLst>
   </p:cSld>
@@ -5835,6 +6102,762 @@
       </p:grpSpPr>
       <p:sp>
         <p:nvSpPr>
+          <p:cNvPr id="2" name="Title 1">
+            <a:extLst>
+              <a:ext uri="{FF2B5EF4-FFF2-40B4-BE49-F238E27FC236}">
+                <a16:creationId xmlns:a16="http://schemas.microsoft.com/office/drawing/2014/main" id="{1CE94499-D0FE-FB41-8163-7FB0BA76B7C1}"/>
+              </a:ext>
+            </a:extLst>
+          </p:cNvPr>
+          <p:cNvSpPr>
+            <a:spLocks noGrp="1"/>
+          </p:cNvSpPr>
+          <p:nvPr>
+            <p:ph type="title"/>
+          </p:nvPr>
+        </p:nvSpPr>
+        <p:spPr/>
+        <p:txBody>
+          <a:bodyPr/>
+          <a:lstStyle/>
+          <a:p>
+            <a:r>
+              <a:rPr lang="en-US" dirty="0"/>
+              <a:t>Side Bars – Global</a:t>
+            </a:r>
+            <a:br>
+              <a:rPr lang="en-US" dirty="0"/>
+            </a:br>
+            <a:endParaRPr lang="en-US" dirty="0"/>
+          </a:p>
+        </p:txBody>
+      </p:sp>
+      <p:pic>
+        <p:nvPicPr>
+          <p:cNvPr id="7" name="Content Placeholder 6">
+            <a:extLst>
+              <a:ext uri="{FF2B5EF4-FFF2-40B4-BE49-F238E27FC236}">
+                <a16:creationId xmlns:a16="http://schemas.microsoft.com/office/drawing/2014/main" id="{37D2B55C-2FF8-3B41-9FB7-17B7E2CF71D3}"/>
+              </a:ext>
+            </a:extLst>
+          </p:cNvPr>
+          <p:cNvPicPr>
+            <a:picLocks noGrp="1" noChangeAspect="1"/>
+          </p:cNvPicPr>
+          <p:nvPr>
+            <p:ph sz="half" idx="1"/>
+          </p:nvPr>
+        </p:nvPicPr>
+        <p:blipFill>
+          <a:blip r:embed="rId2"/>
+          <a:stretch>
+            <a:fillRect/>
+          </a:stretch>
+        </p:blipFill>
+        <p:spPr>
+          <a:xfrm>
+            <a:off x="1212804" y="1664897"/>
+            <a:ext cx="10250755" cy="3735239"/>
+          </a:xfrm>
+        </p:spPr>
+      </p:pic>
+    </p:spTree>
+    <p:extLst>
+      <p:ext uri="{BB962C8B-B14F-4D97-AF65-F5344CB8AC3E}">
+        <p14:creationId xmlns:p14="http://schemas.microsoft.com/office/powerpoint/2010/main" val="968631805"/>
+      </p:ext>
+    </p:extLst>
+  </p:cSld>
+  <p:clrMapOvr>
+    <a:masterClrMapping/>
+  </p:clrMapOvr>
+</p:sld>
+</file>
+
+<file path=ppt/slides/slide17.xml><?xml version="1.0" encoding="utf-8"?>
+<p:sld xmlns:a="http://schemas.openxmlformats.org/drawingml/2006/main" xmlns:r="http://schemas.openxmlformats.org/officeDocument/2006/relationships" xmlns:p="http://schemas.openxmlformats.org/presentationml/2006/main">
+  <p:cSld>
+    <p:spTree>
+      <p:nvGrpSpPr>
+        <p:cNvPr id="1" name=""/>
+        <p:cNvGrpSpPr/>
+        <p:nvPr/>
+      </p:nvGrpSpPr>
+      <p:grpSpPr>
+        <a:xfrm>
+          <a:off x="0" y="0"/>
+          <a:ext cx="0" cy="0"/>
+          <a:chOff x="0" y="0"/>
+          <a:chExt cx="0" cy="0"/>
+        </a:xfrm>
+      </p:grpSpPr>
+      <p:sp>
+        <p:nvSpPr>
+          <p:cNvPr id="2" name="Title 1">
+            <a:extLst>
+              <a:ext uri="{FF2B5EF4-FFF2-40B4-BE49-F238E27FC236}">
+                <a16:creationId xmlns:a16="http://schemas.microsoft.com/office/drawing/2014/main" id="{1CE94499-D0FE-FB41-8163-7FB0BA76B7C1}"/>
+              </a:ext>
+            </a:extLst>
+          </p:cNvPr>
+          <p:cNvSpPr>
+            <a:spLocks noGrp="1"/>
+          </p:cNvSpPr>
+          <p:nvPr>
+            <p:ph type="title"/>
+          </p:nvPr>
+        </p:nvSpPr>
+        <p:spPr/>
+        <p:txBody>
+          <a:bodyPr/>
+          <a:lstStyle/>
+          <a:p>
+            <a:r>
+              <a:rPr lang="en-US" dirty="0"/>
+              <a:t>Side Bars – Single Page</a:t>
+            </a:r>
+          </a:p>
+        </p:txBody>
+      </p:sp>
+      <p:pic>
+        <p:nvPicPr>
+          <p:cNvPr id="7" name="Content Placeholder 6">
+            <a:extLst>
+              <a:ext uri="{FF2B5EF4-FFF2-40B4-BE49-F238E27FC236}">
+                <a16:creationId xmlns:a16="http://schemas.microsoft.com/office/drawing/2014/main" id="{37D2B55C-2FF8-3B41-9FB7-17B7E2CF71D3}"/>
+              </a:ext>
+            </a:extLst>
+          </p:cNvPr>
+          <p:cNvPicPr>
+            <a:picLocks noGrp="1" noChangeAspect="1"/>
+          </p:cNvPicPr>
+          <p:nvPr>
+            <p:ph sz="half" idx="1"/>
+          </p:nvPr>
+        </p:nvPicPr>
+        <p:blipFill>
+          <a:blip r:embed="rId2"/>
+          <a:stretch>
+            <a:fillRect/>
+          </a:stretch>
+        </p:blipFill>
+        <p:spPr>
+          <a:xfrm>
+            <a:off x="1221745" y="1664897"/>
+            <a:ext cx="10232873" cy="3735239"/>
+          </a:xfrm>
+        </p:spPr>
+      </p:pic>
+      <p:sp>
+        <p:nvSpPr>
+          <p:cNvPr id="8" name="TextBox 7">
+            <a:extLst>
+              <a:ext uri="{FF2B5EF4-FFF2-40B4-BE49-F238E27FC236}">
+                <a16:creationId xmlns:a16="http://schemas.microsoft.com/office/drawing/2014/main" id="{C9B140D6-F384-D04F-BA63-0686905D1D7A}"/>
+              </a:ext>
+            </a:extLst>
+          </p:cNvPr>
+          <p:cNvSpPr txBox="1"/>
+          <p:nvPr/>
+        </p:nvSpPr>
+        <p:spPr>
+          <a:xfrm>
+            <a:off x="3743864" y="931653"/>
+            <a:ext cx="184731" cy="369332"/>
+          </a:xfrm>
+          <a:prstGeom prst="rect">
+            <a:avLst/>
+          </a:prstGeom>
+          <a:noFill/>
+        </p:spPr>
+        <p:txBody>
+          <a:bodyPr wrap="none" rtlCol="0">
+            <a:spAutoFit/>
+          </a:bodyPr>
+          <a:lstStyle/>
+          <a:p>
+            <a:endParaRPr lang="en-US" dirty="0"/>
+          </a:p>
+        </p:txBody>
+      </p:sp>
+    </p:spTree>
+    <p:extLst>
+      <p:ext uri="{BB962C8B-B14F-4D97-AF65-F5344CB8AC3E}">
+        <p14:creationId xmlns:p14="http://schemas.microsoft.com/office/powerpoint/2010/main" val="1419153030"/>
+      </p:ext>
+    </p:extLst>
+  </p:cSld>
+  <p:clrMapOvr>
+    <a:masterClrMapping/>
+  </p:clrMapOvr>
+</p:sld>
+</file>
+
+<file path=ppt/slides/slide18.xml><?xml version="1.0" encoding="utf-8"?>
+<p:sld xmlns:a="http://schemas.openxmlformats.org/drawingml/2006/main" xmlns:r="http://schemas.openxmlformats.org/officeDocument/2006/relationships" xmlns:p="http://schemas.openxmlformats.org/presentationml/2006/main">
+  <p:cSld>
+    <p:spTree>
+      <p:nvGrpSpPr>
+        <p:cNvPr id="1" name=""/>
+        <p:cNvGrpSpPr/>
+        <p:nvPr/>
+      </p:nvGrpSpPr>
+      <p:grpSpPr>
+        <a:xfrm>
+          <a:off x="0" y="0"/>
+          <a:ext cx="0" cy="0"/>
+          <a:chOff x="0" y="0"/>
+          <a:chExt cx="0" cy="0"/>
+        </a:xfrm>
+      </p:grpSpPr>
+      <p:sp>
+        <p:nvSpPr>
+          <p:cNvPr id="2" name="Title 1">
+            <a:extLst>
+              <a:ext uri="{FF2B5EF4-FFF2-40B4-BE49-F238E27FC236}">
+                <a16:creationId xmlns:a16="http://schemas.microsoft.com/office/drawing/2014/main" id="{0632C4A6-4671-6C43-BC5B-7753C3E56D18}"/>
+              </a:ext>
+            </a:extLst>
+          </p:cNvPr>
+          <p:cNvSpPr>
+            <a:spLocks noGrp="1"/>
+          </p:cNvSpPr>
+          <p:nvPr>
+            <p:ph type="title"/>
+          </p:nvPr>
+        </p:nvSpPr>
+        <p:spPr>
+          <a:xfrm>
+            <a:off x="1371600" y="685800"/>
+            <a:ext cx="9601200" cy="1485900"/>
+          </a:xfrm>
+        </p:spPr>
+        <p:txBody>
+          <a:bodyPr/>
+          <a:lstStyle/>
+          <a:p>
+            <a:r>
+              <a:rPr lang="en-US"/>
+              <a:t>Basic Board Page</a:t>
+            </a:r>
+            <a:endParaRPr lang="en-US" dirty="0"/>
+          </a:p>
+        </p:txBody>
+      </p:sp>
+      <p:pic>
+        <p:nvPicPr>
+          <p:cNvPr id="5" name="Picture 4">
+            <a:extLst>
+              <a:ext uri="{FF2B5EF4-FFF2-40B4-BE49-F238E27FC236}">
+                <a16:creationId xmlns:a16="http://schemas.microsoft.com/office/drawing/2014/main" id="{8BF17EAD-5BFC-304E-98B5-8D21D93F2656}"/>
+              </a:ext>
+            </a:extLst>
+          </p:cNvPr>
+          <p:cNvPicPr>
+            <a:picLocks noChangeAspect="1"/>
+          </p:cNvPicPr>
+          <p:nvPr/>
+        </p:nvPicPr>
+        <p:blipFill>
+          <a:blip r:embed="rId2"/>
+          <a:stretch>
+            <a:fillRect/>
+          </a:stretch>
+        </p:blipFill>
+        <p:spPr>
+          <a:xfrm>
+            <a:off x="1324108" y="1633728"/>
+            <a:ext cx="9478801" cy="4352645"/>
+          </a:xfrm>
+          <a:prstGeom prst="rect">
+            <a:avLst/>
+          </a:prstGeom>
+        </p:spPr>
+      </p:pic>
+    </p:spTree>
+    <p:extLst>
+      <p:ext uri="{BB962C8B-B14F-4D97-AF65-F5344CB8AC3E}">
+        <p14:creationId xmlns:p14="http://schemas.microsoft.com/office/powerpoint/2010/main" val="3971189617"/>
+      </p:ext>
+    </p:extLst>
+  </p:cSld>
+  <p:clrMapOvr>
+    <a:masterClrMapping/>
+  </p:clrMapOvr>
+</p:sld>
+</file>
+
+<file path=ppt/slides/slide19.xml><?xml version="1.0" encoding="utf-8"?>
+<p:sld xmlns:a="http://schemas.openxmlformats.org/drawingml/2006/main" xmlns:r="http://schemas.openxmlformats.org/officeDocument/2006/relationships" xmlns:p="http://schemas.openxmlformats.org/presentationml/2006/main">
+  <p:cSld>
+    <p:spTree>
+      <p:nvGrpSpPr>
+        <p:cNvPr id="1" name=""/>
+        <p:cNvGrpSpPr/>
+        <p:nvPr/>
+      </p:nvGrpSpPr>
+      <p:grpSpPr>
+        <a:xfrm>
+          <a:off x="0" y="0"/>
+          <a:ext cx="0" cy="0"/>
+          <a:chOff x="0" y="0"/>
+          <a:chExt cx="0" cy="0"/>
+        </a:xfrm>
+      </p:grpSpPr>
+      <p:sp>
+        <p:nvSpPr>
+          <p:cNvPr id="2" name="Title 1">
+            <a:extLst>
+              <a:ext uri="{FF2B5EF4-FFF2-40B4-BE49-F238E27FC236}">
+                <a16:creationId xmlns:a16="http://schemas.microsoft.com/office/drawing/2014/main" id="{A9197FEC-15B1-284B-8877-34708D636BEB}"/>
+              </a:ext>
+            </a:extLst>
+          </p:cNvPr>
+          <p:cNvSpPr>
+            <a:spLocks noGrp="1"/>
+          </p:cNvSpPr>
+          <p:nvPr>
+            <p:ph type="title"/>
+          </p:nvPr>
+        </p:nvSpPr>
+        <p:spPr/>
+        <p:txBody>
+          <a:bodyPr/>
+          <a:lstStyle/>
+          <a:p>
+            <a:r>
+              <a:rPr lang="en-US" dirty="0"/>
+              <a:t>Value Boxes (no info boxes in flex)</a:t>
+            </a:r>
+          </a:p>
+        </p:txBody>
+      </p:sp>
+      <p:pic>
+        <p:nvPicPr>
+          <p:cNvPr id="5" name="Content Placeholder 4">
+            <a:extLst>
+              <a:ext uri="{FF2B5EF4-FFF2-40B4-BE49-F238E27FC236}">
+                <a16:creationId xmlns:a16="http://schemas.microsoft.com/office/drawing/2014/main" id="{9884021C-4B17-4A4D-9703-103320424F97}"/>
+              </a:ext>
+            </a:extLst>
+          </p:cNvPr>
+          <p:cNvPicPr>
+            <a:picLocks noGrp="1" noChangeAspect="1"/>
+          </p:cNvPicPr>
+          <p:nvPr>
+            <p:ph idx="1"/>
+          </p:nvPr>
+        </p:nvPicPr>
+        <p:blipFill>
+          <a:blip r:embed="rId2"/>
+          <a:stretch>
+            <a:fillRect/>
+          </a:stretch>
+        </p:blipFill>
+        <p:spPr>
+          <a:xfrm>
+            <a:off x="1371600" y="3096055"/>
+            <a:ext cx="9601200" cy="1961290"/>
+          </a:xfrm>
+        </p:spPr>
+      </p:pic>
+    </p:spTree>
+    <p:extLst>
+      <p:ext uri="{BB962C8B-B14F-4D97-AF65-F5344CB8AC3E}">
+        <p14:creationId xmlns:p14="http://schemas.microsoft.com/office/powerpoint/2010/main" val="2177291671"/>
+      </p:ext>
+    </p:extLst>
+  </p:cSld>
+  <p:clrMapOvr>
+    <a:masterClrMapping/>
+  </p:clrMapOvr>
+</p:sld>
+</file>
+
+<file path=ppt/slides/slide2.xml><?xml version="1.0" encoding="utf-8"?>
+<p:sld xmlns:a="http://schemas.openxmlformats.org/drawingml/2006/main" xmlns:r="http://schemas.openxmlformats.org/officeDocument/2006/relationships" xmlns:p="http://schemas.openxmlformats.org/presentationml/2006/main">
+  <p:cSld>
+    <p:spTree>
+      <p:nvGrpSpPr>
+        <p:cNvPr id="1" name=""/>
+        <p:cNvGrpSpPr/>
+        <p:nvPr/>
+      </p:nvGrpSpPr>
+      <p:grpSpPr>
+        <a:xfrm>
+          <a:off x="0" y="0"/>
+          <a:ext cx="0" cy="0"/>
+          <a:chOff x="0" y="0"/>
+          <a:chExt cx="0" cy="0"/>
+        </a:xfrm>
+      </p:grpSpPr>
+      <p:sp>
+        <p:nvSpPr>
+          <p:cNvPr id="2" name="Title 1">
+            <a:extLst>
+              <a:ext uri="{FF2B5EF4-FFF2-40B4-BE49-F238E27FC236}">
+                <a16:creationId xmlns:a16="http://schemas.microsoft.com/office/drawing/2014/main" id="{4E8107C2-80F5-7B49-95D7-B31418FACCBE}"/>
+              </a:ext>
+            </a:extLst>
+          </p:cNvPr>
+          <p:cNvSpPr>
+            <a:spLocks noGrp="1"/>
+          </p:cNvSpPr>
+          <p:nvPr>
+            <p:ph type="title"/>
+          </p:nvPr>
+        </p:nvSpPr>
+        <p:spPr/>
+        <p:txBody>
+          <a:bodyPr/>
+          <a:lstStyle/>
+          <a:p>
+            <a:r>
+              <a:rPr lang="en-US" dirty="0"/>
+              <a:t>Agenda	</a:t>
+            </a:r>
+          </a:p>
+        </p:txBody>
+      </p:sp>
+      <p:sp>
+        <p:nvSpPr>
+          <p:cNvPr id="3" name="Content Placeholder 2">
+            <a:extLst>
+              <a:ext uri="{FF2B5EF4-FFF2-40B4-BE49-F238E27FC236}">
+                <a16:creationId xmlns:a16="http://schemas.microsoft.com/office/drawing/2014/main" id="{797C1799-F4A0-DB41-9A56-E6CF3B522CCC}"/>
+              </a:ext>
+            </a:extLst>
+          </p:cNvPr>
+          <p:cNvSpPr>
+            <a:spLocks noGrp="1"/>
+          </p:cNvSpPr>
+          <p:nvPr>
+            <p:ph idx="1"/>
+          </p:nvPr>
+        </p:nvSpPr>
+        <p:spPr/>
+        <p:txBody>
+          <a:bodyPr/>
+          <a:lstStyle/>
+          <a:p>
+            <a:r>
+              <a:rPr lang="en-US" dirty="0"/>
+              <a:t>Homework 2 Questions?</a:t>
+            </a:r>
+          </a:p>
+          <a:p>
+            <a:r>
+              <a:rPr lang="en-US" dirty="0"/>
+              <a:t>Shiny Dashboard</a:t>
+            </a:r>
+          </a:p>
+          <a:p>
+            <a:r>
+              <a:rPr lang="en-US" dirty="0" err="1"/>
+              <a:t>Flexdashboard</a:t>
+            </a:r>
+            <a:endParaRPr lang="en-US" dirty="0"/>
+          </a:p>
+          <a:p>
+            <a:r>
+              <a:rPr lang="en-US" dirty="0"/>
+              <a:t>Publishing to </a:t>
+            </a:r>
+            <a:r>
+              <a:rPr lang="en-US" dirty="0" err="1"/>
+              <a:t>shinyapps.io</a:t>
+            </a:r>
+            <a:endParaRPr lang="en-US" dirty="0"/>
+          </a:p>
+          <a:p>
+            <a:r>
+              <a:rPr lang="en-US" dirty="0"/>
+              <a:t>Packages for next week!</a:t>
+            </a:r>
+          </a:p>
+        </p:txBody>
+      </p:sp>
+    </p:spTree>
+    <p:extLst>
+      <p:ext uri="{BB962C8B-B14F-4D97-AF65-F5344CB8AC3E}">
+        <p14:creationId xmlns:p14="http://schemas.microsoft.com/office/powerpoint/2010/main" val="2153960195"/>
+      </p:ext>
+    </p:extLst>
+  </p:cSld>
+  <p:clrMapOvr>
+    <a:masterClrMapping/>
+  </p:clrMapOvr>
+</p:sld>
+</file>
+
+<file path=ppt/slides/slide20.xml><?xml version="1.0" encoding="utf-8"?>
+<p:sld xmlns:a="http://schemas.openxmlformats.org/drawingml/2006/main" xmlns:r="http://schemas.openxmlformats.org/officeDocument/2006/relationships" xmlns:p="http://schemas.openxmlformats.org/presentationml/2006/main">
+  <p:cSld>
+    <p:spTree>
+      <p:nvGrpSpPr>
+        <p:cNvPr id="1" name=""/>
+        <p:cNvGrpSpPr/>
+        <p:nvPr/>
+      </p:nvGrpSpPr>
+      <p:grpSpPr>
+        <a:xfrm>
+          <a:off x="0" y="0"/>
+          <a:ext cx="0" cy="0"/>
+          <a:chOff x="0" y="0"/>
+          <a:chExt cx="0" cy="0"/>
+        </a:xfrm>
+      </p:grpSpPr>
+      <p:sp>
+        <p:nvSpPr>
+          <p:cNvPr id="2" name="Title 1">
+            <a:extLst>
+              <a:ext uri="{FF2B5EF4-FFF2-40B4-BE49-F238E27FC236}">
+                <a16:creationId xmlns:a16="http://schemas.microsoft.com/office/drawing/2014/main" id="{A9197FEC-15B1-284B-8877-34708D636BEB}"/>
+              </a:ext>
+            </a:extLst>
+          </p:cNvPr>
+          <p:cNvSpPr>
+            <a:spLocks noGrp="1"/>
+          </p:cNvSpPr>
+          <p:nvPr>
+            <p:ph type="title"/>
+          </p:nvPr>
+        </p:nvSpPr>
+        <p:spPr/>
+        <p:txBody>
+          <a:bodyPr/>
+          <a:lstStyle/>
+          <a:p>
+            <a:r>
+              <a:rPr lang="en-US" dirty="0"/>
+              <a:t>Gauges</a:t>
+            </a:r>
+          </a:p>
+        </p:txBody>
+      </p:sp>
+      <p:pic>
+        <p:nvPicPr>
+          <p:cNvPr id="7" name="Content Placeholder 6">
+            <a:extLst>
+              <a:ext uri="{FF2B5EF4-FFF2-40B4-BE49-F238E27FC236}">
+                <a16:creationId xmlns:a16="http://schemas.microsoft.com/office/drawing/2014/main" id="{7C0DEA2D-B678-2B4B-8F6B-C443EDF7DE02}"/>
+              </a:ext>
+            </a:extLst>
+          </p:cNvPr>
+          <p:cNvPicPr>
+            <a:picLocks noGrp="1" noChangeAspect="1"/>
+          </p:cNvPicPr>
+          <p:nvPr>
+            <p:ph idx="1"/>
+          </p:nvPr>
+        </p:nvPicPr>
+        <p:blipFill>
+          <a:blip r:embed="rId2"/>
+          <a:stretch>
+            <a:fillRect/>
+          </a:stretch>
+        </p:blipFill>
+        <p:spPr>
+          <a:xfrm>
+            <a:off x="1371600" y="3178009"/>
+            <a:ext cx="9601200" cy="1797381"/>
+          </a:xfrm>
+        </p:spPr>
+      </p:pic>
+      <p:pic>
+        <p:nvPicPr>
+          <p:cNvPr id="9" name="Picture 8">
+            <a:extLst>
+              <a:ext uri="{FF2B5EF4-FFF2-40B4-BE49-F238E27FC236}">
+                <a16:creationId xmlns:a16="http://schemas.microsoft.com/office/drawing/2014/main" id="{6E5D66DC-CE8B-C048-BEF6-50C8D5525CD3}"/>
+              </a:ext>
+            </a:extLst>
+          </p:cNvPr>
+          <p:cNvPicPr>
+            <a:picLocks noChangeAspect="1"/>
+          </p:cNvPicPr>
+          <p:nvPr/>
+        </p:nvPicPr>
+        <p:blipFill>
+          <a:blip r:embed="rId3"/>
+          <a:stretch>
+            <a:fillRect/>
+          </a:stretch>
+        </p:blipFill>
+        <p:spPr>
+          <a:xfrm>
+            <a:off x="6880524" y="592055"/>
+            <a:ext cx="3606800" cy="2082800"/>
+          </a:xfrm>
+          <a:prstGeom prst="rect">
+            <a:avLst/>
+          </a:prstGeom>
+        </p:spPr>
+      </p:pic>
+    </p:spTree>
+    <p:extLst>
+      <p:ext uri="{BB962C8B-B14F-4D97-AF65-F5344CB8AC3E}">
+        <p14:creationId xmlns:p14="http://schemas.microsoft.com/office/powerpoint/2010/main" val="2325815395"/>
+      </p:ext>
+    </p:extLst>
+  </p:cSld>
+  <p:clrMapOvr>
+    <a:masterClrMapping/>
+  </p:clrMapOvr>
+</p:sld>
+</file>
+
+<file path=ppt/slides/slide21.xml><?xml version="1.0" encoding="utf-8"?>
+<p:sld xmlns:a="http://schemas.openxmlformats.org/drawingml/2006/main" xmlns:r="http://schemas.openxmlformats.org/officeDocument/2006/relationships" xmlns:p="http://schemas.openxmlformats.org/presentationml/2006/main">
+  <p:cSld>
+    <p:spTree>
+      <p:nvGrpSpPr>
+        <p:cNvPr id="1" name=""/>
+        <p:cNvGrpSpPr/>
+        <p:nvPr/>
+      </p:nvGrpSpPr>
+      <p:grpSpPr>
+        <a:xfrm>
+          <a:off x="0" y="0"/>
+          <a:ext cx="0" cy="0"/>
+          <a:chOff x="0" y="0"/>
+          <a:chExt cx="0" cy="0"/>
+        </a:xfrm>
+      </p:grpSpPr>
+      <p:pic>
+        <p:nvPicPr>
+          <p:cNvPr id="6" name="Picture 5">
+            <a:extLst>
+              <a:ext uri="{FF2B5EF4-FFF2-40B4-BE49-F238E27FC236}">
+                <a16:creationId xmlns:a16="http://schemas.microsoft.com/office/drawing/2014/main" id="{A8FAAD8B-A67B-424E-9A43-B1D43264468A}"/>
+              </a:ext>
+            </a:extLst>
+          </p:cNvPr>
+          <p:cNvPicPr>
+            <a:picLocks noChangeAspect="1"/>
+          </p:cNvPicPr>
+          <p:nvPr/>
+        </p:nvPicPr>
+        <p:blipFill>
+          <a:blip r:embed="rId2"/>
+          <a:stretch>
+            <a:fillRect/>
+          </a:stretch>
+        </p:blipFill>
+        <p:spPr>
+          <a:xfrm>
+            <a:off x="634275" y="1977045"/>
+            <a:ext cx="6900380" cy="2903909"/>
+          </a:xfrm>
+          <a:prstGeom prst="rect">
+            <a:avLst/>
+          </a:prstGeom>
+        </p:spPr>
+      </p:pic>
+      <p:sp>
+        <p:nvSpPr>
+          <p:cNvPr id="2" name="Title 1">
+            <a:extLst>
+              <a:ext uri="{FF2B5EF4-FFF2-40B4-BE49-F238E27FC236}">
+                <a16:creationId xmlns:a16="http://schemas.microsoft.com/office/drawing/2014/main" id="{93E752AC-B56E-B242-AF0F-2B856C596FF0}"/>
+              </a:ext>
+            </a:extLst>
+          </p:cNvPr>
+          <p:cNvSpPr>
+            <a:spLocks noGrp="1"/>
+          </p:cNvSpPr>
+          <p:nvPr>
+            <p:ph type="title"/>
+          </p:nvPr>
+        </p:nvSpPr>
+        <p:spPr>
+          <a:xfrm>
+            <a:off x="8154030" y="1458506"/>
+            <a:ext cx="3176246" cy="3000139"/>
+          </a:xfrm>
+        </p:spPr>
+        <p:txBody>
+          <a:bodyPr vert="horz" lIns="91440" tIns="45720" rIns="91440" bIns="45720" rtlCol="0" anchor="b">
+            <a:normAutofit/>
+          </a:bodyPr>
+          <a:lstStyle/>
+          <a:p>
+            <a:pPr algn="l"/>
+            <a:r>
+              <a:rPr lang="en-US" sz="4800" dirty="0"/>
+              <a:t>Practice</a:t>
+            </a:r>
+          </a:p>
+        </p:txBody>
+      </p:sp>
+      <p:sp>
+        <p:nvSpPr>
+          <p:cNvPr id="4" name="Text Placeholder 3">
+            <a:extLst>
+              <a:ext uri="{FF2B5EF4-FFF2-40B4-BE49-F238E27FC236}">
+                <a16:creationId xmlns:a16="http://schemas.microsoft.com/office/drawing/2014/main" id="{1B99C553-D184-0E4D-8625-FAE69CAB35F9}"/>
+              </a:ext>
+            </a:extLst>
+          </p:cNvPr>
+          <p:cNvSpPr>
+            <a:spLocks noGrp="1"/>
+          </p:cNvSpPr>
+          <p:nvPr>
+            <p:ph type="body" idx="1"/>
+          </p:nvPr>
+        </p:nvSpPr>
+        <p:spPr>
+          <a:xfrm>
+            <a:off x="8569666" y="4458645"/>
+            <a:ext cx="3176246" cy="1656413"/>
+          </a:xfrm>
+        </p:spPr>
+        <p:txBody>
+          <a:bodyPr vert="horz" lIns="91440" tIns="45720" rIns="91440" bIns="45720" rtlCol="0">
+            <a:normAutofit/>
+          </a:bodyPr>
+          <a:lstStyle/>
+          <a:p>
+            <a:pPr algn="l"/>
+            <a:r>
+              <a:rPr lang="en-US" sz="2000" dirty="0"/>
+              <a:t>Storyboard - Blank</a:t>
+            </a:r>
+          </a:p>
+        </p:txBody>
+      </p:sp>
+    </p:spTree>
+    <p:extLst>
+      <p:ext uri="{BB962C8B-B14F-4D97-AF65-F5344CB8AC3E}">
+        <p14:creationId xmlns:p14="http://schemas.microsoft.com/office/powerpoint/2010/main" val="1913584219"/>
+      </p:ext>
+    </p:extLst>
+  </p:cSld>
+  <p:clrMapOvr>
+    <a:masterClrMapping/>
+  </p:clrMapOvr>
+</p:sld>
+</file>
+
+<file path=ppt/slides/slide22.xml><?xml version="1.0" encoding="utf-8"?>
+<p:sld xmlns:a="http://schemas.openxmlformats.org/drawingml/2006/main" xmlns:r="http://schemas.openxmlformats.org/officeDocument/2006/relationships" xmlns:p="http://schemas.openxmlformats.org/presentationml/2006/main">
+  <p:cSld>
+    <p:spTree>
+      <p:nvGrpSpPr>
+        <p:cNvPr id="1" name=""/>
+        <p:cNvGrpSpPr/>
+        <p:nvPr/>
+      </p:nvGrpSpPr>
+      <p:grpSpPr>
+        <a:xfrm>
+          <a:off x="0" y="0"/>
+          <a:ext cx="0" cy="0"/>
+          <a:chOff x="0" y="0"/>
+          <a:chExt cx="0" cy="0"/>
+        </a:xfrm>
+      </p:grpSpPr>
+      <p:sp>
+        <p:nvSpPr>
           <p:cNvPr id="2" name="Title 1"/>
           <p:cNvSpPr>
             <a:spLocks noGrp="1"/>
@@ -5879,12 +6902,6 @@
               <a:t>http://www.shinyapps.io/</a:t>
             </a:r>
             <a:endParaRPr lang="en-US" dirty="0"/>
-          </a:p>
-          <a:p>
-            <a:r>
-              <a:rPr lang="en-US" dirty="0"/>
-              <a:t>Section 6</a:t>
-            </a:r>
           </a:p>
         </p:txBody>
       </p:sp>
@@ -5901,7 +6918,7 @@
 </p:sld>
 </file>
 
-<file path=ppt/slides/slide17.xml><?xml version="1.0" encoding="utf-8"?>
+<file path=ppt/slides/slide23.xml><?xml version="1.0" encoding="utf-8"?>
 <p:sld xmlns:a="http://schemas.openxmlformats.org/drawingml/2006/main" xmlns:r="http://schemas.openxmlformats.org/officeDocument/2006/relationships" xmlns:p="http://schemas.openxmlformats.org/presentationml/2006/main">
   <p:cSld>
     <p:spTree>
@@ -6123,7 +7140,7 @@
 </p:sld>
 </file>
 
-<file path=ppt/slides/slide18.xml><?xml version="1.0" encoding="utf-8"?>
+<file path=ppt/slides/slide24.xml><?xml version="1.0" encoding="utf-8"?>
 <p:sld xmlns:a="http://schemas.openxmlformats.org/drawingml/2006/main" xmlns:r="http://schemas.openxmlformats.org/officeDocument/2006/relationships" xmlns:p="http://schemas.openxmlformats.org/presentationml/2006/main">
   <p:cSld>
     <p:spTree>
@@ -6343,7 +7360,7 @@
 </p:sld>
 </file>
 
-<file path=ppt/slides/slide19.xml><?xml version="1.0" encoding="utf-8"?>
+<file path=ppt/slides/slide25.xml><?xml version="1.0" encoding="utf-8"?>
 <p:sld xmlns:a="http://schemas.openxmlformats.org/drawingml/2006/main" xmlns:r="http://schemas.openxmlformats.org/officeDocument/2006/relationships" xmlns:p="http://schemas.openxmlformats.org/presentationml/2006/main">
   <p:cSld>
     <p:spTree>
@@ -6470,7 +7487,7 @@
 </p:sld>
 </file>
 
-<file path=ppt/slides/slide2.xml><?xml version="1.0" encoding="utf-8"?>
+<file path=ppt/slides/slide26.xml><?xml version="1.0" encoding="utf-8"?>
 <p:sld xmlns:a="http://schemas.openxmlformats.org/drawingml/2006/main" xmlns:r="http://schemas.openxmlformats.org/officeDocument/2006/relationships" xmlns:p="http://schemas.openxmlformats.org/presentationml/2006/main">
   <p:cSld>
     <p:spTree>
@@ -6492,116 +7509,6 @@
           <p:cNvPr id="2" name="Title 1">
             <a:extLst>
               <a:ext uri="{FF2B5EF4-FFF2-40B4-BE49-F238E27FC236}">
-                <a16:creationId xmlns:a16="http://schemas.microsoft.com/office/drawing/2014/main" id="{4E8107C2-80F5-7B49-95D7-B31418FACCBE}"/>
-              </a:ext>
-            </a:extLst>
-          </p:cNvPr>
-          <p:cNvSpPr>
-            <a:spLocks noGrp="1"/>
-          </p:cNvSpPr>
-          <p:nvPr>
-            <p:ph type="title"/>
-          </p:nvPr>
-        </p:nvSpPr>
-        <p:spPr/>
-        <p:txBody>
-          <a:bodyPr/>
-          <a:lstStyle/>
-          <a:p>
-            <a:r>
-              <a:rPr lang="en-US" dirty="0"/>
-              <a:t>Agenda	</a:t>
-            </a:r>
-          </a:p>
-        </p:txBody>
-      </p:sp>
-      <p:sp>
-        <p:nvSpPr>
-          <p:cNvPr id="3" name="Content Placeholder 2">
-            <a:extLst>
-              <a:ext uri="{FF2B5EF4-FFF2-40B4-BE49-F238E27FC236}">
-                <a16:creationId xmlns:a16="http://schemas.microsoft.com/office/drawing/2014/main" id="{797C1799-F4A0-DB41-9A56-E6CF3B522CCC}"/>
-              </a:ext>
-            </a:extLst>
-          </p:cNvPr>
-          <p:cNvSpPr>
-            <a:spLocks noGrp="1"/>
-          </p:cNvSpPr>
-          <p:nvPr>
-            <p:ph idx="1"/>
-          </p:nvPr>
-        </p:nvSpPr>
-        <p:spPr/>
-        <p:txBody>
-          <a:bodyPr/>
-          <a:lstStyle/>
-          <a:p>
-            <a:r>
-              <a:rPr lang="en-US" dirty="0"/>
-              <a:t>Shiny Dashboard</a:t>
-            </a:r>
-          </a:p>
-          <a:p>
-            <a:r>
-              <a:rPr lang="en-US" dirty="0" err="1"/>
-              <a:t>Flexdashboard</a:t>
-            </a:r>
-            <a:endParaRPr lang="en-US" dirty="0"/>
-          </a:p>
-          <a:p>
-            <a:r>
-              <a:rPr lang="en-US" dirty="0"/>
-              <a:t>Publishing to </a:t>
-            </a:r>
-            <a:r>
-              <a:rPr lang="en-US" dirty="0" err="1"/>
-              <a:t>shinyapps.io</a:t>
-            </a:r>
-            <a:endParaRPr lang="en-US" dirty="0"/>
-          </a:p>
-          <a:p>
-            <a:r>
-              <a:rPr lang="en-US" dirty="0"/>
-              <a:t>Next week</a:t>
-            </a:r>
-          </a:p>
-        </p:txBody>
-      </p:sp>
-    </p:spTree>
-    <p:extLst>
-      <p:ext uri="{BB962C8B-B14F-4D97-AF65-F5344CB8AC3E}">
-        <p14:creationId xmlns:p14="http://schemas.microsoft.com/office/powerpoint/2010/main" val="2153960195"/>
-      </p:ext>
-    </p:extLst>
-  </p:cSld>
-  <p:clrMapOvr>
-    <a:masterClrMapping/>
-  </p:clrMapOvr>
-</p:sld>
-</file>
-
-<file path=ppt/slides/slide20.xml><?xml version="1.0" encoding="utf-8"?>
-<p:sld xmlns:a="http://schemas.openxmlformats.org/drawingml/2006/main" xmlns:r="http://schemas.openxmlformats.org/officeDocument/2006/relationships" xmlns:p="http://schemas.openxmlformats.org/presentationml/2006/main">
-  <p:cSld>
-    <p:spTree>
-      <p:nvGrpSpPr>
-        <p:cNvPr id="1" name=""/>
-        <p:cNvGrpSpPr/>
-        <p:nvPr/>
-      </p:nvGrpSpPr>
-      <p:grpSpPr>
-        <a:xfrm>
-          <a:off x="0" y="0"/>
-          <a:ext cx="0" cy="0"/>
-          <a:chOff x="0" y="0"/>
-          <a:chExt cx="0" cy="0"/>
-        </a:xfrm>
-      </p:grpSpPr>
-      <p:sp>
-        <p:nvSpPr>
-          <p:cNvPr id="2" name="Title 1">
-            <a:extLst>
-              <a:ext uri="{FF2B5EF4-FFF2-40B4-BE49-F238E27FC236}">
                 <a16:creationId xmlns:a16="http://schemas.microsoft.com/office/drawing/2014/main" id="{630B28CF-9A9F-BB44-B219-CB5CE04F45F0}"/>
               </a:ext>
             </a:extLst>
@@ -6663,7 +7570,7 @@
 </p:sld>
 </file>
 
-<file path=ppt/slides/slide21.xml><?xml version="1.0" encoding="utf-8"?>
+<file path=ppt/slides/slide27.xml><?xml version="1.0" encoding="utf-8"?>
 <p:sld xmlns:a="http://schemas.openxmlformats.org/drawingml/2006/main" xmlns:r="http://schemas.openxmlformats.org/officeDocument/2006/relationships" xmlns:p="http://schemas.openxmlformats.org/presentationml/2006/main">
   <p:cSld>
     <p:spTree>
@@ -6810,32 +7717,10 @@
       </p:grpSpPr>
       <p:sp>
         <p:nvSpPr>
-          <p:cNvPr id="2" name="Title 1"/>
-          <p:cNvSpPr>
-            <a:spLocks noGrp="1"/>
-          </p:cNvSpPr>
-          <p:nvPr>
-            <p:ph type="title"/>
-          </p:nvPr>
-        </p:nvSpPr>
-        <p:spPr/>
-        <p:txBody>
-          <a:bodyPr/>
-          <a:lstStyle/>
-          <a:p>
-            <a:r>
-              <a:rPr lang="en-US" dirty="0"/>
-              <a:t>Shiny Dashboard</a:t>
-            </a:r>
-          </a:p>
-        </p:txBody>
-      </p:sp>
-      <p:sp>
-        <p:nvSpPr>
-          <p:cNvPr id="4" name="Text Placeholder 3">
+          <p:cNvPr id="2" name="Title 1">
             <a:extLst>
               <a:ext uri="{FF2B5EF4-FFF2-40B4-BE49-F238E27FC236}">
-                <a16:creationId xmlns:a16="http://schemas.microsoft.com/office/drawing/2014/main" id="{69E1FA9A-3279-D845-98BF-9D61AC24590A}"/>
+                <a16:creationId xmlns:a16="http://schemas.microsoft.com/office/drawing/2014/main" id="{E413857F-D338-5141-9B1E-189E0CF25570}"/>
               </a:ext>
             </a:extLst>
           </p:cNvPr>
@@ -6843,7 +7728,7 @@
             <a:spLocks noGrp="1"/>
           </p:cNvSpPr>
           <p:nvPr>
-            <p:ph type="body" idx="1"/>
+            <p:ph type="title"/>
           </p:nvPr>
         </p:nvSpPr>
         <p:spPr/>
@@ -6851,14 +7736,45 @@
           <a:bodyPr/>
           <a:lstStyle/>
           <a:p>
-            <a:endParaRPr lang="en-US" dirty="0"/>
+            <a:r>
+              <a:rPr lang="en-US" dirty="0"/>
+              <a:t>Any questions for homework 2?</a:t>
+            </a:r>
+          </a:p>
+        </p:txBody>
+      </p:sp>
+      <p:sp>
+        <p:nvSpPr>
+          <p:cNvPr id="3" name="Text Placeholder 2">
+            <a:extLst>
+              <a:ext uri="{FF2B5EF4-FFF2-40B4-BE49-F238E27FC236}">
+                <a16:creationId xmlns:a16="http://schemas.microsoft.com/office/drawing/2014/main" id="{2C4AC0B9-FFCF-2542-BAEF-D4EE04956151}"/>
+              </a:ext>
+            </a:extLst>
+          </p:cNvPr>
+          <p:cNvSpPr>
+            <a:spLocks noGrp="1"/>
+          </p:cNvSpPr>
+          <p:nvPr>
+            <p:ph type="body" idx="1"/>
+          </p:nvPr>
+        </p:nvSpPr>
+        <p:spPr/>
+        <p:txBody>
+          <a:bodyPr/>
+          <a:lstStyle/>
+          <a:p>
+            <a:r>
+              <a:rPr lang="en-US" dirty="0"/>
+              <a:t>Or wait for office hours. The choice is yours</a:t>
+            </a:r>
           </a:p>
         </p:txBody>
       </p:sp>
     </p:spTree>
     <p:extLst>
       <p:ext uri="{BB962C8B-B14F-4D97-AF65-F5344CB8AC3E}">
-        <p14:creationId xmlns:p14="http://schemas.microsoft.com/office/powerpoint/2010/main" val="86106604"/>
+        <p14:creationId xmlns:p14="http://schemas.microsoft.com/office/powerpoint/2010/main" val="354004952"/>
       </p:ext>
     </p:extLst>
   </p:cSld>
@@ -6902,6 +7818,83 @@
           <a:p>
             <a:r>
               <a:rPr lang="en-US" dirty="0"/>
+              <a:t>Shiny Dashboard</a:t>
+            </a:r>
+          </a:p>
+        </p:txBody>
+      </p:sp>
+      <p:sp>
+        <p:nvSpPr>
+          <p:cNvPr id="4" name="Text Placeholder 3">
+            <a:extLst>
+              <a:ext uri="{FF2B5EF4-FFF2-40B4-BE49-F238E27FC236}">
+                <a16:creationId xmlns:a16="http://schemas.microsoft.com/office/drawing/2014/main" id="{69E1FA9A-3279-D845-98BF-9D61AC24590A}"/>
+              </a:ext>
+            </a:extLst>
+          </p:cNvPr>
+          <p:cNvSpPr>
+            <a:spLocks noGrp="1"/>
+          </p:cNvSpPr>
+          <p:nvPr>
+            <p:ph type="body" idx="1"/>
+          </p:nvPr>
+        </p:nvSpPr>
+        <p:spPr/>
+        <p:txBody>
+          <a:bodyPr/>
+          <a:lstStyle/>
+          <a:p>
+            <a:endParaRPr lang="en-US" dirty="0"/>
+          </a:p>
+        </p:txBody>
+      </p:sp>
+    </p:spTree>
+    <p:extLst>
+      <p:ext uri="{BB962C8B-B14F-4D97-AF65-F5344CB8AC3E}">
+        <p14:creationId xmlns:p14="http://schemas.microsoft.com/office/powerpoint/2010/main" val="86106604"/>
+      </p:ext>
+    </p:extLst>
+  </p:cSld>
+  <p:clrMapOvr>
+    <a:masterClrMapping/>
+  </p:clrMapOvr>
+</p:sld>
+</file>
+
+<file path=ppt/slides/slide5.xml><?xml version="1.0" encoding="utf-8"?>
+<p:sld xmlns:a="http://schemas.openxmlformats.org/drawingml/2006/main" xmlns:r="http://schemas.openxmlformats.org/officeDocument/2006/relationships" xmlns:p="http://schemas.openxmlformats.org/presentationml/2006/main">
+  <p:cSld>
+    <p:spTree>
+      <p:nvGrpSpPr>
+        <p:cNvPr id="1" name=""/>
+        <p:cNvGrpSpPr/>
+        <p:nvPr/>
+      </p:nvGrpSpPr>
+      <p:grpSpPr>
+        <a:xfrm>
+          <a:off x="0" y="0"/>
+          <a:ext cx="0" cy="0"/>
+          <a:chOff x="0" y="0"/>
+          <a:chExt cx="0" cy="0"/>
+        </a:xfrm>
+      </p:grpSpPr>
+      <p:sp>
+        <p:nvSpPr>
+          <p:cNvPr id="2" name="Title 1"/>
+          <p:cNvSpPr>
+            <a:spLocks noGrp="1"/>
+          </p:cNvSpPr>
+          <p:nvPr>
+            <p:ph type="title"/>
+          </p:nvPr>
+        </p:nvSpPr>
+        <p:spPr/>
+        <p:txBody>
+          <a:bodyPr/>
+          <a:lstStyle/>
+          <a:p>
+            <a:r>
+              <a:rPr lang="en-US" dirty="0"/>
               <a:t>Basic Layout</a:t>
             </a:r>
           </a:p>
@@ -6983,21 +7976,15 @@
           <p:nvPr/>
         </p:nvPicPr>
         <p:blipFill>
-          <a:blip r:embed="rId2">
-            <a:extLst>
-              <a:ext uri="{28A0092B-C50C-407E-A947-70E740481C1C}">
-                <a14:useLocalDpi xmlns:a14="http://schemas.microsoft.com/office/drawing/2010/main" val="0"/>
-              </a:ext>
-            </a:extLst>
-          </a:blip>
+          <a:blip r:embed="rId2"/>
           <a:stretch>
             <a:fillRect/>
           </a:stretch>
         </p:blipFill>
         <p:spPr>
           <a:xfrm>
-            <a:off x="4070350" y="1657350"/>
-            <a:ext cx="4203700" cy="381000"/>
+            <a:off x="3431719" y="1645920"/>
+            <a:ext cx="4842331" cy="356803"/>
           </a:xfrm>
           <a:prstGeom prst="rect">
             <a:avLst/>
@@ -7017,7 +8004,7 @@
 </p:sld>
 </file>
 
-<file path=ppt/slides/slide5.xml><?xml version="1.0" encoding="utf-8"?>
+<file path=ppt/slides/slide6.xml><?xml version="1.0" encoding="utf-8"?>
 <p:sld xmlns:a="http://schemas.openxmlformats.org/drawingml/2006/main" xmlns:r="http://schemas.openxmlformats.org/officeDocument/2006/relationships" xmlns:p="http://schemas.openxmlformats.org/presentationml/2006/main">
   <p:cSld>
     <p:bg>
@@ -7409,7 +8396,7 @@
 </p:sld>
 </file>
 
-<file path=ppt/slides/slide6.xml><?xml version="1.0" encoding="utf-8"?>
+<file path=ppt/slides/slide7.xml><?xml version="1.0" encoding="utf-8"?>
 <p:sld xmlns:a="http://schemas.openxmlformats.org/drawingml/2006/main" xmlns:r="http://schemas.openxmlformats.org/officeDocument/2006/relationships" xmlns:p="http://schemas.openxmlformats.org/presentationml/2006/main">
   <p:cSld>
     <p:bg>
@@ -7865,7 +8852,7 @@
 </p:sld>
 </file>
 
-<file path=ppt/slides/slide7.xml><?xml version="1.0" encoding="utf-8"?>
+<file path=ppt/slides/slide8.xml><?xml version="1.0" encoding="utf-8"?>
 <p:sld xmlns:a="http://schemas.openxmlformats.org/drawingml/2006/main" xmlns:r="http://schemas.openxmlformats.org/officeDocument/2006/relationships" xmlns:p="http://schemas.openxmlformats.org/presentationml/2006/main">
   <p:cSld>
     <p:spTree>
@@ -7960,21 +8947,15 @@
           </p:nvPr>
         </p:nvPicPr>
         <p:blipFill>
-          <a:blip r:embed="rId2">
-            <a:extLst>
-              <a:ext uri="{28A0092B-C50C-407E-A947-70E740481C1C}">
-                <a14:useLocalDpi xmlns:a14="http://schemas.microsoft.com/office/drawing/2010/main" val="0"/>
-              </a:ext>
-            </a:extLst>
-          </a:blip>
+          <a:blip r:embed="rId2"/>
           <a:stretch>
             <a:fillRect/>
           </a:stretch>
         </p:blipFill>
         <p:spPr>
           <a:xfrm>
-            <a:off x="3384367" y="720643"/>
-            <a:ext cx="8403604" cy="3083794"/>
+            <a:off x="3384367" y="895447"/>
+            <a:ext cx="8403604" cy="2734186"/>
           </a:xfrm>
         </p:spPr>
       </p:pic>
@@ -8078,7 +9059,7 @@
 </p:sld>
 </file>
 
-<file path=ppt/slides/slide8.xml><?xml version="1.0" encoding="utf-8"?>
+<file path=ppt/slides/slide9.xml><?xml version="1.0" encoding="utf-8"?>
 <p:sld xmlns:a="http://schemas.openxmlformats.org/drawingml/2006/main" xmlns:r="http://schemas.openxmlformats.org/officeDocument/2006/relationships" xmlns:p="http://schemas.openxmlformats.org/presentationml/2006/main">
   <p:cSld>
     <p:bg>
@@ -8524,315 +9505,6 @@
     <p:extLst>
       <p:ext uri="{BB962C8B-B14F-4D97-AF65-F5344CB8AC3E}">
         <p14:creationId xmlns:p14="http://schemas.microsoft.com/office/powerpoint/2010/main" val="56285536"/>
-      </p:ext>
-    </p:extLst>
-  </p:cSld>
-  <p:clrMapOvr>
-    <a:masterClrMapping/>
-  </p:clrMapOvr>
-</p:sld>
-</file>
-
-<file path=ppt/slides/slide9.xml><?xml version="1.0" encoding="utf-8"?>
-<p:sld xmlns:a="http://schemas.openxmlformats.org/drawingml/2006/main" xmlns:r="http://schemas.openxmlformats.org/officeDocument/2006/relationships" xmlns:p="http://schemas.openxmlformats.org/presentationml/2006/main">
-  <p:cSld>
-    <p:spTree>
-      <p:nvGrpSpPr>
-        <p:cNvPr id="1" name=""/>
-        <p:cNvGrpSpPr/>
-        <p:nvPr/>
-      </p:nvGrpSpPr>
-      <p:grpSpPr>
-        <a:xfrm>
-          <a:off x="0" y="0"/>
-          <a:ext cx="0" cy="0"/>
-          <a:chOff x="0" y="0"/>
-          <a:chExt cx="0" cy="0"/>
-        </a:xfrm>
-      </p:grpSpPr>
-      <p:pic>
-        <p:nvPicPr>
-          <p:cNvPr id="4" name="Content Placeholder 3"/>
-          <p:cNvPicPr>
-            <a:picLocks noGrp="1" noChangeAspect="1"/>
-          </p:cNvPicPr>
-          <p:nvPr>
-            <p:ph idx="1"/>
-          </p:nvPr>
-        </p:nvPicPr>
-        <p:blipFill>
-          <a:blip r:embed="rId2">
-            <a:extLst>
-              <a:ext uri="{28A0092B-C50C-407E-A947-70E740481C1C}">
-                <a14:useLocalDpi xmlns:a14="http://schemas.microsoft.com/office/drawing/2010/main" val="0"/>
-              </a:ext>
-            </a:extLst>
-          </a:blip>
-          <a:stretch>
-            <a:fillRect/>
-          </a:stretch>
-        </p:blipFill>
-        <p:spPr>
-          <a:xfrm>
-            <a:off x="1454727" y="516359"/>
-            <a:ext cx="9601200" cy="2821816"/>
-          </a:xfrm>
-        </p:spPr>
-      </p:pic>
-      <p:sp>
-        <p:nvSpPr>
-          <p:cNvPr id="6" name="Content Placeholder 2"/>
-          <p:cNvSpPr txBox="1">
-            <a:spLocks/>
-          </p:cNvSpPr>
-          <p:nvPr/>
-        </p:nvSpPr>
-        <p:spPr>
-          <a:xfrm>
-            <a:off x="1371600" y="4073236"/>
-            <a:ext cx="6572992" cy="2367144"/>
-          </a:xfrm>
-          <a:prstGeom prst="rect">
-            <a:avLst/>
-          </a:prstGeom>
-        </p:spPr>
-        <p:txBody>
-          <a:bodyPr vert="horz" lIns="91440" tIns="45720" rIns="91440" bIns="45720" rtlCol="0">
-            <a:normAutofit/>
-          </a:bodyPr>
-          <a:lstStyle>
-            <a:lvl1pPr marL="384048" indent="-384048" algn="l" defTabSz="914400" rtl="0" eaLnBrk="1" latinLnBrk="0" hangingPunct="1">
-              <a:lnSpc>
-                <a:spcPct val="94000"/>
-              </a:lnSpc>
-              <a:spcBef>
-                <a:spcPts val="1000"/>
-              </a:spcBef>
-              <a:spcAft>
-                <a:spcPts val="200"/>
-              </a:spcAft>
-              <a:buFont typeface="Franklin Gothic Book" panose="020B0503020102020204" pitchFamily="34" charset="0"/>
-              <a:buChar char="■"/>
-              <a:defRPr sz="2000" kern="1200" baseline="0">
-                <a:solidFill>
-                  <a:schemeClr val="tx2"/>
-                </a:solidFill>
-                <a:latin typeface="+mn-lt"/>
-                <a:ea typeface="+mn-ea"/>
-                <a:cs typeface="+mn-cs"/>
-              </a:defRPr>
-            </a:lvl1pPr>
-            <a:lvl2pPr marL="384048" indent="-384048" algn="l" defTabSz="914400" rtl="0" eaLnBrk="1" latinLnBrk="0" hangingPunct="1">
-              <a:lnSpc>
-                <a:spcPct val="94000"/>
-              </a:lnSpc>
-              <a:spcBef>
-                <a:spcPts val="500"/>
-              </a:spcBef>
-              <a:spcAft>
-                <a:spcPts val="200"/>
-              </a:spcAft>
-              <a:buFont typeface="Franklin Gothic Book" panose="020B0503020102020204" pitchFamily="34" charset="0"/>
-              <a:buChar char="–"/>
-              <a:defRPr sz="2000" i="1" kern="1200" baseline="0">
-                <a:solidFill>
-                  <a:schemeClr val="tx2"/>
-                </a:solidFill>
-                <a:latin typeface="+mn-lt"/>
-                <a:ea typeface="+mn-ea"/>
-                <a:cs typeface="+mn-cs"/>
-              </a:defRPr>
-            </a:lvl2pPr>
-            <a:lvl3pPr marL="384048" indent="-384048" algn="l" defTabSz="914400" rtl="0" eaLnBrk="1" latinLnBrk="0" hangingPunct="1">
-              <a:lnSpc>
-                <a:spcPct val="94000"/>
-              </a:lnSpc>
-              <a:spcBef>
-                <a:spcPts val="500"/>
-              </a:spcBef>
-              <a:spcAft>
-                <a:spcPts val="200"/>
-              </a:spcAft>
-              <a:buFont typeface="Franklin Gothic Book" panose="020B0503020102020204" pitchFamily="34" charset="0"/>
-              <a:buChar char="■"/>
-              <a:defRPr sz="1800" kern="1200" baseline="0">
-                <a:solidFill>
-                  <a:schemeClr val="tx2"/>
-                </a:solidFill>
-                <a:latin typeface="+mn-lt"/>
-                <a:ea typeface="+mn-ea"/>
-                <a:cs typeface="+mn-cs"/>
-              </a:defRPr>
-            </a:lvl3pPr>
-            <a:lvl4pPr marL="384048" indent="-384048" algn="l" defTabSz="914400" rtl="0" eaLnBrk="1" latinLnBrk="0" hangingPunct="1">
-              <a:lnSpc>
-                <a:spcPct val="94000"/>
-              </a:lnSpc>
-              <a:spcBef>
-                <a:spcPts val="500"/>
-              </a:spcBef>
-              <a:spcAft>
-                <a:spcPts val="200"/>
-              </a:spcAft>
-              <a:buFont typeface="Franklin Gothic Book" panose="020B0503020102020204" pitchFamily="34" charset="0"/>
-              <a:buChar char="–"/>
-              <a:defRPr sz="1800" i="1" kern="1200" baseline="0">
-                <a:solidFill>
-                  <a:schemeClr val="tx2"/>
-                </a:solidFill>
-                <a:latin typeface="+mn-lt"/>
-                <a:ea typeface="+mn-ea"/>
-                <a:cs typeface="+mn-cs"/>
-              </a:defRPr>
-            </a:lvl4pPr>
-            <a:lvl5pPr marL="384048" indent="-384048" algn="l" defTabSz="914400" rtl="0" eaLnBrk="1" latinLnBrk="0" hangingPunct="1">
-              <a:lnSpc>
-                <a:spcPct val="94000"/>
-              </a:lnSpc>
-              <a:spcBef>
-                <a:spcPts val="500"/>
-              </a:spcBef>
-              <a:spcAft>
-                <a:spcPts val="200"/>
-              </a:spcAft>
-              <a:buFont typeface="Franklin Gothic Book" panose="020B0503020102020204" pitchFamily="34" charset="0"/>
-              <a:buChar char="■"/>
-              <a:defRPr sz="1600" kern="1200" baseline="0">
-                <a:solidFill>
-                  <a:schemeClr val="tx2"/>
-                </a:solidFill>
-                <a:latin typeface="+mn-lt"/>
-                <a:ea typeface="+mn-ea"/>
-                <a:cs typeface="+mn-cs"/>
-              </a:defRPr>
-            </a:lvl5pPr>
-            <a:lvl6pPr marL="384048" indent="-384048" algn="l" defTabSz="914400" rtl="0" eaLnBrk="1" latinLnBrk="0" hangingPunct="1">
-              <a:lnSpc>
-                <a:spcPct val="94000"/>
-              </a:lnSpc>
-              <a:spcBef>
-                <a:spcPts val="500"/>
-              </a:spcBef>
-              <a:spcAft>
-                <a:spcPts val="200"/>
-              </a:spcAft>
-              <a:buFont typeface="Franklin Gothic Book" panose="020B0503020102020204" pitchFamily="34" charset="0"/>
-              <a:buChar char="–"/>
-              <a:defRPr sz="1600" i="1" kern="1200" baseline="0">
-                <a:solidFill>
-                  <a:schemeClr val="tx2"/>
-                </a:solidFill>
-                <a:latin typeface="+mn-lt"/>
-                <a:ea typeface="+mn-ea"/>
-                <a:cs typeface="+mn-cs"/>
-              </a:defRPr>
-            </a:lvl6pPr>
-            <a:lvl7pPr marL="384048" indent="-384048" algn="l" defTabSz="914400" rtl="0" eaLnBrk="1" latinLnBrk="0" hangingPunct="1">
-              <a:lnSpc>
-                <a:spcPct val="94000"/>
-              </a:lnSpc>
-              <a:spcBef>
-                <a:spcPts val="500"/>
-              </a:spcBef>
-              <a:spcAft>
-                <a:spcPts val="200"/>
-              </a:spcAft>
-              <a:buFont typeface="Franklin Gothic Book" panose="020B0503020102020204" pitchFamily="34" charset="0"/>
-              <a:buChar char="■"/>
-              <a:defRPr sz="1400" kern="1200" baseline="0">
-                <a:solidFill>
-                  <a:schemeClr val="tx2"/>
-                </a:solidFill>
-                <a:latin typeface="+mn-lt"/>
-                <a:ea typeface="+mn-ea"/>
-                <a:cs typeface="+mn-cs"/>
-              </a:defRPr>
-            </a:lvl7pPr>
-            <a:lvl8pPr marL="384048" indent="-384048" algn="l" defTabSz="914400" rtl="0" eaLnBrk="1" latinLnBrk="0" hangingPunct="1">
-              <a:lnSpc>
-                <a:spcPct val="94000"/>
-              </a:lnSpc>
-              <a:spcBef>
-                <a:spcPts val="500"/>
-              </a:spcBef>
-              <a:spcAft>
-                <a:spcPts val="200"/>
-              </a:spcAft>
-              <a:buFont typeface="Franklin Gothic Book" panose="020B0503020102020204" pitchFamily="34" charset="0"/>
-              <a:buChar char="–"/>
-              <a:defRPr sz="1400" i="1" kern="1200" baseline="0">
-                <a:solidFill>
-                  <a:schemeClr val="tx2"/>
-                </a:solidFill>
-                <a:latin typeface="+mn-lt"/>
-                <a:ea typeface="+mn-ea"/>
-                <a:cs typeface="+mn-cs"/>
-              </a:defRPr>
-            </a:lvl8pPr>
-            <a:lvl9pPr marL="384048" indent="-384048" algn="l" defTabSz="914400" rtl="0" eaLnBrk="1" latinLnBrk="0" hangingPunct="1">
-              <a:lnSpc>
-                <a:spcPct val="94000"/>
-              </a:lnSpc>
-              <a:spcBef>
-                <a:spcPts val="500"/>
-              </a:spcBef>
-              <a:spcAft>
-                <a:spcPts val="200"/>
-              </a:spcAft>
-              <a:buFont typeface="Franklin Gothic Book" panose="020B0503020102020204" pitchFamily="34" charset="0"/>
-              <a:buChar char="■"/>
-              <a:defRPr sz="1400" kern="1200" baseline="0">
-                <a:solidFill>
-                  <a:schemeClr val="tx2"/>
-                </a:solidFill>
-                <a:latin typeface="+mn-lt"/>
-                <a:ea typeface="+mn-ea"/>
-                <a:cs typeface="+mn-cs"/>
-              </a:defRPr>
-            </a:lvl9pPr>
-          </a:lstStyle>
-          <a:p>
-            <a:r>
-              <a:rPr lang="en-US" dirty="0"/>
-              <a:t>Menu Items </a:t>
-            </a:r>
-            <a:r>
-              <a:rPr lang="mr-IN" dirty="0"/>
-              <a:t>–</a:t>
-            </a:r>
-            <a:r>
-              <a:rPr lang="en-US" dirty="0"/>
-              <a:t> </a:t>
-            </a:r>
-            <a:r>
-              <a:rPr lang="en-US" dirty="0" err="1"/>
-              <a:t>tabName</a:t>
-            </a:r>
-            <a:r>
-              <a:rPr lang="en-US" dirty="0"/>
-              <a:t> referenced in body.</a:t>
-            </a:r>
-          </a:p>
-          <a:p>
-            <a:r>
-              <a:rPr lang="en-US" dirty="0"/>
-              <a:t>Global Inputs </a:t>
-            </a:r>
-            <a:r>
-              <a:rPr lang="mr-IN" dirty="0"/>
-              <a:t>–</a:t>
-            </a:r>
-            <a:r>
-              <a:rPr lang="en-US" dirty="0"/>
-              <a:t> Should work on all tabs and for all visuals.</a:t>
-            </a:r>
-          </a:p>
-        </p:txBody>
-      </p:sp>
-    </p:spTree>
-    <p:extLst>
-      <p:ext uri="{BB962C8B-B14F-4D97-AF65-F5344CB8AC3E}">
-        <p14:creationId xmlns:p14="http://schemas.microsoft.com/office/powerpoint/2010/main" val="187690362"/>
       </p:ext>
     </p:extLst>
   </p:cSld>

--- a/Class 6.pptx
+++ b/Class 6.pptx
@@ -4211,9 +4211,10 @@
           <a:lstStyle/>
           <a:p>
             <a:r>
-              <a:rPr lang="en-US" dirty="0"/>
-              <a:t>Class 5</a:t>
-            </a:r>
+              <a:rPr lang="en-US"/>
+              <a:t>Class 6</a:t>
+            </a:r>
+            <a:endParaRPr lang="en-US" dirty="0"/>
           </a:p>
         </p:txBody>
       </p:sp>
